--- a/Presentation.pptx
+++ b/Presentation.pptx
@@ -5,28 +5,34 @@
     <p:sldMasterId id="2147483648" r:id="rId1"/>
   </p:sldMasterIdLst>
   <p:notesMasterIdLst>
-    <p:notesMasterId r:id="rId21"/>
+    <p:notesMasterId r:id="rId27"/>
   </p:notesMasterIdLst>
   <p:sldIdLst>
     <p:sldId id="256" r:id="rId2"/>
     <p:sldId id="346" r:id="rId3"/>
     <p:sldId id="348" r:id="rId4"/>
-    <p:sldId id="260" r:id="rId5"/>
-    <p:sldId id="349" r:id="rId6"/>
-    <p:sldId id="351" r:id="rId7"/>
-    <p:sldId id="352" r:id="rId8"/>
-    <p:sldId id="350" r:id="rId9"/>
-    <p:sldId id="353" r:id="rId10"/>
-    <p:sldId id="347" r:id="rId11"/>
-    <p:sldId id="354" r:id="rId12"/>
-    <p:sldId id="356" r:id="rId13"/>
-    <p:sldId id="355" r:id="rId14"/>
-    <p:sldId id="357" r:id="rId15"/>
-    <p:sldId id="358" r:id="rId16"/>
-    <p:sldId id="359" r:id="rId17"/>
-    <p:sldId id="360" r:id="rId18"/>
-    <p:sldId id="361" r:id="rId19"/>
-    <p:sldId id="334" r:id="rId20"/>
+    <p:sldId id="362" r:id="rId5"/>
+    <p:sldId id="260" r:id="rId6"/>
+    <p:sldId id="349" r:id="rId7"/>
+    <p:sldId id="351" r:id="rId8"/>
+    <p:sldId id="352" r:id="rId9"/>
+    <p:sldId id="350" r:id="rId10"/>
+    <p:sldId id="353" r:id="rId11"/>
+    <p:sldId id="347" r:id="rId12"/>
+    <p:sldId id="354" r:id="rId13"/>
+    <p:sldId id="356" r:id="rId14"/>
+    <p:sldId id="355" r:id="rId15"/>
+    <p:sldId id="364" r:id="rId16"/>
+    <p:sldId id="363" r:id="rId17"/>
+    <p:sldId id="358" r:id="rId18"/>
+    <p:sldId id="359" r:id="rId19"/>
+    <p:sldId id="360" r:id="rId20"/>
+    <p:sldId id="361" r:id="rId21"/>
+    <p:sldId id="366" r:id="rId22"/>
+    <p:sldId id="367" r:id="rId23"/>
+    <p:sldId id="369" r:id="rId24"/>
+    <p:sldId id="334" r:id="rId25"/>
+    <p:sldId id="368" r:id="rId26"/>
   </p:sldIdLst>
   <p:sldSz cx="12192000" cy="6858000"/>
   <p:notesSz cx="6858000" cy="9144000"/>
@@ -163,6 +169,18 @@
 </p:presentation>
 </file>
 
+<file path=ppt/commentAuthors.xml><?xml version="1.0" encoding="utf-8"?>
+<p:cmAuthorLst xmlns:a="http://schemas.openxmlformats.org/drawingml/2006/main" xmlns:r="http://schemas.openxmlformats.org/officeDocument/2006/relationships" xmlns:p="http://schemas.openxmlformats.org/presentationml/2006/main">
+  <p:cmAuthor id="1" name="אוראל רחום" initials="אר" lastIdx="1" clrIdx="0">
+    <p:extLst>
+      <p:ext uri="{19B8F6BF-5375-455C-9EA6-DF929625EA0E}">
+        <p15:presenceInfo xmlns:p15="http://schemas.microsoft.com/office/powerpoint/2012/main" userId="אוראל רחום" providerId="None"/>
+      </p:ext>
+    </p:extLst>
+  </p:cmAuthor>
+</p:cmAuthorLst>
+</file>
+
 <file path=ppt/notesMasters/notesMaster1.xml><?xml version="1.0" encoding="utf-8"?>
 <p:notesMaster xmlns:a="http://schemas.openxmlformats.org/drawingml/2006/main" xmlns:r="http://schemas.openxmlformats.org/officeDocument/2006/relationships" xmlns:p="http://schemas.openxmlformats.org/presentationml/2006/main">
   <p:cSld>
@@ -245,7 +263,7 @@
           <a:p>
             <a:fld id="{649BBD9C-D497-449B-8A45-CEFABABC0F14}" type="datetimeFigureOut">
               <a:rPr lang="he-IL" smtClean="0"/>
-              <a:t>י'/כסלו/תשפ"א</a:t>
+              <a:t>י"ד/כסלו/תשפ"א</a:t>
             </a:fld>
             <a:endParaRPr lang="he-IL"/>
           </a:p>
@@ -732,7 +750,7 @@
             </a:pPr>
             <a:fld id="{11F60F8F-5620-4AC4-968B-8E708B0EB044}" type="datetime8">
               <a:rPr lang="he-IL" smtClean="0"/>
-              <a:t>26 נובמבר 20</a:t>
+              <a:t>30 נובמבר 20</a:t>
             </a:fld>
             <a:endParaRPr lang="he-IL"/>
           </a:p>
@@ -927,7 +945,7 @@
             </a:pPr>
             <a:fld id="{BC5AA7AD-4D67-4DA3-8B76-37A3860C5796}" type="datetime8">
               <a:rPr lang="he-IL" smtClean="0"/>
-              <a:t>26 נובמבר 20</a:t>
+              <a:t>30 נובמבר 20</a:t>
             </a:fld>
             <a:endParaRPr lang="he-IL"/>
           </a:p>
@@ -1132,7 +1150,7 @@
             </a:pPr>
             <a:fld id="{8065C4D4-8AC6-4D06-87EA-123022CBEBAD}" type="datetime8">
               <a:rPr lang="he-IL" smtClean="0"/>
-              <a:t>26 נובמבר 20</a:t>
+              <a:t>30 נובמבר 20</a:t>
             </a:fld>
             <a:endParaRPr lang="he-IL"/>
           </a:p>
@@ -1327,7 +1345,7 @@
             </a:pPr>
             <a:fld id="{41103980-B822-4F57-839F-0A2504DEFA24}" type="datetime8">
               <a:rPr lang="he-IL" smtClean="0"/>
-              <a:t>26 נובמבר 20</a:t>
+              <a:t>30 נובמבר 20</a:t>
             </a:fld>
             <a:endParaRPr lang="he-IL"/>
           </a:p>
@@ -1599,7 +1617,7 @@
             </a:pPr>
             <a:fld id="{728E8B2A-623B-48D9-8A9C-570D386DBBB5}" type="datetime8">
               <a:rPr lang="he-IL" smtClean="0"/>
-              <a:t>26 נובמבר 20</a:t>
+              <a:t>30 נובמבר 20</a:t>
             </a:fld>
             <a:endParaRPr lang="he-IL"/>
           </a:p>
@@ -1855,7 +1873,7 @@
             </a:pPr>
             <a:fld id="{87E72010-2B49-4FBA-A71F-1C903234F8ED}" type="datetime8">
               <a:rPr lang="he-IL" smtClean="0"/>
-              <a:t>26 נובמבר 20</a:t>
+              <a:t>30 נובמבר 20</a:t>
             </a:fld>
             <a:endParaRPr lang="he-IL"/>
           </a:p>
@@ -2246,7 +2264,7 @@
             </a:pPr>
             <a:fld id="{ADEFFD37-6D3A-44CD-BAB7-31EB6031CE41}" type="datetime8">
               <a:rPr lang="he-IL" smtClean="0"/>
-              <a:t>26 נובמבר 20</a:t>
+              <a:t>30 נובמבר 20</a:t>
             </a:fld>
             <a:endParaRPr lang="he-IL"/>
           </a:p>
@@ -2390,7 +2408,7 @@
             </a:pPr>
             <a:fld id="{46D0C1C9-37E6-49FD-B084-18925D31F7E5}" type="datetime8">
               <a:rPr lang="he-IL" smtClean="0"/>
-              <a:t>26 נובמבר 20</a:t>
+              <a:t>30 נובמבר 20</a:t>
             </a:fld>
             <a:endParaRPr lang="he-IL"/>
           </a:p>
@@ -2512,7 +2530,7 @@
             </a:pPr>
             <a:fld id="{3D54F978-44C7-44E2-BD13-5AE6873239E3}" type="datetime8">
               <a:rPr lang="he-IL" smtClean="0"/>
-              <a:t>26 נובמבר 20</a:t>
+              <a:t>30 נובמבר 20</a:t>
             </a:fld>
             <a:endParaRPr lang="he-IL"/>
           </a:p>
@@ -2814,7 +2832,7 @@
             </a:pPr>
             <a:fld id="{BCD9B4E6-04A8-47CC-BF34-E1B559BE5A34}" type="datetime8">
               <a:rPr lang="he-IL" smtClean="0"/>
-              <a:t>26 נובמבר 20</a:t>
+              <a:t>30 נובמבר 20</a:t>
             </a:fld>
             <a:endParaRPr lang="he-IL"/>
           </a:p>
@@ -3099,7 +3117,7 @@
             </a:pPr>
             <a:fld id="{2D87A75D-ABFD-4273-A5DF-0717472152BE}" type="datetime8">
               <a:rPr lang="he-IL" smtClean="0"/>
-              <a:t>26 נובמבר 20</a:t>
+              <a:t>30 נובמבר 20</a:t>
             </a:fld>
             <a:endParaRPr lang="he-IL"/>
           </a:p>
@@ -3395,7 +3413,7 @@
             </a:pPr>
             <a:fld id="{28EB3CBB-E95C-46A3-8650-BE56A767054C}" type="datetime8">
               <a:rPr lang="he-IL" smtClean="0"/>
-              <a:t>26 נובמבר 20</a:t>
+              <a:t>30 נובמבר 20</a:t>
             </a:fld>
             <a:endParaRPr lang="he-IL"/>
           </a:p>
@@ -4587,12 +4605,17 @@
             <p:ph type="title"/>
           </p:nvPr>
         </p:nvSpPr>
-        <p:spPr/>
+        <p:spPr>
+          <a:xfrm>
+            <a:off x="704850" y="269874"/>
+            <a:ext cx="10515600" cy="1325563"/>
+          </a:xfrm>
+        </p:spPr>
         <p:txBody>
           <a:bodyPr/>
           <a:lstStyle/>
           <a:p>
-            <a:pPr algn="ctr" rtl="0"/>
+            <a:pPr algn="ctr"/>
             <a:r>
               <a:rPr lang="en-GB" b="1" dirty="0">
                 <a:solidFill>
@@ -4607,7 +4630,7 @@
                 </a:effectLst>
                 <a:cs typeface="+mn-cs"/>
               </a:rPr>
-              <a:t>Machine learning </a:t>
+              <a:t>Cryptography</a:t>
             </a:r>
             <a:endParaRPr lang="he-IL" b="1" dirty="0">
               <a:solidFill>
@@ -4637,44 +4660,29 @@
         </p:nvSpPr>
         <p:spPr>
           <a:xfrm>
-            <a:off x="838200" y="1690688"/>
-            <a:ext cx="10515600" cy="5375275"/>
+            <a:off x="838200" y="1818402"/>
+            <a:ext cx="10515600" cy="5079205"/>
           </a:xfrm>
         </p:spPr>
         <p:txBody>
           <a:bodyPr/>
           <a:lstStyle/>
           <a:p>
-            <a:pPr marL="0" indent="0" algn="l" rtl="0">
+            <a:pPr marL="0" indent="0" algn="l">
+              <a:buClr>
+                <a:schemeClr val="accent1">
+                  <a:lumMod val="50000"/>
+                </a:schemeClr>
+              </a:buClr>
+              <a:buSzPct val="95000"/>
               <a:buNone/>
+              <a:defRPr/>
             </a:pPr>
             <a:r>
-              <a:rPr lang="en-US" sz="4400" dirty="0"/>
-              <a:t>is the study of computer algorithms that improve automatically through experience.</a:t>
-            </a:r>
-            <a:br>
-              <a:rPr lang="en-US" sz="4400" dirty="0"/>
-            </a:br>
-            <a:r>
-              <a:rPr lang="en-US" sz="4400" dirty="0"/>
-              <a:t>It is seen as a subset of artificial intelligence</a:t>
-            </a:r>
-          </a:p>
-          <a:p>
-            <a:pPr marL="0" indent="0" algn="l" rtl="0">
-              <a:buNone/>
-            </a:pPr>
-            <a:r>
-              <a:rPr lang="en-GB" sz="4400" dirty="0"/>
-              <a:t>For Learn my Machine learning need dataset</a:t>
-            </a:r>
-            <a:br>
-              <a:rPr lang="en-GB" sz="4400" dirty="0"/>
-            </a:br>
-            <a:r>
-              <a:rPr lang="en-GB" sz="4400" dirty="0"/>
-              <a:t>I used with 2 Famous models : SVM ,KNN</a:t>
-            </a:r>
+              <a:rPr lang="en-US" altLang="en-US" sz="3200" b="1" dirty="0"/>
+              <a:t>An RSA user creates and publishes a public key based on two large prime numbers, along with an auxiliary value. The prime numbers are kept secret. Messages can be encrypted by anyone, via the public key, but can only be decoded by someone who knows the prime numbers</a:t>
+            </a:r>
+            <a:endParaRPr lang="he-IL" altLang="en-US" sz="3200" b="1" dirty="0"/>
           </a:p>
         </p:txBody>
       </p:sp>
@@ -4810,6 +4818,970 @@
                 <a:defRPr/>
               </a:pPr>
               <a:t>10</a:t>
+            </a:fld>
+            <a:endParaRPr lang="he-IL" dirty="0"/>
+          </a:p>
+        </p:txBody>
+      </p:sp>
+      <p:sp>
+        <p:nvSpPr>
+          <p:cNvPr id="7" name="כותרת 3">
+            <a:extLst>
+              <a:ext uri="{FF2B5EF4-FFF2-40B4-BE49-F238E27FC236}">
+                <a16:creationId xmlns:a16="http://schemas.microsoft.com/office/drawing/2014/main" id="{497820FA-4F55-49C3-938A-7751501C52A1}"/>
+              </a:ext>
+            </a:extLst>
+          </p:cNvPr>
+          <p:cNvSpPr txBox="1">
+            <a:spLocks/>
+          </p:cNvSpPr>
+          <p:nvPr/>
+        </p:nvSpPr>
+        <p:spPr bwMode="auto">
+          <a:xfrm>
+            <a:off x="3381375" y="1264445"/>
+            <a:ext cx="5638800" cy="585788"/>
+          </a:xfrm>
+          <a:prstGeom prst="rect">
+            <a:avLst/>
+          </a:prstGeom>
+          <a:noFill/>
+          <a:ln>
+            <a:noFill/>
+          </a:ln>
+          <a:extLst>
+            <a:ext uri="{909E8E84-426E-40DD-AFC4-6F175D3DCCD1}">
+              <a14:hiddenFill xmlns:a14="http://schemas.microsoft.com/office/drawing/2010/main">
+                <a:solidFill>
+                  <a:srgbClr val="FFFFFF"/>
+                </a:solidFill>
+              </a14:hiddenFill>
+            </a:ext>
+            <a:ext uri="{91240B29-F687-4F45-9708-019B960494DF}">
+              <a14:hiddenLine xmlns:a14="http://schemas.microsoft.com/office/drawing/2010/main" w="9525">
+                <a:solidFill>
+                  <a:srgbClr val="000000"/>
+                </a:solidFill>
+                <a:miter lim="800000"/>
+                <a:headEnd/>
+                <a:tailEnd/>
+              </a14:hiddenLine>
+            </a:ext>
+          </a:extLst>
+        </p:spPr>
+        <p:txBody>
+          <a:bodyPr vert="horz" wrap="square" lIns="91440" tIns="45720" rIns="91440" bIns="45720" numCol="1" anchor="ctr" anchorCtr="0" compatLnSpc="1">
+            <a:prstTxWarp prst="textNoShape">
+              <a:avLst/>
+            </a:prstTxWarp>
+          </a:bodyPr>
+          <a:lstStyle>
+            <a:lvl1pPr algn="r" rtl="1" eaLnBrk="1" fontAlgn="base" hangingPunct="1">
+              <a:lnSpc>
+                <a:spcPct val="90000"/>
+              </a:lnSpc>
+              <a:spcBef>
+                <a:spcPct val="0"/>
+              </a:spcBef>
+              <a:spcAft>
+                <a:spcPct val="0"/>
+              </a:spcAft>
+              <a:defRPr sz="4400" kern="1200">
+                <a:solidFill>
+                  <a:schemeClr val="tx1"/>
+                </a:solidFill>
+                <a:latin typeface="+mj-lt"/>
+                <a:ea typeface="+mj-ea"/>
+                <a:cs typeface="+mj-cs"/>
+              </a:defRPr>
+            </a:lvl1pPr>
+            <a:lvl2pPr algn="r" rtl="1" eaLnBrk="1" fontAlgn="base" hangingPunct="1">
+              <a:lnSpc>
+                <a:spcPct val="90000"/>
+              </a:lnSpc>
+              <a:spcBef>
+                <a:spcPct val="0"/>
+              </a:spcBef>
+              <a:spcAft>
+                <a:spcPct val="0"/>
+              </a:spcAft>
+              <a:defRPr sz="4400">
+                <a:solidFill>
+                  <a:schemeClr val="tx1"/>
+                </a:solidFill>
+                <a:latin typeface="Calibri Light" panose="020F0302020204030204" pitchFamily="34" charset="0"/>
+                <a:cs typeface="Times New Roman" panose="02020603050405020304" pitchFamily="18" charset="0"/>
+              </a:defRPr>
+            </a:lvl2pPr>
+            <a:lvl3pPr algn="r" rtl="1" eaLnBrk="1" fontAlgn="base" hangingPunct="1">
+              <a:lnSpc>
+                <a:spcPct val="90000"/>
+              </a:lnSpc>
+              <a:spcBef>
+                <a:spcPct val="0"/>
+              </a:spcBef>
+              <a:spcAft>
+                <a:spcPct val="0"/>
+              </a:spcAft>
+              <a:defRPr sz="4400">
+                <a:solidFill>
+                  <a:schemeClr val="tx1"/>
+                </a:solidFill>
+                <a:latin typeface="Calibri Light" panose="020F0302020204030204" pitchFamily="34" charset="0"/>
+                <a:cs typeface="Times New Roman" panose="02020603050405020304" pitchFamily="18" charset="0"/>
+              </a:defRPr>
+            </a:lvl3pPr>
+            <a:lvl4pPr algn="r" rtl="1" eaLnBrk="1" fontAlgn="base" hangingPunct="1">
+              <a:lnSpc>
+                <a:spcPct val="90000"/>
+              </a:lnSpc>
+              <a:spcBef>
+                <a:spcPct val="0"/>
+              </a:spcBef>
+              <a:spcAft>
+                <a:spcPct val="0"/>
+              </a:spcAft>
+              <a:defRPr sz="4400">
+                <a:solidFill>
+                  <a:schemeClr val="tx1"/>
+                </a:solidFill>
+                <a:latin typeface="Calibri Light" panose="020F0302020204030204" pitchFamily="34" charset="0"/>
+                <a:cs typeface="Times New Roman" panose="02020603050405020304" pitchFamily="18" charset="0"/>
+              </a:defRPr>
+            </a:lvl4pPr>
+            <a:lvl5pPr algn="r" rtl="1" eaLnBrk="1" fontAlgn="base" hangingPunct="1">
+              <a:lnSpc>
+                <a:spcPct val="90000"/>
+              </a:lnSpc>
+              <a:spcBef>
+                <a:spcPct val="0"/>
+              </a:spcBef>
+              <a:spcAft>
+                <a:spcPct val="0"/>
+              </a:spcAft>
+              <a:defRPr sz="4400">
+                <a:solidFill>
+                  <a:schemeClr val="tx1"/>
+                </a:solidFill>
+                <a:latin typeface="Calibri Light" panose="020F0302020204030204" pitchFamily="34" charset="0"/>
+                <a:cs typeface="Times New Roman" panose="02020603050405020304" pitchFamily="18" charset="0"/>
+              </a:defRPr>
+            </a:lvl5pPr>
+            <a:lvl6pPr marL="457200" algn="r" rtl="1" eaLnBrk="1" fontAlgn="base" hangingPunct="1">
+              <a:lnSpc>
+                <a:spcPct val="90000"/>
+              </a:lnSpc>
+              <a:spcBef>
+                <a:spcPct val="0"/>
+              </a:spcBef>
+              <a:spcAft>
+                <a:spcPct val="0"/>
+              </a:spcAft>
+              <a:defRPr sz="4400">
+                <a:solidFill>
+                  <a:schemeClr val="tx1"/>
+                </a:solidFill>
+                <a:latin typeface="Calibri Light" panose="020F0302020204030204" pitchFamily="34" charset="0"/>
+                <a:cs typeface="Times New Roman" panose="02020603050405020304" pitchFamily="18" charset="0"/>
+              </a:defRPr>
+            </a:lvl6pPr>
+            <a:lvl7pPr marL="914400" algn="r" rtl="1" eaLnBrk="1" fontAlgn="base" hangingPunct="1">
+              <a:lnSpc>
+                <a:spcPct val="90000"/>
+              </a:lnSpc>
+              <a:spcBef>
+                <a:spcPct val="0"/>
+              </a:spcBef>
+              <a:spcAft>
+                <a:spcPct val="0"/>
+              </a:spcAft>
+              <a:defRPr sz="4400">
+                <a:solidFill>
+                  <a:schemeClr val="tx1"/>
+                </a:solidFill>
+                <a:latin typeface="Calibri Light" panose="020F0302020204030204" pitchFamily="34" charset="0"/>
+                <a:cs typeface="Times New Roman" panose="02020603050405020304" pitchFamily="18" charset="0"/>
+              </a:defRPr>
+            </a:lvl7pPr>
+            <a:lvl8pPr marL="1371600" algn="r" rtl="1" eaLnBrk="1" fontAlgn="base" hangingPunct="1">
+              <a:lnSpc>
+                <a:spcPct val="90000"/>
+              </a:lnSpc>
+              <a:spcBef>
+                <a:spcPct val="0"/>
+              </a:spcBef>
+              <a:spcAft>
+                <a:spcPct val="0"/>
+              </a:spcAft>
+              <a:defRPr sz="4400">
+                <a:solidFill>
+                  <a:schemeClr val="tx1"/>
+                </a:solidFill>
+                <a:latin typeface="Calibri Light" panose="020F0302020204030204" pitchFamily="34" charset="0"/>
+                <a:cs typeface="Times New Roman" panose="02020603050405020304" pitchFamily="18" charset="0"/>
+              </a:defRPr>
+            </a:lvl8pPr>
+            <a:lvl9pPr marL="1828800" algn="r" rtl="1" eaLnBrk="1" fontAlgn="base" hangingPunct="1">
+              <a:lnSpc>
+                <a:spcPct val="90000"/>
+              </a:lnSpc>
+              <a:spcBef>
+                <a:spcPct val="0"/>
+              </a:spcBef>
+              <a:spcAft>
+                <a:spcPct val="0"/>
+              </a:spcAft>
+              <a:defRPr sz="4400">
+                <a:solidFill>
+                  <a:schemeClr val="tx1"/>
+                </a:solidFill>
+                <a:latin typeface="Calibri Light" panose="020F0302020204030204" pitchFamily="34" charset="0"/>
+                <a:cs typeface="Times New Roman" panose="02020603050405020304" pitchFamily="18" charset="0"/>
+              </a:defRPr>
+            </a:lvl9pPr>
+          </a:lstStyle>
+          <a:p>
+            <a:pPr algn="ctr"/>
+            <a:r>
+              <a:rPr lang="en-GB" sz="2800" b="1" dirty="0">
+                <a:solidFill>
+                  <a:srgbClr val="002060"/>
+                </a:solidFill>
+                <a:effectLst>
+                  <a:outerShdw blurRad="38100" dist="38100" dir="2700000" algn="tl">
+                    <a:srgbClr val="000000">
+                      <a:alpha val="43137"/>
+                    </a:srgbClr>
+                  </a:outerShdw>
+                </a:effectLst>
+                <a:cs typeface="+mn-cs"/>
+              </a:rPr>
+              <a:t>Asymmetric encryption:</a:t>
+            </a:r>
+            <a:endParaRPr lang="he-IL" sz="2800" b="1" dirty="0">
+              <a:solidFill>
+                <a:srgbClr val="002060"/>
+              </a:solidFill>
+              <a:effectLst>
+                <a:outerShdw blurRad="38100" dist="38100" dir="2700000" algn="tl">
+                  <a:srgbClr val="000000">
+                    <a:alpha val="43137"/>
+                  </a:srgbClr>
+                </a:outerShdw>
+              </a:effectLst>
+              <a:cs typeface="+mn-cs"/>
+            </a:endParaRPr>
+          </a:p>
+        </p:txBody>
+      </p:sp>
+      <p:pic>
+        <p:nvPicPr>
+          <p:cNvPr id="2" name="תמונה 1">
+            <a:extLst>
+              <a:ext uri="{FF2B5EF4-FFF2-40B4-BE49-F238E27FC236}">
+                <a16:creationId xmlns:a16="http://schemas.microsoft.com/office/drawing/2014/main" id="{F971F5A5-0EE7-4A54-8FD9-0847264AD7B8}"/>
+              </a:ext>
+            </a:extLst>
+          </p:cNvPr>
+          <p:cNvPicPr>
+            <a:picLocks noChangeAspect="1"/>
+          </p:cNvPicPr>
+          <p:nvPr/>
+        </p:nvPicPr>
+        <p:blipFill>
+          <a:blip r:embed="rId4"/>
+          <a:stretch>
+            <a:fillRect/>
+          </a:stretch>
+        </p:blipFill>
+        <p:spPr>
+          <a:xfrm>
+            <a:off x="3867152" y="4436735"/>
+            <a:ext cx="4743450" cy="1919615"/>
+          </a:xfrm>
+          <a:prstGeom prst="rect">
+            <a:avLst/>
+          </a:prstGeom>
+        </p:spPr>
+      </p:pic>
+      <p:sp>
+        <p:nvSpPr>
+          <p:cNvPr id="11" name="כותרת 3">
+            <a:extLst>
+              <a:ext uri="{FF2B5EF4-FFF2-40B4-BE49-F238E27FC236}">
+                <a16:creationId xmlns:a16="http://schemas.microsoft.com/office/drawing/2014/main" id="{29733F16-094D-4C62-9736-BF15FCEACF3C}"/>
+              </a:ext>
+            </a:extLst>
+          </p:cNvPr>
+          <p:cNvSpPr txBox="1">
+            <a:spLocks/>
+          </p:cNvSpPr>
+          <p:nvPr/>
+        </p:nvSpPr>
+        <p:spPr bwMode="auto">
+          <a:xfrm>
+            <a:off x="-733425" y="5024437"/>
+            <a:ext cx="5638800" cy="585788"/>
+          </a:xfrm>
+          <a:prstGeom prst="rect">
+            <a:avLst/>
+          </a:prstGeom>
+          <a:noFill/>
+          <a:ln>
+            <a:noFill/>
+          </a:ln>
+          <a:extLst>
+            <a:ext uri="{909E8E84-426E-40DD-AFC4-6F175D3DCCD1}">
+              <a14:hiddenFill xmlns:a14="http://schemas.microsoft.com/office/drawing/2010/main">
+                <a:solidFill>
+                  <a:srgbClr val="FFFFFF"/>
+                </a:solidFill>
+              </a14:hiddenFill>
+            </a:ext>
+            <a:ext uri="{91240B29-F687-4F45-9708-019B960494DF}">
+              <a14:hiddenLine xmlns:a14="http://schemas.microsoft.com/office/drawing/2010/main" w="9525">
+                <a:solidFill>
+                  <a:srgbClr val="000000"/>
+                </a:solidFill>
+                <a:miter lim="800000"/>
+                <a:headEnd/>
+                <a:tailEnd/>
+              </a14:hiddenLine>
+            </a:ext>
+          </a:extLst>
+        </p:spPr>
+        <p:txBody>
+          <a:bodyPr vert="horz" wrap="square" lIns="91440" tIns="45720" rIns="91440" bIns="45720" numCol="1" anchor="ctr" anchorCtr="0" compatLnSpc="1">
+            <a:prstTxWarp prst="textNoShape">
+              <a:avLst/>
+            </a:prstTxWarp>
+          </a:bodyPr>
+          <a:lstStyle>
+            <a:lvl1pPr algn="r" rtl="1" eaLnBrk="1" fontAlgn="base" hangingPunct="1">
+              <a:lnSpc>
+                <a:spcPct val="90000"/>
+              </a:lnSpc>
+              <a:spcBef>
+                <a:spcPct val="0"/>
+              </a:spcBef>
+              <a:spcAft>
+                <a:spcPct val="0"/>
+              </a:spcAft>
+              <a:defRPr sz="4400" kern="1200">
+                <a:solidFill>
+                  <a:schemeClr val="tx1"/>
+                </a:solidFill>
+                <a:latin typeface="+mj-lt"/>
+                <a:ea typeface="+mj-ea"/>
+                <a:cs typeface="+mj-cs"/>
+              </a:defRPr>
+            </a:lvl1pPr>
+            <a:lvl2pPr algn="r" rtl="1" eaLnBrk="1" fontAlgn="base" hangingPunct="1">
+              <a:lnSpc>
+                <a:spcPct val="90000"/>
+              </a:lnSpc>
+              <a:spcBef>
+                <a:spcPct val="0"/>
+              </a:spcBef>
+              <a:spcAft>
+                <a:spcPct val="0"/>
+              </a:spcAft>
+              <a:defRPr sz="4400">
+                <a:solidFill>
+                  <a:schemeClr val="tx1"/>
+                </a:solidFill>
+                <a:latin typeface="Calibri Light" panose="020F0302020204030204" pitchFamily="34" charset="0"/>
+                <a:cs typeface="Times New Roman" panose="02020603050405020304" pitchFamily="18" charset="0"/>
+              </a:defRPr>
+            </a:lvl2pPr>
+            <a:lvl3pPr algn="r" rtl="1" eaLnBrk="1" fontAlgn="base" hangingPunct="1">
+              <a:lnSpc>
+                <a:spcPct val="90000"/>
+              </a:lnSpc>
+              <a:spcBef>
+                <a:spcPct val="0"/>
+              </a:spcBef>
+              <a:spcAft>
+                <a:spcPct val="0"/>
+              </a:spcAft>
+              <a:defRPr sz="4400">
+                <a:solidFill>
+                  <a:schemeClr val="tx1"/>
+                </a:solidFill>
+                <a:latin typeface="Calibri Light" panose="020F0302020204030204" pitchFamily="34" charset="0"/>
+                <a:cs typeface="Times New Roman" panose="02020603050405020304" pitchFamily="18" charset="0"/>
+              </a:defRPr>
+            </a:lvl3pPr>
+            <a:lvl4pPr algn="r" rtl="1" eaLnBrk="1" fontAlgn="base" hangingPunct="1">
+              <a:lnSpc>
+                <a:spcPct val="90000"/>
+              </a:lnSpc>
+              <a:spcBef>
+                <a:spcPct val="0"/>
+              </a:spcBef>
+              <a:spcAft>
+                <a:spcPct val="0"/>
+              </a:spcAft>
+              <a:defRPr sz="4400">
+                <a:solidFill>
+                  <a:schemeClr val="tx1"/>
+                </a:solidFill>
+                <a:latin typeface="Calibri Light" panose="020F0302020204030204" pitchFamily="34" charset="0"/>
+                <a:cs typeface="Times New Roman" panose="02020603050405020304" pitchFamily="18" charset="0"/>
+              </a:defRPr>
+            </a:lvl4pPr>
+            <a:lvl5pPr algn="r" rtl="1" eaLnBrk="1" fontAlgn="base" hangingPunct="1">
+              <a:lnSpc>
+                <a:spcPct val="90000"/>
+              </a:lnSpc>
+              <a:spcBef>
+                <a:spcPct val="0"/>
+              </a:spcBef>
+              <a:spcAft>
+                <a:spcPct val="0"/>
+              </a:spcAft>
+              <a:defRPr sz="4400">
+                <a:solidFill>
+                  <a:schemeClr val="tx1"/>
+                </a:solidFill>
+                <a:latin typeface="Calibri Light" panose="020F0302020204030204" pitchFamily="34" charset="0"/>
+                <a:cs typeface="Times New Roman" panose="02020603050405020304" pitchFamily="18" charset="0"/>
+              </a:defRPr>
+            </a:lvl5pPr>
+            <a:lvl6pPr marL="457200" algn="r" rtl="1" eaLnBrk="1" fontAlgn="base" hangingPunct="1">
+              <a:lnSpc>
+                <a:spcPct val="90000"/>
+              </a:lnSpc>
+              <a:spcBef>
+                <a:spcPct val="0"/>
+              </a:spcBef>
+              <a:spcAft>
+                <a:spcPct val="0"/>
+              </a:spcAft>
+              <a:defRPr sz="4400">
+                <a:solidFill>
+                  <a:schemeClr val="tx1"/>
+                </a:solidFill>
+                <a:latin typeface="Calibri Light" panose="020F0302020204030204" pitchFamily="34" charset="0"/>
+                <a:cs typeface="Times New Roman" panose="02020603050405020304" pitchFamily="18" charset="0"/>
+              </a:defRPr>
+            </a:lvl6pPr>
+            <a:lvl7pPr marL="914400" algn="r" rtl="1" eaLnBrk="1" fontAlgn="base" hangingPunct="1">
+              <a:lnSpc>
+                <a:spcPct val="90000"/>
+              </a:lnSpc>
+              <a:spcBef>
+                <a:spcPct val="0"/>
+              </a:spcBef>
+              <a:spcAft>
+                <a:spcPct val="0"/>
+              </a:spcAft>
+              <a:defRPr sz="4400">
+                <a:solidFill>
+                  <a:schemeClr val="tx1"/>
+                </a:solidFill>
+                <a:latin typeface="Calibri Light" panose="020F0302020204030204" pitchFamily="34" charset="0"/>
+                <a:cs typeface="Times New Roman" panose="02020603050405020304" pitchFamily="18" charset="0"/>
+              </a:defRPr>
+            </a:lvl7pPr>
+            <a:lvl8pPr marL="1371600" algn="r" rtl="1" eaLnBrk="1" fontAlgn="base" hangingPunct="1">
+              <a:lnSpc>
+                <a:spcPct val="90000"/>
+              </a:lnSpc>
+              <a:spcBef>
+                <a:spcPct val="0"/>
+              </a:spcBef>
+              <a:spcAft>
+                <a:spcPct val="0"/>
+              </a:spcAft>
+              <a:defRPr sz="4400">
+                <a:solidFill>
+                  <a:schemeClr val="tx1"/>
+                </a:solidFill>
+                <a:latin typeface="Calibri Light" panose="020F0302020204030204" pitchFamily="34" charset="0"/>
+                <a:cs typeface="Times New Roman" panose="02020603050405020304" pitchFamily="18" charset="0"/>
+              </a:defRPr>
+            </a:lvl8pPr>
+            <a:lvl9pPr marL="1828800" algn="r" rtl="1" eaLnBrk="1" fontAlgn="base" hangingPunct="1">
+              <a:lnSpc>
+                <a:spcPct val="90000"/>
+              </a:lnSpc>
+              <a:spcBef>
+                <a:spcPct val="0"/>
+              </a:spcBef>
+              <a:spcAft>
+                <a:spcPct val="0"/>
+              </a:spcAft>
+              <a:defRPr sz="4400">
+                <a:solidFill>
+                  <a:schemeClr val="tx1"/>
+                </a:solidFill>
+                <a:latin typeface="Calibri Light" panose="020F0302020204030204" pitchFamily="34" charset="0"/>
+                <a:cs typeface="Times New Roman" panose="02020603050405020304" pitchFamily="18" charset="0"/>
+              </a:defRPr>
+            </a:lvl9pPr>
+          </a:lstStyle>
+          <a:p>
+            <a:pPr algn="ctr"/>
+            <a:r>
+              <a:rPr lang="en-GB" sz="2800" b="1" dirty="0">
+                <a:solidFill>
+                  <a:srgbClr val="002060"/>
+                </a:solidFill>
+                <a:effectLst>
+                  <a:outerShdw blurRad="38100" dist="38100" dir="2700000" algn="tl">
+                    <a:srgbClr val="000000">
+                      <a:alpha val="43137"/>
+                    </a:srgbClr>
+                  </a:outerShdw>
+                </a:effectLst>
+                <a:cs typeface="+mn-cs"/>
+              </a:rPr>
+              <a:t>RSA </a:t>
+            </a:r>
+            <a:r>
+              <a:rPr lang="en-US" sz="2800" b="1" dirty="0">
+                <a:solidFill>
+                  <a:srgbClr val="002060"/>
+                </a:solidFill>
+                <a:effectLst>
+                  <a:outerShdw blurRad="38100" dist="38100" dir="2700000" algn="tl">
+                    <a:srgbClr val="000000">
+                      <a:alpha val="43137"/>
+                    </a:srgbClr>
+                  </a:outerShdw>
+                </a:effectLst>
+                <a:cs typeface="+mn-cs"/>
+              </a:rPr>
+              <a:t>cipher</a:t>
+            </a:r>
+            <a:endParaRPr lang="he-IL" sz="2800" b="1" dirty="0">
+              <a:solidFill>
+                <a:srgbClr val="002060"/>
+              </a:solidFill>
+              <a:effectLst>
+                <a:outerShdw blurRad="38100" dist="38100" dir="2700000" algn="tl">
+                  <a:srgbClr val="000000">
+                    <a:alpha val="43137"/>
+                  </a:srgbClr>
+                </a:outerShdw>
+              </a:effectLst>
+              <a:cs typeface="+mn-cs"/>
+            </a:endParaRPr>
+          </a:p>
+        </p:txBody>
+      </p:sp>
+    </p:spTree>
+    <p:extLst>
+      <p:ext uri="{BB962C8B-B14F-4D97-AF65-F5344CB8AC3E}">
+        <p14:creationId xmlns:p14="http://schemas.microsoft.com/office/powerpoint/2010/main" val="129202316"/>
+      </p:ext>
+    </p:extLst>
+  </p:cSld>
+  <p:clrMapOvr>
+    <a:masterClrMapping/>
+  </p:clrMapOvr>
+  <p:timing>
+    <p:tnLst>
+      <p:par>
+        <p:cTn id="1" dur="indefinite" restart="never" nodeType="tmRoot">
+          <p:childTnLst>
+            <p:seq concurrent="1" nextAc="seek">
+              <p:cTn id="2" dur="indefinite" nodeType="mainSeq">
+                <p:childTnLst>
+                  <p:par>
+                    <p:cTn id="3" fill="hold">
+                      <p:stCondLst>
+                        <p:cond delay="indefinite"/>
+                      </p:stCondLst>
+                      <p:childTnLst>
+                        <p:par>
+                          <p:cTn id="4" fill="hold">
+                            <p:stCondLst>
+                              <p:cond delay="0"/>
+                            </p:stCondLst>
+                            <p:childTnLst>
+                              <p:par>
+                                <p:cTn id="5" presetID="42" presetClass="entr" presetSubtype="0" fill="hold" grpId="0" nodeType="clickEffect">
+                                  <p:stCondLst>
+                                    <p:cond delay="0"/>
+                                  </p:stCondLst>
+                                  <p:childTnLst>
+                                    <p:set>
+                                      <p:cBhvr>
+                                        <p:cTn id="6" dur="1" fill="hold">
+                                          <p:stCondLst>
+                                            <p:cond delay="0"/>
+                                          </p:stCondLst>
+                                        </p:cTn>
+                                        <p:tgtEl>
+                                          <p:spTgt spid="5">
+                                            <p:txEl>
+                                              <p:pRg st="0" end="0"/>
+                                            </p:txEl>
+                                          </p:spTgt>
+                                        </p:tgtEl>
+                                        <p:attrNameLst>
+                                          <p:attrName>style.visibility</p:attrName>
+                                        </p:attrNameLst>
+                                      </p:cBhvr>
+                                      <p:to>
+                                        <p:strVal val="visible"/>
+                                      </p:to>
+                                    </p:set>
+                                    <p:animEffect transition="in" filter="fade">
+                                      <p:cBhvr>
+                                        <p:cTn id="7" dur="1000"/>
+                                        <p:tgtEl>
+                                          <p:spTgt spid="5">
+                                            <p:txEl>
+                                              <p:pRg st="0" end="0"/>
+                                            </p:txEl>
+                                          </p:spTgt>
+                                        </p:tgtEl>
+                                      </p:cBhvr>
+                                    </p:animEffect>
+                                    <p:anim calcmode="lin" valueType="num">
+                                      <p:cBhvr>
+                                        <p:cTn id="8" dur="1000" fill="hold"/>
+                                        <p:tgtEl>
+                                          <p:spTgt spid="5">
+                                            <p:txEl>
+                                              <p:pRg st="0" end="0"/>
+                                            </p:txEl>
+                                          </p:spTgt>
+                                        </p:tgtEl>
+                                        <p:attrNameLst>
+                                          <p:attrName>ppt_x</p:attrName>
+                                        </p:attrNameLst>
+                                      </p:cBhvr>
+                                      <p:tavLst>
+                                        <p:tav tm="0">
+                                          <p:val>
+                                            <p:strVal val="#ppt_x"/>
+                                          </p:val>
+                                        </p:tav>
+                                        <p:tav tm="100000">
+                                          <p:val>
+                                            <p:strVal val="#ppt_x"/>
+                                          </p:val>
+                                        </p:tav>
+                                      </p:tavLst>
+                                    </p:anim>
+                                    <p:anim calcmode="lin" valueType="num">
+                                      <p:cBhvr>
+                                        <p:cTn id="9" dur="1000" fill="hold"/>
+                                        <p:tgtEl>
+                                          <p:spTgt spid="5">
+                                            <p:txEl>
+                                              <p:pRg st="0" end="0"/>
+                                            </p:txEl>
+                                          </p:spTgt>
+                                        </p:tgtEl>
+                                        <p:attrNameLst>
+                                          <p:attrName>ppt_y</p:attrName>
+                                        </p:attrNameLst>
+                                      </p:cBhvr>
+                                      <p:tavLst>
+                                        <p:tav tm="0">
+                                          <p:val>
+                                            <p:strVal val="#ppt_y+.1"/>
+                                          </p:val>
+                                        </p:tav>
+                                        <p:tav tm="100000">
+                                          <p:val>
+                                            <p:strVal val="#ppt_y"/>
+                                          </p:val>
+                                        </p:tav>
+                                      </p:tavLst>
+                                    </p:anim>
+                                  </p:childTnLst>
+                                </p:cTn>
+                              </p:par>
+                            </p:childTnLst>
+                          </p:cTn>
+                        </p:par>
+                      </p:childTnLst>
+                    </p:cTn>
+                  </p:par>
+                </p:childTnLst>
+              </p:cTn>
+              <p:prevCondLst>
+                <p:cond evt="onPrev" delay="0">
+                  <p:tgtEl>
+                    <p:sldTgt/>
+                  </p:tgtEl>
+                </p:cond>
+              </p:prevCondLst>
+              <p:nextCondLst>
+                <p:cond evt="onNext" delay="0">
+                  <p:tgtEl>
+                    <p:sldTgt/>
+                  </p:tgtEl>
+                </p:cond>
+              </p:nextCondLst>
+            </p:seq>
+          </p:childTnLst>
+        </p:cTn>
+      </p:par>
+    </p:tnLst>
+    <p:bldLst>
+      <p:bldP spid="5" grpId="0" build="p"/>
+    </p:bldLst>
+  </p:timing>
+</p:sld>
+</file>
+
+<file path=ppt/slides/slide11.xml><?xml version="1.0" encoding="utf-8"?>
+<p:sld xmlns:a="http://schemas.openxmlformats.org/drawingml/2006/main" xmlns:r="http://schemas.openxmlformats.org/officeDocument/2006/relationships" xmlns:p="http://schemas.openxmlformats.org/presentationml/2006/main">
+  <p:cSld>
+    <p:spTree>
+      <p:nvGrpSpPr>
+        <p:cNvPr id="1" name=""/>
+        <p:cNvGrpSpPr/>
+        <p:nvPr/>
+      </p:nvGrpSpPr>
+      <p:grpSpPr>
+        <a:xfrm>
+          <a:off x="0" y="0"/>
+          <a:ext cx="0" cy="0"/>
+          <a:chOff x="0" y="0"/>
+          <a:chExt cx="0" cy="0"/>
+        </a:xfrm>
+      </p:grpSpPr>
+      <p:sp>
+        <p:nvSpPr>
+          <p:cNvPr id="4" name="כותרת 3"/>
+          <p:cNvSpPr>
+            <a:spLocks noGrp="1"/>
+          </p:cNvSpPr>
+          <p:nvPr>
+            <p:ph type="title"/>
+          </p:nvPr>
+        </p:nvSpPr>
+        <p:spPr/>
+        <p:txBody>
+          <a:bodyPr/>
+          <a:lstStyle/>
+          <a:p>
+            <a:pPr algn="ctr" rtl="0"/>
+            <a:r>
+              <a:rPr lang="en-GB" b="1" dirty="0">
+                <a:solidFill>
+                  <a:srgbClr val="002060"/>
+                </a:solidFill>
+                <a:effectLst>
+                  <a:outerShdw blurRad="38100" dist="38100" dir="2700000" algn="tl">
+                    <a:srgbClr val="000000">
+                      <a:alpha val="43137"/>
+                    </a:srgbClr>
+                  </a:outerShdw>
+                </a:effectLst>
+                <a:cs typeface="+mn-cs"/>
+              </a:rPr>
+              <a:t>Machine learning </a:t>
+            </a:r>
+            <a:endParaRPr lang="he-IL" b="1" dirty="0">
+              <a:solidFill>
+                <a:srgbClr val="002060"/>
+              </a:solidFill>
+              <a:effectLst>
+                <a:outerShdw blurRad="38100" dist="38100" dir="2700000" algn="tl">
+                  <a:srgbClr val="000000">
+                    <a:alpha val="43137"/>
+                  </a:srgbClr>
+                </a:outerShdw>
+              </a:effectLst>
+              <a:cs typeface="+mn-cs"/>
+            </a:endParaRPr>
+          </a:p>
+        </p:txBody>
+      </p:sp>
+      <p:sp>
+        <p:nvSpPr>
+          <p:cNvPr id="5" name="מציין מיקום תוכן 4"/>
+          <p:cNvSpPr>
+            <a:spLocks noGrp="1"/>
+          </p:cNvSpPr>
+          <p:nvPr>
+            <p:ph idx="1"/>
+          </p:nvPr>
+        </p:nvSpPr>
+        <p:spPr>
+          <a:xfrm>
+            <a:off x="838200" y="1690688"/>
+            <a:ext cx="10515600" cy="5375275"/>
+          </a:xfrm>
+        </p:spPr>
+        <p:txBody>
+          <a:bodyPr/>
+          <a:lstStyle/>
+          <a:p>
+            <a:pPr marL="0" indent="0" algn="l" rtl="0">
+              <a:buNone/>
+            </a:pPr>
+            <a:r>
+              <a:rPr lang="en-US" sz="4400" dirty="0"/>
+              <a:t>is the study of computer algorithms that improve automatically through experience.</a:t>
+            </a:r>
+            <a:br>
+              <a:rPr lang="en-US" sz="4400" dirty="0"/>
+            </a:br>
+            <a:r>
+              <a:rPr lang="en-US" sz="4400" dirty="0"/>
+              <a:t>It is seen as a subset of artificial intelligence</a:t>
+            </a:r>
+          </a:p>
+          <a:p>
+            <a:pPr marL="0" indent="0" algn="l" rtl="0">
+              <a:buNone/>
+            </a:pPr>
+            <a:r>
+              <a:rPr lang="en-GB" sz="4400" dirty="0"/>
+              <a:t>For Learn my Machine learning need dataset</a:t>
+            </a:r>
+            <a:br>
+              <a:rPr lang="en-GB" sz="4400" dirty="0"/>
+            </a:br>
+            <a:r>
+              <a:rPr lang="en-GB" sz="4400" dirty="0"/>
+              <a:t>I used with 2 Famous models : SVM ,KNN</a:t>
+            </a:r>
+          </a:p>
+        </p:txBody>
+      </p:sp>
+      <p:pic>
+        <p:nvPicPr>
+          <p:cNvPr id="2052" name="Picture 2" descr="תוצאת תמונה עבור מצגת אונ אריאל לוגו"/>
+          <p:cNvPicPr>
+            <a:picLocks noChangeAspect="1" noChangeArrowheads="1"/>
+          </p:cNvPicPr>
+          <p:nvPr/>
+        </p:nvPicPr>
+        <p:blipFill>
+          <a:blip r:embed="rId2">
+            <a:extLst>
+              <a:ext uri="{28A0092B-C50C-407E-A947-70E740481C1C}">
+                <a14:useLocalDpi xmlns:a14="http://schemas.microsoft.com/office/drawing/2010/main" val="0"/>
+              </a:ext>
+            </a:extLst>
+          </a:blip>
+          <a:srcRect/>
+          <a:stretch>
+            <a:fillRect/>
+          </a:stretch>
+        </p:blipFill>
+        <p:spPr bwMode="auto">
+          <a:xfrm>
+            <a:off x="10417175" y="-33338"/>
+            <a:ext cx="1800225" cy="1012826"/>
+          </a:xfrm>
+          <a:prstGeom prst="rect">
+            <a:avLst/>
+          </a:prstGeom>
+          <a:noFill/>
+          <a:ln>
+            <a:noFill/>
+          </a:ln>
+          <a:extLst>
+            <a:ext uri="{909E8E84-426E-40DD-AFC4-6F175D3DCCD1}">
+              <a14:hiddenFill xmlns:a14="http://schemas.microsoft.com/office/drawing/2010/main">
+                <a:solidFill>
+                  <a:srgbClr val="FFFFFF"/>
+                </a:solidFill>
+              </a14:hiddenFill>
+            </a:ext>
+            <a:ext uri="{91240B29-F687-4F45-9708-019B960494DF}">
+              <a14:hiddenLine xmlns:a14="http://schemas.microsoft.com/office/drawing/2010/main" w="9525">
+                <a:solidFill>
+                  <a:srgbClr val="000000"/>
+                </a:solidFill>
+                <a:miter lim="800000"/>
+                <a:headEnd/>
+                <a:tailEnd/>
+              </a14:hiddenLine>
+            </a:ext>
+          </a:extLst>
+        </p:spPr>
+      </p:pic>
+      <p:pic>
+        <p:nvPicPr>
+          <p:cNvPr id="2053" name="תמונה 4"/>
+          <p:cNvPicPr>
+            <a:picLocks noChangeAspect="1"/>
+          </p:cNvPicPr>
+          <p:nvPr/>
+        </p:nvPicPr>
+        <p:blipFill>
+          <a:blip r:embed="rId3">
+            <a:extLst>
+              <a:ext uri="{28A0092B-C50C-407E-A947-70E740481C1C}">
+                <a14:useLocalDpi xmlns:a14="http://schemas.microsoft.com/office/drawing/2010/main" val="0"/>
+              </a:ext>
+            </a:extLst>
+          </a:blip>
+          <a:srcRect/>
+          <a:stretch>
+            <a:fillRect/>
+          </a:stretch>
+        </p:blipFill>
+        <p:spPr bwMode="auto">
+          <a:xfrm>
+            <a:off x="0" y="5565775"/>
+            <a:ext cx="1054100" cy="1292225"/>
+          </a:xfrm>
+          <a:prstGeom prst="rect">
+            <a:avLst/>
+          </a:prstGeom>
+          <a:noFill/>
+          <a:ln>
+            <a:noFill/>
+          </a:ln>
+          <a:extLst>
+            <a:ext uri="{909E8E84-426E-40DD-AFC4-6F175D3DCCD1}">
+              <a14:hiddenFill xmlns:a14="http://schemas.microsoft.com/office/drawing/2010/main">
+                <a:solidFill>
+                  <a:srgbClr val="FFFFFF"/>
+                </a:solidFill>
+              </a14:hiddenFill>
+            </a:ext>
+            <a:ext uri="{91240B29-F687-4F45-9708-019B960494DF}">
+              <a14:hiddenLine xmlns:a14="http://schemas.microsoft.com/office/drawing/2010/main" w="9525">
+                <a:solidFill>
+                  <a:srgbClr val="000000"/>
+                </a:solidFill>
+                <a:miter lim="800000"/>
+                <a:headEnd/>
+                <a:tailEnd/>
+              </a14:hiddenLine>
+            </a:ext>
+          </a:extLst>
+        </p:spPr>
+      </p:pic>
+      <p:sp>
+        <p:nvSpPr>
+          <p:cNvPr id="6" name="מציין מיקום של מספר שקופית 5"/>
+          <p:cNvSpPr>
+            <a:spLocks noGrp="1"/>
+          </p:cNvSpPr>
+          <p:nvPr>
+            <p:ph type="sldNum" sz="quarter" idx="12"/>
+          </p:nvPr>
+        </p:nvSpPr>
+        <p:spPr/>
+        <p:txBody>
+          <a:bodyPr/>
+          <a:lstStyle/>
+          <a:p>
+            <a:pPr>
+              <a:defRPr/>
+            </a:pPr>
+            <a:fld id="{EB0A1C18-2E97-4B45-832C-DE832CBD48BD}" type="slidenum">
+              <a:rPr lang="he-IL" smtClean="0"/>
+              <a:pPr>
+                <a:defRPr/>
+              </a:pPr>
+              <a:t>11</a:t>
             </a:fld>
             <a:endParaRPr lang="he-IL" dirty="0"/>
           </a:p>
@@ -5185,7 +6157,7 @@
 </p:sld>
 </file>
 
-<file path=ppt/slides/slide11.xml><?xml version="1.0" encoding="utf-8"?>
+<file path=ppt/slides/slide12.xml><?xml version="1.0" encoding="utf-8"?>
 <p:sld xmlns:a="http://schemas.openxmlformats.org/drawingml/2006/main" xmlns:r="http://schemas.openxmlformats.org/officeDocument/2006/relationships" xmlns:p="http://schemas.openxmlformats.org/presentationml/2006/main">
   <p:cSld>
     <p:spTree>
@@ -5275,15 +6247,7 @@
             </a:pPr>
             <a:r>
               <a:rPr lang="en-US" sz="4400" dirty="0"/>
-              <a:t>I have 18000 text file that </a:t>
-            </a:r>
-            <a:r>
-              <a:rPr lang="en-US" sz="4400" dirty="0" err="1"/>
-              <a:t>devide</a:t>
-            </a:r>
-            <a:r>
-              <a:rPr lang="en-US" sz="4400" dirty="0"/>
-              <a:t> to 26 folder. </a:t>
+              <a:t>I have 18000 text file that divide to 26 folder. </a:t>
             </a:r>
             <a:br>
               <a:rPr lang="en-US" sz="4400" dirty="0"/>
@@ -5439,7 +6403,7 @@
               <a:pPr>
                 <a:defRPr/>
               </a:pPr>
-              <a:t>11</a:t>
+              <a:t>12</a:t>
             </a:fld>
             <a:endParaRPr lang="he-IL" dirty="0"/>
           </a:p>
@@ -5665,7 +6629,7 @@
 </p:sld>
 </file>
 
-<file path=ppt/slides/slide12.xml><?xml version="1.0" encoding="utf-8"?>
+<file path=ppt/slides/slide13.xml><?xml version="1.0" encoding="utf-8"?>
 <p:sld xmlns:a="http://schemas.openxmlformats.org/drawingml/2006/main" xmlns:r="http://schemas.openxmlformats.org/officeDocument/2006/relationships" xmlns:p="http://schemas.openxmlformats.org/presentationml/2006/main">
   <p:cSld>
     <p:spTree>
@@ -5935,7 +6899,7 @@
               <a:pPr>
                 <a:defRPr/>
               </a:pPr>
-              <a:t>12</a:t>
+              <a:t>13</a:t>
             </a:fld>
             <a:endParaRPr lang="he-IL" dirty="0"/>
           </a:p>
@@ -5965,6 +6929,35 @@
           <a:xfrm>
             <a:off x="8262937" y="3747384"/>
             <a:ext cx="3090863" cy="2745491"/>
+          </a:xfrm>
+          <a:prstGeom prst="rect">
+            <a:avLst/>
+          </a:prstGeom>
+        </p:spPr>
+      </p:pic>
+      <p:pic>
+        <p:nvPicPr>
+          <p:cNvPr id="3" name="תמונה 2">
+            <a:extLst>
+              <a:ext uri="{FF2B5EF4-FFF2-40B4-BE49-F238E27FC236}">
+                <a16:creationId xmlns:a16="http://schemas.microsoft.com/office/drawing/2014/main" id="{95180ADE-1EDA-4BDC-9F17-28D408DCD236}"/>
+              </a:ext>
+            </a:extLst>
+          </p:cNvPr>
+          <p:cNvPicPr>
+            <a:picLocks noChangeAspect="1"/>
+          </p:cNvPicPr>
+          <p:nvPr/>
+        </p:nvPicPr>
+        <p:blipFill rotWithShape="1">
+          <a:blip r:embed="rId6"/>
+          <a:srcRect b="16251"/>
+          <a:stretch/>
+        </p:blipFill>
+        <p:spPr>
+          <a:xfrm>
+            <a:off x="3929064" y="4164808"/>
+            <a:ext cx="2619375" cy="2478880"/>
           </a:xfrm>
           <a:prstGeom prst="rect">
             <a:avLst/>
@@ -6247,7 +7240,7 @@
 </p:sld>
 </file>
 
-<file path=ppt/slides/slide13.xml><?xml version="1.0" encoding="utf-8"?>
+<file path=ppt/slides/slide14.xml><?xml version="1.0" encoding="utf-8"?>
 <p:sld xmlns:a="http://schemas.openxmlformats.org/drawingml/2006/main" xmlns:r="http://schemas.openxmlformats.org/officeDocument/2006/relationships" xmlns:p="http://schemas.openxmlformats.org/presentationml/2006/main">
   <p:cSld>
     <p:spTree>
@@ -6337,38 +7330,14 @@
             </a:pPr>
             <a:r>
               <a:rPr lang="en-US" sz="4000" dirty="0"/>
-              <a:t>Encrypted -&gt; made by me with </a:t>
-            </a:r>
-            <a:r>
-              <a:rPr lang="en-US" sz="4000" dirty="0" err="1"/>
-              <a:t>coustom</a:t>
-            </a:r>
-            <a:r>
-              <a:rPr lang="en-US" sz="4000" dirty="0"/>
-              <a:t> code.</a:t>
+              <a:t>Encrypted -&gt; made by me with custom code.</a:t>
             </a:r>
             <a:br>
               <a:rPr lang="en-US" sz="4000" dirty="0"/>
             </a:br>
             <a:r>
               <a:rPr lang="en-US" sz="4000" dirty="0"/>
-              <a:t>Encrypted type : </a:t>
-            </a:r>
-            <a:r>
-              <a:rPr lang="en-US" sz="4000" dirty="0" err="1"/>
-              <a:t>Atbash</a:t>
-            </a:r>
-            <a:r>
-              <a:rPr lang="en-US" sz="4000" dirty="0"/>
-              <a:t> , Autokey , Caesar , </a:t>
-            </a:r>
-            <a:r>
-              <a:rPr lang="en-US" sz="4000" dirty="0" err="1"/>
-              <a:t>Gronsfeld</a:t>
-            </a:r>
-            <a:r>
-              <a:rPr lang="en-US" sz="4000" dirty="0"/>
-              <a:t> , Playfair , RSA.</a:t>
+              <a:t>Encrypted type : Atbash , Autokey , Caesar , Gronsfeld , Playfair , RSA.</a:t>
             </a:r>
             <a:br>
               <a:rPr lang="en-US" sz="4000" dirty="0"/>
@@ -6514,7 +7483,7 @@
               <a:pPr>
                 <a:defRPr/>
               </a:pPr>
-              <a:t>13</a:t>
+              <a:t>14</a:t>
             </a:fld>
             <a:endParaRPr lang="he-IL" dirty="0"/>
           </a:p>
@@ -6771,7 +7740,7 @@
 </p:sld>
 </file>
 
-<file path=ppt/slides/slide14.xml><?xml version="1.0" encoding="utf-8"?>
+<file path=ppt/slides/slide15.xml><?xml version="1.0" encoding="utf-8"?>
 <p:sld xmlns:a="http://schemas.openxmlformats.org/drawingml/2006/main" xmlns:r="http://schemas.openxmlformats.org/officeDocument/2006/relationships" xmlns:p="http://schemas.openxmlformats.org/presentationml/2006/main">
   <p:cSld>
     <p:spTree>
@@ -6798,14 +7767,19 @@
             <p:ph type="title"/>
           </p:nvPr>
         </p:nvSpPr>
-        <p:spPr/>
+        <p:spPr>
+          <a:xfrm>
+            <a:off x="801687" y="214312"/>
+            <a:ext cx="10515600" cy="1325563"/>
+          </a:xfrm>
+        </p:spPr>
         <p:txBody>
           <a:bodyPr/>
           <a:lstStyle/>
           <a:p>
             <a:pPr algn="ctr" rtl="0"/>
             <a:r>
-              <a:rPr lang="he-IL" b="1" dirty="0">
+              <a:rPr lang="en-US" b="1" dirty="0">
                 <a:solidFill>
                   <a:srgbClr val="002060"/>
                 </a:solidFill>
@@ -6818,39 +7792,7 @@
                 </a:effectLst>
                 <a:cs typeface="+mn-cs"/>
               </a:rPr>
-              <a:t> </a:t>
-            </a:r>
-            <a:r>
-              <a:rPr lang="en-US" b="1" dirty="0">
-                <a:solidFill>
-                  <a:srgbClr val="002060"/>
-                </a:solidFill>
-                <a:effectLst>
-                  <a:outerShdw blurRad="38100" dist="38100" dir="2700000" algn="tl">
-                    <a:srgbClr val="000000">
-                      <a:alpha val="43137"/>
-                    </a:srgbClr>
-                  </a:outerShdw>
-                </a:effectLst>
-                <a:cs typeface="+mn-cs"/>
-              </a:rPr>
-              <a:t>First </a:t>
-            </a:r>
-            <a:r>
-              <a:rPr lang="en-GB" b="1" dirty="0">
-                <a:solidFill>
-                  <a:srgbClr val="002060"/>
-                </a:solidFill>
-                <a:effectLst>
-                  <a:outerShdw blurRad="38100" dist="38100" dir="2700000" algn="tl">
-                    <a:srgbClr val="000000">
-                      <a:alpha val="43137"/>
-                    </a:srgbClr>
-                  </a:outerShdw>
-                </a:effectLst>
-                <a:cs typeface="+mn-cs"/>
-              </a:rPr>
-              <a:t>Feature</a:t>
+              <a:t>My work</a:t>
             </a:r>
             <a:endParaRPr lang="he-IL" b="1" dirty="0">
               <a:solidFill>
@@ -6893,40 +7835,29 @@
             </a:pPr>
             <a:r>
               <a:rPr lang="en-US" sz="4000" dirty="0"/>
-              <a:t>only count number of word.</a:t>
-            </a:r>
-          </a:p>
-          <a:p>
-            <a:pPr marL="0" indent="0" algn="l" rtl="0">
-              <a:buNone/>
-            </a:pPr>
-            <a:r>
-              <a:rPr lang="en-US" sz="4000" dirty="0"/>
-              <a:t>Because I work on </a:t>
-            </a:r>
-            <a:r>
-              <a:rPr lang="en-US" sz="4000" dirty="0" err="1"/>
-              <a:t>on</a:t>
-            </a:r>
-            <a:r>
-              <a:rPr lang="en-US" sz="4000" dirty="0"/>
-              <a:t> different text files , the file can have 20 row or 1200 row.</a:t>
-            </a:r>
-          </a:p>
-          <a:p>
-            <a:pPr marL="0" indent="0" algn="l" rtl="0">
-              <a:buNone/>
-            </a:pPr>
-            <a:endParaRPr lang="en-US" sz="4000" dirty="0"/>
-          </a:p>
-          <a:p>
-            <a:pPr marL="0" indent="0" algn="l" rtl="0">
-              <a:buNone/>
-            </a:pPr>
+              <a:t>All my DATASET was Translated to CSV file with all Features results. </a:t>
+            </a:r>
             <a:br>
               <a:rPr lang="en-US" sz="4000" dirty="0"/>
             </a:br>
-            <a:endParaRPr lang="en-US" sz="4000" dirty="0"/>
+            <a:r>
+              <a:rPr lang="en-US" sz="4000" dirty="0"/>
+              <a:t>I Try to have a lot of type of text files with different data and different chars to get max result.</a:t>
+            </a:r>
+            <a:br>
+              <a:rPr lang="en-US" sz="4000" dirty="0"/>
+            </a:br>
+            <a:r>
+              <a:rPr lang="en-US" sz="4000" dirty="0"/>
+              <a:t>After deeply research</a:t>
+            </a:r>
+            <a:br>
+              <a:rPr lang="en-US" sz="4000" dirty="0"/>
+            </a:br>
+            <a:r>
+              <a:rPr lang="en-US" sz="4000" dirty="0"/>
+              <a:t>I am happy to explain you my features in next slides</a:t>
+            </a:r>
           </a:p>
           <a:p>
             <a:pPr marL="0" indent="0" algn="l" rtl="0">
@@ -7067,7 +7998,7 @@
               <a:pPr>
                 <a:defRPr/>
               </a:pPr>
-              <a:t>14</a:t>
+              <a:t>15</a:t>
             </a:fld>
             <a:endParaRPr lang="he-IL" dirty="0"/>
           </a:p>
@@ -7076,7 +8007,478 @@
     </p:spTree>
     <p:extLst>
       <p:ext uri="{BB962C8B-B14F-4D97-AF65-F5344CB8AC3E}">
-        <p14:creationId xmlns:p14="http://schemas.microsoft.com/office/powerpoint/2010/main" val="3974605831"/>
+        <p14:creationId xmlns:p14="http://schemas.microsoft.com/office/powerpoint/2010/main" val="2657478608"/>
+      </p:ext>
+    </p:extLst>
+  </p:cSld>
+  <p:clrMapOvr>
+    <a:masterClrMapping/>
+  </p:clrMapOvr>
+  <p:timing>
+    <p:tnLst>
+      <p:par>
+        <p:cTn id="1" dur="indefinite" restart="never" nodeType="tmRoot">
+          <p:childTnLst>
+            <p:seq concurrent="1" nextAc="seek">
+              <p:cTn id="2" dur="indefinite" nodeType="mainSeq">
+                <p:childTnLst>
+                  <p:par>
+                    <p:cTn id="3" fill="hold">
+                      <p:stCondLst>
+                        <p:cond delay="indefinite"/>
+                      </p:stCondLst>
+                      <p:childTnLst>
+                        <p:par>
+                          <p:cTn id="4" fill="hold">
+                            <p:stCondLst>
+                              <p:cond delay="0"/>
+                            </p:stCondLst>
+                            <p:childTnLst>
+                              <p:par>
+                                <p:cTn id="5" presetID="42" presetClass="entr" presetSubtype="0" fill="hold" grpId="0" nodeType="clickEffect">
+                                  <p:stCondLst>
+                                    <p:cond delay="0"/>
+                                  </p:stCondLst>
+                                  <p:childTnLst>
+                                    <p:set>
+                                      <p:cBhvr>
+                                        <p:cTn id="6" dur="1" fill="hold">
+                                          <p:stCondLst>
+                                            <p:cond delay="0"/>
+                                          </p:stCondLst>
+                                        </p:cTn>
+                                        <p:tgtEl>
+                                          <p:spTgt spid="5">
+                                            <p:txEl>
+                                              <p:pRg st="0" end="0"/>
+                                            </p:txEl>
+                                          </p:spTgt>
+                                        </p:tgtEl>
+                                        <p:attrNameLst>
+                                          <p:attrName>style.visibility</p:attrName>
+                                        </p:attrNameLst>
+                                      </p:cBhvr>
+                                      <p:to>
+                                        <p:strVal val="visible"/>
+                                      </p:to>
+                                    </p:set>
+                                    <p:animEffect transition="in" filter="fade">
+                                      <p:cBhvr>
+                                        <p:cTn id="7" dur="1000"/>
+                                        <p:tgtEl>
+                                          <p:spTgt spid="5">
+                                            <p:txEl>
+                                              <p:pRg st="0" end="0"/>
+                                            </p:txEl>
+                                          </p:spTgt>
+                                        </p:tgtEl>
+                                      </p:cBhvr>
+                                    </p:animEffect>
+                                    <p:anim calcmode="lin" valueType="num">
+                                      <p:cBhvr>
+                                        <p:cTn id="8" dur="1000" fill="hold"/>
+                                        <p:tgtEl>
+                                          <p:spTgt spid="5">
+                                            <p:txEl>
+                                              <p:pRg st="0" end="0"/>
+                                            </p:txEl>
+                                          </p:spTgt>
+                                        </p:tgtEl>
+                                        <p:attrNameLst>
+                                          <p:attrName>ppt_x</p:attrName>
+                                        </p:attrNameLst>
+                                      </p:cBhvr>
+                                      <p:tavLst>
+                                        <p:tav tm="0">
+                                          <p:val>
+                                            <p:strVal val="#ppt_x"/>
+                                          </p:val>
+                                        </p:tav>
+                                        <p:tav tm="100000">
+                                          <p:val>
+                                            <p:strVal val="#ppt_x"/>
+                                          </p:val>
+                                        </p:tav>
+                                      </p:tavLst>
+                                    </p:anim>
+                                    <p:anim calcmode="lin" valueType="num">
+                                      <p:cBhvr>
+                                        <p:cTn id="9" dur="1000" fill="hold"/>
+                                        <p:tgtEl>
+                                          <p:spTgt spid="5">
+                                            <p:txEl>
+                                              <p:pRg st="0" end="0"/>
+                                            </p:txEl>
+                                          </p:spTgt>
+                                        </p:tgtEl>
+                                        <p:attrNameLst>
+                                          <p:attrName>ppt_y</p:attrName>
+                                        </p:attrNameLst>
+                                      </p:cBhvr>
+                                      <p:tavLst>
+                                        <p:tav tm="0">
+                                          <p:val>
+                                            <p:strVal val="#ppt_y+.1"/>
+                                          </p:val>
+                                        </p:tav>
+                                        <p:tav tm="100000">
+                                          <p:val>
+                                            <p:strVal val="#ppt_y"/>
+                                          </p:val>
+                                        </p:tav>
+                                      </p:tavLst>
+                                    </p:anim>
+                                  </p:childTnLst>
+                                </p:cTn>
+                              </p:par>
+                            </p:childTnLst>
+                          </p:cTn>
+                        </p:par>
+                      </p:childTnLst>
+                    </p:cTn>
+                  </p:par>
+                </p:childTnLst>
+              </p:cTn>
+              <p:prevCondLst>
+                <p:cond evt="onPrev" delay="0">
+                  <p:tgtEl>
+                    <p:sldTgt/>
+                  </p:tgtEl>
+                </p:cond>
+              </p:prevCondLst>
+              <p:nextCondLst>
+                <p:cond evt="onNext" delay="0">
+                  <p:tgtEl>
+                    <p:sldTgt/>
+                  </p:tgtEl>
+                </p:cond>
+              </p:nextCondLst>
+            </p:seq>
+          </p:childTnLst>
+        </p:cTn>
+      </p:par>
+    </p:tnLst>
+    <p:bldLst>
+      <p:bldP spid="5" grpId="0" build="p"/>
+    </p:bldLst>
+  </p:timing>
+</p:sld>
+</file>
+
+<file path=ppt/slides/slide16.xml><?xml version="1.0" encoding="utf-8"?>
+<p:sld xmlns:a="http://schemas.openxmlformats.org/drawingml/2006/main" xmlns:r="http://schemas.openxmlformats.org/officeDocument/2006/relationships" xmlns:p="http://schemas.openxmlformats.org/presentationml/2006/main">
+  <p:cSld>
+    <p:spTree>
+      <p:nvGrpSpPr>
+        <p:cNvPr id="1" name=""/>
+        <p:cNvGrpSpPr/>
+        <p:nvPr/>
+      </p:nvGrpSpPr>
+      <p:grpSpPr>
+        <a:xfrm>
+          <a:off x="0" y="0"/>
+          <a:ext cx="0" cy="0"/>
+          <a:chOff x="0" y="0"/>
+          <a:chExt cx="0" cy="0"/>
+        </a:xfrm>
+      </p:grpSpPr>
+      <p:sp>
+        <p:nvSpPr>
+          <p:cNvPr id="4" name="כותרת 3"/>
+          <p:cNvSpPr>
+            <a:spLocks noGrp="1"/>
+          </p:cNvSpPr>
+          <p:nvPr>
+            <p:ph type="title"/>
+          </p:nvPr>
+        </p:nvSpPr>
+        <p:spPr/>
+        <p:txBody>
+          <a:bodyPr/>
+          <a:lstStyle/>
+          <a:p>
+            <a:pPr algn="ctr" rtl="0"/>
+            <a:r>
+              <a:rPr lang="he-IL" b="1" dirty="0">
+                <a:solidFill>
+                  <a:srgbClr val="002060"/>
+                </a:solidFill>
+                <a:effectLst>
+                  <a:outerShdw blurRad="38100" dist="38100" dir="2700000" algn="tl">
+                    <a:srgbClr val="000000">
+                      <a:alpha val="43137"/>
+                    </a:srgbClr>
+                  </a:outerShdw>
+                </a:effectLst>
+                <a:cs typeface="+mn-cs"/>
+              </a:rPr>
+              <a:t> </a:t>
+            </a:r>
+            <a:r>
+              <a:rPr lang="en-US" b="1" dirty="0">
+                <a:solidFill>
+                  <a:srgbClr val="002060"/>
+                </a:solidFill>
+                <a:effectLst>
+                  <a:outerShdw blurRad="38100" dist="38100" dir="2700000" algn="tl">
+                    <a:srgbClr val="000000">
+                      <a:alpha val="43137"/>
+                    </a:srgbClr>
+                  </a:outerShdw>
+                </a:effectLst>
+                <a:cs typeface="+mn-cs"/>
+              </a:rPr>
+              <a:t>First </a:t>
+            </a:r>
+            <a:r>
+              <a:rPr lang="en-GB" b="1" dirty="0">
+                <a:solidFill>
+                  <a:srgbClr val="002060"/>
+                </a:solidFill>
+                <a:effectLst>
+                  <a:outerShdw blurRad="38100" dist="38100" dir="2700000" algn="tl">
+                    <a:srgbClr val="000000">
+                      <a:alpha val="43137"/>
+                    </a:srgbClr>
+                  </a:outerShdw>
+                </a:effectLst>
+                <a:cs typeface="+mn-cs"/>
+              </a:rPr>
+              <a:t>Feature</a:t>
+            </a:r>
+            <a:endParaRPr lang="he-IL" b="1" dirty="0">
+              <a:solidFill>
+                <a:srgbClr val="002060"/>
+              </a:solidFill>
+              <a:effectLst>
+                <a:outerShdw blurRad="38100" dist="38100" dir="2700000" algn="tl">
+                  <a:srgbClr val="000000">
+                    <a:alpha val="43137"/>
+                  </a:srgbClr>
+                </a:outerShdw>
+              </a:effectLst>
+              <a:cs typeface="+mn-cs"/>
+            </a:endParaRPr>
+          </a:p>
+        </p:txBody>
+      </p:sp>
+      <p:sp>
+        <p:nvSpPr>
+          <p:cNvPr id="5" name="מציין מיקום תוכן 4"/>
+          <p:cNvSpPr>
+            <a:spLocks noGrp="1"/>
+          </p:cNvSpPr>
+          <p:nvPr>
+            <p:ph idx="1"/>
+          </p:nvPr>
+        </p:nvSpPr>
+        <p:spPr>
+          <a:xfrm>
+            <a:off x="1054100" y="1268413"/>
+            <a:ext cx="10515600" cy="5375275"/>
+          </a:xfrm>
+        </p:spPr>
+        <p:txBody>
+          <a:bodyPr/>
+          <a:lstStyle/>
+          <a:p>
+            <a:pPr marL="0" indent="0" algn="l" rtl="0">
+              <a:buNone/>
+            </a:pPr>
+            <a:r>
+              <a:rPr lang="en-US" sz="4000" u="sng" dirty="0"/>
+              <a:t>Count the number of word in my text file.</a:t>
+            </a:r>
+            <a:br>
+              <a:rPr lang="en-US" sz="4000" dirty="0"/>
+            </a:br>
+            <a:br>
+              <a:rPr lang="en-US" sz="4000" dirty="0"/>
+            </a:br>
+            <a:r>
+              <a:rPr lang="en-US" sz="4000" dirty="0"/>
+              <a:t>To know the Length</a:t>
+            </a:r>
+            <a:r>
+              <a:rPr lang="he-IL" sz="4000" dirty="0"/>
+              <a:t> </a:t>
+            </a:r>
+            <a:r>
+              <a:rPr lang="en-US" sz="4000" dirty="0"/>
+              <a:t>of my text file I need some information to show me. </a:t>
+            </a:r>
+            <a:br>
+              <a:rPr lang="en-US" sz="4000" dirty="0"/>
+            </a:br>
+            <a:r>
+              <a:rPr lang="en-US" sz="4000" dirty="0"/>
+              <a:t>Count my word on my text is the best way to check it</a:t>
+            </a:r>
+          </a:p>
+          <a:p>
+            <a:pPr marL="0" indent="0" algn="l" rtl="0">
+              <a:buNone/>
+            </a:pPr>
+            <a:endParaRPr lang="en-US" sz="4000" dirty="0"/>
+          </a:p>
+          <a:p>
+            <a:pPr marL="0" indent="0" algn="l" rtl="0">
+              <a:buNone/>
+            </a:pPr>
+            <a:br>
+              <a:rPr lang="en-US" sz="4000" dirty="0"/>
+            </a:br>
+            <a:endParaRPr lang="en-US" sz="4000" dirty="0"/>
+          </a:p>
+          <a:p>
+            <a:pPr marL="0" indent="0" algn="l" rtl="0">
+              <a:buNone/>
+            </a:pPr>
+            <a:endParaRPr lang="en-GB" sz="4400" dirty="0"/>
+          </a:p>
+        </p:txBody>
+      </p:sp>
+      <p:pic>
+        <p:nvPicPr>
+          <p:cNvPr id="2052" name="Picture 2" descr="תוצאת תמונה עבור מצגת אונ אריאל לוגו"/>
+          <p:cNvPicPr>
+            <a:picLocks noChangeAspect="1" noChangeArrowheads="1"/>
+          </p:cNvPicPr>
+          <p:nvPr/>
+        </p:nvPicPr>
+        <p:blipFill>
+          <a:blip r:embed="rId2">
+            <a:extLst>
+              <a:ext uri="{28A0092B-C50C-407E-A947-70E740481C1C}">
+                <a14:useLocalDpi xmlns:a14="http://schemas.microsoft.com/office/drawing/2010/main" val="0"/>
+              </a:ext>
+            </a:extLst>
+          </a:blip>
+          <a:srcRect/>
+          <a:stretch>
+            <a:fillRect/>
+          </a:stretch>
+        </p:blipFill>
+        <p:spPr bwMode="auto">
+          <a:xfrm>
+            <a:off x="10417175" y="-33338"/>
+            <a:ext cx="1800225" cy="1012826"/>
+          </a:xfrm>
+          <a:prstGeom prst="rect">
+            <a:avLst/>
+          </a:prstGeom>
+          <a:noFill/>
+          <a:ln>
+            <a:noFill/>
+          </a:ln>
+          <a:extLst>
+            <a:ext uri="{909E8E84-426E-40DD-AFC4-6F175D3DCCD1}">
+              <a14:hiddenFill xmlns:a14="http://schemas.microsoft.com/office/drawing/2010/main">
+                <a:solidFill>
+                  <a:srgbClr val="FFFFFF"/>
+                </a:solidFill>
+              </a14:hiddenFill>
+            </a:ext>
+            <a:ext uri="{91240B29-F687-4F45-9708-019B960494DF}">
+              <a14:hiddenLine xmlns:a14="http://schemas.microsoft.com/office/drawing/2010/main" w="9525">
+                <a:solidFill>
+                  <a:srgbClr val="000000"/>
+                </a:solidFill>
+                <a:miter lim="800000"/>
+                <a:headEnd/>
+                <a:tailEnd/>
+              </a14:hiddenLine>
+            </a:ext>
+          </a:extLst>
+        </p:spPr>
+      </p:pic>
+      <p:pic>
+        <p:nvPicPr>
+          <p:cNvPr id="2053" name="תמונה 4"/>
+          <p:cNvPicPr>
+            <a:picLocks noChangeAspect="1"/>
+          </p:cNvPicPr>
+          <p:nvPr/>
+        </p:nvPicPr>
+        <p:blipFill>
+          <a:blip r:embed="rId3">
+            <a:extLst>
+              <a:ext uri="{28A0092B-C50C-407E-A947-70E740481C1C}">
+                <a14:useLocalDpi xmlns:a14="http://schemas.microsoft.com/office/drawing/2010/main" val="0"/>
+              </a:ext>
+            </a:extLst>
+          </a:blip>
+          <a:srcRect/>
+          <a:stretch>
+            <a:fillRect/>
+          </a:stretch>
+        </p:blipFill>
+        <p:spPr bwMode="auto">
+          <a:xfrm>
+            <a:off x="0" y="5565775"/>
+            <a:ext cx="1054100" cy="1292225"/>
+          </a:xfrm>
+          <a:prstGeom prst="rect">
+            <a:avLst/>
+          </a:prstGeom>
+          <a:noFill/>
+          <a:ln>
+            <a:noFill/>
+          </a:ln>
+          <a:extLst>
+            <a:ext uri="{909E8E84-426E-40DD-AFC4-6F175D3DCCD1}">
+              <a14:hiddenFill xmlns:a14="http://schemas.microsoft.com/office/drawing/2010/main">
+                <a:solidFill>
+                  <a:srgbClr val="FFFFFF"/>
+                </a:solidFill>
+              </a14:hiddenFill>
+            </a:ext>
+            <a:ext uri="{91240B29-F687-4F45-9708-019B960494DF}">
+              <a14:hiddenLine xmlns:a14="http://schemas.microsoft.com/office/drawing/2010/main" w="9525">
+                <a:solidFill>
+                  <a:srgbClr val="000000"/>
+                </a:solidFill>
+                <a:miter lim="800000"/>
+                <a:headEnd/>
+                <a:tailEnd/>
+              </a14:hiddenLine>
+            </a:ext>
+          </a:extLst>
+        </p:spPr>
+      </p:pic>
+      <p:sp>
+        <p:nvSpPr>
+          <p:cNvPr id="6" name="מציין מיקום של מספר שקופית 5"/>
+          <p:cNvSpPr>
+            <a:spLocks noGrp="1"/>
+          </p:cNvSpPr>
+          <p:nvPr>
+            <p:ph type="sldNum" sz="quarter" idx="12"/>
+          </p:nvPr>
+        </p:nvSpPr>
+        <p:spPr/>
+        <p:txBody>
+          <a:bodyPr/>
+          <a:lstStyle/>
+          <a:p>
+            <a:pPr>
+              <a:defRPr/>
+            </a:pPr>
+            <a:fld id="{EB0A1C18-2E97-4B45-832C-DE832CBD48BD}" type="slidenum">
+              <a:rPr lang="he-IL" smtClean="0"/>
+              <a:pPr>
+                <a:defRPr/>
+              </a:pPr>
+              <a:t>16</a:t>
+            </a:fld>
+            <a:endParaRPr lang="he-IL" dirty="0"/>
+          </a:p>
+        </p:txBody>
+      </p:sp>
+    </p:spTree>
+    <p:extLst>
+      <p:ext uri="{BB962C8B-B14F-4D97-AF65-F5344CB8AC3E}">
+        <p14:creationId xmlns:p14="http://schemas.microsoft.com/office/powerpoint/2010/main" val="2543820398"/>
       </p:ext>
     </p:extLst>
   </p:cSld>
@@ -7234,7 +8636,7 @@
                                         <p:tgtEl>
                                           <p:spTgt spid="5">
                                             <p:txEl>
-                                              <p:pRg st="1" end="1"/>
+                                              <p:pRg st="2" end="2"/>
                                             </p:txEl>
                                           </p:spTgt>
                                         </p:tgtEl>
@@ -7252,7 +8654,7 @@
                                         <p:tgtEl>
                                           <p:spTgt spid="5">
                                             <p:txEl>
-                                              <p:pRg st="1" end="1"/>
+                                              <p:pRg st="2" end="2"/>
                                             </p:txEl>
                                           </p:spTgt>
                                         </p:tgtEl>
@@ -7264,7 +8666,7 @@
                                         <p:tgtEl>
                                           <p:spTgt spid="5">
                                             <p:txEl>
-                                              <p:pRg st="1" end="1"/>
+                                              <p:pRg st="2" end="2"/>
                                             </p:txEl>
                                           </p:spTgt>
                                         </p:tgtEl>
@@ -7291,122 +8693,7 @@
                                         <p:tgtEl>
                                           <p:spTgt spid="5">
                                             <p:txEl>
-                                              <p:pRg st="1" end="1"/>
-                                            </p:txEl>
-                                          </p:spTgt>
-                                        </p:tgtEl>
-                                        <p:attrNameLst>
-                                          <p:attrName>ppt_y</p:attrName>
-                                        </p:attrNameLst>
-                                      </p:cBhvr>
-                                      <p:tavLst>
-                                        <p:tav tm="0">
-                                          <p:val>
-                                            <p:strVal val="#ppt_y+.1"/>
-                                          </p:val>
-                                        </p:tav>
-                                        <p:tav tm="100000">
-                                          <p:val>
-                                            <p:strVal val="#ppt_y"/>
-                                          </p:val>
-                                        </p:tav>
-                                      </p:tavLst>
-                                    </p:anim>
-                                  </p:childTnLst>
-                                </p:cTn>
-                              </p:par>
-                            </p:childTnLst>
-                          </p:cTn>
-                        </p:par>
-                      </p:childTnLst>
-                    </p:cTn>
-                  </p:par>
-                  <p:par>
-                    <p:cTn id="17" fill="hold">
-                      <p:stCondLst>
-                        <p:cond delay="indefinite"/>
-                      </p:stCondLst>
-                      <p:childTnLst>
-                        <p:par>
-                          <p:cTn id="18" fill="hold">
-                            <p:stCondLst>
-                              <p:cond delay="0"/>
-                            </p:stCondLst>
-                            <p:childTnLst>
-                              <p:par>
-                                <p:cTn id="19" presetID="42" presetClass="entr" presetSubtype="0" fill="hold" grpId="0" nodeType="clickEffect">
-                                  <p:stCondLst>
-                                    <p:cond delay="0"/>
-                                  </p:stCondLst>
-                                  <p:childTnLst>
-                                    <p:set>
-                                      <p:cBhvr>
-                                        <p:cTn id="20" dur="1" fill="hold">
-                                          <p:stCondLst>
-                                            <p:cond delay="0"/>
-                                          </p:stCondLst>
-                                        </p:cTn>
-                                        <p:tgtEl>
-                                          <p:spTgt spid="5">
-                                            <p:txEl>
-                                              <p:pRg st="3" end="3"/>
-                                            </p:txEl>
-                                          </p:spTgt>
-                                        </p:tgtEl>
-                                        <p:attrNameLst>
-                                          <p:attrName>style.visibility</p:attrName>
-                                        </p:attrNameLst>
-                                      </p:cBhvr>
-                                      <p:to>
-                                        <p:strVal val="visible"/>
-                                      </p:to>
-                                    </p:set>
-                                    <p:animEffect transition="in" filter="fade">
-                                      <p:cBhvr>
-                                        <p:cTn id="21" dur="1000"/>
-                                        <p:tgtEl>
-                                          <p:spTgt spid="5">
-                                            <p:txEl>
-                                              <p:pRg st="3" end="3"/>
-                                            </p:txEl>
-                                          </p:spTgt>
-                                        </p:tgtEl>
-                                      </p:cBhvr>
-                                    </p:animEffect>
-                                    <p:anim calcmode="lin" valueType="num">
-                                      <p:cBhvr>
-                                        <p:cTn id="22" dur="1000" fill="hold"/>
-                                        <p:tgtEl>
-                                          <p:spTgt spid="5">
-                                            <p:txEl>
-                                              <p:pRg st="3" end="3"/>
-                                            </p:txEl>
-                                          </p:spTgt>
-                                        </p:tgtEl>
-                                        <p:attrNameLst>
-                                          <p:attrName>ppt_x</p:attrName>
-                                        </p:attrNameLst>
-                                      </p:cBhvr>
-                                      <p:tavLst>
-                                        <p:tav tm="0">
-                                          <p:val>
-                                            <p:strVal val="#ppt_x"/>
-                                          </p:val>
-                                        </p:tav>
-                                        <p:tav tm="100000">
-                                          <p:val>
-                                            <p:strVal val="#ppt_x"/>
-                                          </p:val>
-                                        </p:tav>
-                                      </p:tavLst>
-                                    </p:anim>
-                                    <p:anim calcmode="lin" valueType="num">
-                                      <p:cBhvr>
-                                        <p:cTn id="23" dur="1000" fill="hold"/>
-                                        <p:tgtEl>
-                                          <p:spTgt spid="5">
-                                            <p:txEl>
-                                              <p:pRg st="3" end="3"/>
+                                              <p:pRg st="2" end="2"/>
                                             </p:txEl>
                                           </p:spTgt>
                                         </p:tgtEl>
@@ -7464,7 +8751,7 @@
 </p:sld>
 </file>
 
-<file path=ppt/slides/slide15.xml><?xml version="1.0" encoding="utf-8"?>
+<file path=ppt/slides/slide17.xml><?xml version="1.0" encoding="utf-8"?>
 <p:sld xmlns:a="http://schemas.openxmlformats.org/drawingml/2006/main" xmlns:r="http://schemas.openxmlformats.org/officeDocument/2006/relationships" xmlns:p="http://schemas.openxmlformats.org/presentationml/2006/main">
   <p:cSld>
     <p:spTree>
@@ -7570,7 +8857,7 @@
             </a:pPr>
             <a:r>
               <a:rPr lang="en-US" sz="4000" u="sng" dirty="0"/>
-              <a:t>will check how much word on start on Big CHAR/Small Char!</a:t>
+              <a:t>Count  if word start on small char</a:t>
             </a:r>
             <a:br>
               <a:rPr lang="en-US" sz="4000" u="sng" dirty="0"/>
@@ -7742,12 +9029,42 @@
               <a:pPr>
                 <a:defRPr/>
               </a:pPr>
-              <a:t>15</a:t>
+              <a:t>17</a:t>
             </a:fld>
             <a:endParaRPr lang="he-IL" dirty="0"/>
           </a:p>
         </p:txBody>
       </p:sp>
+      <p:pic>
+        <p:nvPicPr>
+          <p:cNvPr id="2" name="תמונה 1">
+            <a:extLst>
+              <a:ext uri="{FF2B5EF4-FFF2-40B4-BE49-F238E27FC236}">
+                <a16:creationId xmlns:a16="http://schemas.microsoft.com/office/drawing/2014/main" id="{765669BA-0AAE-4E8F-8949-56D92A24328F}"/>
+              </a:ext>
+            </a:extLst>
+          </p:cNvPr>
+          <p:cNvPicPr>
+            <a:picLocks noChangeAspect="1"/>
+          </p:cNvPicPr>
+          <p:nvPr/>
+        </p:nvPicPr>
+        <p:blipFill>
+          <a:blip r:embed="rId4"/>
+          <a:stretch>
+            <a:fillRect/>
+          </a:stretch>
+        </p:blipFill>
+        <p:spPr>
+          <a:xfrm>
+            <a:off x="6534150" y="4979193"/>
+            <a:ext cx="5473700" cy="1292226"/>
+          </a:xfrm>
+          <a:prstGeom prst="rect">
+            <a:avLst/>
+          </a:prstGeom>
+        </p:spPr>
+      </p:pic>
     </p:spTree>
     <p:extLst>
       <p:ext uri="{BB962C8B-B14F-4D97-AF65-F5344CB8AC3E}">
@@ -8024,7 +9341,7 @@
 </p:sld>
 </file>
 
-<file path=ppt/slides/slide16.xml><?xml version="1.0" encoding="utf-8"?>
+<file path=ppt/slides/slide18.xml><?xml version="1.0" encoding="utf-8"?>
 <p:sld xmlns:a="http://schemas.openxmlformats.org/drawingml/2006/main" xmlns:r="http://schemas.openxmlformats.org/officeDocument/2006/relationships" xmlns:p="http://schemas.openxmlformats.org/presentationml/2006/main">
   <p:cSld>
     <p:spTree>
@@ -8114,7 +9431,7 @@
             </a:pPr>
             <a:r>
               <a:rPr lang="en-US" sz="4000" u="sng" dirty="0"/>
-              <a:t>check spam word!!</a:t>
+              <a:t>Count if its spam word!!</a:t>
             </a:r>
             <a:endParaRPr lang="en-US" sz="4000" dirty="0"/>
           </a:p>
@@ -8122,6 +9439,10 @@
             <a:pPr marL="0" indent="0" algn="l" rtl="0">
               <a:buNone/>
             </a:pPr>
+            <a:r>
+              <a:rPr lang="en-US" sz="4000" dirty="0"/>
+              <a:t>After read about cryptographic encrypted I learn how need look Suspicious words</a:t>
+            </a:r>
             <a:br>
               <a:rPr lang="en-US" sz="4000" dirty="0"/>
             </a:br>
@@ -8266,12 +9587,42 @@
               <a:pPr>
                 <a:defRPr/>
               </a:pPr>
-              <a:t>16</a:t>
+              <a:t>18</a:t>
             </a:fld>
             <a:endParaRPr lang="he-IL" dirty="0"/>
           </a:p>
         </p:txBody>
       </p:sp>
+      <p:pic>
+        <p:nvPicPr>
+          <p:cNvPr id="2" name="תמונה 1">
+            <a:extLst>
+              <a:ext uri="{FF2B5EF4-FFF2-40B4-BE49-F238E27FC236}">
+                <a16:creationId xmlns:a16="http://schemas.microsoft.com/office/drawing/2014/main" id="{153D321C-1D95-44D5-93FA-E11C0CA5B50C}"/>
+              </a:ext>
+            </a:extLst>
+          </p:cNvPr>
+          <p:cNvPicPr>
+            <a:picLocks noChangeAspect="1"/>
+          </p:cNvPicPr>
+          <p:nvPr/>
+        </p:nvPicPr>
+        <p:blipFill>
+          <a:blip r:embed="rId4"/>
+          <a:stretch>
+            <a:fillRect/>
+          </a:stretch>
+        </p:blipFill>
+        <p:spPr>
+          <a:xfrm>
+            <a:off x="6682937" y="4505325"/>
+            <a:ext cx="4886763" cy="1962017"/>
+          </a:xfrm>
+          <a:prstGeom prst="rect">
+            <a:avLst/>
+          </a:prstGeom>
+        </p:spPr>
+      </p:pic>
     </p:spTree>
     <p:extLst>
       <p:ext uri="{BB962C8B-B14F-4D97-AF65-F5344CB8AC3E}">
@@ -8433,7 +9784,7 @@
 </p:sld>
 </file>
 
-<file path=ppt/slides/slide17.xml><?xml version="1.0" encoding="utf-8"?>
+<file path=ppt/slides/slide19.xml><?xml version="1.0" encoding="utf-8"?>
 <p:sld xmlns:a="http://schemas.openxmlformats.org/drawingml/2006/main" xmlns:r="http://schemas.openxmlformats.org/officeDocument/2006/relationships" xmlns:p="http://schemas.openxmlformats.org/presentationml/2006/main">
   <p:cSld>
     <p:spTree>
@@ -8522,22 +9873,29 @@
               <a:buNone/>
             </a:pPr>
             <a:r>
-              <a:rPr lang="en-US" sz="4000" dirty="0"/>
-              <a:t>Count how much </a:t>
-            </a:r>
-            <a:r>
-              <a:rPr lang="en-US" sz="4000" dirty="0" err="1"/>
-              <a:t>pouplar</a:t>
-            </a:r>
-            <a:r>
-              <a:rPr lang="en-US" sz="4000" dirty="0"/>
-              <a:t> word in text</a:t>
+              <a:rPr lang="en-US" sz="4000" u="sng" dirty="0"/>
+              <a:t>Count how much popular word in text</a:t>
             </a:r>
           </a:p>
           <a:p>
             <a:pPr marL="0" indent="0" algn="l" rtl="0">
               <a:buNone/>
             </a:pPr>
+            <a:r>
+              <a:rPr lang="en-US" sz="4000" dirty="0"/>
+              <a:t>I took the popular 100 English word to array.</a:t>
+            </a:r>
+            <a:br>
+              <a:rPr lang="en-US" sz="4000" dirty="0"/>
+            </a:br>
+            <a:r>
+              <a:rPr lang="en-US" sz="4000" dirty="0"/>
+              <a:t>And count how much popular word in text </a:t>
+            </a:r>
+            <a:r>
+              <a:rPr lang="en-US" sz="4000"/>
+              <a:t>. </a:t>
+            </a:r>
             <a:br>
               <a:rPr lang="en-US" sz="4000" dirty="0"/>
             </a:br>
@@ -8682,12 +10040,42 @@
               <a:pPr>
                 <a:defRPr/>
               </a:pPr>
-              <a:t>17</a:t>
+              <a:t>19</a:t>
             </a:fld>
             <a:endParaRPr lang="he-IL" dirty="0"/>
           </a:p>
         </p:txBody>
       </p:sp>
+      <p:pic>
+        <p:nvPicPr>
+          <p:cNvPr id="2" name="תמונה 1">
+            <a:extLst>
+              <a:ext uri="{FF2B5EF4-FFF2-40B4-BE49-F238E27FC236}">
+                <a16:creationId xmlns:a16="http://schemas.microsoft.com/office/drawing/2014/main" id="{26980A34-27AB-46DA-81CF-CBE9AAF0C1F7}"/>
+              </a:ext>
+            </a:extLst>
+          </p:cNvPr>
+          <p:cNvPicPr>
+            <a:picLocks noChangeAspect="1"/>
+          </p:cNvPicPr>
+          <p:nvPr/>
+        </p:nvPicPr>
+        <p:blipFill>
+          <a:blip r:embed="rId4"/>
+          <a:stretch>
+            <a:fillRect/>
+          </a:stretch>
+        </p:blipFill>
+        <p:spPr>
+          <a:xfrm>
+            <a:off x="2781300" y="4745248"/>
+            <a:ext cx="9258300" cy="1498390"/>
+          </a:xfrm>
+          <a:prstGeom prst="rect">
+            <a:avLst/>
+          </a:prstGeom>
+        </p:spPr>
+      </p:pic>
     </p:spTree>
     <p:extLst>
       <p:ext uri="{BB962C8B-B14F-4D97-AF65-F5344CB8AC3E}">
@@ -8964,7 +10352,7 @@
 </p:sld>
 </file>
 
-<file path=ppt/slides/slide18.xml><?xml version="1.0" encoding="utf-8"?>
+<file path=ppt/slides/slide2.xml><?xml version="1.0" encoding="utf-8"?>
 <p:sld xmlns:a="http://schemas.openxmlformats.org/drawingml/2006/main" xmlns:r="http://schemas.openxmlformats.org/officeDocument/2006/relationships" xmlns:p="http://schemas.openxmlformats.org/presentationml/2006/main">
   <p:cSld>
     <p:spTree>
@@ -8996,9 +10384,9 @@
           <a:bodyPr/>
           <a:lstStyle/>
           <a:p>
-            <a:pPr algn="ctr" rtl="0"/>
-            <a:r>
-              <a:rPr lang="en-US" b="1" dirty="0">
+            <a:pPr algn="ctr"/>
+            <a:r>
+              <a:rPr lang="en-GB" b="1" dirty="0">
                 <a:solidFill>
                   <a:srgbClr val="002060"/>
                 </a:solidFill>
@@ -9011,7 +10399,7 @@
                 </a:effectLst>
                 <a:cs typeface="+mn-cs"/>
               </a:rPr>
-              <a:t>Fifth feature</a:t>
+              <a:t>ABSTRACT</a:t>
             </a:r>
             <a:endParaRPr lang="he-IL" b="1" dirty="0">
               <a:solidFill>
@@ -9041,70 +10429,21 @@
         </p:nvSpPr>
         <p:spPr>
           <a:xfrm>
-            <a:off x="1054100" y="1268413"/>
-            <a:ext cx="10515600" cy="5375275"/>
+            <a:off x="1054100" y="1554163"/>
+            <a:ext cx="10963275" cy="5167312"/>
           </a:xfrm>
         </p:spPr>
         <p:txBody>
           <a:bodyPr/>
           <a:lstStyle/>
           <a:p>
-            <a:pPr marL="0" indent="0" algn="l" rtl="0">
+            <a:pPr marL="0" indent="0" algn="l">
               <a:buNone/>
             </a:pPr>
             <a:r>
-              <a:rPr lang="en-US" sz="4000" dirty="0"/>
-              <a:t>Check if the word is in English or no.</a:t>
-            </a:r>
-            <a:br>
-              <a:rPr lang="en-US" sz="4000" dirty="0"/>
-            </a:br>
-            <a:r>
-              <a:rPr lang="en-US" sz="4000" dirty="0"/>
-              <a:t>Basically in Descriptive word this feature is enough </a:t>
-            </a:r>
-            <a:endParaRPr lang="he-IL" sz="4000" dirty="0"/>
-          </a:p>
-          <a:p>
-            <a:pPr marL="0" indent="0" algn="l" rtl="0">
-              <a:buNone/>
-            </a:pPr>
-            <a:r>
-              <a:rPr lang="en-US" sz="4000" dirty="0"/>
-              <a:t>So I try 3 type of this feature :</a:t>
-            </a:r>
-          </a:p>
-          <a:p>
-            <a:pPr marL="0" indent="0" algn="l" rtl="0">
-              <a:buNone/>
-            </a:pPr>
-            <a:r>
-              <a:rPr lang="en-US" sz="4000" dirty="0"/>
-              <a:t>1. All my world (just for few files because it take too much time)</a:t>
-            </a:r>
-            <a:br>
-              <a:rPr lang="en-US" sz="4000" dirty="0"/>
-            </a:br>
-            <a:r>
-              <a:rPr lang="en-US" sz="4000" dirty="0"/>
-              <a:t>2. only 1 word at row (normal time)</a:t>
-            </a:r>
-            <a:br>
-              <a:rPr lang="en-US" sz="4000" dirty="0"/>
-            </a:br>
-            <a:r>
-              <a:rPr lang="en-US" sz="4000" dirty="0"/>
-              <a:t>3. without it</a:t>
-            </a:r>
-            <a:br>
-              <a:rPr lang="en-US" sz="4000" dirty="0"/>
-            </a:br>
-            <a:endParaRPr lang="en-US" sz="4000" dirty="0"/>
-          </a:p>
-          <a:p>
-            <a:pPr marL="0" indent="0" algn="l" rtl="0">
-              <a:buNone/>
-            </a:pPr>
+              <a:rPr lang="en-US" sz="4400" dirty="0"/>
+              <a:t>Ransomware is one of most prevalent malicious software in 2020 that encrypts the files in a victim’s machine and demands money. The global damage cost and financial losses of individuals and organizations due to ransomware is increasing year by year.</a:t>
+            </a:r>
             <a:endParaRPr lang="en-GB" sz="4400" dirty="0"/>
           </a:p>
         </p:txBody>
@@ -9240,12 +10579,492 @@
               <a:pPr>
                 <a:defRPr/>
               </a:pPr>
-              <a:t>18</a:t>
+              <a:t>2</a:t>
             </a:fld>
             <a:endParaRPr lang="he-IL" dirty="0"/>
           </a:p>
         </p:txBody>
       </p:sp>
+    </p:spTree>
+    <p:extLst>
+      <p:ext uri="{BB962C8B-B14F-4D97-AF65-F5344CB8AC3E}">
+        <p14:creationId xmlns:p14="http://schemas.microsoft.com/office/powerpoint/2010/main" val="3480111488"/>
+      </p:ext>
+    </p:extLst>
+  </p:cSld>
+  <p:clrMapOvr>
+    <a:masterClrMapping/>
+  </p:clrMapOvr>
+  <p:timing>
+    <p:tnLst>
+      <p:par>
+        <p:cTn id="1" dur="indefinite" restart="never" nodeType="tmRoot">
+          <p:childTnLst>
+            <p:seq concurrent="1" nextAc="seek">
+              <p:cTn id="2" dur="indefinite" nodeType="mainSeq">
+                <p:childTnLst>
+                  <p:par>
+                    <p:cTn id="3" fill="hold">
+                      <p:stCondLst>
+                        <p:cond delay="indefinite"/>
+                      </p:stCondLst>
+                      <p:childTnLst>
+                        <p:par>
+                          <p:cTn id="4" fill="hold">
+                            <p:stCondLst>
+                              <p:cond delay="0"/>
+                            </p:stCondLst>
+                            <p:childTnLst>
+                              <p:par>
+                                <p:cTn id="5" presetID="42" presetClass="entr" presetSubtype="0" fill="hold" grpId="0" nodeType="clickEffect">
+                                  <p:stCondLst>
+                                    <p:cond delay="0"/>
+                                  </p:stCondLst>
+                                  <p:childTnLst>
+                                    <p:set>
+                                      <p:cBhvr>
+                                        <p:cTn id="6" dur="1" fill="hold">
+                                          <p:stCondLst>
+                                            <p:cond delay="0"/>
+                                          </p:stCondLst>
+                                        </p:cTn>
+                                        <p:tgtEl>
+                                          <p:spTgt spid="5">
+                                            <p:txEl>
+                                              <p:pRg st="0" end="0"/>
+                                            </p:txEl>
+                                          </p:spTgt>
+                                        </p:tgtEl>
+                                        <p:attrNameLst>
+                                          <p:attrName>style.visibility</p:attrName>
+                                        </p:attrNameLst>
+                                      </p:cBhvr>
+                                      <p:to>
+                                        <p:strVal val="visible"/>
+                                      </p:to>
+                                    </p:set>
+                                    <p:animEffect transition="in" filter="fade">
+                                      <p:cBhvr>
+                                        <p:cTn id="7" dur="1000"/>
+                                        <p:tgtEl>
+                                          <p:spTgt spid="5">
+                                            <p:txEl>
+                                              <p:pRg st="0" end="0"/>
+                                            </p:txEl>
+                                          </p:spTgt>
+                                        </p:tgtEl>
+                                      </p:cBhvr>
+                                    </p:animEffect>
+                                    <p:anim calcmode="lin" valueType="num">
+                                      <p:cBhvr>
+                                        <p:cTn id="8" dur="1000" fill="hold"/>
+                                        <p:tgtEl>
+                                          <p:spTgt spid="5">
+                                            <p:txEl>
+                                              <p:pRg st="0" end="0"/>
+                                            </p:txEl>
+                                          </p:spTgt>
+                                        </p:tgtEl>
+                                        <p:attrNameLst>
+                                          <p:attrName>ppt_x</p:attrName>
+                                        </p:attrNameLst>
+                                      </p:cBhvr>
+                                      <p:tavLst>
+                                        <p:tav tm="0">
+                                          <p:val>
+                                            <p:strVal val="#ppt_x"/>
+                                          </p:val>
+                                        </p:tav>
+                                        <p:tav tm="100000">
+                                          <p:val>
+                                            <p:strVal val="#ppt_x"/>
+                                          </p:val>
+                                        </p:tav>
+                                      </p:tavLst>
+                                    </p:anim>
+                                    <p:anim calcmode="lin" valueType="num">
+                                      <p:cBhvr>
+                                        <p:cTn id="9" dur="1000" fill="hold"/>
+                                        <p:tgtEl>
+                                          <p:spTgt spid="5">
+                                            <p:txEl>
+                                              <p:pRg st="0" end="0"/>
+                                            </p:txEl>
+                                          </p:spTgt>
+                                        </p:tgtEl>
+                                        <p:attrNameLst>
+                                          <p:attrName>ppt_y</p:attrName>
+                                        </p:attrNameLst>
+                                      </p:cBhvr>
+                                      <p:tavLst>
+                                        <p:tav tm="0">
+                                          <p:val>
+                                            <p:strVal val="#ppt_y+.1"/>
+                                          </p:val>
+                                        </p:tav>
+                                        <p:tav tm="100000">
+                                          <p:val>
+                                            <p:strVal val="#ppt_y"/>
+                                          </p:val>
+                                        </p:tav>
+                                      </p:tavLst>
+                                    </p:anim>
+                                  </p:childTnLst>
+                                </p:cTn>
+                              </p:par>
+                            </p:childTnLst>
+                          </p:cTn>
+                        </p:par>
+                      </p:childTnLst>
+                    </p:cTn>
+                  </p:par>
+                </p:childTnLst>
+              </p:cTn>
+              <p:prevCondLst>
+                <p:cond evt="onPrev" delay="0">
+                  <p:tgtEl>
+                    <p:sldTgt/>
+                  </p:tgtEl>
+                </p:cond>
+              </p:prevCondLst>
+              <p:nextCondLst>
+                <p:cond evt="onNext" delay="0">
+                  <p:tgtEl>
+                    <p:sldTgt/>
+                  </p:tgtEl>
+                </p:cond>
+              </p:nextCondLst>
+            </p:seq>
+          </p:childTnLst>
+        </p:cTn>
+      </p:par>
+    </p:tnLst>
+    <p:bldLst>
+      <p:bldP spid="5" grpId="0" build="p"/>
+    </p:bldLst>
+  </p:timing>
+</p:sld>
+</file>
+
+<file path=ppt/slides/slide20.xml><?xml version="1.0" encoding="utf-8"?>
+<p:sld xmlns:a="http://schemas.openxmlformats.org/drawingml/2006/main" xmlns:r="http://schemas.openxmlformats.org/officeDocument/2006/relationships" xmlns:p="http://schemas.openxmlformats.org/presentationml/2006/main">
+  <p:cSld>
+    <p:spTree>
+      <p:nvGrpSpPr>
+        <p:cNvPr id="1" name=""/>
+        <p:cNvGrpSpPr/>
+        <p:nvPr/>
+      </p:nvGrpSpPr>
+      <p:grpSpPr>
+        <a:xfrm>
+          <a:off x="0" y="0"/>
+          <a:ext cx="0" cy="0"/>
+          <a:chOff x="0" y="0"/>
+          <a:chExt cx="0" cy="0"/>
+        </a:xfrm>
+      </p:grpSpPr>
+      <p:sp>
+        <p:nvSpPr>
+          <p:cNvPr id="4" name="כותרת 3"/>
+          <p:cNvSpPr>
+            <a:spLocks noGrp="1"/>
+          </p:cNvSpPr>
+          <p:nvPr>
+            <p:ph type="title"/>
+          </p:nvPr>
+        </p:nvSpPr>
+        <p:spPr/>
+        <p:txBody>
+          <a:bodyPr/>
+          <a:lstStyle/>
+          <a:p>
+            <a:pPr algn="ctr" rtl="0"/>
+            <a:r>
+              <a:rPr lang="en-US" b="1" dirty="0">
+                <a:solidFill>
+                  <a:srgbClr val="002060"/>
+                </a:solidFill>
+                <a:effectLst>
+                  <a:outerShdw blurRad="38100" dist="38100" dir="2700000" algn="tl">
+                    <a:srgbClr val="000000">
+                      <a:alpha val="43137"/>
+                    </a:srgbClr>
+                  </a:outerShdw>
+                </a:effectLst>
+                <a:cs typeface="+mn-cs"/>
+              </a:rPr>
+              <a:t>Fifth feature</a:t>
+            </a:r>
+            <a:endParaRPr lang="he-IL" b="1" dirty="0">
+              <a:solidFill>
+                <a:srgbClr val="002060"/>
+              </a:solidFill>
+              <a:effectLst>
+                <a:outerShdw blurRad="38100" dist="38100" dir="2700000" algn="tl">
+                  <a:srgbClr val="000000">
+                    <a:alpha val="43137"/>
+                  </a:srgbClr>
+                </a:outerShdw>
+              </a:effectLst>
+              <a:cs typeface="+mn-cs"/>
+            </a:endParaRPr>
+          </a:p>
+        </p:txBody>
+      </p:sp>
+      <p:sp>
+        <p:nvSpPr>
+          <p:cNvPr id="5" name="מציין מיקום תוכן 4"/>
+          <p:cNvSpPr>
+            <a:spLocks noGrp="1"/>
+          </p:cNvSpPr>
+          <p:nvPr>
+            <p:ph idx="1"/>
+          </p:nvPr>
+        </p:nvSpPr>
+        <p:spPr>
+          <a:xfrm>
+            <a:off x="1054100" y="1268413"/>
+            <a:ext cx="10515600" cy="5375275"/>
+          </a:xfrm>
+        </p:spPr>
+        <p:txBody>
+          <a:bodyPr/>
+          <a:lstStyle/>
+          <a:p>
+            <a:pPr marL="0" indent="0" algn="l" rtl="0">
+              <a:buNone/>
+            </a:pPr>
+            <a:r>
+              <a:rPr lang="en-US" sz="4000" dirty="0"/>
+              <a:t>Check if the word is in English or no.</a:t>
+            </a:r>
+            <a:br>
+              <a:rPr lang="en-US" sz="4000" dirty="0"/>
+            </a:br>
+            <a:r>
+              <a:rPr lang="en-US" sz="4000" dirty="0"/>
+              <a:t>Basically in Descriptive word this feature is enough </a:t>
+            </a:r>
+            <a:endParaRPr lang="he-IL" sz="4000" dirty="0"/>
+          </a:p>
+          <a:p>
+            <a:pPr marL="0" indent="0" algn="l" rtl="0">
+              <a:buNone/>
+            </a:pPr>
+            <a:r>
+              <a:rPr lang="en-US" sz="4000" dirty="0"/>
+              <a:t>So I try 3 type of this feature :</a:t>
+            </a:r>
+          </a:p>
+          <a:p>
+            <a:pPr marL="0" indent="0" algn="l" rtl="0">
+              <a:buNone/>
+            </a:pPr>
+            <a:r>
+              <a:rPr lang="en-US" sz="4000" dirty="0"/>
+              <a:t>1. only 1 word at row</a:t>
+            </a:r>
+            <a:br>
+              <a:rPr lang="en-US" sz="4000" dirty="0"/>
+            </a:br>
+            <a:r>
+              <a:rPr lang="en-US" sz="4000" dirty="0"/>
+              <a:t>2. Only 3 word at row </a:t>
+            </a:r>
+            <a:br>
+              <a:rPr lang="en-US" sz="4000" dirty="0"/>
+            </a:br>
+            <a:r>
+              <a:rPr lang="en-US" sz="4000" dirty="0"/>
+              <a:t>3. Count If we have a least 1 word</a:t>
+            </a:r>
+            <a:br>
+              <a:rPr lang="en-US" sz="4000" dirty="0"/>
+            </a:br>
+            <a:r>
+              <a:rPr lang="en-US" sz="4000" dirty="0"/>
+              <a:t>     from 3 in English </a:t>
+            </a:r>
+            <a:br>
+              <a:rPr lang="en-US" sz="4000" dirty="0"/>
+            </a:br>
+            <a:endParaRPr lang="en-US" sz="4000" dirty="0"/>
+          </a:p>
+          <a:p>
+            <a:pPr marL="0" indent="0" algn="l" rtl="0">
+              <a:buNone/>
+            </a:pPr>
+            <a:endParaRPr lang="en-GB" sz="4400" dirty="0"/>
+          </a:p>
+        </p:txBody>
+      </p:sp>
+      <p:pic>
+        <p:nvPicPr>
+          <p:cNvPr id="2052" name="Picture 2" descr="תוצאת תמונה עבור מצגת אונ אריאל לוגו"/>
+          <p:cNvPicPr>
+            <a:picLocks noChangeAspect="1" noChangeArrowheads="1"/>
+          </p:cNvPicPr>
+          <p:nvPr/>
+        </p:nvPicPr>
+        <p:blipFill>
+          <a:blip r:embed="rId2">
+            <a:extLst>
+              <a:ext uri="{28A0092B-C50C-407E-A947-70E740481C1C}">
+                <a14:useLocalDpi xmlns:a14="http://schemas.microsoft.com/office/drawing/2010/main" val="0"/>
+              </a:ext>
+            </a:extLst>
+          </a:blip>
+          <a:srcRect/>
+          <a:stretch>
+            <a:fillRect/>
+          </a:stretch>
+        </p:blipFill>
+        <p:spPr bwMode="auto">
+          <a:xfrm>
+            <a:off x="10417175" y="-33338"/>
+            <a:ext cx="1800225" cy="1012826"/>
+          </a:xfrm>
+          <a:prstGeom prst="rect">
+            <a:avLst/>
+          </a:prstGeom>
+          <a:noFill/>
+          <a:ln>
+            <a:noFill/>
+          </a:ln>
+          <a:extLst>
+            <a:ext uri="{909E8E84-426E-40DD-AFC4-6F175D3DCCD1}">
+              <a14:hiddenFill xmlns:a14="http://schemas.microsoft.com/office/drawing/2010/main">
+                <a:solidFill>
+                  <a:srgbClr val="FFFFFF"/>
+                </a:solidFill>
+              </a14:hiddenFill>
+            </a:ext>
+            <a:ext uri="{91240B29-F687-4F45-9708-019B960494DF}">
+              <a14:hiddenLine xmlns:a14="http://schemas.microsoft.com/office/drawing/2010/main" w="9525">
+                <a:solidFill>
+                  <a:srgbClr val="000000"/>
+                </a:solidFill>
+                <a:miter lim="800000"/>
+                <a:headEnd/>
+                <a:tailEnd/>
+              </a14:hiddenLine>
+            </a:ext>
+          </a:extLst>
+        </p:spPr>
+      </p:pic>
+      <p:pic>
+        <p:nvPicPr>
+          <p:cNvPr id="2053" name="תמונה 4"/>
+          <p:cNvPicPr>
+            <a:picLocks noChangeAspect="1"/>
+          </p:cNvPicPr>
+          <p:nvPr/>
+        </p:nvPicPr>
+        <p:blipFill>
+          <a:blip r:embed="rId3">
+            <a:extLst>
+              <a:ext uri="{28A0092B-C50C-407E-A947-70E740481C1C}">
+                <a14:useLocalDpi xmlns:a14="http://schemas.microsoft.com/office/drawing/2010/main" val="0"/>
+              </a:ext>
+            </a:extLst>
+          </a:blip>
+          <a:srcRect/>
+          <a:stretch>
+            <a:fillRect/>
+          </a:stretch>
+        </p:blipFill>
+        <p:spPr bwMode="auto">
+          <a:xfrm>
+            <a:off x="0" y="5565775"/>
+            <a:ext cx="1054100" cy="1292225"/>
+          </a:xfrm>
+          <a:prstGeom prst="rect">
+            <a:avLst/>
+          </a:prstGeom>
+          <a:noFill/>
+          <a:ln>
+            <a:noFill/>
+          </a:ln>
+          <a:extLst>
+            <a:ext uri="{909E8E84-426E-40DD-AFC4-6F175D3DCCD1}">
+              <a14:hiddenFill xmlns:a14="http://schemas.microsoft.com/office/drawing/2010/main">
+                <a:solidFill>
+                  <a:srgbClr val="FFFFFF"/>
+                </a:solidFill>
+              </a14:hiddenFill>
+            </a:ext>
+            <a:ext uri="{91240B29-F687-4F45-9708-019B960494DF}">
+              <a14:hiddenLine xmlns:a14="http://schemas.microsoft.com/office/drawing/2010/main" w="9525">
+                <a:solidFill>
+                  <a:srgbClr val="000000"/>
+                </a:solidFill>
+                <a:miter lim="800000"/>
+                <a:headEnd/>
+                <a:tailEnd/>
+              </a14:hiddenLine>
+            </a:ext>
+          </a:extLst>
+        </p:spPr>
+      </p:pic>
+      <p:sp>
+        <p:nvSpPr>
+          <p:cNvPr id="6" name="מציין מיקום של מספר שקופית 5"/>
+          <p:cNvSpPr>
+            <a:spLocks noGrp="1"/>
+          </p:cNvSpPr>
+          <p:nvPr>
+            <p:ph type="sldNum" sz="quarter" idx="12"/>
+          </p:nvPr>
+        </p:nvSpPr>
+        <p:spPr/>
+        <p:txBody>
+          <a:bodyPr/>
+          <a:lstStyle/>
+          <a:p>
+            <a:pPr>
+              <a:defRPr/>
+            </a:pPr>
+            <a:fld id="{EB0A1C18-2E97-4B45-832C-DE832CBD48BD}" type="slidenum">
+              <a:rPr lang="he-IL" smtClean="0"/>
+              <a:pPr>
+                <a:defRPr/>
+              </a:pPr>
+              <a:t>20</a:t>
+            </a:fld>
+            <a:endParaRPr lang="he-IL" dirty="0"/>
+          </a:p>
+        </p:txBody>
+      </p:sp>
+      <p:pic>
+        <p:nvPicPr>
+          <p:cNvPr id="7" name="תמונה 6">
+            <a:extLst>
+              <a:ext uri="{FF2B5EF4-FFF2-40B4-BE49-F238E27FC236}">
+                <a16:creationId xmlns:a16="http://schemas.microsoft.com/office/drawing/2014/main" id="{19A68B1B-8976-4BD1-99C5-2C64DE75C5C0}"/>
+              </a:ext>
+            </a:extLst>
+          </p:cNvPr>
+          <p:cNvPicPr>
+            <a:picLocks noChangeAspect="1"/>
+          </p:cNvPicPr>
+          <p:nvPr/>
+        </p:nvPicPr>
+        <p:blipFill>
+          <a:blip r:embed="rId4"/>
+          <a:stretch>
+            <a:fillRect/>
+          </a:stretch>
+        </p:blipFill>
+        <p:spPr>
+          <a:xfrm>
+            <a:off x="8740112" y="4675186"/>
+            <a:ext cx="3045488" cy="1577973"/>
+          </a:xfrm>
+          <a:prstGeom prst="rect">
+            <a:avLst/>
+          </a:prstGeom>
+        </p:spPr>
+      </p:pic>
     </p:spTree>
     <p:extLst>
       <p:ext uri="{BB962C8B-B14F-4D97-AF65-F5344CB8AC3E}">
@@ -9637,7 +11456,7 @@
 </p:sld>
 </file>
 
-<file path=ppt/slides/slide19.xml><?xml version="1.0" encoding="utf-8"?>
+<file path=ppt/slides/slide21.xml><?xml version="1.0" encoding="utf-8"?>
 <p:sld xmlns:a="http://schemas.openxmlformats.org/drawingml/2006/main" xmlns:r="http://schemas.openxmlformats.org/officeDocument/2006/relationships" xmlns:p="http://schemas.openxmlformats.org/presentationml/2006/main">
   <p:cSld>
     <p:spTree>
@@ -9669,7 +11488,7 @@
           <a:bodyPr/>
           <a:lstStyle/>
           <a:p>
-            <a:pPr algn="ctr"/>
+            <a:pPr algn="ctr" rtl="0"/>
             <a:r>
               <a:rPr lang="en-US" b="1" dirty="0">
                 <a:solidFill>
@@ -9684,23 +11503,7 @@
                 </a:effectLst>
                 <a:cs typeface="+mn-cs"/>
               </a:rPr>
-              <a:t>ML </a:t>
-            </a:r>
-            <a:r>
-              <a:rPr lang="en-US" b="1" dirty="0" err="1">
-                <a:solidFill>
-                  <a:srgbClr val="002060"/>
-                </a:solidFill>
-                <a:effectLst>
-                  <a:outerShdw blurRad="38100" dist="38100" dir="2700000" algn="tl">
-                    <a:srgbClr val="000000">
-                      <a:alpha val="43137"/>
-                    </a:srgbClr>
-                  </a:outerShdw>
-                </a:effectLst>
-                <a:cs typeface="+mn-cs"/>
-              </a:rPr>
-              <a:t>reasults</a:t>
+              <a:t>My Machine Learning</a:t>
             </a:r>
             <a:endParaRPr lang="he-IL" b="1" dirty="0">
               <a:solidFill>
@@ -9730,7 +11533,7 @@
         </p:nvSpPr>
         <p:spPr>
           <a:xfrm>
-            <a:off x="838200" y="1690688"/>
+            <a:off x="1054100" y="1268413"/>
             <a:ext cx="10515600" cy="5375275"/>
           </a:xfrm>
         </p:spPr>
@@ -9739,29 +11542,36 @@
           <a:lstStyle/>
           <a:p>
             <a:pPr marL="0" indent="0" algn="l" rtl="0">
-              <a:buClr>
-                <a:schemeClr val="accent1">
-                  <a:lumMod val="50000"/>
-                </a:schemeClr>
-              </a:buClr>
-              <a:buSzPct val="95000"/>
               <a:buNone/>
-              <a:defRPr/>
             </a:pPr>
-            <a:endParaRPr lang="en-GB" altLang="en-US" dirty="0"/>
-          </a:p>
-          <a:p>
-            <a:pPr marL="0" indent="0" algn="r">
-              <a:buClr>
-                <a:schemeClr val="accent1">
-                  <a:lumMod val="50000"/>
-                </a:schemeClr>
-              </a:buClr>
-              <a:buSzPct val="95000"/>
+            <a:r>
+              <a:rPr lang="en-US" sz="4000" dirty="0"/>
+              <a:t>I have 2 type of ML :KNN , SVM</a:t>
+            </a:r>
+            <a:br>
+              <a:rPr lang="en-US" sz="4000" dirty="0"/>
+            </a:br>
+            <a:r>
+              <a:rPr lang="en-US" sz="4000" dirty="0"/>
+              <a:t>my data is divided 50%-50% (Encrypted /Unencrypted) </a:t>
+            </a:r>
+            <a:br>
+              <a:rPr lang="en-US" sz="4000" dirty="0"/>
+            </a:br>
+            <a:r>
+              <a:rPr lang="en-US" sz="4000" dirty="0"/>
+              <a:t>and to 80% Train 20% test.</a:t>
+            </a:r>
+            <a:br>
+              <a:rPr lang="en-US" sz="4000" dirty="0"/>
+            </a:br>
+            <a:endParaRPr lang="en-US" sz="4000" dirty="0"/>
+          </a:p>
+          <a:p>
+            <a:pPr marL="0" indent="0" algn="l" rtl="0">
               <a:buNone/>
-              <a:defRPr/>
             </a:pPr>
-            <a:endParaRPr lang="en-GB" altLang="en-US" dirty="0"/>
+            <a:endParaRPr lang="en-GB" sz="4400" dirty="0"/>
           </a:p>
         </p:txBody>
       </p:sp>
@@ -9896,290 +11706,74 @@
               <a:pPr>
                 <a:defRPr/>
               </a:pPr>
-              <a:t>19</a:t>
+              <a:t>21</a:t>
             </a:fld>
-            <a:endParaRPr lang="he-IL"/>
-          </a:p>
-        </p:txBody>
-      </p:sp>
-    </p:spTree>
-    <p:extLst>
-      <p:ext uri="{BB962C8B-B14F-4D97-AF65-F5344CB8AC3E}">
-        <p14:creationId xmlns:p14="http://schemas.microsoft.com/office/powerpoint/2010/main" val="79132409"/>
-      </p:ext>
-    </p:extLst>
-  </p:cSld>
-  <p:clrMapOvr>
-    <a:masterClrMapping/>
-  </p:clrMapOvr>
-</p:sld>
-</file>
-
-<file path=ppt/slides/slide2.xml><?xml version="1.0" encoding="utf-8"?>
-<p:sld xmlns:a="http://schemas.openxmlformats.org/drawingml/2006/main" xmlns:r="http://schemas.openxmlformats.org/officeDocument/2006/relationships" xmlns:p="http://schemas.openxmlformats.org/presentationml/2006/main">
-  <p:cSld>
-    <p:spTree>
-      <p:nvGrpSpPr>
-        <p:cNvPr id="1" name=""/>
-        <p:cNvGrpSpPr/>
-        <p:nvPr/>
-      </p:nvGrpSpPr>
-      <p:grpSpPr>
-        <a:xfrm>
-          <a:off x="0" y="0"/>
-          <a:ext cx="0" cy="0"/>
-          <a:chOff x="0" y="0"/>
-          <a:chExt cx="0" cy="0"/>
-        </a:xfrm>
-      </p:grpSpPr>
-      <p:sp>
-        <p:nvSpPr>
-          <p:cNvPr id="4" name="כותרת 3"/>
-          <p:cNvSpPr>
-            <a:spLocks noGrp="1"/>
-          </p:cNvSpPr>
-          <p:nvPr>
-            <p:ph type="title"/>
-          </p:nvPr>
-        </p:nvSpPr>
-        <p:spPr/>
-        <p:txBody>
-          <a:bodyPr/>
-          <a:lstStyle/>
-          <a:p>
-            <a:pPr algn="ctr"/>
-            <a:r>
-              <a:rPr lang="en-GB" b="1" dirty="0">
-                <a:solidFill>
-                  <a:srgbClr val="002060"/>
-                </a:solidFill>
-                <a:effectLst>
-                  <a:outerShdw blurRad="38100" dist="38100" dir="2700000" algn="tl">
-                    <a:srgbClr val="000000">
-                      <a:alpha val="43137"/>
-                    </a:srgbClr>
-                  </a:outerShdw>
-                </a:effectLst>
-                <a:cs typeface="+mn-cs"/>
-              </a:rPr>
-              <a:t>ABSTRACT</a:t>
-            </a:r>
-            <a:endParaRPr lang="he-IL" b="1" dirty="0">
-              <a:solidFill>
-                <a:srgbClr val="002060"/>
-              </a:solidFill>
-              <a:effectLst>
-                <a:outerShdw blurRad="38100" dist="38100" dir="2700000" algn="tl">
-                  <a:srgbClr val="000000">
-                    <a:alpha val="43137"/>
-                  </a:srgbClr>
-                </a:outerShdw>
-              </a:effectLst>
-              <a:cs typeface="+mn-cs"/>
-            </a:endParaRPr>
-          </a:p>
-        </p:txBody>
-      </p:sp>
-      <p:sp>
-        <p:nvSpPr>
-          <p:cNvPr id="5" name="מציין מיקום תוכן 4"/>
-          <p:cNvSpPr>
-            <a:spLocks noGrp="1"/>
-          </p:cNvSpPr>
-          <p:nvPr>
-            <p:ph idx="1"/>
-          </p:nvPr>
-        </p:nvSpPr>
-        <p:spPr>
-          <a:xfrm>
-            <a:off x="1054100" y="1554163"/>
-            <a:ext cx="10963275" cy="5167312"/>
-          </a:xfrm>
-        </p:spPr>
-        <p:txBody>
-          <a:bodyPr/>
-          <a:lstStyle/>
-          <a:p>
-            <a:pPr marL="0" indent="0" algn="l">
-              <a:buNone/>
-            </a:pPr>
-            <a:r>
-              <a:rPr lang="en-US" sz="4400" dirty="0" err="1"/>
-              <a:t>Ransomeware</a:t>
-            </a:r>
-            <a:r>
-              <a:rPr lang="en-US" sz="4400" dirty="0"/>
-              <a:t> is one of most prevalent malicious software in 2020that encrypts the files in a victim’s machine and demands </a:t>
-            </a:r>
-            <a:r>
-              <a:rPr lang="en-US" sz="4400" dirty="0" err="1"/>
-              <a:t>money,i.e</a:t>
-            </a:r>
-            <a:r>
-              <a:rPr lang="en-US" sz="4400" dirty="0"/>
-              <a:t>., ransom, for decrypting the files. The global damage cost </a:t>
-            </a:r>
-            <a:r>
-              <a:rPr lang="en-US" sz="4400" dirty="0" err="1"/>
-              <a:t>andfinancial</a:t>
-            </a:r>
-            <a:r>
-              <a:rPr lang="en-US" sz="4400" dirty="0"/>
-              <a:t> losses of individuals and organizations due to </a:t>
-            </a:r>
-            <a:r>
-              <a:rPr lang="en-US" sz="4400" dirty="0" err="1"/>
-              <a:t>ransomwareis</a:t>
-            </a:r>
-            <a:r>
-              <a:rPr lang="en-US" sz="4400" dirty="0"/>
-              <a:t> increasing year by year.</a:t>
-            </a:r>
-            <a:endParaRPr lang="en-GB" sz="4400" dirty="0"/>
+            <a:endParaRPr lang="he-IL" dirty="0"/>
           </a:p>
         </p:txBody>
       </p:sp>
       <p:pic>
         <p:nvPicPr>
-          <p:cNvPr id="2052" name="Picture 2" descr="תוצאת תמונה עבור מצגת אונ אריאל לוגו"/>
-          <p:cNvPicPr>
-            <a:picLocks noChangeAspect="1" noChangeArrowheads="1"/>
-          </p:cNvPicPr>
-          <p:nvPr/>
-        </p:nvPicPr>
-        <p:blipFill>
-          <a:blip r:embed="rId2">
+          <p:cNvPr id="2" name="תמונה 1">
             <a:extLst>
-              <a:ext uri="{28A0092B-C50C-407E-A947-70E740481C1C}">
-                <a14:useLocalDpi xmlns:a14="http://schemas.microsoft.com/office/drawing/2010/main" val="0"/>
+              <a:ext uri="{FF2B5EF4-FFF2-40B4-BE49-F238E27FC236}">
+                <a16:creationId xmlns:a16="http://schemas.microsoft.com/office/drawing/2014/main" id="{D7493E8A-7B63-4B58-B628-CEEABF3AF8D4}"/>
               </a:ext>
             </a:extLst>
-          </a:blip>
-          <a:srcRect/>
-          <a:stretch>
-            <a:fillRect/>
-          </a:stretch>
-        </p:blipFill>
-        <p:spPr bwMode="auto">
-          <a:xfrm>
-            <a:off x="10417175" y="-33338"/>
-            <a:ext cx="1800225" cy="1012826"/>
-          </a:xfrm>
-          <a:prstGeom prst="rect">
-            <a:avLst/>
-          </a:prstGeom>
-          <a:noFill/>
-          <a:ln>
-            <a:noFill/>
-          </a:ln>
-          <a:extLst>
-            <a:ext uri="{909E8E84-426E-40DD-AFC4-6F175D3DCCD1}">
-              <a14:hiddenFill xmlns:a14="http://schemas.microsoft.com/office/drawing/2010/main">
-                <a:solidFill>
-                  <a:srgbClr val="FFFFFF"/>
-                </a:solidFill>
-              </a14:hiddenFill>
-            </a:ext>
-            <a:ext uri="{91240B29-F687-4F45-9708-019B960494DF}">
-              <a14:hiddenLine xmlns:a14="http://schemas.microsoft.com/office/drawing/2010/main" w="9525">
-                <a:solidFill>
-                  <a:srgbClr val="000000"/>
-                </a:solidFill>
-                <a:miter lim="800000"/>
-                <a:headEnd/>
-                <a:tailEnd/>
-              </a14:hiddenLine>
-            </a:ext>
-          </a:extLst>
-        </p:spPr>
-      </p:pic>
-      <p:pic>
-        <p:nvPicPr>
-          <p:cNvPr id="2053" name="תמונה 4"/>
+          </p:cNvPr>
           <p:cNvPicPr>
             <a:picLocks noChangeAspect="1"/>
           </p:cNvPicPr>
           <p:nvPr/>
         </p:nvPicPr>
-        <p:blipFill>
-          <a:blip r:embed="rId3">
-            <a:extLst>
-              <a:ext uri="{28A0092B-C50C-407E-A947-70E740481C1C}">
-                <a14:useLocalDpi xmlns:a14="http://schemas.microsoft.com/office/drawing/2010/main" val="0"/>
-              </a:ext>
-            </a:extLst>
-          </a:blip>
-          <a:srcRect/>
-          <a:stretch>
-            <a:fillRect/>
-          </a:stretch>
+        <p:blipFill rotWithShape="1">
+          <a:blip r:embed="rId4"/>
+          <a:srcRect l="8492" r="8365"/>
+          <a:stretch/>
         </p:blipFill>
-        <p:spPr bwMode="auto">
+        <p:spPr>
           <a:xfrm>
-            <a:off x="0" y="5565775"/>
-            <a:ext cx="1054100" cy="1292225"/>
+            <a:off x="134937" y="4556125"/>
+            <a:ext cx="4149726" cy="1800225"/>
           </a:xfrm>
           <a:prstGeom prst="rect">
             <a:avLst/>
           </a:prstGeom>
-          <a:noFill/>
-          <a:ln>
-            <a:noFill/>
-          </a:ln>
-          <a:extLst>
-            <a:ext uri="{909E8E84-426E-40DD-AFC4-6F175D3DCCD1}">
-              <a14:hiddenFill xmlns:a14="http://schemas.microsoft.com/office/drawing/2010/main">
-                <a:solidFill>
-                  <a:srgbClr val="FFFFFF"/>
-                </a:solidFill>
-              </a14:hiddenFill>
-            </a:ext>
-            <a:ext uri="{91240B29-F687-4F45-9708-019B960494DF}">
-              <a14:hiddenLine xmlns:a14="http://schemas.microsoft.com/office/drawing/2010/main" w="9525">
-                <a:solidFill>
-                  <a:srgbClr val="000000"/>
-                </a:solidFill>
-                <a:miter lim="800000"/>
-                <a:headEnd/>
-                <a:tailEnd/>
-              </a14:hiddenLine>
-            </a:ext>
-          </a:extLst>
         </p:spPr>
       </p:pic>
-      <p:sp>
-        <p:nvSpPr>
-          <p:cNvPr id="6" name="מציין מיקום של מספר שקופית 5"/>
-          <p:cNvSpPr>
-            <a:spLocks noGrp="1"/>
-          </p:cNvSpPr>
-          <p:nvPr>
-            <p:ph type="sldNum" sz="quarter" idx="12"/>
-          </p:nvPr>
-        </p:nvSpPr>
-        <p:spPr/>
-        <p:txBody>
-          <a:bodyPr/>
-          <a:lstStyle/>
-          <a:p>
-            <a:pPr>
-              <a:defRPr/>
-            </a:pPr>
-            <a:fld id="{EB0A1C18-2E97-4B45-832C-DE832CBD48BD}" type="slidenum">
-              <a:rPr lang="he-IL" smtClean="0"/>
-              <a:pPr>
-                <a:defRPr/>
-              </a:pPr>
-              <a:t>2</a:t>
-            </a:fld>
-            <a:endParaRPr lang="he-IL" dirty="0"/>
-          </a:p>
-        </p:txBody>
-      </p:sp>
+      <p:pic>
+        <p:nvPicPr>
+          <p:cNvPr id="3" name="תמונה 2">
+            <a:extLst>
+              <a:ext uri="{FF2B5EF4-FFF2-40B4-BE49-F238E27FC236}">
+                <a16:creationId xmlns:a16="http://schemas.microsoft.com/office/drawing/2014/main" id="{EC397B75-5B1B-4FA6-86AF-B809E64F83CB}"/>
+              </a:ext>
+            </a:extLst>
+          </p:cNvPr>
+          <p:cNvPicPr>
+            <a:picLocks noChangeAspect="1"/>
+          </p:cNvPicPr>
+          <p:nvPr/>
+        </p:nvPicPr>
+        <p:blipFill rotWithShape="1">
+          <a:blip r:embed="rId5"/>
+          <a:srcRect l="-1420" t="-2036" r="3574" b="2036"/>
+          <a:stretch/>
+        </p:blipFill>
+        <p:spPr>
+          <a:xfrm>
+            <a:off x="4419600" y="4399927"/>
+            <a:ext cx="7714530" cy="2260912"/>
+          </a:xfrm>
+          <a:prstGeom prst="rect">
+            <a:avLst/>
+          </a:prstGeom>
+        </p:spPr>
+      </p:pic>
     </p:spTree>
     <p:extLst>
       <p:ext uri="{BB962C8B-B14F-4D97-AF65-F5344CB8AC3E}">
-        <p14:creationId xmlns:p14="http://schemas.microsoft.com/office/powerpoint/2010/main" val="3480111488"/>
+        <p14:creationId xmlns:p14="http://schemas.microsoft.com/office/powerpoint/2010/main" val="1100770378"/>
       </p:ext>
     </p:extLst>
   </p:cSld>
@@ -10334,6 +11928,3148 @@
       <p:bldP spid="5" grpId="0" build="p"/>
     </p:bldLst>
   </p:timing>
+</p:sld>
+</file>
+
+<file path=ppt/slides/slide22.xml><?xml version="1.0" encoding="utf-8"?>
+<p:sld xmlns:a="http://schemas.openxmlformats.org/drawingml/2006/main" xmlns:r="http://schemas.openxmlformats.org/officeDocument/2006/relationships" xmlns:p="http://schemas.openxmlformats.org/presentationml/2006/main">
+  <p:cSld>
+    <p:spTree>
+      <p:nvGrpSpPr>
+        <p:cNvPr id="1" name=""/>
+        <p:cNvGrpSpPr/>
+        <p:nvPr/>
+      </p:nvGrpSpPr>
+      <p:grpSpPr>
+        <a:xfrm>
+          <a:off x="0" y="0"/>
+          <a:ext cx="0" cy="0"/>
+          <a:chOff x="0" y="0"/>
+          <a:chExt cx="0" cy="0"/>
+        </a:xfrm>
+      </p:grpSpPr>
+      <p:sp>
+        <p:nvSpPr>
+          <p:cNvPr id="4" name="כותרת 3"/>
+          <p:cNvSpPr>
+            <a:spLocks noGrp="1"/>
+          </p:cNvSpPr>
+          <p:nvPr>
+            <p:ph type="title"/>
+          </p:nvPr>
+        </p:nvSpPr>
+        <p:spPr/>
+        <p:txBody>
+          <a:bodyPr/>
+          <a:lstStyle/>
+          <a:p>
+            <a:pPr algn="ctr"/>
+            <a:r>
+              <a:rPr lang="en-US" b="1" dirty="0">
+                <a:solidFill>
+                  <a:srgbClr val="002060"/>
+                </a:solidFill>
+                <a:effectLst>
+                  <a:outerShdw blurRad="38100" dist="38100" dir="2700000" algn="tl">
+                    <a:srgbClr val="000000">
+                      <a:alpha val="43137"/>
+                    </a:srgbClr>
+                  </a:outerShdw>
+                </a:effectLst>
+                <a:cs typeface="+mn-cs"/>
+              </a:rPr>
+              <a:t>My Machine Learning results </a:t>
+            </a:r>
+            <a:endParaRPr lang="he-IL" b="1" dirty="0">
+              <a:solidFill>
+                <a:srgbClr val="002060"/>
+              </a:solidFill>
+              <a:effectLst>
+                <a:outerShdw blurRad="38100" dist="38100" dir="2700000" algn="tl">
+                  <a:srgbClr val="000000">
+                    <a:alpha val="43137"/>
+                  </a:srgbClr>
+                </a:outerShdw>
+              </a:effectLst>
+              <a:cs typeface="+mn-cs"/>
+            </a:endParaRPr>
+          </a:p>
+        </p:txBody>
+      </p:sp>
+      <p:sp>
+        <p:nvSpPr>
+          <p:cNvPr id="5" name="מציין מיקום תוכן 4"/>
+          <p:cNvSpPr>
+            <a:spLocks noGrp="1"/>
+          </p:cNvSpPr>
+          <p:nvPr>
+            <p:ph idx="1"/>
+          </p:nvPr>
+        </p:nvSpPr>
+        <p:spPr>
+          <a:xfrm>
+            <a:off x="838200" y="1690688"/>
+            <a:ext cx="10515600" cy="5375275"/>
+          </a:xfrm>
+        </p:spPr>
+        <p:txBody>
+          <a:bodyPr/>
+          <a:lstStyle/>
+          <a:p>
+            <a:pPr marL="0" indent="0" algn="l" rtl="0">
+              <a:buClr>
+                <a:schemeClr val="accent1">
+                  <a:lumMod val="50000"/>
+                </a:schemeClr>
+              </a:buClr>
+              <a:buSzPct val="95000"/>
+              <a:buNone/>
+              <a:defRPr/>
+            </a:pPr>
+            <a:r>
+              <a:rPr lang="en-US" altLang="en-US" dirty="0"/>
+              <a:t>                               SVM                                                        KNN</a:t>
+            </a:r>
+            <a:endParaRPr lang="en-GB" altLang="en-US" dirty="0"/>
+          </a:p>
+          <a:p>
+            <a:pPr marL="0" indent="0" algn="r">
+              <a:buClr>
+                <a:schemeClr val="accent1">
+                  <a:lumMod val="50000"/>
+                </a:schemeClr>
+              </a:buClr>
+              <a:buSzPct val="95000"/>
+              <a:buNone/>
+              <a:defRPr/>
+            </a:pPr>
+            <a:endParaRPr lang="en-GB" altLang="en-US" dirty="0"/>
+          </a:p>
+        </p:txBody>
+      </p:sp>
+      <p:pic>
+        <p:nvPicPr>
+          <p:cNvPr id="2052" name="Picture 2" descr="תוצאת תמונה עבור מצגת אונ אריאל לוגו"/>
+          <p:cNvPicPr>
+            <a:picLocks noChangeAspect="1" noChangeArrowheads="1"/>
+          </p:cNvPicPr>
+          <p:nvPr/>
+        </p:nvPicPr>
+        <p:blipFill>
+          <a:blip r:embed="rId2">
+            <a:extLst>
+              <a:ext uri="{28A0092B-C50C-407E-A947-70E740481C1C}">
+                <a14:useLocalDpi xmlns:a14="http://schemas.microsoft.com/office/drawing/2010/main" val="0"/>
+              </a:ext>
+            </a:extLst>
+          </a:blip>
+          <a:srcRect/>
+          <a:stretch>
+            <a:fillRect/>
+          </a:stretch>
+        </p:blipFill>
+        <p:spPr bwMode="auto">
+          <a:xfrm>
+            <a:off x="10417175" y="-33338"/>
+            <a:ext cx="1800225" cy="1012826"/>
+          </a:xfrm>
+          <a:prstGeom prst="rect">
+            <a:avLst/>
+          </a:prstGeom>
+          <a:noFill/>
+          <a:ln>
+            <a:noFill/>
+          </a:ln>
+          <a:extLst>
+            <a:ext uri="{909E8E84-426E-40DD-AFC4-6F175D3DCCD1}">
+              <a14:hiddenFill xmlns:a14="http://schemas.microsoft.com/office/drawing/2010/main">
+                <a:solidFill>
+                  <a:srgbClr val="FFFFFF"/>
+                </a:solidFill>
+              </a14:hiddenFill>
+            </a:ext>
+            <a:ext uri="{91240B29-F687-4F45-9708-019B960494DF}">
+              <a14:hiddenLine xmlns:a14="http://schemas.microsoft.com/office/drawing/2010/main" w="9525">
+                <a:solidFill>
+                  <a:srgbClr val="000000"/>
+                </a:solidFill>
+                <a:miter lim="800000"/>
+                <a:headEnd/>
+                <a:tailEnd/>
+              </a14:hiddenLine>
+            </a:ext>
+          </a:extLst>
+        </p:spPr>
+      </p:pic>
+      <p:pic>
+        <p:nvPicPr>
+          <p:cNvPr id="2053" name="תמונה 4"/>
+          <p:cNvPicPr>
+            <a:picLocks noChangeAspect="1"/>
+          </p:cNvPicPr>
+          <p:nvPr/>
+        </p:nvPicPr>
+        <p:blipFill>
+          <a:blip r:embed="rId3">
+            <a:extLst>
+              <a:ext uri="{28A0092B-C50C-407E-A947-70E740481C1C}">
+                <a14:useLocalDpi xmlns:a14="http://schemas.microsoft.com/office/drawing/2010/main" val="0"/>
+              </a:ext>
+            </a:extLst>
+          </a:blip>
+          <a:srcRect/>
+          <a:stretch>
+            <a:fillRect/>
+          </a:stretch>
+        </p:blipFill>
+        <p:spPr bwMode="auto">
+          <a:xfrm>
+            <a:off x="0" y="5565775"/>
+            <a:ext cx="1054100" cy="1292225"/>
+          </a:xfrm>
+          <a:prstGeom prst="rect">
+            <a:avLst/>
+          </a:prstGeom>
+          <a:noFill/>
+          <a:ln>
+            <a:noFill/>
+          </a:ln>
+          <a:extLst>
+            <a:ext uri="{909E8E84-426E-40DD-AFC4-6F175D3DCCD1}">
+              <a14:hiddenFill xmlns:a14="http://schemas.microsoft.com/office/drawing/2010/main">
+                <a:solidFill>
+                  <a:srgbClr val="FFFFFF"/>
+                </a:solidFill>
+              </a14:hiddenFill>
+            </a:ext>
+            <a:ext uri="{91240B29-F687-4F45-9708-019B960494DF}">
+              <a14:hiddenLine xmlns:a14="http://schemas.microsoft.com/office/drawing/2010/main" w="9525">
+                <a:solidFill>
+                  <a:srgbClr val="000000"/>
+                </a:solidFill>
+                <a:miter lim="800000"/>
+                <a:headEnd/>
+                <a:tailEnd/>
+              </a14:hiddenLine>
+            </a:ext>
+          </a:extLst>
+        </p:spPr>
+      </p:pic>
+      <p:sp>
+        <p:nvSpPr>
+          <p:cNvPr id="6" name="מציין מיקום של מספר שקופית 5"/>
+          <p:cNvSpPr>
+            <a:spLocks noGrp="1"/>
+          </p:cNvSpPr>
+          <p:nvPr>
+            <p:ph type="sldNum" sz="quarter" idx="12"/>
+          </p:nvPr>
+        </p:nvSpPr>
+        <p:spPr/>
+        <p:txBody>
+          <a:bodyPr/>
+          <a:lstStyle/>
+          <a:p>
+            <a:pPr>
+              <a:defRPr/>
+            </a:pPr>
+            <a:fld id="{EB0A1C18-2E97-4B45-832C-DE832CBD48BD}" type="slidenum">
+              <a:rPr lang="he-IL" smtClean="0"/>
+              <a:pPr>
+                <a:defRPr/>
+              </a:pPr>
+              <a:t>22</a:t>
+            </a:fld>
+            <a:endParaRPr lang="he-IL"/>
+          </a:p>
+        </p:txBody>
+      </p:sp>
+      <p:pic>
+        <p:nvPicPr>
+          <p:cNvPr id="8" name="תמונה 7">
+            <a:extLst>
+              <a:ext uri="{FF2B5EF4-FFF2-40B4-BE49-F238E27FC236}">
+                <a16:creationId xmlns:a16="http://schemas.microsoft.com/office/drawing/2014/main" id="{79E504FB-94F3-4EFE-A7EB-1DC27BACB2EF}"/>
+              </a:ext>
+            </a:extLst>
+          </p:cNvPr>
+          <p:cNvPicPr>
+            <a:picLocks noChangeAspect="1"/>
+          </p:cNvPicPr>
+          <p:nvPr/>
+        </p:nvPicPr>
+        <p:blipFill>
+          <a:blip r:embed="rId4"/>
+          <a:stretch>
+            <a:fillRect/>
+          </a:stretch>
+        </p:blipFill>
+        <p:spPr>
+          <a:xfrm>
+            <a:off x="1339850" y="2060576"/>
+            <a:ext cx="5041900" cy="3762359"/>
+          </a:xfrm>
+          <a:prstGeom prst="rect">
+            <a:avLst/>
+          </a:prstGeom>
+        </p:spPr>
+      </p:pic>
+      <p:pic>
+        <p:nvPicPr>
+          <p:cNvPr id="10" name="תמונה 9">
+            <a:extLst>
+              <a:ext uri="{FF2B5EF4-FFF2-40B4-BE49-F238E27FC236}">
+                <a16:creationId xmlns:a16="http://schemas.microsoft.com/office/drawing/2014/main" id="{5B03D0AB-DE96-4580-982F-E51CD5CC06BA}"/>
+              </a:ext>
+            </a:extLst>
+          </p:cNvPr>
+          <p:cNvPicPr>
+            <a:picLocks noChangeAspect="1"/>
+          </p:cNvPicPr>
+          <p:nvPr/>
+        </p:nvPicPr>
+        <p:blipFill>
+          <a:blip r:embed="rId5"/>
+          <a:stretch>
+            <a:fillRect/>
+          </a:stretch>
+        </p:blipFill>
+        <p:spPr>
+          <a:xfrm>
+            <a:off x="6667500" y="2089151"/>
+            <a:ext cx="4525160" cy="3527425"/>
+          </a:xfrm>
+          <a:prstGeom prst="rect">
+            <a:avLst/>
+          </a:prstGeom>
+        </p:spPr>
+      </p:pic>
+    </p:spTree>
+    <p:extLst>
+      <p:ext uri="{BB962C8B-B14F-4D97-AF65-F5344CB8AC3E}">
+        <p14:creationId xmlns:p14="http://schemas.microsoft.com/office/powerpoint/2010/main" val="1070901256"/>
+      </p:ext>
+    </p:extLst>
+  </p:cSld>
+  <p:clrMapOvr>
+    <a:masterClrMapping/>
+  </p:clrMapOvr>
+</p:sld>
+</file>
+
+<file path=ppt/slides/slide23.xml><?xml version="1.0" encoding="utf-8"?>
+<p:sld xmlns:a="http://schemas.openxmlformats.org/drawingml/2006/main" xmlns:r="http://schemas.openxmlformats.org/officeDocument/2006/relationships" xmlns:p="http://schemas.openxmlformats.org/presentationml/2006/main">
+  <p:cSld>
+    <p:spTree>
+      <p:nvGrpSpPr>
+        <p:cNvPr id="1" name=""/>
+        <p:cNvGrpSpPr/>
+        <p:nvPr/>
+      </p:nvGrpSpPr>
+      <p:grpSpPr>
+        <a:xfrm>
+          <a:off x="0" y="0"/>
+          <a:ext cx="0" cy="0"/>
+          <a:chOff x="0" y="0"/>
+          <a:chExt cx="0" cy="0"/>
+        </a:xfrm>
+      </p:grpSpPr>
+      <p:sp>
+        <p:nvSpPr>
+          <p:cNvPr id="4" name="כותרת 3"/>
+          <p:cNvSpPr>
+            <a:spLocks noGrp="1"/>
+          </p:cNvSpPr>
+          <p:nvPr>
+            <p:ph type="title"/>
+          </p:nvPr>
+        </p:nvSpPr>
+        <p:spPr/>
+        <p:txBody>
+          <a:bodyPr/>
+          <a:lstStyle/>
+          <a:p>
+            <a:pPr algn="ctr"/>
+            <a:r>
+              <a:rPr lang="en-US" b="1" dirty="0">
+                <a:solidFill>
+                  <a:srgbClr val="002060"/>
+                </a:solidFill>
+                <a:effectLst>
+                  <a:outerShdw blurRad="38100" dist="38100" dir="2700000" algn="tl">
+                    <a:srgbClr val="000000">
+                      <a:alpha val="43137"/>
+                    </a:srgbClr>
+                  </a:outerShdw>
+                </a:effectLst>
+                <a:cs typeface="+mn-cs"/>
+              </a:rPr>
+              <a:t>My Machine Learning results </a:t>
+            </a:r>
+            <a:br>
+              <a:rPr lang="en-US" b="1" dirty="0">
+                <a:solidFill>
+                  <a:srgbClr val="002060"/>
+                </a:solidFill>
+                <a:effectLst>
+                  <a:outerShdw blurRad="38100" dist="38100" dir="2700000" algn="tl">
+                    <a:srgbClr val="000000">
+                      <a:alpha val="43137"/>
+                    </a:srgbClr>
+                  </a:outerShdw>
+                </a:effectLst>
+                <a:cs typeface="+mn-cs"/>
+              </a:rPr>
+            </a:br>
+            <a:r>
+              <a:rPr lang="en-US" b="1" dirty="0">
+                <a:solidFill>
+                  <a:srgbClr val="002060"/>
+                </a:solidFill>
+                <a:effectLst>
+                  <a:outerShdw blurRad="38100" dist="38100" dir="2700000" algn="tl">
+                    <a:srgbClr val="000000">
+                      <a:alpha val="43137"/>
+                    </a:srgbClr>
+                  </a:outerShdw>
+                </a:effectLst>
+                <a:cs typeface="+mn-cs"/>
+              </a:rPr>
+              <a:t>for Middle Research</a:t>
+            </a:r>
+            <a:endParaRPr lang="he-IL" b="1" dirty="0">
+              <a:solidFill>
+                <a:srgbClr val="002060"/>
+              </a:solidFill>
+              <a:effectLst>
+                <a:outerShdw blurRad="38100" dist="38100" dir="2700000" algn="tl">
+                  <a:srgbClr val="000000">
+                    <a:alpha val="43137"/>
+                  </a:srgbClr>
+                </a:outerShdw>
+              </a:effectLst>
+              <a:cs typeface="+mn-cs"/>
+            </a:endParaRPr>
+          </a:p>
+        </p:txBody>
+      </p:sp>
+      <p:sp>
+        <p:nvSpPr>
+          <p:cNvPr id="5" name="מציין מיקום תוכן 4"/>
+          <p:cNvSpPr>
+            <a:spLocks noGrp="1"/>
+          </p:cNvSpPr>
+          <p:nvPr>
+            <p:ph idx="1"/>
+          </p:nvPr>
+        </p:nvSpPr>
+        <p:spPr>
+          <a:xfrm>
+            <a:off x="4635501" y="1627980"/>
+            <a:ext cx="3388359" cy="1730377"/>
+          </a:xfrm>
+        </p:spPr>
+        <p:txBody>
+          <a:bodyPr/>
+          <a:lstStyle/>
+          <a:p>
+            <a:pPr marL="0" indent="0" algn="ctr" rtl="0">
+              <a:buClr>
+                <a:schemeClr val="accent1">
+                  <a:lumMod val="50000"/>
+                </a:schemeClr>
+              </a:buClr>
+              <a:buSzPct val="95000"/>
+              <a:buNone/>
+              <a:defRPr/>
+            </a:pPr>
+            <a:r>
+              <a:rPr lang="en-US" altLang="en-US" dirty="0"/>
+              <a:t>English Chars </a:t>
+            </a:r>
+            <a:br>
+              <a:rPr lang="en-US" altLang="en-US" dirty="0"/>
+            </a:br>
+            <a:r>
+              <a:rPr lang="en-US" altLang="en-US" dirty="0"/>
+              <a:t>Plus Numbers</a:t>
+            </a:r>
+            <a:endParaRPr lang="en-GB" altLang="en-US" dirty="0"/>
+          </a:p>
+          <a:p>
+            <a:pPr marL="0" indent="0" algn="r">
+              <a:buClr>
+                <a:schemeClr val="accent1">
+                  <a:lumMod val="50000"/>
+                </a:schemeClr>
+              </a:buClr>
+              <a:buSzPct val="95000"/>
+              <a:buNone/>
+              <a:defRPr/>
+            </a:pPr>
+            <a:endParaRPr lang="en-GB" altLang="en-US" dirty="0"/>
+          </a:p>
+        </p:txBody>
+      </p:sp>
+      <p:pic>
+        <p:nvPicPr>
+          <p:cNvPr id="2052" name="Picture 2" descr="תוצאת תמונה עבור מצגת אונ אריאל לוגו"/>
+          <p:cNvPicPr>
+            <a:picLocks noChangeAspect="1" noChangeArrowheads="1"/>
+          </p:cNvPicPr>
+          <p:nvPr/>
+        </p:nvPicPr>
+        <p:blipFill>
+          <a:blip r:embed="rId2">
+            <a:extLst>
+              <a:ext uri="{28A0092B-C50C-407E-A947-70E740481C1C}">
+                <a14:useLocalDpi xmlns:a14="http://schemas.microsoft.com/office/drawing/2010/main" val="0"/>
+              </a:ext>
+            </a:extLst>
+          </a:blip>
+          <a:srcRect/>
+          <a:stretch>
+            <a:fillRect/>
+          </a:stretch>
+        </p:blipFill>
+        <p:spPr bwMode="auto">
+          <a:xfrm>
+            <a:off x="10417175" y="-33338"/>
+            <a:ext cx="1800225" cy="1012826"/>
+          </a:xfrm>
+          <a:prstGeom prst="rect">
+            <a:avLst/>
+          </a:prstGeom>
+          <a:noFill/>
+          <a:ln>
+            <a:noFill/>
+          </a:ln>
+          <a:extLst>
+            <a:ext uri="{909E8E84-426E-40DD-AFC4-6F175D3DCCD1}">
+              <a14:hiddenFill xmlns:a14="http://schemas.microsoft.com/office/drawing/2010/main">
+                <a:solidFill>
+                  <a:srgbClr val="FFFFFF"/>
+                </a:solidFill>
+              </a14:hiddenFill>
+            </a:ext>
+            <a:ext uri="{91240B29-F687-4F45-9708-019B960494DF}">
+              <a14:hiddenLine xmlns:a14="http://schemas.microsoft.com/office/drawing/2010/main" w="9525">
+                <a:solidFill>
+                  <a:srgbClr val="000000"/>
+                </a:solidFill>
+                <a:miter lim="800000"/>
+                <a:headEnd/>
+                <a:tailEnd/>
+              </a14:hiddenLine>
+            </a:ext>
+          </a:extLst>
+        </p:spPr>
+      </p:pic>
+      <p:pic>
+        <p:nvPicPr>
+          <p:cNvPr id="2053" name="תמונה 4"/>
+          <p:cNvPicPr>
+            <a:picLocks noChangeAspect="1"/>
+          </p:cNvPicPr>
+          <p:nvPr/>
+        </p:nvPicPr>
+        <p:blipFill>
+          <a:blip r:embed="rId3">
+            <a:extLst>
+              <a:ext uri="{28A0092B-C50C-407E-A947-70E740481C1C}">
+                <a14:useLocalDpi xmlns:a14="http://schemas.microsoft.com/office/drawing/2010/main" val="0"/>
+              </a:ext>
+            </a:extLst>
+          </a:blip>
+          <a:srcRect/>
+          <a:stretch>
+            <a:fillRect/>
+          </a:stretch>
+        </p:blipFill>
+        <p:spPr bwMode="auto">
+          <a:xfrm>
+            <a:off x="0" y="5565775"/>
+            <a:ext cx="1054100" cy="1292225"/>
+          </a:xfrm>
+          <a:prstGeom prst="rect">
+            <a:avLst/>
+          </a:prstGeom>
+          <a:noFill/>
+          <a:ln>
+            <a:noFill/>
+          </a:ln>
+          <a:extLst>
+            <a:ext uri="{909E8E84-426E-40DD-AFC4-6F175D3DCCD1}">
+              <a14:hiddenFill xmlns:a14="http://schemas.microsoft.com/office/drawing/2010/main">
+                <a:solidFill>
+                  <a:srgbClr val="FFFFFF"/>
+                </a:solidFill>
+              </a14:hiddenFill>
+            </a:ext>
+            <a:ext uri="{91240B29-F687-4F45-9708-019B960494DF}">
+              <a14:hiddenLine xmlns:a14="http://schemas.microsoft.com/office/drawing/2010/main" w="9525">
+                <a:solidFill>
+                  <a:srgbClr val="000000"/>
+                </a:solidFill>
+                <a:miter lim="800000"/>
+                <a:headEnd/>
+                <a:tailEnd/>
+              </a14:hiddenLine>
+            </a:ext>
+          </a:extLst>
+        </p:spPr>
+      </p:pic>
+      <p:sp>
+        <p:nvSpPr>
+          <p:cNvPr id="6" name="מציין מיקום של מספר שקופית 5"/>
+          <p:cNvSpPr>
+            <a:spLocks noGrp="1"/>
+          </p:cNvSpPr>
+          <p:nvPr>
+            <p:ph type="sldNum" sz="quarter" idx="12"/>
+          </p:nvPr>
+        </p:nvSpPr>
+        <p:spPr/>
+        <p:txBody>
+          <a:bodyPr/>
+          <a:lstStyle/>
+          <a:p>
+            <a:pPr>
+              <a:defRPr/>
+            </a:pPr>
+            <a:fld id="{EB0A1C18-2E97-4B45-832C-DE832CBD48BD}" type="slidenum">
+              <a:rPr lang="he-IL" smtClean="0"/>
+              <a:pPr>
+                <a:defRPr/>
+              </a:pPr>
+              <a:t>23</a:t>
+            </a:fld>
+            <a:endParaRPr lang="he-IL"/>
+          </a:p>
+        </p:txBody>
+      </p:sp>
+      <p:pic>
+        <p:nvPicPr>
+          <p:cNvPr id="7" name="תמונה 6">
+            <a:extLst>
+              <a:ext uri="{FF2B5EF4-FFF2-40B4-BE49-F238E27FC236}">
+                <a16:creationId xmlns:a16="http://schemas.microsoft.com/office/drawing/2014/main" id="{C0C37B51-851A-4D0F-A9D4-FA1913D6D5DA}"/>
+              </a:ext>
+            </a:extLst>
+          </p:cNvPr>
+          <p:cNvPicPr>
+            <a:picLocks noChangeAspect="1"/>
+          </p:cNvPicPr>
+          <p:nvPr/>
+        </p:nvPicPr>
+        <p:blipFill>
+          <a:blip r:embed="rId4"/>
+          <a:stretch>
+            <a:fillRect/>
+          </a:stretch>
+        </p:blipFill>
+        <p:spPr>
+          <a:xfrm>
+            <a:off x="141254" y="2481263"/>
+            <a:ext cx="4352993" cy="3395662"/>
+          </a:xfrm>
+          <a:prstGeom prst="rect">
+            <a:avLst/>
+          </a:prstGeom>
+        </p:spPr>
+      </p:pic>
+      <p:pic>
+        <p:nvPicPr>
+          <p:cNvPr id="8" name="תמונה 7">
+            <a:extLst>
+              <a:ext uri="{FF2B5EF4-FFF2-40B4-BE49-F238E27FC236}">
+                <a16:creationId xmlns:a16="http://schemas.microsoft.com/office/drawing/2014/main" id="{80286D2C-2DED-4EDC-A141-BCA8D17FF007}"/>
+              </a:ext>
+            </a:extLst>
+          </p:cNvPr>
+          <p:cNvPicPr>
+            <a:picLocks noChangeAspect="1"/>
+          </p:cNvPicPr>
+          <p:nvPr/>
+        </p:nvPicPr>
+        <p:blipFill>
+          <a:blip r:embed="rId5"/>
+          <a:stretch>
+            <a:fillRect/>
+          </a:stretch>
+        </p:blipFill>
+        <p:spPr>
+          <a:xfrm>
+            <a:off x="4402772" y="2351882"/>
+            <a:ext cx="3853815" cy="3211513"/>
+          </a:xfrm>
+          <a:prstGeom prst="rect">
+            <a:avLst/>
+          </a:prstGeom>
+        </p:spPr>
+      </p:pic>
+      <p:pic>
+        <p:nvPicPr>
+          <p:cNvPr id="9" name="תמונה 8">
+            <a:extLst>
+              <a:ext uri="{FF2B5EF4-FFF2-40B4-BE49-F238E27FC236}">
+                <a16:creationId xmlns:a16="http://schemas.microsoft.com/office/drawing/2014/main" id="{93BEC599-52A7-467A-826F-00D9845D97BD}"/>
+              </a:ext>
+            </a:extLst>
+          </p:cNvPr>
+          <p:cNvPicPr>
+            <a:picLocks noChangeAspect="1"/>
+          </p:cNvPicPr>
+          <p:nvPr/>
+        </p:nvPicPr>
+        <p:blipFill rotWithShape="1">
+          <a:blip r:embed="rId6"/>
+          <a:srcRect r="12453" b="3653"/>
+          <a:stretch/>
+        </p:blipFill>
+        <p:spPr>
+          <a:xfrm>
+            <a:off x="8282620" y="2481263"/>
+            <a:ext cx="3644108" cy="2992438"/>
+          </a:xfrm>
+          <a:prstGeom prst="rect">
+            <a:avLst/>
+          </a:prstGeom>
+        </p:spPr>
+      </p:pic>
+      <p:sp>
+        <p:nvSpPr>
+          <p:cNvPr id="12" name="מציין מיקום תוכן 4">
+            <a:extLst>
+              <a:ext uri="{FF2B5EF4-FFF2-40B4-BE49-F238E27FC236}">
+                <a16:creationId xmlns:a16="http://schemas.microsoft.com/office/drawing/2014/main" id="{35FF6881-3B06-4E0B-990A-FB92B81C36EF}"/>
+              </a:ext>
+            </a:extLst>
+          </p:cNvPr>
+          <p:cNvSpPr txBox="1">
+            <a:spLocks/>
+          </p:cNvSpPr>
+          <p:nvPr/>
+        </p:nvSpPr>
+        <p:spPr bwMode="auto">
+          <a:xfrm>
+            <a:off x="807737" y="1820069"/>
+            <a:ext cx="3785234" cy="1049338"/>
+          </a:xfrm>
+          <a:prstGeom prst="rect">
+            <a:avLst/>
+          </a:prstGeom>
+          <a:noFill/>
+          <a:ln>
+            <a:noFill/>
+          </a:ln>
+          <a:extLst>
+            <a:ext uri="{909E8E84-426E-40DD-AFC4-6F175D3DCCD1}">
+              <a14:hiddenFill xmlns:a14="http://schemas.microsoft.com/office/drawing/2010/main">
+                <a:solidFill>
+                  <a:srgbClr val="FFFFFF"/>
+                </a:solidFill>
+              </a14:hiddenFill>
+            </a:ext>
+            <a:ext uri="{91240B29-F687-4F45-9708-019B960494DF}">
+              <a14:hiddenLine xmlns:a14="http://schemas.microsoft.com/office/drawing/2010/main" w="9525">
+                <a:solidFill>
+                  <a:srgbClr val="000000"/>
+                </a:solidFill>
+                <a:miter lim="800000"/>
+                <a:headEnd/>
+                <a:tailEnd/>
+              </a14:hiddenLine>
+            </a:ext>
+          </a:extLst>
+        </p:spPr>
+        <p:txBody>
+          <a:bodyPr vert="horz" wrap="square" lIns="91440" tIns="45720" rIns="91440" bIns="45720" numCol="1" anchor="t" anchorCtr="0" compatLnSpc="1">
+            <a:prstTxWarp prst="textNoShape">
+              <a:avLst/>
+            </a:prstTxWarp>
+          </a:bodyPr>
+          <a:lstStyle>
+            <a:lvl1pPr marL="228600" indent="-228600" algn="r" rtl="1" eaLnBrk="1" fontAlgn="base" hangingPunct="1">
+              <a:lnSpc>
+                <a:spcPct val="90000"/>
+              </a:lnSpc>
+              <a:spcBef>
+                <a:spcPts val="1000"/>
+              </a:spcBef>
+              <a:spcAft>
+                <a:spcPct val="0"/>
+              </a:spcAft>
+              <a:buFont typeface="Arial" panose="020B0604020202020204" pitchFamily="34" charset="0"/>
+              <a:buChar char="•"/>
+              <a:defRPr sz="2800" kern="1200">
+                <a:solidFill>
+                  <a:schemeClr val="tx1"/>
+                </a:solidFill>
+                <a:latin typeface="+mn-lt"/>
+                <a:ea typeface="+mn-ea"/>
+                <a:cs typeface="+mn-cs"/>
+              </a:defRPr>
+            </a:lvl1pPr>
+            <a:lvl2pPr marL="685800" indent="-228600" algn="r" rtl="1" eaLnBrk="1" fontAlgn="base" hangingPunct="1">
+              <a:lnSpc>
+                <a:spcPct val="90000"/>
+              </a:lnSpc>
+              <a:spcBef>
+                <a:spcPts val="500"/>
+              </a:spcBef>
+              <a:spcAft>
+                <a:spcPct val="0"/>
+              </a:spcAft>
+              <a:buFont typeface="Arial" panose="020B0604020202020204" pitchFamily="34" charset="0"/>
+              <a:buChar char="•"/>
+              <a:defRPr sz="2400" kern="1200">
+                <a:solidFill>
+                  <a:schemeClr val="tx1"/>
+                </a:solidFill>
+                <a:latin typeface="+mn-lt"/>
+                <a:ea typeface="+mn-ea"/>
+                <a:cs typeface="+mn-cs"/>
+              </a:defRPr>
+            </a:lvl2pPr>
+            <a:lvl3pPr marL="1143000" indent="-228600" algn="r" rtl="1" eaLnBrk="1" fontAlgn="base" hangingPunct="1">
+              <a:lnSpc>
+                <a:spcPct val="90000"/>
+              </a:lnSpc>
+              <a:spcBef>
+                <a:spcPts val="500"/>
+              </a:spcBef>
+              <a:spcAft>
+                <a:spcPct val="0"/>
+              </a:spcAft>
+              <a:buFont typeface="Arial" panose="020B0604020202020204" pitchFamily="34" charset="0"/>
+              <a:buChar char="•"/>
+              <a:defRPr sz="2000" kern="1200">
+                <a:solidFill>
+                  <a:schemeClr val="tx1"/>
+                </a:solidFill>
+                <a:latin typeface="+mn-lt"/>
+                <a:ea typeface="+mn-ea"/>
+                <a:cs typeface="+mn-cs"/>
+              </a:defRPr>
+            </a:lvl3pPr>
+            <a:lvl4pPr marL="1600200" indent="-228600" algn="r" rtl="1" eaLnBrk="1" fontAlgn="base" hangingPunct="1">
+              <a:lnSpc>
+                <a:spcPct val="90000"/>
+              </a:lnSpc>
+              <a:spcBef>
+                <a:spcPts val="500"/>
+              </a:spcBef>
+              <a:spcAft>
+                <a:spcPct val="0"/>
+              </a:spcAft>
+              <a:buFont typeface="Arial" panose="020B0604020202020204" pitchFamily="34" charset="0"/>
+              <a:buChar char="•"/>
+              <a:defRPr kern="1200">
+                <a:solidFill>
+                  <a:schemeClr val="tx1"/>
+                </a:solidFill>
+                <a:latin typeface="+mn-lt"/>
+                <a:ea typeface="+mn-ea"/>
+                <a:cs typeface="+mn-cs"/>
+              </a:defRPr>
+            </a:lvl4pPr>
+            <a:lvl5pPr marL="2057400" indent="-228600" algn="r" rtl="1" eaLnBrk="1" fontAlgn="base" hangingPunct="1">
+              <a:lnSpc>
+                <a:spcPct val="90000"/>
+              </a:lnSpc>
+              <a:spcBef>
+                <a:spcPts val="500"/>
+              </a:spcBef>
+              <a:spcAft>
+                <a:spcPct val="0"/>
+              </a:spcAft>
+              <a:buFont typeface="Arial" panose="020B0604020202020204" pitchFamily="34" charset="0"/>
+              <a:buChar char="•"/>
+              <a:defRPr kern="1200">
+                <a:solidFill>
+                  <a:schemeClr val="tx1"/>
+                </a:solidFill>
+                <a:latin typeface="+mn-lt"/>
+                <a:ea typeface="+mn-ea"/>
+                <a:cs typeface="+mn-cs"/>
+              </a:defRPr>
+            </a:lvl5pPr>
+            <a:lvl6pPr marL="2514600" indent="-228600" algn="r" defTabSz="914400" rtl="1" eaLnBrk="1" latinLnBrk="0" hangingPunct="1">
+              <a:lnSpc>
+                <a:spcPct val="90000"/>
+              </a:lnSpc>
+              <a:spcBef>
+                <a:spcPts val="500"/>
+              </a:spcBef>
+              <a:buFont typeface="Arial" panose="020B0604020202020204" pitchFamily="34" charset="0"/>
+              <a:buChar char="•"/>
+              <a:defRPr sz="1800" kern="1200">
+                <a:solidFill>
+                  <a:schemeClr val="tx1"/>
+                </a:solidFill>
+                <a:latin typeface="+mn-lt"/>
+                <a:ea typeface="+mn-ea"/>
+                <a:cs typeface="+mn-cs"/>
+              </a:defRPr>
+            </a:lvl6pPr>
+            <a:lvl7pPr marL="2971800" indent="-228600" algn="r" defTabSz="914400" rtl="1" eaLnBrk="1" latinLnBrk="0" hangingPunct="1">
+              <a:lnSpc>
+                <a:spcPct val="90000"/>
+              </a:lnSpc>
+              <a:spcBef>
+                <a:spcPts val="500"/>
+              </a:spcBef>
+              <a:buFont typeface="Arial" panose="020B0604020202020204" pitchFamily="34" charset="0"/>
+              <a:buChar char="•"/>
+              <a:defRPr sz="1800" kern="1200">
+                <a:solidFill>
+                  <a:schemeClr val="tx1"/>
+                </a:solidFill>
+                <a:latin typeface="+mn-lt"/>
+                <a:ea typeface="+mn-ea"/>
+                <a:cs typeface="+mn-cs"/>
+              </a:defRPr>
+            </a:lvl7pPr>
+            <a:lvl8pPr marL="3429000" indent="-228600" algn="r" defTabSz="914400" rtl="1" eaLnBrk="1" latinLnBrk="0" hangingPunct="1">
+              <a:lnSpc>
+                <a:spcPct val="90000"/>
+              </a:lnSpc>
+              <a:spcBef>
+                <a:spcPts val="500"/>
+              </a:spcBef>
+              <a:buFont typeface="Arial" panose="020B0604020202020204" pitchFamily="34" charset="0"/>
+              <a:buChar char="•"/>
+              <a:defRPr sz="1800" kern="1200">
+                <a:solidFill>
+                  <a:schemeClr val="tx1"/>
+                </a:solidFill>
+                <a:latin typeface="+mn-lt"/>
+                <a:ea typeface="+mn-ea"/>
+                <a:cs typeface="+mn-cs"/>
+              </a:defRPr>
+            </a:lvl8pPr>
+            <a:lvl9pPr marL="3886200" indent="-228600" algn="r" defTabSz="914400" rtl="1" eaLnBrk="1" latinLnBrk="0" hangingPunct="1">
+              <a:lnSpc>
+                <a:spcPct val="90000"/>
+              </a:lnSpc>
+              <a:spcBef>
+                <a:spcPts val="500"/>
+              </a:spcBef>
+              <a:buFont typeface="Arial" panose="020B0604020202020204" pitchFamily="34" charset="0"/>
+              <a:buChar char="•"/>
+              <a:defRPr sz="1800" kern="1200">
+                <a:solidFill>
+                  <a:schemeClr val="tx1"/>
+                </a:solidFill>
+                <a:latin typeface="+mn-lt"/>
+                <a:ea typeface="+mn-ea"/>
+                <a:cs typeface="+mn-cs"/>
+              </a:defRPr>
+            </a:lvl9pPr>
+          </a:lstStyle>
+          <a:p>
+            <a:pPr marL="0" indent="0" algn="l" rtl="0">
+              <a:buClr>
+                <a:schemeClr val="accent1">
+                  <a:lumMod val="50000"/>
+                </a:schemeClr>
+              </a:buClr>
+              <a:buSzPct val="95000"/>
+              <a:buFont typeface="Arial" panose="020B0604020202020204" pitchFamily="34" charset="0"/>
+              <a:buNone/>
+              <a:defRPr/>
+            </a:pPr>
+            <a:r>
+              <a:rPr lang="en-US" altLang="en-US" dirty="0"/>
+              <a:t>     ALL ASCII Chars</a:t>
+            </a:r>
+            <a:endParaRPr lang="en-GB" altLang="en-US" dirty="0"/>
+          </a:p>
+        </p:txBody>
+      </p:sp>
+      <p:sp>
+        <p:nvSpPr>
+          <p:cNvPr id="13" name="מציין מיקום תוכן 4">
+            <a:extLst>
+              <a:ext uri="{FF2B5EF4-FFF2-40B4-BE49-F238E27FC236}">
+                <a16:creationId xmlns:a16="http://schemas.microsoft.com/office/drawing/2014/main" id="{28D68295-676D-4856-B890-65B8986D6185}"/>
+              </a:ext>
+            </a:extLst>
+          </p:cNvPr>
+          <p:cNvSpPr txBox="1">
+            <a:spLocks/>
+          </p:cNvSpPr>
+          <p:nvPr/>
+        </p:nvSpPr>
+        <p:spPr bwMode="auto">
+          <a:xfrm>
+            <a:off x="9029699" y="2032793"/>
+            <a:ext cx="3298471" cy="1325564"/>
+          </a:xfrm>
+          <a:prstGeom prst="rect">
+            <a:avLst/>
+          </a:prstGeom>
+          <a:noFill/>
+          <a:ln>
+            <a:noFill/>
+          </a:ln>
+          <a:extLst>
+            <a:ext uri="{909E8E84-426E-40DD-AFC4-6F175D3DCCD1}">
+              <a14:hiddenFill xmlns:a14="http://schemas.microsoft.com/office/drawing/2010/main">
+                <a:solidFill>
+                  <a:srgbClr val="FFFFFF"/>
+                </a:solidFill>
+              </a14:hiddenFill>
+            </a:ext>
+            <a:ext uri="{91240B29-F687-4F45-9708-019B960494DF}">
+              <a14:hiddenLine xmlns:a14="http://schemas.microsoft.com/office/drawing/2010/main" w="9525">
+                <a:solidFill>
+                  <a:srgbClr val="000000"/>
+                </a:solidFill>
+                <a:miter lim="800000"/>
+                <a:headEnd/>
+                <a:tailEnd/>
+              </a14:hiddenLine>
+            </a:ext>
+          </a:extLst>
+        </p:spPr>
+        <p:txBody>
+          <a:bodyPr vert="horz" wrap="square" lIns="91440" tIns="45720" rIns="91440" bIns="45720" numCol="1" anchor="t" anchorCtr="0" compatLnSpc="1">
+            <a:prstTxWarp prst="textNoShape">
+              <a:avLst/>
+            </a:prstTxWarp>
+          </a:bodyPr>
+          <a:lstStyle>
+            <a:lvl1pPr marL="228600" indent="-228600" algn="r" rtl="1" eaLnBrk="1" fontAlgn="base" hangingPunct="1">
+              <a:lnSpc>
+                <a:spcPct val="90000"/>
+              </a:lnSpc>
+              <a:spcBef>
+                <a:spcPts val="1000"/>
+              </a:spcBef>
+              <a:spcAft>
+                <a:spcPct val="0"/>
+              </a:spcAft>
+              <a:buFont typeface="Arial" panose="020B0604020202020204" pitchFamily="34" charset="0"/>
+              <a:buChar char="•"/>
+              <a:defRPr sz="2800" kern="1200">
+                <a:solidFill>
+                  <a:schemeClr val="tx1"/>
+                </a:solidFill>
+                <a:latin typeface="+mn-lt"/>
+                <a:ea typeface="+mn-ea"/>
+                <a:cs typeface="+mn-cs"/>
+              </a:defRPr>
+            </a:lvl1pPr>
+            <a:lvl2pPr marL="685800" indent="-228600" algn="r" rtl="1" eaLnBrk="1" fontAlgn="base" hangingPunct="1">
+              <a:lnSpc>
+                <a:spcPct val="90000"/>
+              </a:lnSpc>
+              <a:spcBef>
+                <a:spcPts val="500"/>
+              </a:spcBef>
+              <a:spcAft>
+                <a:spcPct val="0"/>
+              </a:spcAft>
+              <a:buFont typeface="Arial" panose="020B0604020202020204" pitchFamily="34" charset="0"/>
+              <a:buChar char="•"/>
+              <a:defRPr sz="2400" kern="1200">
+                <a:solidFill>
+                  <a:schemeClr val="tx1"/>
+                </a:solidFill>
+                <a:latin typeface="+mn-lt"/>
+                <a:ea typeface="+mn-ea"/>
+                <a:cs typeface="+mn-cs"/>
+              </a:defRPr>
+            </a:lvl2pPr>
+            <a:lvl3pPr marL="1143000" indent="-228600" algn="r" rtl="1" eaLnBrk="1" fontAlgn="base" hangingPunct="1">
+              <a:lnSpc>
+                <a:spcPct val="90000"/>
+              </a:lnSpc>
+              <a:spcBef>
+                <a:spcPts val="500"/>
+              </a:spcBef>
+              <a:spcAft>
+                <a:spcPct val="0"/>
+              </a:spcAft>
+              <a:buFont typeface="Arial" panose="020B0604020202020204" pitchFamily="34" charset="0"/>
+              <a:buChar char="•"/>
+              <a:defRPr sz="2000" kern="1200">
+                <a:solidFill>
+                  <a:schemeClr val="tx1"/>
+                </a:solidFill>
+                <a:latin typeface="+mn-lt"/>
+                <a:ea typeface="+mn-ea"/>
+                <a:cs typeface="+mn-cs"/>
+              </a:defRPr>
+            </a:lvl3pPr>
+            <a:lvl4pPr marL="1600200" indent="-228600" algn="r" rtl="1" eaLnBrk="1" fontAlgn="base" hangingPunct="1">
+              <a:lnSpc>
+                <a:spcPct val="90000"/>
+              </a:lnSpc>
+              <a:spcBef>
+                <a:spcPts val="500"/>
+              </a:spcBef>
+              <a:spcAft>
+                <a:spcPct val="0"/>
+              </a:spcAft>
+              <a:buFont typeface="Arial" panose="020B0604020202020204" pitchFamily="34" charset="0"/>
+              <a:buChar char="•"/>
+              <a:defRPr kern="1200">
+                <a:solidFill>
+                  <a:schemeClr val="tx1"/>
+                </a:solidFill>
+                <a:latin typeface="+mn-lt"/>
+                <a:ea typeface="+mn-ea"/>
+                <a:cs typeface="+mn-cs"/>
+              </a:defRPr>
+            </a:lvl4pPr>
+            <a:lvl5pPr marL="2057400" indent="-228600" algn="r" rtl="1" eaLnBrk="1" fontAlgn="base" hangingPunct="1">
+              <a:lnSpc>
+                <a:spcPct val="90000"/>
+              </a:lnSpc>
+              <a:spcBef>
+                <a:spcPts val="500"/>
+              </a:spcBef>
+              <a:spcAft>
+                <a:spcPct val="0"/>
+              </a:spcAft>
+              <a:buFont typeface="Arial" panose="020B0604020202020204" pitchFamily="34" charset="0"/>
+              <a:buChar char="•"/>
+              <a:defRPr kern="1200">
+                <a:solidFill>
+                  <a:schemeClr val="tx1"/>
+                </a:solidFill>
+                <a:latin typeface="+mn-lt"/>
+                <a:ea typeface="+mn-ea"/>
+                <a:cs typeface="+mn-cs"/>
+              </a:defRPr>
+            </a:lvl5pPr>
+            <a:lvl6pPr marL="2514600" indent="-228600" algn="r" defTabSz="914400" rtl="1" eaLnBrk="1" latinLnBrk="0" hangingPunct="1">
+              <a:lnSpc>
+                <a:spcPct val="90000"/>
+              </a:lnSpc>
+              <a:spcBef>
+                <a:spcPts val="500"/>
+              </a:spcBef>
+              <a:buFont typeface="Arial" panose="020B0604020202020204" pitchFamily="34" charset="0"/>
+              <a:buChar char="•"/>
+              <a:defRPr sz="1800" kern="1200">
+                <a:solidFill>
+                  <a:schemeClr val="tx1"/>
+                </a:solidFill>
+                <a:latin typeface="+mn-lt"/>
+                <a:ea typeface="+mn-ea"/>
+                <a:cs typeface="+mn-cs"/>
+              </a:defRPr>
+            </a:lvl6pPr>
+            <a:lvl7pPr marL="2971800" indent="-228600" algn="r" defTabSz="914400" rtl="1" eaLnBrk="1" latinLnBrk="0" hangingPunct="1">
+              <a:lnSpc>
+                <a:spcPct val="90000"/>
+              </a:lnSpc>
+              <a:spcBef>
+                <a:spcPts val="500"/>
+              </a:spcBef>
+              <a:buFont typeface="Arial" panose="020B0604020202020204" pitchFamily="34" charset="0"/>
+              <a:buChar char="•"/>
+              <a:defRPr sz="1800" kern="1200">
+                <a:solidFill>
+                  <a:schemeClr val="tx1"/>
+                </a:solidFill>
+                <a:latin typeface="+mn-lt"/>
+                <a:ea typeface="+mn-ea"/>
+                <a:cs typeface="+mn-cs"/>
+              </a:defRPr>
+            </a:lvl7pPr>
+            <a:lvl8pPr marL="3429000" indent="-228600" algn="r" defTabSz="914400" rtl="1" eaLnBrk="1" latinLnBrk="0" hangingPunct="1">
+              <a:lnSpc>
+                <a:spcPct val="90000"/>
+              </a:lnSpc>
+              <a:spcBef>
+                <a:spcPts val="500"/>
+              </a:spcBef>
+              <a:buFont typeface="Arial" panose="020B0604020202020204" pitchFamily="34" charset="0"/>
+              <a:buChar char="•"/>
+              <a:defRPr sz="1800" kern="1200">
+                <a:solidFill>
+                  <a:schemeClr val="tx1"/>
+                </a:solidFill>
+                <a:latin typeface="+mn-lt"/>
+                <a:ea typeface="+mn-ea"/>
+                <a:cs typeface="+mn-cs"/>
+              </a:defRPr>
+            </a:lvl8pPr>
+            <a:lvl9pPr marL="3886200" indent="-228600" algn="r" defTabSz="914400" rtl="1" eaLnBrk="1" latinLnBrk="0" hangingPunct="1">
+              <a:lnSpc>
+                <a:spcPct val="90000"/>
+              </a:lnSpc>
+              <a:spcBef>
+                <a:spcPts val="500"/>
+              </a:spcBef>
+              <a:buFont typeface="Arial" panose="020B0604020202020204" pitchFamily="34" charset="0"/>
+              <a:buChar char="•"/>
+              <a:defRPr sz="1800" kern="1200">
+                <a:solidFill>
+                  <a:schemeClr val="tx1"/>
+                </a:solidFill>
+                <a:latin typeface="+mn-lt"/>
+                <a:ea typeface="+mn-ea"/>
+                <a:cs typeface="+mn-cs"/>
+              </a:defRPr>
+            </a:lvl9pPr>
+          </a:lstStyle>
+          <a:p>
+            <a:pPr marL="0" indent="0" algn="l" rtl="0">
+              <a:buClr>
+                <a:schemeClr val="accent1">
+                  <a:lumMod val="50000"/>
+                </a:schemeClr>
+              </a:buClr>
+              <a:buSzPct val="95000"/>
+              <a:buFont typeface="Arial" panose="020B0604020202020204" pitchFamily="34" charset="0"/>
+              <a:buNone/>
+              <a:defRPr/>
+            </a:pPr>
+            <a:r>
+              <a:rPr lang="en-US" altLang="en-US" dirty="0"/>
+              <a:t>English Chars</a:t>
+            </a:r>
+            <a:endParaRPr lang="en-GB" altLang="en-US" dirty="0"/>
+          </a:p>
+        </p:txBody>
+      </p:sp>
+    </p:spTree>
+    <p:extLst>
+      <p:ext uri="{BB962C8B-B14F-4D97-AF65-F5344CB8AC3E}">
+        <p14:creationId xmlns:p14="http://schemas.microsoft.com/office/powerpoint/2010/main" val="1484788650"/>
+      </p:ext>
+    </p:extLst>
+  </p:cSld>
+  <p:clrMapOvr>
+    <a:masterClrMapping/>
+  </p:clrMapOvr>
+</p:sld>
+</file>
+
+<file path=ppt/slides/slide24.xml><?xml version="1.0" encoding="utf-8"?>
+<p:sld xmlns:a="http://schemas.openxmlformats.org/drawingml/2006/main" xmlns:r="http://schemas.openxmlformats.org/officeDocument/2006/relationships" xmlns:p="http://schemas.openxmlformats.org/presentationml/2006/main">
+  <p:cSld>
+    <p:spTree>
+      <p:nvGrpSpPr>
+        <p:cNvPr id="1" name=""/>
+        <p:cNvGrpSpPr/>
+        <p:nvPr/>
+      </p:nvGrpSpPr>
+      <p:grpSpPr>
+        <a:xfrm>
+          <a:off x="0" y="0"/>
+          <a:ext cx="0" cy="0"/>
+          <a:chOff x="0" y="0"/>
+          <a:chExt cx="0" cy="0"/>
+        </a:xfrm>
+      </p:grpSpPr>
+      <p:sp>
+        <p:nvSpPr>
+          <p:cNvPr id="4" name="כותרת 3"/>
+          <p:cNvSpPr>
+            <a:spLocks noGrp="1"/>
+          </p:cNvSpPr>
+          <p:nvPr>
+            <p:ph type="title"/>
+          </p:nvPr>
+        </p:nvSpPr>
+        <p:spPr>
+          <a:xfrm>
+            <a:off x="801687" y="2381"/>
+            <a:ext cx="10515600" cy="1101316"/>
+          </a:xfrm>
+        </p:spPr>
+        <p:txBody>
+          <a:bodyPr/>
+          <a:lstStyle/>
+          <a:p>
+            <a:pPr algn="ctr"/>
+            <a:r>
+              <a:rPr lang="en-US" b="1" dirty="0">
+                <a:solidFill>
+                  <a:srgbClr val="002060"/>
+                </a:solidFill>
+                <a:effectLst>
+                  <a:outerShdw blurRad="38100" dist="38100" dir="2700000" algn="tl">
+                    <a:srgbClr val="000000">
+                      <a:alpha val="43137"/>
+                    </a:srgbClr>
+                  </a:outerShdw>
+                </a:effectLst>
+                <a:cs typeface="+mn-cs"/>
+              </a:rPr>
+              <a:t>My Machine Learning results</a:t>
+            </a:r>
+            <a:endParaRPr lang="he-IL" b="1" dirty="0">
+              <a:solidFill>
+                <a:srgbClr val="002060"/>
+              </a:solidFill>
+              <a:effectLst>
+                <a:outerShdw blurRad="38100" dist="38100" dir="2700000" algn="tl">
+                  <a:srgbClr val="000000">
+                    <a:alpha val="43137"/>
+                  </a:srgbClr>
+                </a:outerShdw>
+              </a:effectLst>
+              <a:cs typeface="+mn-cs"/>
+            </a:endParaRPr>
+          </a:p>
+        </p:txBody>
+      </p:sp>
+      <p:sp>
+        <p:nvSpPr>
+          <p:cNvPr id="5" name="מציין מיקום תוכן 4"/>
+          <p:cNvSpPr>
+            <a:spLocks noGrp="1"/>
+          </p:cNvSpPr>
+          <p:nvPr>
+            <p:ph idx="1"/>
+          </p:nvPr>
+        </p:nvSpPr>
+        <p:spPr>
+          <a:xfrm>
+            <a:off x="4606456" y="1228728"/>
+            <a:ext cx="3388359" cy="1730377"/>
+          </a:xfrm>
+        </p:spPr>
+        <p:txBody>
+          <a:bodyPr/>
+          <a:lstStyle/>
+          <a:p>
+            <a:pPr marL="0" indent="0" algn="ctr" rtl="0">
+              <a:buClr>
+                <a:schemeClr val="accent1">
+                  <a:lumMod val="50000"/>
+                </a:schemeClr>
+              </a:buClr>
+              <a:buSzPct val="95000"/>
+              <a:buNone/>
+              <a:defRPr/>
+            </a:pPr>
+            <a:r>
+              <a:rPr lang="en-US" altLang="en-US" dirty="0"/>
+              <a:t>English Chars </a:t>
+            </a:r>
+            <a:br>
+              <a:rPr lang="en-US" altLang="en-US" dirty="0"/>
+            </a:br>
+            <a:r>
+              <a:rPr lang="en-US" altLang="en-US" dirty="0"/>
+              <a:t>Plus Numbers</a:t>
+            </a:r>
+            <a:endParaRPr lang="en-GB" altLang="en-US" dirty="0"/>
+          </a:p>
+          <a:p>
+            <a:pPr marL="0" indent="0" algn="r">
+              <a:buClr>
+                <a:schemeClr val="accent1">
+                  <a:lumMod val="50000"/>
+                </a:schemeClr>
+              </a:buClr>
+              <a:buSzPct val="95000"/>
+              <a:buNone/>
+              <a:defRPr/>
+            </a:pPr>
+            <a:endParaRPr lang="en-GB" altLang="en-US" dirty="0"/>
+          </a:p>
+        </p:txBody>
+      </p:sp>
+      <p:pic>
+        <p:nvPicPr>
+          <p:cNvPr id="2052" name="Picture 2" descr="תוצאת תמונה עבור מצגת אונ אריאל לוגו"/>
+          <p:cNvPicPr>
+            <a:picLocks noChangeAspect="1" noChangeArrowheads="1"/>
+          </p:cNvPicPr>
+          <p:nvPr/>
+        </p:nvPicPr>
+        <p:blipFill>
+          <a:blip r:embed="rId2">
+            <a:extLst>
+              <a:ext uri="{28A0092B-C50C-407E-A947-70E740481C1C}">
+                <a14:useLocalDpi xmlns:a14="http://schemas.microsoft.com/office/drawing/2010/main" val="0"/>
+              </a:ext>
+            </a:extLst>
+          </a:blip>
+          <a:srcRect/>
+          <a:stretch>
+            <a:fillRect/>
+          </a:stretch>
+        </p:blipFill>
+        <p:spPr bwMode="auto">
+          <a:xfrm>
+            <a:off x="10417175" y="-33338"/>
+            <a:ext cx="1800225" cy="1012826"/>
+          </a:xfrm>
+          <a:prstGeom prst="rect">
+            <a:avLst/>
+          </a:prstGeom>
+          <a:noFill/>
+          <a:ln>
+            <a:noFill/>
+          </a:ln>
+          <a:extLst>
+            <a:ext uri="{909E8E84-426E-40DD-AFC4-6F175D3DCCD1}">
+              <a14:hiddenFill xmlns:a14="http://schemas.microsoft.com/office/drawing/2010/main">
+                <a:solidFill>
+                  <a:srgbClr val="FFFFFF"/>
+                </a:solidFill>
+              </a14:hiddenFill>
+            </a:ext>
+            <a:ext uri="{91240B29-F687-4F45-9708-019B960494DF}">
+              <a14:hiddenLine xmlns:a14="http://schemas.microsoft.com/office/drawing/2010/main" w="9525">
+                <a:solidFill>
+                  <a:srgbClr val="000000"/>
+                </a:solidFill>
+                <a:miter lim="800000"/>
+                <a:headEnd/>
+                <a:tailEnd/>
+              </a14:hiddenLine>
+            </a:ext>
+          </a:extLst>
+        </p:spPr>
+      </p:pic>
+      <p:pic>
+        <p:nvPicPr>
+          <p:cNvPr id="2053" name="תמונה 4"/>
+          <p:cNvPicPr>
+            <a:picLocks noChangeAspect="1"/>
+          </p:cNvPicPr>
+          <p:nvPr/>
+        </p:nvPicPr>
+        <p:blipFill>
+          <a:blip r:embed="rId3">
+            <a:extLst>
+              <a:ext uri="{28A0092B-C50C-407E-A947-70E740481C1C}">
+                <a14:useLocalDpi xmlns:a14="http://schemas.microsoft.com/office/drawing/2010/main" val="0"/>
+              </a:ext>
+            </a:extLst>
+          </a:blip>
+          <a:srcRect/>
+          <a:stretch>
+            <a:fillRect/>
+          </a:stretch>
+        </p:blipFill>
+        <p:spPr bwMode="auto">
+          <a:xfrm>
+            <a:off x="0" y="5565775"/>
+            <a:ext cx="1054100" cy="1292225"/>
+          </a:xfrm>
+          <a:prstGeom prst="rect">
+            <a:avLst/>
+          </a:prstGeom>
+          <a:noFill/>
+          <a:ln>
+            <a:noFill/>
+          </a:ln>
+          <a:extLst>
+            <a:ext uri="{909E8E84-426E-40DD-AFC4-6F175D3DCCD1}">
+              <a14:hiddenFill xmlns:a14="http://schemas.microsoft.com/office/drawing/2010/main">
+                <a:solidFill>
+                  <a:srgbClr val="FFFFFF"/>
+                </a:solidFill>
+              </a14:hiddenFill>
+            </a:ext>
+            <a:ext uri="{91240B29-F687-4F45-9708-019B960494DF}">
+              <a14:hiddenLine xmlns:a14="http://schemas.microsoft.com/office/drawing/2010/main" w="9525">
+                <a:solidFill>
+                  <a:srgbClr val="000000"/>
+                </a:solidFill>
+                <a:miter lim="800000"/>
+                <a:headEnd/>
+                <a:tailEnd/>
+              </a14:hiddenLine>
+            </a:ext>
+          </a:extLst>
+        </p:spPr>
+      </p:pic>
+      <p:sp>
+        <p:nvSpPr>
+          <p:cNvPr id="6" name="מציין מיקום של מספר שקופית 5"/>
+          <p:cNvSpPr>
+            <a:spLocks noGrp="1"/>
+          </p:cNvSpPr>
+          <p:nvPr>
+            <p:ph type="sldNum" sz="quarter" idx="12"/>
+          </p:nvPr>
+        </p:nvSpPr>
+        <p:spPr/>
+        <p:txBody>
+          <a:bodyPr/>
+          <a:lstStyle/>
+          <a:p>
+            <a:pPr>
+              <a:defRPr/>
+            </a:pPr>
+            <a:fld id="{EB0A1C18-2E97-4B45-832C-DE832CBD48BD}" type="slidenum">
+              <a:rPr lang="he-IL" smtClean="0"/>
+              <a:pPr>
+                <a:defRPr/>
+              </a:pPr>
+              <a:t>24</a:t>
+            </a:fld>
+            <a:endParaRPr lang="he-IL"/>
+          </a:p>
+        </p:txBody>
+      </p:sp>
+      <p:sp>
+        <p:nvSpPr>
+          <p:cNvPr id="12" name="מציין מיקום תוכן 4">
+            <a:extLst>
+              <a:ext uri="{FF2B5EF4-FFF2-40B4-BE49-F238E27FC236}">
+                <a16:creationId xmlns:a16="http://schemas.microsoft.com/office/drawing/2014/main" id="{35FF6881-3B06-4E0B-990A-FB92B81C36EF}"/>
+              </a:ext>
+            </a:extLst>
+          </p:cNvPr>
+          <p:cNvSpPr txBox="1">
+            <a:spLocks/>
+          </p:cNvSpPr>
+          <p:nvPr/>
+        </p:nvSpPr>
+        <p:spPr bwMode="auto">
+          <a:xfrm>
+            <a:off x="684982" y="1393825"/>
+            <a:ext cx="3785234" cy="1049338"/>
+          </a:xfrm>
+          <a:prstGeom prst="rect">
+            <a:avLst/>
+          </a:prstGeom>
+          <a:noFill/>
+          <a:ln>
+            <a:noFill/>
+          </a:ln>
+          <a:extLst>
+            <a:ext uri="{909E8E84-426E-40DD-AFC4-6F175D3DCCD1}">
+              <a14:hiddenFill xmlns:a14="http://schemas.microsoft.com/office/drawing/2010/main">
+                <a:solidFill>
+                  <a:srgbClr val="FFFFFF"/>
+                </a:solidFill>
+              </a14:hiddenFill>
+            </a:ext>
+            <a:ext uri="{91240B29-F687-4F45-9708-019B960494DF}">
+              <a14:hiddenLine xmlns:a14="http://schemas.microsoft.com/office/drawing/2010/main" w="9525">
+                <a:solidFill>
+                  <a:srgbClr val="000000"/>
+                </a:solidFill>
+                <a:miter lim="800000"/>
+                <a:headEnd/>
+                <a:tailEnd/>
+              </a14:hiddenLine>
+            </a:ext>
+          </a:extLst>
+        </p:spPr>
+        <p:txBody>
+          <a:bodyPr vert="horz" wrap="square" lIns="91440" tIns="45720" rIns="91440" bIns="45720" numCol="1" anchor="t" anchorCtr="0" compatLnSpc="1">
+            <a:prstTxWarp prst="textNoShape">
+              <a:avLst/>
+            </a:prstTxWarp>
+          </a:bodyPr>
+          <a:lstStyle>
+            <a:lvl1pPr marL="228600" indent="-228600" algn="r" rtl="1" eaLnBrk="1" fontAlgn="base" hangingPunct="1">
+              <a:lnSpc>
+                <a:spcPct val="90000"/>
+              </a:lnSpc>
+              <a:spcBef>
+                <a:spcPts val="1000"/>
+              </a:spcBef>
+              <a:spcAft>
+                <a:spcPct val="0"/>
+              </a:spcAft>
+              <a:buFont typeface="Arial" panose="020B0604020202020204" pitchFamily="34" charset="0"/>
+              <a:buChar char="•"/>
+              <a:defRPr sz="2800" kern="1200">
+                <a:solidFill>
+                  <a:schemeClr val="tx1"/>
+                </a:solidFill>
+                <a:latin typeface="+mn-lt"/>
+                <a:ea typeface="+mn-ea"/>
+                <a:cs typeface="+mn-cs"/>
+              </a:defRPr>
+            </a:lvl1pPr>
+            <a:lvl2pPr marL="685800" indent="-228600" algn="r" rtl="1" eaLnBrk="1" fontAlgn="base" hangingPunct="1">
+              <a:lnSpc>
+                <a:spcPct val="90000"/>
+              </a:lnSpc>
+              <a:spcBef>
+                <a:spcPts val="500"/>
+              </a:spcBef>
+              <a:spcAft>
+                <a:spcPct val="0"/>
+              </a:spcAft>
+              <a:buFont typeface="Arial" panose="020B0604020202020204" pitchFamily="34" charset="0"/>
+              <a:buChar char="•"/>
+              <a:defRPr sz="2400" kern="1200">
+                <a:solidFill>
+                  <a:schemeClr val="tx1"/>
+                </a:solidFill>
+                <a:latin typeface="+mn-lt"/>
+                <a:ea typeface="+mn-ea"/>
+                <a:cs typeface="+mn-cs"/>
+              </a:defRPr>
+            </a:lvl2pPr>
+            <a:lvl3pPr marL="1143000" indent="-228600" algn="r" rtl="1" eaLnBrk="1" fontAlgn="base" hangingPunct="1">
+              <a:lnSpc>
+                <a:spcPct val="90000"/>
+              </a:lnSpc>
+              <a:spcBef>
+                <a:spcPts val="500"/>
+              </a:spcBef>
+              <a:spcAft>
+                <a:spcPct val="0"/>
+              </a:spcAft>
+              <a:buFont typeface="Arial" panose="020B0604020202020204" pitchFamily="34" charset="0"/>
+              <a:buChar char="•"/>
+              <a:defRPr sz="2000" kern="1200">
+                <a:solidFill>
+                  <a:schemeClr val="tx1"/>
+                </a:solidFill>
+                <a:latin typeface="+mn-lt"/>
+                <a:ea typeface="+mn-ea"/>
+                <a:cs typeface="+mn-cs"/>
+              </a:defRPr>
+            </a:lvl3pPr>
+            <a:lvl4pPr marL="1600200" indent="-228600" algn="r" rtl="1" eaLnBrk="1" fontAlgn="base" hangingPunct="1">
+              <a:lnSpc>
+                <a:spcPct val="90000"/>
+              </a:lnSpc>
+              <a:spcBef>
+                <a:spcPts val="500"/>
+              </a:spcBef>
+              <a:spcAft>
+                <a:spcPct val="0"/>
+              </a:spcAft>
+              <a:buFont typeface="Arial" panose="020B0604020202020204" pitchFamily="34" charset="0"/>
+              <a:buChar char="•"/>
+              <a:defRPr kern="1200">
+                <a:solidFill>
+                  <a:schemeClr val="tx1"/>
+                </a:solidFill>
+                <a:latin typeface="+mn-lt"/>
+                <a:ea typeface="+mn-ea"/>
+                <a:cs typeface="+mn-cs"/>
+              </a:defRPr>
+            </a:lvl4pPr>
+            <a:lvl5pPr marL="2057400" indent="-228600" algn="r" rtl="1" eaLnBrk="1" fontAlgn="base" hangingPunct="1">
+              <a:lnSpc>
+                <a:spcPct val="90000"/>
+              </a:lnSpc>
+              <a:spcBef>
+                <a:spcPts val="500"/>
+              </a:spcBef>
+              <a:spcAft>
+                <a:spcPct val="0"/>
+              </a:spcAft>
+              <a:buFont typeface="Arial" panose="020B0604020202020204" pitchFamily="34" charset="0"/>
+              <a:buChar char="•"/>
+              <a:defRPr kern="1200">
+                <a:solidFill>
+                  <a:schemeClr val="tx1"/>
+                </a:solidFill>
+                <a:latin typeface="+mn-lt"/>
+                <a:ea typeface="+mn-ea"/>
+                <a:cs typeface="+mn-cs"/>
+              </a:defRPr>
+            </a:lvl5pPr>
+            <a:lvl6pPr marL="2514600" indent="-228600" algn="r" defTabSz="914400" rtl="1" eaLnBrk="1" latinLnBrk="0" hangingPunct="1">
+              <a:lnSpc>
+                <a:spcPct val="90000"/>
+              </a:lnSpc>
+              <a:spcBef>
+                <a:spcPts val="500"/>
+              </a:spcBef>
+              <a:buFont typeface="Arial" panose="020B0604020202020204" pitchFamily="34" charset="0"/>
+              <a:buChar char="•"/>
+              <a:defRPr sz="1800" kern="1200">
+                <a:solidFill>
+                  <a:schemeClr val="tx1"/>
+                </a:solidFill>
+                <a:latin typeface="+mn-lt"/>
+                <a:ea typeface="+mn-ea"/>
+                <a:cs typeface="+mn-cs"/>
+              </a:defRPr>
+            </a:lvl6pPr>
+            <a:lvl7pPr marL="2971800" indent="-228600" algn="r" defTabSz="914400" rtl="1" eaLnBrk="1" latinLnBrk="0" hangingPunct="1">
+              <a:lnSpc>
+                <a:spcPct val="90000"/>
+              </a:lnSpc>
+              <a:spcBef>
+                <a:spcPts val="500"/>
+              </a:spcBef>
+              <a:buFont typeface="Arial" panose="020B0604020202020204" pitchFamily="34" charset="0"/>
+              <a:buChar char="•"/>
+              <a:defRPr sz="1800" kern="1200">
+                <a:solidFill>
+                  <a:schemeClr val="tx1"/>
+                </a:solidFill>
+                <a:latin typeface="+mn-lt"/>
+                <a:ea typeface="+mn-ea"/>
+                <a:cs typeface="+mn-cs"/>
+              </a:defRPr>
+            </a:lvl7pPr>
+            <a:lvl8pPr marL="3429000" indent="-228600" algn="r" defTabSz="914400" rtl="1" eaLnBrk="1" latinLnBrk="0" hangingPunct="1">
+              <a:lnSpc>
+                <a:spcPct val="90000"/>
+              </a:lnSpc>
+              <a:spcBef>
+                <a:spcPts val="500"/>
+              </a:spcBef>
+              <a:buFont typeface="Arial" panose="020B0604020202020204" pitchFamily="34" charset="0"/>
+              <a:buChar char="•"/>
+              <a:defRPr sz="1800" kern="1200">
+                <a:solidFill>
+                  <a:schemeClr val="tx1"/>
+                </a:solidFill>
+                <a:latin typeface="+mn-lt"/>
+                <a:ea typeface="+mn-ea"/>
+                <a:cs typeface="+mn-cs"/>
+              </a:defRPr>
+            </a:lvl8pPr>
+            <a:lvl9pPr marL="3886200" indent="-228600" algn="r" defTabSz="914400" rtl="1" eaLnBrk="1" latinLnBrk="0" hangingPunct="1">
+              <a:lnSpc>
+                <a:spcPct val="90000"/>
+              </a:lnSpc>
+              <a:spcBef>
+                <a:spcPts val="500"/>
+              </a:spcBef>
+              <a:buFont typeface="Arial" panose="020B0604020202020204" pitchFamily="34" charset="0"/>
+              <a:buChar char="•"/>
+              <a:defRPr sz="1800" kern="1200">
+                <a:solidFill>
+                  <a:schemeClr val="tx1"/>
+                </a:solidFill>
+                <a:latin typeface="+mn-lt"/>
+                <a:ea typeface="+mn-ea"/>
+                <a:cs typeface="+mn-cs"/>
+              </a:defRPr>
+            </a:lvl9pPr>
+          </a:lstStyle>
+          <a:p>
+            <a:pPr marL="0" indent="0" algn="l" rtl="0">
+              <a:buClr>
+                <a:schemeClr val="accent1">
+                  <a:lumMod val="50000"/>
+                </a:schemeClr>
+              </a:buClr>
+              <a:buSzPct val="95000"/>
+              <a:buFont typeface="Arial" panose="020B0604020202020204" pitchFamily="34" charset="0"/>
+              <a:buNone/>
+              <a:defRPr/>
+            </a:pPr>
+            <a:r>
+              <a:rPr lang="en-US" altLang="en-US" dirty="0"/>
+              <a:t>     ALL ASCII Chars</a:t>
+            </a:r>
+            <a:endParaRPr lang="en-GB" altLang="en-US" dirty="0"/>
+          </a:p>
+        </p:txBody>
+      </p:sp>
+      <p:sp>
+        <p:nvSpPr>
+          <p:cNvPr id="13" name="מציין מיקום תוכן 4">
+            <a:extLst>
+              <a:ext uri="{FF2B5EF4-FFF2-40B4-BE49-F238E27FC236}">
+                <a16:creationId xmlns:a16="http://schemas.microsoft.com/office/drawing/2014/main" id="{28D68295-676D-4856-B890-65B8986D6185}"/>
+              </a:ext>
+            </a:extLst>
+          </p:cNvPr>
+          <p:cNvSpPr txBox="1">
+            <a:spLocks/>
+          </p:cNvSpPr>
+          <p:nvPr/>
+        </p:nvSpPr>
+        <p:spPr bwMode="auto">
+          <a:xfrm>
+            <a:off x="8754058" y="1319211"/>
+            <a:ext cx="3298471" cy="1325564"/>
+          </a:xfrm>
+          <a:prstGeom prst="rect">
+            <a:avLst/>
+          </a:prstGeom>
+          <a:noFill/>
+          <a:ln>
+            <a:noFill/>
+          </a:ln>
+          <a:extLst>
+            <a:ext uri="{909E8E84-426E-40DD-AFC4-6F175D3DCCD1}">
+              <a14:hiddenFill xmlns:a14="http://schemas.microsoft.com/office/drawing/2010/main">
+                <a:solidFill>
+                  <a:srgbClr val="FFFFFF"/>
+                </a:solidFill>
+              </a14:hiddenFill>
+            </a:ext>
+            <a:ext uri="{91240B29-F687-4F45-9708-019B960494DF}">
+              <a14:hiddenLine xmlns:a14="http://schemas.microsoft.com/office/drawing/2010/main" w="9525">
+                <a:solidFill>
+                  <a:srgbClr val="000000"/>
+                </a:solidFill>
+                <a:miter lim="800000"/>
+                <a:headEnd/>
+                <a:tailEnd/>
+              </a14:hiddenLine>
+            </a:ext>
+          </a:extLst>
+        </p:spPr>
+        <p:txBody>
+          <a:bodyPr vert="horz" wrap="square" lIns="91440" tIns="45720" rIns="91440" bIns="45720" numCol="1" anchor="t" anchorCtr="0" compatLnSpc="1">
+            <a:prstTxWarp prst="textNoShape">
+              <a:avLst/>
+            </a:prstTxWarp>
+          </a:bodyPr>
+          <a:lstStyle>
+            <a:lvl1pPr marL="228600" indent="-228600" algn="r" rtl="1" eaLnBrk="1" fontAlgn="base" hangingPunct="1">
+              <a:lnSpc>
+                <a:spcPct val="90000"/>
+              </a:lnSpc>
+              <a:spcBef>
+                <a:spcPts val="1000"/>
+              </a:spcBef>
+              <a:spcAft>
+                <a:spcPct val="0"/>
+              </a:spcAft>
+              <a:buFont typeface="Arial" panose="020B0604020202020204" pitchFamily="34" charset="0"/>
+              <a:buChar char="•"/>
+              <a:defRPr sz="2800" kern="1200">
+                <a:solidFill>
+                  <a:schemeClr val="tx1"/>
+                </a:solidFill>
+                <a:latin typeface="+mn-lt"/>
+                <a:ea typeface="+mn-ea"/>
+                <a:cs typeface="+mn-cs"/>
+              </a:defRPr>
+            </a:lvl1pPr>
+            <a:lvl2pPr marL="685800" indent="-228600" algn="r" rtl="1" eaLnBrk="1" fontAlgn="base" hangingPunct="1">
+              <a:lnSpc>
+                <a:spcPct val="90000"/>
+              </a:lnSpc>
+              <a:spcBef>
+                <a:spcPts val="500"/>
+              </a:spcBef>
+              <a:spcAft>
+                <a:spcPct val="0"/>
+              </a:spcAft>
+              <a:buFont typeface="Arial" panose="020B0604020202020204" pitchFamily="34" charset="0"/>
+              <a:buChar char="•"/>
+              <a:defRPr sz="2400" kern="1200">
+                <a:solidFill>
+                  <a:schemeClr val="tx1"/>
+                </a:solidFill>
+                <a:latin typeface="+mn-lt"/>
+                <a:ea typeface="+mn-ea"/>
+                <a:cs typeface="+mn-cs"/>
+              </a:defRPr>
+            </a:lvl2pPr>
+            <a:lvl3pPr marL="1143000" indent="-228600" algn="r" rtl="1" eaLnBrk="1" fontAlgn="base" hangingPunct="1">
+              <a:lnSpc>
+                <a:spcPct val="90000"/>
+              </a:lnSpc>
+              <a:spcBef>
+                <a:spcPts val="500"/>
+              </a:spcBef>
+              <a:spcAft>
+                <a:spcPct val="0"/>
+              </a:spcAft>
+              <a:buFont typeface="Arial" panose="020B0604020202020204" pitchFamily="34" charset="0"/>
+              <a:buChar char="•"/>
+              <a:defRPr sz="2000" kern="1200">
+                <a:solidFill>
+                  <a:schemeClr val="tx1"/>
+                </a:solidFill>
+                <a:latin typeface="+mn-lt"/>
+                <a:ea typeface="+mn-ea"/>
+                <a:cs typeface="+mn-cs"/>
+              </a:defRPr>
+            </a:lvl3pPr>
+            <a:lvl4pPr marL="1600200" indent="-228600" algn="r" rtl="1" eaLnBrk="1" fontAlgn="base" hangingPunct="1">
+              <a:lnSpc>
+                <a:spcPct val="90000"/>
+              </a:lnSpc>
+              <a:spcBef>
+                <a:spcPts val="500"/>
+              </a:spcBef>
+              <a:spcAft>
+                <a:spcPct val="0"/>
+              </a:spcAft>
+              <a:buFont typeface="Arial" panose="020B0604020202020204" pitchFamily="34" charset="0"/>
+              <a:buChar char="•"/>
+              <a:defRPr kern="1200">
+                <a:solidFill>
+                  <a:schemeClr val="tx1"/>
+                </a:solidFill>
+                <a:latin typeface="+mn-lt"/>
+                <a:ea typeface="+mn-ea"/>
+                <a:cs typeface="+mn-cs"/>
+              </a:defRPr>
+            </a:lvl4pPr>
+            <a:lvl5pPr marL="2057400" indent="-228600" algn="r" rtl="1" eaLnBrk="1" fontAlgn="base" hangingPunct="1">
+              <a:lnSpc>
+                <a:spcPct val="90000"/>
+              </a:lnSpc>
+              <a:spcBef>
+                <a:spcPts val="500"/>
+              </a:spcBef>
+              <a:spcAft>
+                <a:spcPct val="0"/>
+              </a:spcAft>
+              <a:buFont typeface="Arial" panose="020B0604020202020204" pitchFamily="34" charset="0"/>
+              <a:buChar char="•"/>
+              <a:defRPr kern="1200">
+                <a:solidFill>
+                  <a:schemeClr val="tx1"/>
+                </a:solidFill>
+                <a:latin typeface="+mn-lt"/>
+                <a:ea typeface="+mn-ea"/>
+                <a:cs typeface="+mn-cs"/>
+              </a:defRPr>
+            </a:lvl5pPr>
+            <a:lvl6pPr marL="2514600" indent="-228600" algn="r" defTabSz="914400" rtl="1" eaLnBrk="1" latinLnBrk="0" hangingPunct="1">
+              <a:lnSpc>
+                <a:spcPct val="90000"/>
+              </a:lnSpc>
+              <a:spcBef>
+                <a:spcPts val="500"/>
+              </a:spcBef>
+              <a:buFont typeface="Arial" panose="020B0604020202020204" pitchFamily="34" charset="0"/>
+              <a:buChar char="•"/>
+              <a:defRPr sz="1800" kern="1200">
+                <a:solidFill>
+                  <a:schemeClr val="tx1"/>
+                </a:solidFill>
+                <a:latin typeface="+mn-lt"/>
+                <a:ea typeface="+mn-ea"/>
+                <a:cs typeface="+mn-cs"/>
+              </a:defRPr>
+            </a:lvl6pPr>
+            <a:lvl7pPr marL="2971800" indent="-228600" algn="r" defTabSz="914400" rtl="1" eaLnBrk="1" latinLnBrk="0" hangingPunct="1">
+              <a:lnSpc>
+                <a:spcPct val="90000"/>
+              </a:lnSpc>
+              <a:spcBef>
+                <a:spcPts val="500"/>
+              </a:spcBef>
+              <a:buFont typeface="Arial" panose="020B0604020202020204" pitchFamily="34" charset="0"/>
+              <a:buChar char="•"/>
+              <a:defRPr sz="1800" kern="1200">
+                <a:solidFill>
+                  <a:schemeClr val="tx1"/>
+                </a:solidFill>
+                <a:latin typeface="+mn-lt"/>
+                <a:ea typeface="+mn-ea"/>
+                <a:cs typeface="+mn-cs"/>
+              </a:defRPr>
+            </a:lvl7pPr>
+            <a:lvl8pPr marL="3429000" indent="-228600" algn="r" defTabSz="914400" rtl="1" eaLnBrk="1" latinLnBrk="0" hangingPunct="1">
+              <a:lnSpc>
+                <a:spcPct val="90000"/>
+              </a:lnSpc>
+              <a:spcBef>
+                <a:spcPts val="500"/>
+              </a:spcBef>
+              <a:buFont typeface="Arial" panose="020B0604020202020204" pitchFamily="34" charset="0"/>
+              <a:buChar char="•"/>
+              <a:defRPr sz="1800" kern="1200">
+                <a:solidFill>
+                  <a:schemeClr val="tx1"/>
+                </a:solidFill>
+                <a:latin typeface="+mn-lt"/>
+                <a:ea typeface="+mn-ea"/>
+                <a:cs typeface="+mn-cs"/>
+              </a:defRPr>
+            </a:lvl8pPr>
+            <a:lvl9pPr marL="3886200" indent="-228600" algn="r" defTabSz="914400" rtl="1" eaLnBrk="1" latinLnBrk="0" hangingPunct="1">
+              <a:lnSpc>
+                <a:spcPct val="90000"/>
+              </a:lnSpc>
+              <a:spcBef>
+                <a:spcPts val="500"/>
+              </a:spcBef>
+              <a:buFont typeface="Arial" panose="020B0604020202020204" pitchFamily="34" charset="0"/>
+              <a:buChar char="•"/>
+              <a:defRPr sz="1800" kern="1200">
+                <a:solidFill>
+                  <a:schemeClr val="tx1"/>
+                </a:solidFill>
+                <a:latin typeface="+mn-lt"/>
+                <a:ea typeface="+mn-ea"/>
+                <a:cs typeface="+mn-cs"/>
+              </a:defRPr>
+            </a:lvl9pPr>
+          </a:lstStyle>
+          <a:p>
+            <a:pPr marL="0" indent="0" algn="l" rtl="0">
+              <a:buClr>
+                <a:schemeClr val="accent1">
+                  <a:lumMod val="50000"/>
+                </a:schemeClr>
+              </a:buClr>
+              <a:buSzPct val="95000"/>
+              <a:buFont typeface="Arial" panose="020B0604020202020204" pitchFamily="34" charset="0"/>
+              <a:buNone/>
+              <a:defRPr/>
+            </a:pPr>
+            <a:r>
+              <a:rPr lang="en-US" altLang="en-US" dirty="0"/>
+              <a:t>English Chars</a:t>
+            </a:r>
+            <a:endParaRPr lang="en-GB" altLang="en-US" dirty="0"/>
+          </a:p>
+        </p:txBody>
+      </p:sp>
+      <p:pic>
+        <p:nvPicPr>
+          <p:cNvPr id="10" name="תמונה 9">
+            <a:extLst>
+              <a:ext uri="{FF2B5EF4-FFF2-40B4-BE49-F238E27FC236}">
+                <a16:creationId xmlns:a16="http://schemas.microsoft.com/office/drawing/2014/main" id="{611D172D-E107-4FA7-81BB-870C3BAABB6A}"/>
+              </a:ext>
+            </a:extLst>
+          </p:cNvPr>
+          <p:cNvPicPr>
+            <a:picLocks noChangeAspect="1"/>
+          </p:cNvPicPr>
+          <p:nvPr/>
+        </p:nvPicPr>
+        <p:blipFill>
+          <a:blip r:embed="rId4"/>
+          <a:stretch>
+            <a:fillRect/>
+          </a:stretch>
+        </p:blipFill>
+        <p:spPr>
+          <a:xfrm>
+            <a:off x="548742" y="1981993"/>
+            <a:ext cx="4093079" cy="2895600"/>
+          </a:xfrm>
+          <a:prstGeom prst="rect">
+            <a:avLst/>
+          </a:prstGeom>
+        </p:spPr>
+      </p:pic>
+      <p:pic>
+        <p:nvPicPr>
+          <p:cNvPr id="11" name="תמונה 10">
+            <a:extLst>
+              <a:ext uri="{FF2B5EF4-FFF2-40B4-BE49-F238E27FC236}">
+                <a16:creationId xmlns:a16="http://schemas.microsoft.com/office/drawing/2014/main" id="{6AE7F690-CB61-4DE7-9906-89C6C1DA2511}"/>
+              </a:ext>
+            </a:extLst>
+          </p:cNvPr>
+          <p:cNvPicPr>
+            <a:picLocks noChangeAspect="1"/>
+          </p:cNvPicPr>
+          <p:nvPr/>
+        </p:nvPicPr>
+        <p:blipFill>
+          <a:blip r:embed="rId5"/>
+          <a:stretch>
+            <a:fillRect/>
+          </a:stretch>
+        </p:blipFill>
+        <p:spPr>
+          <a:xfrm>
+            <a:off x="69544" y="5187950"/>
+            <a:ext cx="4355059" cy="1359694"/>
+          </a:xfrm>
+          <a:prstGeom prst="rect">
+            <a:avLst/>
+          </a:prstGeom>
+        </p:spPr>
+      </p:pic>
+      <p:pic>
+        <p:nvPicPr>
+          <p:cNvPr id="14" name="תמונה 13">
+            <a:extLst>
+              <a:ext uri="{FF2B5EF4-FFF2-40B4-BE49-F238E27FC236}">
+                <a16:creationId xmlns:a16="http://schemas.microsoft.com/office/drawing/2014/main" id="{3C094057-22CC-48E1-8DF9-1E61A1F9DD3D}"/>
+              </a:ext>
+            </a:extLst>
+          </p:cNvPr>
+          <p:cNvPicPr>
+            <a:picLocks noChangeAspect="1"/>
+          </p:cNvPicPr>
+          <p:nvPr/>
+        </p:nvPicPr>
+        <p:blipFill>
+          <a:blip r:embed="rId6"/>
+          <a:stretch>
+            <a:fillRect/>
+          </a:stretch>
+        </p:blipFill>
+        <p:spPr>
+          <a:xfrm>
+            <a:off x="4633184" y="2073689"/>
+            <a:ext cx="3405633" cy="2790000"/>
+          </a:xfrm>
+          <a:prstGeom prst="rect">
+            <a:avLst/>
+          </a:prstGeom>
+        </p:spPr>
+      </p:pic>
+      <p:pic>
+        <p:nvPicPr>
+          <p:cNvPr id="15" name="תמונה 14">
+            <a:extLst>
+              <a:ext uri="{FF2B5EF4-FFF2-40B4-BE49-F238E27FC236}">
+                <a16:creationId xmlns:a16="http://schemas.microsoft.com/office/drawing/2014/main" id="{D179FF77-7028-4F58-9D54-207DD67713AE}"/>
+              </a:ext>
+            </a:extLst>
+          </p:cNvPr>
+          <p:cNvPicPr>
+            <a:picLocks noChangeAspect="1"/>
+          </p:cNvPicPr>
+          <p:nvPr/>
+        </p:nvPicPr>
+        <p:blipFill>
+          <a:blip r:embed="rId7"/>
+          <a:stretch>
+            <a:fillRect/>
+          </a:stretch>
+        </p:blipFill>
+        <p:spPr>
+          <a:xfrm>
+            <a:off x="4428279" y="5153818"/>
+            <a:ext cx="3722858" cy="1325563"/>
+          </a:xfrm>
+          <a:prstGeom prst="rect">
+            <a:avLst/>
+          </a:prstGeom>
+        </p:spPr>
+      </p:pic>
+      <p:pic>
+        <p:nvPicPr>
+          <p:cNvPr id="16" name="תמונה 15">
+            <a:extLst>
+              <a:ext uri="{FF2B5EF4-FFF2-40B4-BE49-F238E27FC236}">
+                <a16:creationId xmlns:a16="http://schemas.microsoft.com/office/drawing/2014/main" id="{A2CE842A-F80A-49E6-9BA7-71B36DF9F2E0}"/>
+              </a:ext>
+            </a:extLst>
+          </p:cNvPr>
+          <p:cNvPicPr>
+            <a:picLocks noChangeAspect="1"/>
+          </p:cNvPicPr>
+          <p:nvPr/>
+        </p:nvPicPr>
+        <p:blipFill>
+          <a:blip r:embed="rId8"/>
+          <a:stretch>
+            <a:fillRect/>
+          </a:stretch>
+        </p:blipFill>
+        <p:spPr>
+          <a:xfrm>
+            <a:off x="8093746" y="1920685"/>
+            <a:ext cx="3511166" cy="2851308"/>
+          </a:xfrm>
+          <a:prstGeom prst="rect">
+            <a:avLst/>
+          </a:prstGeom>
+        </p:spPr>
+      </p:pic>
+      <p:pic>
+        <p:nvPicPr>
+          <p:cNvPr id="17" name="תמונה 16">
+            <a:extLst>
+              <a:ext uri="{FF2B5EF4-FFF2-40B4-BE49-F238E27FC236}">
+                <a16:creationId xmlns:a16="http://schemas.microsoft.com/office/drawing/2014/main" id="{F04AD00D-CA3D-426B-B128-A067B0072792}"/>
+              </a:ext>
+            </a:extLst>
+          </p:cNvPr>
+          <p:cNvPicPr>
+            <a:picLocks noChangeAspect="1"/>
+          </p:cNvPicPr>
+          <p:nvPr/>
+        </p:nvPicPr>
+        <p:blipFill>
+          <a:blip r:embed="rId9"/>
+          <a:stretch>
+            <a:fillRect/>
+          </a:stretch>
+        </p:blipFill>
+        <p:spPr>
+          <a:xfrm>
+            <a:off x="8047454" y="5120479"/>
+            <a:ext cx="3903629" cy="1279588"/>
+          </a:xfrm>
+          <a:prstGeom prst="rect">
+            <a:avLst/>
+          </a:prstGeom>
+        </p:spPr>
+      </p:pic>
+    </p:spTree>
+    <p:extLst>
+      <p:ext uri="{BB962C8B-B14F-4D97-AF65-F5344CB8AC3E}">
+        <p14:creationId xmlns:p14="http://schemas.microsoft.com/office/powerpoint/2010/main" val="79132409"/>
+      </p:ext>
+    </p:extLst>
+  </p:cSld>
+  <p:clrMapOvr>
+    <a:masterClrMapping/>
+  </p:clrMapOvr>
+</p:sld>
+</file>
+
+<file path=ppt/slides/slide25.xml><?xml version="1.0" encoding="utf-8"?>
+<p:sld xmlns:a="http://schemas.openxmlformats.org/drawingml/2006/main" xmlns:r="http://schemas.openxmlformats.org/officeDocument/2006/relationships" xmlns:p="http://schemas.openxmlformats.org/presentationml/2006/main">
+  <p:cSld>
+    <p:spTree>
+      <p:nvGrpSpPr>
+        <p:cNvPr id="1" name=""/>
+        <p:cNvGrpSpPr/>
+        <p:nvPr/>
+      </p:nvGrpSpPr>
+      <p:grpSpPr>
+        <a:xfrm>
+          <a:off x="0" y="0"/>
+          <a:ext cx="0" cy="0"/>
+          <a:chOff x="0" y="0"/>
+          <a:chExt cx="0" cy="0"/>
+        </a:xfrm>
+      </p:grpSpPr>
+      <p:sp>
+        <p:nvSpPr>
+          <p:cNvPr id="4" name="כותרת 3"/>
+          <p:cNvSpPr>
+            <a:spLocks noGrp="1"/>
+          </p:cNvSpPr>
+          <p:nvPr>
+            <p:ph type="title"/>
+          </p:nvPr>
+        </p:nvSpPr>
+        <p:spPr>
+          <a:xfrm>
+            <a:off x="838200" y="59531"/>
+            <a:ext cx="10515600" cy="1325563"/>
+          </a:xfrm>
+        </p:spPr>
+        <p:txBody>
+          <a:bodyPr/>
+          <a:lstStyle/>
+          <a:p>
+            <a:pPr algn="ctr"/>
+            <a:r>
+              <a:rPr lang="en-US" b="1" dirty="0">
+                <a:solidFill>
+                  <a:srgbClr val="002060"/>
+                </a:solidFill>
+                <a:effectLst>
+                  <a:outerShdw blurRad="38100" dist="38100" dir="2700000" algn="tl">
+                    <a:srgbClr val="000000">
+                      <a:alpha val="43137"/>
+                    </a:srgbClr>
+                  </a:outerShdw>
+                </a:effectLst>
+                <a:cs typeface="+mn-cs"/>
+              </a:rPr>
+              <a:t>My Machine Learning results </a:t>
+            </a:r>
+            <a:endParaRPr lang="he-IL" b="1" dirty="0">
+              <a:solidFill>
+                <a:srgbClr val="002060"/>
+              </a:solidFill>
+              <a:effectLst>
+                <a:outerShdw blurRad="38100" dist="38100" dir="2700000" algn="tl">
+                  <a:srgbClr val="000000">
+                    <a:alpha val="43137"/>
+                  </a:srgbClr>
+                </a:outerShdw>
+              </a:effectLst>
+              <a:cs typeface="+mn-cs"/>
+            </a:endParaRPr>
+          </a:p>
+        </p:txBody>
+      </p:sp>
+      <p:sp>
+        <p:nvSpPr>
+          <p:cNvPr id="5" name="מציין מיקום תוכן 4"/>
+          <p:cNvSpPr>
+            <a:spLocks noGrp="1"/>
+          </p:cNvSpPr>
+          <p:nvPr>
+            <p:ph idx="1"/>
+          </p:nvPr>
+        </p:nvSpPr>
+        <p:spPr>
+          <a:xfrm>
+            <a:off x="4439789" y="1078804"/>
+            <a:ext cx="3388359" cy="1730377"/>
+          </a:xfrm>
+        </p:spPr>
+        <p:txBody>
+          <a:bodyPr/>
+          <a:lstStyle/>
+          <a:p>
+            <a:pPr marL="0" indent="0" algn="ctr" rtl="0">
+              <a:buClr>
+                <a:schemeClr val="accent1">
+                  <a:lumMod val="50000"/>
+                </a:schemeClr>
+              </a:buClr>
+              <a:buSzPct val="95000"/>
+              <a:buFont typeface="Arial" panose="020B0604020202020204" pitchFamily="34" charset="0"/>
+              <a:buNone/>
+              <a:defRPr/>
+            </a:pPr>
+            <a:r>
+              <a:rPr lang="en-US" altLang="en-US" dirty="0"/>
+              <a:t>6 Features</a:t>
+            </a:r>
+            <a:br>
+              <a:rPr lang="en-US" altLang="en-US" dirty="0"/>
+            </a:br>
+            <a:r>
+              <a:rPr lang="en-US" altLang="en-US" dirty="0"/>
+              <a:t>(check one word per line in Directory)</a:t>
+            </a:r>
+            <a:endParaRPr lang="en-GB" altLang="en-US" dirty="0"/>
+          </a:p>
+        </p:txBody>
+      </p:sp>
+      <p:pic>
+        <p:nvPicPr>
+          <p:cNvPr id="2052" name="Picture 2" descr="תוצאת תמונה עבור מצגת אונ אריאל לוגו"/>
+          <p:cNvPicPr>
+            <a:picLocks noChangeAspect="1" noChangeArrowheads="1"/>
+          </p:cNvPicPr>
+          <p:nvPr/>
+        </p:nvPicPr>
+        <p:blipFill>
+          <a:blip r:embed="rId2">
+            <a:extLst>
+              <a:ext uri="{28A0092B-C50C-407E-A947-70E740481C1C}">
+                <a14:useLocalDpi xmlns:a14="http://schemas.microsoft.com/office/drawing/2010/main" val="0"/>
+              </a:ext>
+            </a:extLst>
+          </a:blip>
+          <a:srcRect/>
+          <a:stretch>
+            <a:fillRect/>
+          </a:stretch>
+        </p:blipFill>
+        <p:spPr bwMode="auto">
+          <a:xfrm>
+            <a:off x="10417175" y="-33338"/>
+            <a:ext cx="1800225" cy="1012826"/>
+          </a:xfrm>
+          <a:prstGeom prst="rect">
+            <a:avLst/>
+          </a:prstGeom>
+          <a:noFill/>
+          <a:ln>
+            <a:noFill/>
+          </a:ln>
+          <a:extLst>
+            <a:ext uri="{909E8E84-426E-40DD-AFC4-6F175D3DCCD1}">
+              <a14:hiddenFill xmlns:a14="http://schemas.microsoft.com/office/drawing/2010/main">
+                <a:solidFill>
+                  <a:srgbClr val="FFFFFF"/>
+                </a:solidFill>
+              </a14:hiddenFill>
+            </a:ext>
+            <a:ext uri="{91240B29-F687-4F45-9708-019B960494DF}">
+              <a14:hiddenLine xmlns:a14="http://schemas.microsoft.com/office/drawing/2010/main" w="9525">
+                <a:solidFill>
+                  <a:srgbClr val="000000"/>
+                </a:solidFill>
+                <a:miter lim="800000"/>
+                <a:headEnd/>
+                <a:tailEnd/>
+              </a14:hiddenLine>
+            </a:ext>
+          </a:extLst>
+        </p:spPr>
+      </p:pic>
+      <p:pic>
+        <p:nvPicPr>
+          <p:cNvPr id="2053" name="תמונה 4"/>
+          <p:cNvPicPr>
+            <a:picLocks noChangeAspect="1"/>
+          </p:cNvPicPr>
+          <p:nvPr/>
+        </p:nvPicPr>
+        <p:blipFill>
+          <a:blip r:embed="rId3">
+            <a:extLst>
+              <a:ext uri="{28A0092B-C50C-407E-A947-70E740481C1C}">
+                <a14:useLocalDpi xmlns:a14="http://schemas.microsoft.com/office/drawing/2010/main" val="0"/>
+              </a:ext>
+            </a:extLst>
+          </a:blip>
+          <a:srcRect/>
+          <a:stretch>
+            <a:fillRect/>
+          </a:stretch>
+        </p:blipFill>
+        <p:spPr bwMode="auto">
+          <a:xfrm>
+            <a:off x="0" y="5565775"/>
+            <a:ext cx="1054100" cy="1292225"/>
+          </a:xfrm>
+          <a:prstGeom prst="rect">
+            <a:avLst/>
+          </a:prstGeom>
+          <a:noFill/>
+          <a:ln>
+            <a:noFill/>
+          </a:ln>
+          <a:extLst>
+            <a:ext uri="{909E8E84-426E-40DD-AFC4-6F175D3DCCD1}">
+              <a14:hiddenFill xmlns:a14="http://schemas.microsoft.com/office/drawing/2010/main">
+                <a:solidFill>
+                  <a:srgbClr val="FFFFFF"/>
+                </a:solidFill>
+              </a14:hiddenFill>
+            </a:ext>
+            <a:ext uri="{91240B29-F687-4F45-9708-019B960494DF}">
+              <a14:hiddenLine xmlns:a14="http://schemas.microsoft.com/office/drawing/2010/main" w="9525">
+                <a:solidFill>
+                  <a:srgbClr val="000000"/>
+                </a:solidFill>
+                <a:miter lim="800000"/>
+                <a:headEnd/>
+                <a:tailEnd/>
+              </a14:hiddenLine>
+            </a:ext>
+          </a:extLst>
+        </p:spPr>
+      </p:pic>
+      <p:sp>
+        <p:nvSpPr>
+          <p:cNvPr id="6" name="מציין מיקום של מספר שקופית 5"/>
+          <p:cNvSpPr>
+            <a:spLocks noGrp="1"/>
+          </p:cNvSpPr>
+          <p:nvPr>
+            <p:ph type="sldNum" sz="quarter" idx="12"/>
+          </p:nvPr>
+        </p:nvSpPr>
+        <p:spPr/>
+        <p:txBody>
+          <a:bodyPr/>
+          <a:lstStyle/>
+          <a:p>
+            <a:pPr>
+              <a:defRPr/>
+            </a:pPr>
+            <a:fld id="{EB0A1C18-2E97-4B45-832C-DE832CBD48BD}" type="slidenum">
+              <a:rPr lang="he-IL" smtClean="0"/>
+              <a:pPr>
+                <a:defRPr/>
+              </a:pPr>
+              <a:t>25</a:t>
+            </a:fld>
+            <a:endParaRPr lang="he-IL"/>
+          </a:p>
+        </p:txBody>
+      </p:sp>
+      <p:sp>
+        <p:nvSpPr>
+          <p:cNvPr id="12" name="מציין מיקום תוכן 4">
+            <a:extLst>
+              <a:ext uri="{FF2B5EF4-FFF2-40B4-BE49-F238E27FC236}">
+                <a16:creationId xmlns:a16="http://schemas.microsoft.com/office/drawing/2014/main" id="{35FF6881-3B06-4E0B-990A-FB92B81C36EF}"/>
+              </a:ext>
+            </a:extLst>
+          </p:cNvPr>
+          <p:cNvSpPr txBox="1">
+            <a:spLocks/>
+          </p:cNvSpPr>
+          <p:nvPr/>
+        </p:nvSpPr>
+        <p:spPr bwMode="auto">
+          <a:xfrm>
+            <a:off x="951039" y="1133870"/>
+            <a:ext cx="3554763" cy="1292224"/>
+          </a:xfrm>
+          <a:prstGeom prst="rect">
+            <a:avLst/>
+          </a:prstGeom>
+          <a:noFill/>
+          <a:ln>
+            <a:noFill/>
+          </a:ln>
+          <a:extLst>
+            <a:ext uri="{909E8E84-426E-40DD-AFC4-6F175D3DCCD1}">
+              <a14:hiddenFill xmlns:a14="http://schemas.microsoft.com/office/drawing/2010/main">
+                <a:solidFill>
+                  <a:srgbClr val="FFFFFF"/>
+                </a:solidFill>
+              </a14:hiddenFill>
+            </a:ext>
+            <a:ext uri="{91240B29-F687-4F45-9708-019B960494DF}">
+              <a14:hiddenLine xmlns:a14="http://schemas.microsoft.com/office/drawing/2010/main" w="9525">
+                <a:solidFill>
+                  <a:srgbClr val="000000"/>
+                </a:solidFill>
+                <a:miter lim="800000"/>
+                <a:headEnd/>
+                <a:tailEnd/>
+              </a14:hiddenLine>
+            </a:ext>
+          </a:extLst>
+        </p:spPr>
+        <p:txBody>
+          <a:bodyPr vert="horz" wrap="square" lIns="91440" tIns="45720" rIns="91440" bIns="45720" numCol="1" anchor="t" anchorCtr="0" compatLnSpc="1">
+            <a:prstTxWarp prst="textNoShape">
+              <a:avLst/>
+            </a:prstTxWarp>
+          </a:bodyPr>
+          <a:lstStyle>
+            <a:lvl1pPr marL="228600" indent="-228600" algn="r" rtl="1" eaLnBrk="1" fontAlgn="base" hangingPunct="1">
+              <a:lnSpc>
+                <a:spcPct val="90000"/>
+              </a:lnSpc>
+              <a:spcBef>
+                <a:spcPts val="1000"/>
+              </a:spcBef>
+              <a:spcAft>
+                <a:spcPct val="0"/>
+              </a:spcAft>
+              <a:buFont typeface="Arial" panose="020B0604020202020204" pitchFamily="34" charset="0"/>
+              <a:buChar char="•"/>
+              <a:defRPr sz="2800" kern="1200">
+                <a:solidFill>
+                  <a:schemeClr val="tx1"/>
+                </a:solidFill>
+                <a:latin typeface="+mn-lt"/>
+                <a:ea typeface="+mn-ea"/>
+                <a:cs typeface="+mn-cs"/>
+              </a:defRPr>
+            </a:lvl1pPr>
+            <a:lvl2pPr marL="685800" indent="-228600" algn="r" rtl="1" eaLnBrk="1" fontAlgn="base" hangingPunct="1">
+              <a:lnSpc>
+                <a:spcPct val="90000"/>
+              </a:lnSpc>
+              <a:spcBef>
+                <a:spcPts val="500"/>
+              </a:spcBef>
+              <a:spcAft>
+                <a:spcPct val="0"/>
+              </a:spcAft>
+              <a:buFont typeface="Arial" panose="020B0604020202020204" pitchFamily="34" charset="0"/>
+              <a:buChar char="•"/>
+              <a:defRPr sz="2400" kern="1200">
+                <a:solidFill>
+                  <a:schemeClr val="tx1"/>
+                </a:solidFill>
+                <a:latin typeface="+mn-lt"/>
+                <a:ea typeface="+mn-ea"/>
+                <a:cs typeface="+mn-cs"/>
+              </a:defRPr>
+            </a:lvl2pPr>
+            <a:lvl3pPr marL="1143000" indent="-228600" algn="r" rtl="1" eaLnBrk="1" fontAlgn="base" hangingPunct="1">
+              <a:lnSpc>
+                <a:spcPct val="90000"/>
+              </a:lnSpc>
+              <a:spcBef>
+                <a:spcPts val="500"/>
+              </a:spcBef>
+              <a:spcAft>
+                <a:spcPct val="0"/>
+              </a:spcAft>
+              <a:buFont typeface="Arial" panose="020B0604020202020204" pitchFamily="34" charset="0"/>
+              <a:buChar char="•"/>
+              <a:defRPr sz="2000" kern="1200">
+                <a:solidFill>
+                  <a:schemeClr val="tx1"/>
+                </a:solidFill>
+                <a:latin typeface="+mn-lt"/>
+                <a:ea typeface="+mn-ea"/>
+                <a:cs typeface="+mn-cs"/>
+              </a:defRPr>
+            </a:lvl3pPr>
+            <a:lvl4pPr marL="1600200" indent="-228600" algn="r" rtl="1" eaLnBrk="1" fontAlgn="base" hangingPunct="1">
+              <a:lnSpc>
+                <a:spcPct val="90000"/>
+              </a:lnSpc>
+              <a:spcBef>
+                <a:spcPts val="500"/>
+              </a:spcBef>
+              <a:spcAft>
+                <a:spcPct val="0"/>
+              </a:spcAft>
+              <a:buFont typeface="Arial" panose="020B0604020202020204" pitchFamily="34" charset="0"/>
+              <a:buChar char="•"/>
+              <a:defRPr kern="1200">
+                <a:solidFill>
+                  <a:schemeClr val="tx1"/>
+                </a:solidFill>
+                <a:latin typeface="+mn-lt"/>
+                <a:ea typeface="+mn-ea"/>
+                <a:cs typeface="+mn-cs"/>
+              </a:defRPr>
+            </a:lvl4pPr>
+            <a:lvl5pPr marL="2057400" indent="-228600" algn="r" rtl="1" eaLnBrk="1" fontAlgn="base" hangingPunct="1">
+              <a:lnSpc>
+                <a:spcPct val="90000"/>
+              </a:lnSpc>
+              <a:spcBef>
+                <a:spcPts val="500"/>
+              </a:spcBef>
+              <a:spcAft>
+                <a:spcPct val="0"/>
+              </a:spcAft>
+              <a:buFont typeface="Arial" panose="020B0604020202020204" pitchFamily="34" charset="0"/>
+              <a:buChar char="•"/>
+              <a:defRPr kern="1200">
+                <a:solidFill>
+                  <a:schemeClr val="tx1"/>
+                </a:solidFill>
+                <a:latin typeface="+mn-lt"/>
+                <a:ea typeface="+mn-ea"/>
+                <a:cs typeface="+mn-cs"/>
+              </a:defRPr>
+            </a:lvl5pPr>
+            <a:lvl6pPr marL="2514600" indent="-228600" algn="r" defTabSz="914400" rtl="1" eaLnBrk="1" latinLnBrk="0" hangingPunct="1">
+              <a:lnSpc>
+                <a:spcPct val="90000"/>
+              </a:lnSpc>
+              <a:spcBef>
+                <a:spcPts val="500"/>
+              </a:spcBef>
+              <a:buFont typeface="Arial" panose="020B0604020202020204" pitchFamily="34" charset="0"/>
+              <a:buChar char="•"/>
+              <a:defRPr sz="1800" kern="1200">
+                <a:solidFill>
+                  <a:schemeClr val="tx1"/>
+                </a:solidFill>
+                <a:latin typeface="+mn-lt"/>
+                <a:ea typeface="+mn-ea"/>
+                <a:cs typeface="+mn-cs"/>
+              </a:defRPr>
+            </a:lvl6pPr>
+            <a:lvl7pPr marL="2971800" indent="-228600" algn="r" defTabSz="914400" rtl="1" eaLnBrk="1" latinLnBrk="0" hangingPunct="1">
+              <a:lnSpc>
+                <a:spcPct val="90000"/>
+              </a:lnSpc>
+              <a:spcBef>
+                <a:spcPts val="500"/>
+              </a:spcBef>
+              <a:buFont typeface="Arial" panose="020B0604020202020204" pitchFamily="34" charset="0"/>
+              <a:buChar char="•"/>
+              <a:defRPr sz="1800" kern="1200">
+                <a:solidFill>
+                  <a:schemeClr val="tx1"/>
+                </a:solidFill>
+                <a:latin typeface="+mn-lt"/>
+                <a:ea typeface="+mn-ea"/>
+                <a:cs typeface="+mn-cs"/>
+              </a:defRPr>
+            </a:lvl7pPr>
+            <a:lvl8pPr marL="3429000" indent="-228600" algn="r" defTabSz="914400" rtl="1" eaLnBrk="1" latinLnBrk="0" hangingPunct="1">
+              <a:lnSpc>
+                <a:spcPct val="90000"/>
+              </a:lnSpc>
+              <a:spcBef>
+                <a:spcPts val="500"/>
+              </a:spcBef>
+              <a:buFont typeface="Arial" panose="020B0604020202020204" pitchFamily="34" charset="0"/>
+              <a:buChar char="•"/>
+              <a:defRPr sz="1800" kern="1200">
+                <a:solidFill>
+                  <a:schemeClr val="tx1"/>
+                </a:solidFill>
+                <a:latin typeface="+mn-lt"/>
+                <a:ea typeface="+mn-ea"/>
+                <a:cs typeface="+mn-cs"/>
+              </a:defRPr>
+            </a:lvl8pPr>
+            <a:lvl9pPr marL="3886200" indent="-228600" algn="r" defTabSz="914400" rtl="1" eaLnBrk="1" latinLnBrk="0" hangingPunct="1">
+              <a:lnSpc>
+                <a:spcPct val="90000"/>
+              </a:lnSpc>
+              <a:spcBef>
+                <a:spcPts val="500"/>
+              </a:spcBef>
+              <a:buFont typeface="Arial" panose="020B0604020202020204" pitchFamily="34" charset="0"/>
+              <a:buChar char="•"/>
+              <a:defRPr sz="1800" kern="1200">
+                <a:solidFill>
+                  <a:schemeClr val="tx1"/>
+                </a:solidFill>
+                <a:latin typeface="+mn-lt"/>
+                <a:ea typeface="+mn-ea"/>
+                <a:cs typeface="+mn-cs"/>
+              </a:defRPr>
+            </a:lvl9pPr>
+          </a:lstStyle>
+          <a:p>
+            <a:pPr marL="0" indent="0" algn="ctr" rtl="0">
+              <a:buClr>
+                <a:schemeClr val="accent1">
+                  <a:lumMod val="50000"/>
+                </a:schemeClr>
+              </a:buClr>
+              <a:buSzPct val="95000"/>
+              <a:buFont typeface="Arial" panose="020B0604020202020204" pitchFamily="34" charset="0"/>
+              <a:buNone/>
+              <a:defRPr/>
+            </a:pPr>
+            <a:r>
+              <a:rPr lang="en-US" altLang="en-US" dirty="0"/>
+              <a:t>Only 4 Features</a:t>
+            </a:r>
+            <a:br>
+              <a:rPr lang="en-US" altLang="en-US" dirty="0"/>
+            </a:br>
+            <a:r>
+              <a:rPr lang="en-US" altLang="en-US" dirty="0"/>
+              <a:t>(without check word in Directory)</a:t>
+            </a:r>
+            <a:endParaRPr lang="en-GB" altLang="en-US" dirty="0"/>
+          </a:p>
+        </p:txBody>
+      </p:sp>
+      <p:sp>
+        <p:nvSpPr>
+          <p:cNvPr id="13" name="מציין מיקום תוכן 4">
+            <a:extLst>
+              <a:ext uri="{FF2B5EF4-FFF2-40B4-BE49-F238E27FC236}">
+                <a16:creationId xmlns:a16="http://schemas.microsoft.com/office/drawing/2014/main" id="{28D68295-676D-4856-B890-65B8986D6185}"/>
+              </a:ext>
+            </a:extLst>
+          </p:cNvPr>
+          <p:cNvSpPr txBox="1">
+            <a:spLocks/>
+          </p:cNvSpPr>
+          <p:nvPr/>
+        </p:nvSpPr>
+        <p:spPr bwMode="auto">
+          <a:xfrm>
+            <a:off x="8189916" y="1177327"/>
+            <a:ext cx="3298471" cy="1325564"/>
+          </a:xfrm>
+          <a:prstGeom prst="rect">
+            <a:avLst/>
+          </a:prstGeom>
+          <a:noFill/>
+          <a:ln>
+            <a:noFill/>
+          </a:ln>
+          <a:extLst>
+            <a:ext uri="{909E8E84-426E-40DD-AFC4-6F175D3DCCD1}">
+              <a14:hiddenFill xmlns:a14="http://schemas.microsoft.com/office/drawing/2010/main">
+                <a:solidFill>
+                  <a:srgbClr val="FFFFFF"/>
+                </a:solidFill>
+              </a14:hiddenFill>
+            </a:ext>
+            <a:ext uri="{91240B29-F687-4F45-9708-019B960494DF}">
+              <a14:hiddenLine xmlns:a14="http://schemas.microsoft.com/office/drawing/2010/main" w="9525">
+                <a:solidFill>
+                  <a:srgbClr val="000000"/>
+                </a:solidFill>
+                <a:miter lim="800000"/>
+                <a:headEnd/>
+                <a:tailEnd/>
+              </a14:hiddenLine>
+            </a:ext>
+          </a:extLst>
+        </p:spPr>
+        <p:txBody>
+          <a:bodyPr vert="horz" wrap="square" lIns="91440" tIns="45720" rIns="91440" bIns="45720" numCol="1" anchor="t" anchorCtr="0" compatLnSpc="1">
+            <a:prstTxWarp prst="textNoShape">
+              <a:avLst/>
+            </a:prstTxWarp>
+          </a:bodyPr>
+          <a:lstStyle>
+            <a:lvl1pPr marL="228600" indent="-228600" algn="r" rtl="1" eaLnBrk="1" fontAlgn="base" hangingPunct="1">
+              <a:lnSpc>
+                <a:spcPct val="90000"/>
+              </a:lnSpc>
+              <a:spcBef>
+                <a:spcPts val="1000"/>
+              </a:spcBef>
+              <a:spcAft>
+                <a:spcPct val="0"/>
+              </a:spcAft>
+              <a:buFont typeface="Arial" panose="020B0604020202020204" pitchFamily="34" charset="0"/>
+              <a:buChar char="•"/>
+              <a:defRPr sz="2800" kern="1200">
+                <a:solidFill>
+                  <a:schemeClr val="tx1"/>
+                </a:solidFill>
+                <a:latin typeface="+mn-lt"/>
+                <a:ea typeface="+mn-ea"/>
+                <a:cs typeface="+mn-cs"/>
+              </a:defRPr>
+            </a:lvl1pPr>
+            <a:lvl2pPr marL="685800" indent="-228600" algn="r" rtl="1" eaLnBrk="1" fontAlgn="base" hangingPunct="1">
+              <a:lnSpc>
+                <a:spcPct val="90000"/>
+              </a:lnSpc>
+              <a:spcBef>
+                <a:spcPts val="500"/>
+              </a:spcBef>
+              <a:spcAft>
+                <a:spcPct val="0"/>
+              </a:spcAft>
+              <a:buFont typeface="Arial" panose="020B0604020202020204" pitchFamily="34" charset="0"/>
+              <a:buChar char="•"/>
+              <a:defRPr sz="2400" kern="1200">
+                <a:solidFill>
+                  <a:schemeClr val="tx1"/>
+                </a:solidFill>
+                <a:latin typeface="+mn-lt"/>
+                <a:ea typeface="+mn-ea"/>
+                <a:cs typeface="+mn-cs"/>
+              </a:defRPr>
+            </a:lvl2pPr>
+            <a:lvl3pPr marL="1143000" indent="-228600" algn="r" rtl="1" eaLnBrk="1" fontAlgn="base" hangingPunct="1">
+              <a:lnSpc>
+                <a:spcPct val="90000"/>
+              </a:lnSpc>
+              <a:spcBef>
+                <a:spcPts val="500"/>
+              </a:spcBef>
+              <a:spcAft>
+                <a:spcPct val="0"/>
+              </a:spcAft>
+              <a:buFont typeface="Arial" panose="020B0604020202020204" pitchFamily="34" charset="0"/>
+              <a:buChar char="•"/>
+              <a:defRPr sz="2000" kern="1200">
+                <a:solidFill>
+                  <a:schemeClr val="tx1"/>
+                </a:solidFill>
+                <a:latin typeface="+mn-lt"/>
+                <a:ea typeface="+mn-ea"/>
+                <a:cs typeface="+mn-cs"/>
+              </a:defRPr>
+            </a:lvl3pPr>
+            <a:lvl4pPr marL="1600200" indent="-228600" algn="r" rtl="1" eaLnBrk="1" fontAlgn="base" hangingPunct="1">
+              <a:lnSpc>
+                <a:spcPct val="90000"/>
+              </a:lnSpc>
+              <a:spcBef>
+                <a:spcPts val="500"/>
+              </a:spcBef>
+              <a:spcAft>
+                <a:spcPct val="0"/>
+              </a:spcAft>
+              <a:buFont typeface="Arial" panose="020B0604020202020204" pitchFamily="34" charset="0"/>
+              <a:buChar char="•"/>
+              <a:defRPr kern="1200">
+                <a:solidFill>
+                  <a:schemeClr val="tx1"/>
+                </a:solidFill>
+                <a:latin typeface="+mn-lt"/>
+                <a:ea typeface="+mn-ea"/>
+                <a:cs typeface="+mn-cs"/>
+              </a:defRPr>
+            </a:lvl4pPr>
+            <a:lvl5pPr marL="2057400" indent="-228600" algn="r" rtl="1" eaLnBrk="1" fontAlgn="base" hangingPunct="1">
+              <a:lnSpc>
+                <a:spcPct val="90000"/>
+              </a:lnSpc>
+              <a:spcBef>
+                <a:spcPts val="500"/>
+              </a:spcBef>
+              <a:spcAft>
+                <a:spcPct val="0"/>
+              </a:spcAft>
+              <a:buFont typeface="Arial" panose="020B0604020202020204" pitchFamily="34" charset="0"/>
+              <a:buChar char="•"/>
+              <a:defRPr kern="1200">
+                <a:solidFill>
+                  <a:schemeClr val="tx1"/>
+                </a:solidFill>
+                <a:latin typeface="+mn-lt"/>
+                <a:ea typeface="+mn-ea"/>
+                <a:cs typeface="+mn-cs"/>
+              </a:defRPr>
+            </a:lvl5pPr>
+            <a:lvl6pPr marL="2514600" indent="-228600" algn="r" defTabSz="914400" rtl="1" eaLnBrk="1" latinLnBrk="0" hangingPunct="1">
+              <a:lnSpc>
+                <a:spcPct val="90000"/>
+              </a:lnSpc>
+              <a:spcBef>
+                <a:spcPts val="500"/>
+              </a:spcBef>
+              <a:buFont typeface="Arial" panose="020B0604020202020204" pitchFamily="34" charset="0"/>
+              <a:buChar char="•"/>
+              <a:defRPr sz="1800" kern="1200">
+                <a:solidFill>
+                  <a:schemeClr val="tx1"/>
+                </a:solidFill>
+                <a:latin typeface="+mn-lt"/>
+                <a:ea typeface="+mn-ea"/>
+                <a:cs typeface="+mn-cs"/>
+              </a:defRPr>
+            </a:lvl6pPr>
+            <a:lvl7pPr marL="2971800" indent="-228600" algn="r" defTabSz="914400" rtl="1" eaLnBrk="1" latinLnBrk="0" hangingPunct="1">
+              <a:lnSpc>
+                <a:spcPct val="90000"/>
+              </a:lnSpc>
+              <a:spcBef>
+                <a:spcPts val="500"/>
+              </a:spcBef>
+              <a:buFont typeface="Arial" panose="020B0604020202020204" pitchFamily="34" charset="0"/>
+              <a:buChar char="•"/>
+              <a:defRPr sz="1800" kern="1200">
+                <a:solidFill>
+                  <a:schemeClr val="tx1"/>
+                </a:solidFill>
+                <a:latin typeface="+mn-lt"/>
+                <a:ea typeface="+mn-ea"/>
+                <a:cs typeface="+mn-cs"/>
+              </a:defRPr>
+            </a:lvl7pPr>
+            <a:lvl8pPr marL="3429000" indent="-228600" algn="r" defTabSz="914400" rtl="1" eaLnBrk="1" latinLnBrk="0" hangingPunct="1">
+              <a:lnSpc>
+                <a:spcPct val="90000"/>
+              </a:lnSpc>
+              <a:spcBef>
+                <a:spcPts val="500"/>
+              </a:spcBef>
+              <a:buFont typeface="Arial" panose="020B0604020202020204" pitchFamily="34" charset="0"/>
+              <a:buChar char="•"/>
+              <a:defRPr sz="1800" kern="1200">
+                <a:solidFill>
+                  <a:schemeClr val="tx1"/>
+                </a:solidFill>
+                <a:latin typeface="+mn-lt"/>
+                <a:ea typeface="+mn-ea"/>
+                <a:cs typeface="+mn-cs"/>
+              </a:defRPr>
+            </a:lvl8pPr>
+            <a:lvl9pPr marL="3886200" indent="-228600" algn="r" defTabSz="914400" rtl="1" eaLnBrk="1" latinLnBrk="0" hangingPunct="1">
+              <a:lnSpc>
+                <a:spcPct val="90000"/>
+              </a:lnSpc>
+              <a:spcBef>
+                <a:spcPts val="500"/>
+              </a:spcBef>
+              <a:buFont typeface="Arial" panose="020B0604020202020204" pitchFamily="34" charset="0"/>
+              <a:buChar char="•"/>
+              <a:defRPr sz="1800" kern="1200">
+                <a:solidFill>
+                  <a:schemeClr val="tx1"/>
+                </a:solidFill>
+                <a:latin typeface="+mn-lt"/>
+                <a:ea typeface="+mn-ea"/>
+                <a:cs typeface="+mn-cs"/>
+              </a:defRPr>
+            </a:lvl9pPr>
+          </a:lstStyle>
+          <a:p>
+            <a:pPr marL="0" indent="0" algn="ctr" rtl="0">
+              <a:buClr>
+                <a:schemeClr val="accent1">
+                  <a:lumMod val="50000"/>
+                </a:schemeClr>
+              </a:buClr>
+              <a:buSzPct val="95000"/>
+              <a:buFont typeface="Arial" panose="020B0604020202020204" pitchFamily="34" charset="0"/>
+              <a:buNone/>
+              <a:defRPr/>
+            </a:pPr>
+            <a:r>
+              <a:rPr lang="en-US" altLang="en-US" dirty="0"/>
+              <a:t>6 Features</a:t>
+            </a:r>
+            <a:br>
+              <a:rPr lang="en-US" altLang="en-US" dirty="0"/>
+            </a:br>
+            <a:r>
+              <a:rPr lang="en-US" altLang="en-US" dirty="0"/>
+              <a:t>(check three word per line in Directory)</a:t>
+            </a:r>
+            <a:endParaRPr lang="en-GB" altLang="en-US" dirty="0"/>
+          </a:p>
+        </p:txBody>
+      </p:sp>
+      <p:pic>
+        <p:nvPicPr>
+          <p:cNvPr id="2" name="תמונה 1">
+            <a:extLst>
+              <a:ext uri="{FF2B5EF4-FFF2-40B4-BE49-F238E27FC236}">
+                <a16:creationId xmlns:a16="http://schemas.microsoft.com/office/drawing/2014/main" id="{A580B90D-4AE5-42B8-A276-8F2139B5CA67}"/>
+              </a:ext>
+            </a:extLst>
+          </p:cNvPr>
+          <p:cNvPicPr>
+            <a:picLocks noChangeAspect="1"/>
+          </p:cNvPicPr>
+          <p:nvPr/>
+        </p:nvPicPr>
+        <p:blipFill>
+          <a:blip r:embed="rId4"/>
+          <a:stretch>
+            <a:fillRect/>
+          </a:stretch>
+        </p:blipFill>
+        <p:spPr>
+          <a:xfrm>
+            <a:off x="760061" y="2426094"/>
+            <a:ext cx="3554763" cy="2843810"/>
+          </a:xfrm>
+          <a:prstGeom prst="rect">
+            <a:avLst/>
+          </a:prstGeom>
+        </p:spPr>
+      </p:pic>
+      <p:pic>
+        <p:nvPicPr>
+          <p:cNvPr id="3" name="תמונה 2">
+            <a:extLst>
+              <a:ext uri="{FF2B5EF4-FFF2-40B4-BE49-F238E27FC236}">
+                <a16:creationId xmlns:a16="http://schemas.microsoft.com/office/drawing/2014/main" id="{683B8D9B-4075-4AFF-AF72-C76C118235D6}"/>
+              </a:ext>
+            </a:extLst>
+          </p:cNvPr>
+          <p:cNvPicPr>
+            <a:picLocks noChangeAspect="1"/>
+          </p:cNvPicPr>
+          <p:nvPr/>
+        </p:nvPicPr>
+        <p:blipFill rotWithShape="1">
+          <a:blip r:embed="rId5"/>
+          <a:srcRect l="542" t="5402" r="15992"/>
+          <a:stretch/>
+        </p:blipFill>
+        <p:spPr>
+          <a:xfrm>
+            <a:off x="123825" y="5386190"/>
+            <a:ext cx="3981152" cy="1412279"/>
+          </a:xfrm>
+          <a:prstGeom prst="rect">
+            <a:avLst/>
+          </a:prstGeom>
+        </p:spPr>
+      </p:pic>
+      <p:pic>
+        <p:nvPicPr>
+          <p:cNvPr id="10" name="תמונה 9">
+            <a:extLst>
+              <a:ext uri="{FF2B5EF4-FFF2-40B4-BE49-F238E27FC236}">
+                <a16:creationId xmlns:a16="http://schemas.microsoft.com/office/drawing/2014/main" id="{E2AC1E78-2EC0-4D2E-96B0-4193DA3825CB}"/>
+              </a:ext>
+            </a:extLst>
+          </p:cNvPr>
+          <p:cNvPicPr>
+            <a:picLocks noChangeAspect="1"/>
+          </p:cNvPicPr>
+          <p:nvPr/>
+        </p:nvPicPr>
+        <p:blipFill>
+          <a:blip r:embed="rId6"/>
+          <a:stretch>
+            <a:fillRect/>
+          </a:stretch>
+        </p:blipFill>
+        <p:spPr>
+          <a:xfrm>
+            <a:off x="4350756" y="2258193"/>
+            <a:ext cx="3566424" cy="2962275"/>
+          </a:xfrm>
+          <a:prstGeom prst="rect">
+            <a:avLst/>
+          </a:prstGeom>
+        </p:spPr>
+      </p:pic>
+      <p:pic>
+        <p:nvPicPr>
+          <p:cNvPr id="11" name="תמונה 10">
+            <a:extLst>
+              <a:ext uri="{FF2B5EF4-FFF2-40B4-BE49-F238E27FC236}">
+                <a16:creationId xmlns:a16="http://schemas.microsoft.com/office/drawing/2014/main" id="{6A68CBD8-0BCB-4D2F-9EE4-BF92B3BE5114}"/>
+              </a:ext>
+            </a:extLst>
+          </p:cNvPr>
+          <p:cNvPicPr>
+            <a:picLocks noChangeAspect="1"/>
+          </p:cNvPicPr>
+          <p:nvPr/>
+        </p:nvPicPr>
+        <p:blipFill>
+          <a:blip r:embed="rId7"/>
+          <a:stretch>
+            <a:fillRect/>
+          </a:stretch>
+        </p:blipFill>
+        <p:spPr>
+          <a:xfrm>
+            <a:off x="4104977" y="5364037"/>
+            <a:ext cx="3838447" cy="1388118"/>
+          </a:xfrm>
+          <a:prstGeom prst="rect">
+            <a:avLst/>
+          </a:prstGeom>
+        </p:spPr>
+      </p:pic>
+      <p:pic>
+        <p:nvPicPr>
+          <p:cNvPr id="14" name="תמונה 13">
+            <a:extLst>
+              <a:ext uri="{FF2B5EF4-FFF2-40B4-BE49-F238E27FC236}">
+                <a16:creationId xmlns:a16="http://schemas.microsoft.com/office/drawing/2014/main" id="{D11E1C26-019E-4350-9746-133EF900606C}"/>
+              </a:ext>
+            </a:extLst>
+          </p:cNvPr>
+          <p:cNvPicPr>
+            <a:picLocks noChangeAspect="1"/>
+          </p:cNvPicPr>
+          <p:nvPr/>
+        </p:nvPicPr>
+        <p:blipFill>
+          <a:blip r:embed="rId8"/>
+          <a:stretch>
+            <a:fillRect/>
+          </a:stretch>
+        </p:blipFill>
+        <p:spPr>
+          <a:xfrm>
+            <a:off x="8433531" y="2358138"/>
+            <a:ext cx="3012081" cy="2525097"/>
+          </a:xfrm>
+          <a:prstGeom prst="rect">
+            <a:avLst/>
+          </a:prstGeom>
+        </p:spPr>
+      </p:pic>
+      <p:pic>
+        <p:nvPicPr>
+          <p:cNvPr id="15" name="תמונה 14">
+            <a:extLst>
+              <a:ext uri="{FF2B5EF4-FFF2-40B4-BE49-F238E27FC236}">
+                <a16:creationId xmlns:a16="http://schemas.microsoft.com/office/drawing/2014/main" id="{4C24BA44-2F89-46D8-92F6-7BE890ED6C38}"/>
+              </a:ext>
+            </a:extLst>
+          </p:cNvPr>
+          <p:cNvPicPr>
+            <a:picLocks noChangeAspect="1"/>
+          </p:cNvPicPr>
+          <p:nvPr/>
+        </p:nvPicPr>
+        <p:blipFill>
+          <a:blip r:embed="rId9"/>
+          <a:stretch>
+            <a:fillRect/>
+          </a:stretch>
+        </p:blipFill>
+        <p:spPr>
+          <a:xfrm>
+            <a:off x="8189916" y="5386190"/>
+            <a:ext cx="3727935" cy="1236756"/>
+          </a:xfrm>
+          <a:prstGeom prst="rect">
+            <a:avLst/>
+          </a:prstGeom>
+        </p:spPr>
+      </p:pic>
+    </p:spTree>
+    <p:extLst>
+      <p:ext uri="{BB962C8B-B14F-4D97-AF65-F5344CB8AC3E}">
+        <p14:creationId xmlns:p14="http://schemas.microsoft.com/office/powerpoint/2010/main" val="3155213175"/>
+      </p:ext>
+    </p:extLst>
+  </p:cSld>
+  <p:clrMapOvr>
+    <a:masterClrMapping/>
+  </p:clrMapOvr>
 </p:sld>
 </file>
 
@@ -11050,7 +15786,7 @@
                 </a:effectLst>
                 <a:cs typeface="+mn-cs"/>
               </a:rPr>
-              <a:t>GOAL</a:t>
+              <a:t>INTRODUCTION</a:t>
             </a:r>
             <a:endParaRPr lang="he-IL" b="1" dirty="0">
               <a:solidFill>
@@ -11080,29 +15816,30 @@
         </p:nvSpPr>
         <p:spPr>
           <a:xfrm>
-            <a:off x="838200" y="1690688"/>
-            <a:ext cx="10515600" cy="5375275"/>
+            <a:off x="1054100" y="1554163"/>
+            <a:ext cx="10963275" cy="5167312"/>
           </a:xfrm>
         </p:spPr>
         <p:txBody>
           <a:bodyPr/>
           <a:lstStyle/>
           <a:p>
-            <a:pPr marL="0" indent="0" algn="ctr">
-              <a:buClr>
-                <a:schemeClr val="accent1">
-                  <a:lumMod val="50000"/>
-                </a:schemeClr>
-              </a:buClr>
-              <a:buSzPct val="95000"/>
+            <a:pPr marL="0" indent="0" algn="l">
               <a:buNone/>
-              <a:defRPr/>
             </a:pPr>
-            <a:r>
-              <a:rPr lang="en-US" altLang="en-US" sz="4400" b="1" dirty="0"/>
-              <a:t>My goal is detection ransomware by using machine learning.</a:t>
-            </a:r>
-            <a:endParaRPr lang="he-IL" altLang="en-US" sz="4400" b="1" dirty="0"/>
+            <a:endParaRPr lang="he-IL" sz="4400" dirty="0"/>
+          </a:p>
+          <a:p>
+            <a:pPr marL="0" indent="0" algn="l">
+              <a:buNone/>
+            </a:pPr>
+            <a:endParaRPr lang="en-GB" sz="4400" dirty="0"/>
+          </a:p>
+          <a:p>
+            <a:pPr marL="0" indent="0" algn="l">
+              <a:buNone/>
+            </a:pPr>
+            <a:endParaRPr lang="en-GB" sz="4400" dirty="0"/>
           </a:p>
         </p:txBody>
       </p:sp>
@@ -11238,6 +15975,295 @@
                 <a:defRPr/>
               </a:pPr>
               <a:t>4</a:t>
+            </a:fld>
+            <a:endParaRPr lang="he-IL" dirty="0"/>
+          </a:p>
+        </p:txBody>
+      </p:sp>
+      <p:pic>
+        <p:nvPicPr>
+          <p:cNvPr id="3" name="תמונה 2">
+            <a:extLst>
+              <a:ext uri="{FF2B5EF4-FFF2-40B4-BE49-F238E27FC236}">
+                <a16:creationId xmlns:a16="http://schemas.microsoft.com/office/drawing/2014/main" id="{3228369F-16FA-4173-8A8C-0B1994FDC1F7}"/>
+              </a:ext>
+            </a:extLst>
+          </p:cNvPr>
+          <p:cNvPicPr>
+            <a:picLocks noChangeAspect="1"/>
+          </p:cNvPicPr>
+          <p:nvPr/>
+        </p:nvPicPr>
+        <p:blipFill>
+          <a:blip r:embed="rId4">
+            <a:extLst>
+              <a:ext uri="{28A0092B-C50C-407E-A947-70E740481C1C}">
+                <a14:useLocalDpi xmlns:a14="http://schemas.microsoft.com/office/drawing/2010/main" val="0"/>
+              </a:ext>
+            </a:extLst>
+          </a:blip>
+          <a:stretch>
+            <a:fillRect/>
+          </a:stretch>
+        </p:blipFill>
+        <p:spPr>
+          <a:xfrm>
+            <a:off x="3498850" y="1822450"/>
+            <a:ext cx="5677130" cy="4402137"/>
+          </a:xfrm>
+          <a:prstGeom prst="rect">
+            <a:avLst/>
+          </a:prstGeom>
+        </p:spPr>
+      </p:pic>
+    </p:spTree>
+    <p:extLst>
+      <p:ext uri="{BB962C8B-B14F-4D97-AF65-F5344CB8AC3E}">
+        <p14:creationId xmlns:p14="http://schemas.microsoft.com/office/powerpoint/2010/main" val="1589642256"/>
+      </p:ext>
+    </p:extLst>
+  </p:cSld>
+  <p:clrMapOvr>
+    <a:masterClrMapping/>
+  </p:clrMapOvr>
+</p:sld>
+</file>
+
+<file path=ppt/slides/slide5.xml><?xml version="1.0" encoding="utf-8"?>
+<p:sld xmlns:a="http://schemas.openxmlformats.org/drawingml/2006/main" xmlns:r="http://schemas.openxmlformats.org/officeDocument/2006/relationships" xmlns:p="http://schemas.openxmlformats.org/presentationml/2006/main">
+  <p:cSld>
+    <p:spTree>
+      <p:nvGrpSpPr>
+        <p:cNvPr id="1" name=""/>
+        <p:cNvGrpSpPr/>
+        <p:nvPr/>
+      </p:nvGrpSpPr>
+      <p:grpSpPr>
+        <a:xfrm>
+          <a:off x="0" y="0"/>
+          <a:ext cx="0" cy="0"/>
+          <a:chOff x="0" y="0"/>
+          <a:chExt cx="0" cy="0"/>
+        </a:xfrm>
+      </p:grpSpPr>
+      <p:sp>
+        <p:nvSpPr>
+          <p:cNvPr id="4" name="כותרת 3"/>
+          <p:cNvSpPr>
+            <a:spLocks noGrp="1"/>
+          </p:cNvSpPr>
+          <p:nvPr>
+            <p:ph type="title"/>
+          </p:nvPr>
+        </p:nvSpPr>
+        <p:spPr/>
+        <p:txBody>
+          <a:bodyPr/>
+          <a:lstStyle/>
+          <a:p>
+            <a:pPr algn="ctr"/>
+            <a:r>
+              <a:rPr lang="en-GB" b="1" dirty="0">
+                <a:solidFill>
+                  <a:srgbClr val="002060"/>
+                </a:solidFill>
+                <a:effectLst>
+                  <a:outerShdw blurRad="38100" dist="38100" dir="2700000" algn="tl">
+                    <a:srgbClr val="000000">
+                      <a:alpha val="43137"/>
+                    </a:srgbClr>
+                  </a:outerShdw>
+                </a:effectLst>
+                <a:cs typeface="+mn-cs"/>
+              </a:rPr>
+              <a:t>GOAL</a:t>
+            </a:r>
+            <a:endParaRPr lang="he-IL" b="1" dirty="0">
+              <a:solidFill>
+                <a:srgbClr val="002060"/>
+              </a:solidFill>
+              <a:effectLst>
+                <a:outerShdw blurRad="38100" dist="38100" dir="2700000" algn="tl">
+                  <a:srgbClr val="000000">
+                    <a:alpha val="43137"/>
+                  </a:srgbClr>
+                </a:outerShdw>
+              </a:effectLst>
+              <a:cs typeface="+mn-cs"/>
+            </a:endParaRPr>
+          </a:p>
+        </p:txBody>
+      </p:sp>
+      <p:sp>
+        <p:nvSpPr>
+          <p:cNvPr id="5" name="מציין מיקום תוכן 4"/>
+          <p:cNvSpPr>
+            <a:spLocks noGrp="1"/>
+          </p:cNvSpPr>
+          <p:nvPr>
+            <p:ph idx="1"/>
+          </p:nvPr>
+        </p:nvSpPr>
+        <p:spPr>
+          <a:xfrm>
+            <a:off x="838200" y="1690688"/>
+            <a:ext cx="10515600" cy="5375275"/>
+          </a:xfrm>
+        </p:spPr>
+        <p:txBody>
+          <a:bodyPr/>
+          <a:lstStyle/>
+          <a:p>
+            <a:pPr marL="0" indent="0" algn="ctr">
+              <a:buClr>
+                <a:schemeClr val="accent1">
+                  <a:lumMod val="50000"/>
+                </a:schemeClr>
+              </a:buClr>
+              <a:buSzPct val="95000"/>
+              <a:buNone/>
+              <a:defRPr/>
+            </a:pPr>
+            <a:r>
+              <a:rPr lang="en-US" altLang="en-US" sz="4400" b="1" dirty="0"/>
+              <a:t>My goal is detection ransomware by using machine learning.</a:t>
+            </a:r>
+            <a:endParaRPr lang="he-IL" altLang="en-US" sz="4400" b="1" dirty="0"/>
+          </a:p>
+        </p:txBody>
+      </p:sp>
+      <p:pic>
+        <p:nvPicPr>
+          <p:cNvPr id="2052" name="Picture 2" descr="תוצאת תמונה עבור מצגת אונ אריאל לוגו"/>
+          <p:cNvPicPr>
+            <a:picLocks noChangeAspect="1" noChangeArrowheads="1"/>
+          </p:cNvPicPr>
+          <p:nvPr/>
+        </p:nvPicPr>
+        <p:blipFill>
+          <a:blip r:embed="rId2">
+            <a:extLst>
+              <a:ext uri="{28A0092B-C50C-407E-A947-70E740481C1C}">
+                <a14:useLocalDpi xmlns:a14="http://schemas.microsoft.com/office/drawing/2010/main" val="0"/>
+              </a:ext>
+            </a:extLst>
+          </a:blip>
+          <a:srcRect/>
+          <a:stretch>
+            <a:fillRect/>
+          </a:stretch>
+        </p:blipFill>
+        <p:spPr bwMode="auto">
+          <a:xfrm>
+            <a:off x="10417175" y="-33338"/>
+            <a:ext cx="1800225" cy="1012826"/>
+          </a:xfrm>
+          <a:prstGeom prst="rect">
+            <a:avLst/>
+          </a:prstGeom>
+          <a:noFill/>
+          <a:ln>
+            <a:noFill/>
+          </a:ln>
+          <a:extLst>
+            <a:ext uri="{909E8E84-426E-40DD-AFC4-6F175D3DCCD1}">
+              <a14:hiddenFill xmlns:a14="http://schemas.microsoft.com/office/drawing/2010/main">
+                <a:solidFill>
+                  <a:srgbClr val="FFFFFF"/>
+                </a:solidFill>
+              </a14:hiddenFill>
+            </a:ext>
+            <a:ext uri="{91240B29-F687-4F45-9708-019B960494DF}">
+              <a14:hiddenLine xmlns:a14="http://schemas.microsoft.com/office/drawing/2010/main" w="9525">
+                <a:solidFill>
+                  <a:srgbClr val="000000"/>
+                </a:solidFill>
+                <a:miter lim="800000"/>
+                <a:headEnd/>
+                <a:tailEnd/>
+              </a14:hiddenLine>
+            </a:ext>
+          </a:extLst>
+        </p:spPr>
+      </p:pic>
+      <p:pic>
+        <p:nvPicPr>
+          <p:cNvPr id="2053" name="תמונה 4"/>
+          <p:cNvPicPr>
+            <a:picLocks noChangeAspect="1"/>
+          </p:cNvPicPr>
+          <p:nvPr/>
+        </p:nvPicPr>
+        <p:blipFill>
+          <a:blip r:embed="rId3">
+            <a:extLst>
+              <a:ext uri="{28A0092B-C50C-407E-A947-70E740481C1C}">
+                <a14:useLocalDpi xmlns:a14="http://schemas.microsoft.com/office/drawing/2010/main" val="0"/>
+              </a:ext>
+            </a:extLst>
+          </a:blip>
+          <a:srcRect/>
+          <a:stretch>
+            <a:fillRect/>
+          </a:stretch>
+        </p:blipFill>
+        <p:spPr bwMode="auto">
+          <a:xfrm>
+            <a:off x="0" y="5565775"/>
+            <a:ext cx="1054100" cy="1292225"/>
+          </a:xfrm>
+          <a:prstGeom prst="rect">
+            <a:avLst/>
+          </a:prstGeom>
+          <a:noFill/>
+          <a:ln>
+            <a:noFill/>
+          </a:ln>
+          <a:extLst>
+            <a:ext uri="{909E8E84-426E-40DD-AFC4-6F175D3DCCD1}">
+              <a14:hiddenFill xmlns:a14="http://schemas.microsoft.com/office/drawing/2010/main">
+                <a:solidFill>
+                  <a:srgbClr val="FFFFFF"/>
+                </a:solidFill>
+              </a14:hiddenFill>
+            </a:ext>
+            <a:ext uri="{91240B29-F687-4F45-9708-019B960494DF}">
+              <a14:hiddenLine xmlns:a14="http://schemas.microsoft.com/office/drawing/2010/main" w="9525">
+                <a:solidFill>
+                  <a:srgbClr val="000000"/>
+                </a:solidFill>
+                <a:miter lim="800000"/>
+                <a:headEnd/>
+                <a:tailEnd/>
+              </a14:hiddenLine>
+            </a:ext>
+          </a:extLst>
+        </p:spPr>
+      </p:pic>
+      <p:sp>
+        <p:nvSpPr>
+          <p:cNvPr id="6" name="מציין מיקום של מספר שקופית 5"/>
+          <p:cNvSpPr>
+            <a:spLocks noGrp="1"/>
+          </p:cNvSpPr>
+          <p:nvPr>
+            <p:ph type="sldNum" sz="quarter" idx="12"/>
+          </p:nvPr>
+        </p:nvSpPr>
+        <p:spPr/>
+        <p:txBody>
+          <a:bodyPr/>
+          <a:lstStyle/>
+          <a:p>
+            <a:pPr>
+              <a:defRPr/>
+            </a:pPr>
+            <a:fld id="{EB0A1C18-2E97-4B45-832C-DE832CBD48BD}" type="slidenum">
+              <a:rPr lang="he-IL" smtClean="0"/>
+              <a:pPr>
+                <a:defRPr/>
+              </a:pPr>
+              <a:t>5</a:t>
             </a:fld>
             <a:endParaRPr lang="he-IL" dirty="0"/>
           </a:p>
@@ -11404,7 +16430,7 @@
 </p:sld>
 </file>
 
-<file path=ppt/slides/slide5.xml><?xml version="1.0" encoding="utf-8"?>
+<file path=ppt/slides/slide6.xml><?xml version="1.0" encoding="utf-8"?>
 <p:sld xmlns:a="http://schemas.openxmlformats.org/drawingml/2006/main" xmlns:r="http://schemas.openxmlformats.org/officeDocument/2006/relationships" xmlns:p="http://schemas.openxmlformats.org/presentationml/2006/main">
   <p:cSld>
     <p:spTree>
@@ -11655,7 +16681,7 @@
               <a:pPr>
                 <a:defRPr/>
               </a:pPr>
-              <a:t>5</a:t>
+              <a:t>6</a:t>
             </a:fld>
             <a:endParaRPr lang="he-IL" dirty="0"/>
           </a:p>
@@ -11665,854 +16691,6 @@
     <p:extLst>
       <p:ext uri="{BB962C8B-B14F-4D97-AF65-F5344CB8AC3E}">
         <p14:creationId xmlns:p14="http://schemas.microsoft.com/office/powerpoint/2010/main" val="1228062968"/>
-      </p:ext>
-    </p:extLst>
-  </p:cSld>
-  <p:clrMapOvr>
-    <a:masterClrMapping/>
-  </p:clrMapOvr>
-  <p:timing>
-    <p:tnLst>
-      <p:par>
-        <p:cTn id="1" dur="indefinite" restart="never" nodeType="tmRoot">
-          <p:childTnLst>
-            <p:seq concurrent="1" nextAc="seek">
-              <p:cTn id="2" dur="indefinite" nodeType="mainSeq">
-                <p:childTnLst>
-                  <p:par>
-                    <p:cTn id="3" fill="hold">
-                      <p:stCondLst>
-                        <p:cond delay="indefinite"/>
-                      </p:stCondLst>
-                      <p:childTnLst>
-                        <p:par>
-                          <p:cTn id="4" fill="hold">
-                            <p:stCondLst>
-                              <p:cond delay="0"/>
-                            </p:stCondLst>
-                            <p:childTnLst>
-                              <p:par>
-                                <p:cTn id="5" presetID="42" presetClass="entr" presetSubtype="0" fill="hold" grpId="0" nodeType="clickEffect">
-                                  <p:stCondLst>
-                                    <p:cond delay="0"/>
-                                  </p:stCondLst>
-                                  <p:childTnLst>
-                                    <p:set>
-                                      <p:cBhvr>
-                                        <p:cTn id="6" dur="1" fill="hold">
-                                          <p:stCondLst>
-                                            <p:cond delay="0"/>
-                                          </p:stCondLst>
-                                        </p:cTn>
-                                        <p:tgtEl>
-                                          <p:spTgt spid="5">
-                                            <p:txEl>
-                                              <p:pRg st="0" end="0"/>
-                                            </p:txEl>
-                                          </p:spTgt>
-                                        </p:tgtEl>
-                                        <p:attrNameLst>
-                                          <p:attrName>style.visibility</p:attrName>
-                                        </p:attrNameLst>
-                                      </p:cBhvr>
-                                      <p:to>
-                                        <p:strVal val="visible"/>
-                                      </p:to>
-                                    </p:set>
-                                    <p:animEffect transition="in" filter="fade">
-                                      <p:cBhvr>
-                                        <p:cTn id="7" dur="1000"/>
-                                        <p:tgtEl>
-                                          <p:spTgt spid="5">
-                                            <p:txEl>
-                                              <p:pRg st="0" end="0"/>
-                                            </p:txEl>
-                                          </p:spTgt>
-                                        </p:tgtEl>
-                                      </p:cBhvr>
-                                    </p:animEffect>
-                                    <p:anim calcmode="lin" valueType="num">
-                                      <p:cBhvr>
-                                        <p:cTn id="8" dur="1000" fill="hold"/>
-                                        <p:tgtEl>
-                                          <p:spTgt spid="5">
-                                            <p:txEl>
-                                              <p:pRg st="0" end="0"/>
-                                            </p:txEl>
-                                          </p:spTgt>
-                                        </p:tgtEl>
-                                        <p:attrNameLst>
-                                          <p:attrName>ppt_x</p:attrName>
-                                        </p:attrNameLst>
-                                      </p:cBhvr>
-                                      <p:tavLst>
-                                        <p:tav tm="0">
-                                          <p:val>
-                                            <p:strVal val="#ppt_x"/>
-                                          </p:val>
-                                        </p:tav>
-                                        <p:tav tm="100000">
-                                          <p:val>
-                                            <p:strVal val="#ppt_x"/>
-                                          </p:val>
-                                        </p:tav>
-                                      </p:tavLst>
-                                    </p:anim>
-                                    <p:anim calcmode="lin" valueType="num">
-                                      <p:cBhvr>
-                                        <p:cTn id="9" dur="1000" fill="hold"/>
-                                        <p:tgtEl>
-                                          <p:spTgt spid="5">
-                                            <p:txEl>
-                                              <p:pRg st="0" end="0"/>
-                                            </p:txEl>
-                                          </p:spTgt>
-                                        </p:tgtEl>
-                                        <p:attrNameLst>
-                                          <p:attrName>ppt_y</p:attrName>
-                                        </p:attrNameLst>
-                                      </p:cBhvr>
-                                      <p:tavLst>
-                                        <p:tav tm="0">
-                                          <p:val>
-                                            <p:strVal val="#ppt_y+.1"/>
-                                          </p:val>
-                                        </p:tav>
-                                        <p:tav tm="100000">
-                                          <p:val>
-                                            <p:strVal val="#ppt_y"/>
-                                          </p:val>
-                                        </p:tav>
-                                      </p:tavLst>
-                                    </p:anim>
-                                  </p:childTnLst>
-                                </p:cTn>
-                              </p:par>
-                            </p:childTnLst>
-                          </p:cTn>
-                        </p:par>
-                      </p:childTnLst>
-                    </p:cTn>
-                  </p:par>
-                  <p:par>
-                    <p:cTn id="10" fill="hold">
-                      <p:stCondLst>
-                        <p:cond delay="indefinite"/>
-                      </p:stCondLst>
-                      <p:childTnLst>
-                        <p:par>
-                          <p:cTn id="11" fill="hold">
-                            <p:stCondLst>
-                              <p:cond delay="0"/>
-                            </p:stCondLst>
-                            <p:childTnLst>
-                              <p:par>
-                                <p:cTn id="12" presetID="42" presetClass="entr" presetSubtype="0" fill="hold" grpId="0" nodeType="clickEffect">
-                                  <p:stCondLst>
-                                    <p:cond delay="0"/>
-                                  </p:stCondLst>
-                                  <p:childTnLst>
-                                    <p:set>
-                                      <p:cBhvr>
-                                        <p:cTn id="13" dur="1" fill="hold">
-                                          <p:stCondLst>
-                                            <p:cond delay="0"/>
-                                          </p:stCondLst>
-                                        </p:cTn>
-                                        <p:tgtEl>
-                                          <p:spTgt spid="5">
-                                            <p:txEl>
-                                              <p:pRg st="1" end="1"/>
-                                            </p:txEl>
-                                          </p:spTgt>
-                                        </p:tgtEl>
-                                        <p:attrNameLst>
-                                          <p:attrName>style.visibility</p:attrName>
-                                        </p:attrNameLst>
-                                      </p:cBhvr>
-                                      <p:to>
-                                        <p:strVal val="visible"/>
-                                      </p:to>
-                                    </p:set>
-                                    <p:animEffect transition="in" filter="fade">
-                                      <p:cBhvr>
-                                        <p:cTn id="14" dur="1000"/>
-                                        <p:tgtEl>
-                                          <p:spTgt spid="5">
-                                            <p:txEl>
-                                              <p:pRg st="1" end="1"/>
-                                            </p:txEl>
-                                          </p:spTgt>
-                                        </p:tgtEl>
-                                      </p:cBhvr>
-                                    </p:animEffect>
-                                    <p:anim calcmode="lin" valueType="num">
-                                      <p:cBhvr>
-                                        <p:cTn id="15" dur="1000" fill="hold"/>
-                                        <p:tgtEl>
-                                          <p:spTgt spid="5">
-                                            <p:txEl>
-                                              <p:pRg st="1" end="1"/>
-                                            </p:txEl>
-                                          </p:spTgt>
-                                        </p:tgtEl>
-                                        <p:attrNameLst>
-                                          <p:attrName>ppt_x</p:attrName>
-                                        </p:attrNameLst>
-                                      </p:cBhvr>
-                                      <p:tavLst>
-                                        <p:tav tm="0">
-                                          <p:val>
-                                            <p:strVal val="#ppt_x"/>
-                                          </p:val>
-                                        </p:tav>
-                                        <p:tav tm="100000">
-                                          <p:val>
-                                            <p:strVal val="#ppt_x"/>
-                                          </p:val>
-                                        </p:tav>
-                                      </p:tavLst>
-                                    </p:anim>
-                                    <p:anim calcmode="lin" valueType="num">
-                                      <p:cBhvr>
-                                        <p:cTn id="16" dur="1000" fill="hold"/>
-                                        <p:tgtEl>
-                                          <p:spTgt spid="5">
-                                            <p:txEl>
-                                              <p:pRg st="1" end="1"/>
-                                            </p:txEl>
-                                          </p:spTgt>
-                                        </p:tgtEl>
-                                        <p:attrNameLst>
-                                          <p:attrName>ppt_y</p:attrName>
-                                        </p:attrNameLst>
-                                      </p:cBhvr>
-                                      <p:tavLst>
-                                        <p:tav tm="0">
-                                          <p:val>
-                                            <p:strVal val="#ppt_y+.1"/>
-                                          </p:val>
-                                        </p:tav>
-                                        <p:tav tm="100000">
-                                          <p:val>
-                                            <p:strVal val="#ppt_y"/>
-                                          </p:val>
-                                        </p:tav>
-                                      </p:tavLst>
-                                    </p:anim>
-                                  </p:childTnLst>
-                                </p:cTn>
-                              </p:par>
-                            </p:childTnLst>
-                          </p:cTn>
-                        </p:par>
-                      </p:childTnLst>
-                    </p:cTn>
-                  </p:par>
-                </p:childTnLst>
-              </p:cTn>
-              <p:prevCondLst>
-                <p:cond evt="onPrev" delay="0">
-                  <p:tgtEl>
-                    <p:sldTgt/>
-                  </p:tgtEl>
-                </p:cond>
-              </p:prevCondLst>
-              <p:nextCondLst>
-                <p:cond evt="onNext" delay="0">
-                  <p:tgtEl>
-                    <p:sldTgt/>
-                  </p:tgtEl>
-                </p:cond>
-              </p:nextCondLst>
-            </p:seq>
-          </p:childTnLst>
-        </p:cTn>
-      </p:par>
-    </p:tnLst>
-    <p:bldLst>
-      <p:bldP spid="5" grpId="0" build="p"/>
-    </p:bldLst>
-  </p:timing>
-</p:sld>
-</file>
-
-<file path=ppt/slides/slide6.xml><?xml version="1.0" encoding="utf-8"?>
-<p:sld xmlns:a="http://schemas.openxmlformats.org/drawingml/2006/main" xmlns:r="http://schemas.openxmlformats.org/officeDocument/2006/relationships" xmlns:p="http://schemas.openxmlformats.org/presentationml/2006/main">
-  <p:cSld>
-    <p:spTree>
-      <p:nvGrpSpPr>
-        <p:cNvPr id="1" name=""/>
-        <p:cNvGrpSpPr/>
-        <p:nvPr/>
-      </p:nvGrpSpPr>
-      <p:grpSpPr>
-        <a:xfrm>
-          <a:off x="0" y="0"/>
-          <a:ext cx="0" cy="0"/>
-          <a:chOff x="0" y="0"/>
-          <a:chExt cx="0" cy="0"/>
-        </a:xfrm>
-      </p:grpSpPr>
-      <p:sp>
-        <p:nvSpPr>
-          <p:cNvPr id="4" name="כותרת 3"/>
-          <p:cNvSpPr>
-            <a:spLocks noGrp="1"/>
-          </p:cNvSpPr>
-          <p:nvPr>
-            <p:ph type="title"/>
-          </p:nvPr>
-        </p:nvSpPr>
-        <p:spPr>
-          <a:xfrm>
-            <a:off x="942975" y="316706"/>
-            <a:ext cx="10515600" cy="1325563"/>
-          </a:xfrm>
-        </p:spPr>
-        <p:txBody>
-          <a:bodyPr/>
-          <a:lstStyle/>
-          <a:p>
-            <a:pPr algn="ctr"/>
-            <a:r>
-              <a:rPr lang="en-GB" b="1" dirty="0">
-                <a:solidFill>
-                  <a:srgbClr val="002060"/>
-                </a:solidFill>
-                <a:effectLst>
-                  <a:outerShdw blurRad="38100" dist="38100" dir="2700000" algn="tl">
-                    <a:srgbClr val="000000">
-                      <a:alpha val="43137"/>
-                    </a:srgbClr>
-                  </a:outerShdw>
-                </a:effectLst>
-                <a:cs typeface="+mn-cs"/>
-              </a:rPr>
-              <a:t>Cryptography</a:t>
-            </a:r>
-            <a:endParaRPr lang="he-IL" b="1" dirty="0">
-              <a:solidFill>
-                <a:srgbClr val="002060"/>
-              </a:solidFill>
-              <a:effectLst>
-                <a:outerShdw blurRad="38100" dist="38100" dir="2700000" algn="tl">
-                  <a:srgbClr val="000000">
-                    <a:alpha val="43137"/>
-                  </a:srgbClr>
-                </a:outerShdw>
-              </a:effectLst>
-              <a:cs typeface="+mn-cs"/>
-            </a:endParaRPr>
-          </a:p>
-        </p:txBody>
-      </p:sp>
-      <p:sp>
-        <p:nvSpPr>
-          <p:cNvPr id="5" name="מציין מיקום תוכן 4"/>
-          <p:cNvSpPr>
-            <a:spLocks noGrp="1"/>
-          </p:cNvSpPr>
-          <p:nvPr>
-            <p:ph idx="1"/>
-          </p:nvPr>
-        </p:nvSpPr>
-        <p:spPr>
-          <a:xfrm>
-            <a:off x="838200" y="1986758"/>
-            <a:ext cx="10515600" cy="5079205"/>
-          </a:xfrm>
-        </p:spPr>
-        <p:txBody>
-          <a:bodyPr/>
-          <a:lstStyle/>
-          <a:p>
-            <a:pPr marL="0" indent="0" algn="l">
-              <a:buClr>
-                <a:schemeClr val="accent1">
-                  <a:lumMod val="50000"/>
-                </a:schemeClr>
-              </a:buClr>
-              <a:buSzPct val="95000"/>
-              <a:buNone/>
-              <a:defRPr/>
-            </a:pPr>
-            <a:r>
-              <a:rPr lang="en-US" altLang="en-US" sz="3200" b="1" dirty="0"/>
-              <a:t>In the world of symmetric encryption the assumption is that two people who want to communicate encrypted have a key</a:t>
-            </a:r>
-          </a:p>
-          <a:p>
-            <a:pPr marL="0" indent="0" algn="l">
-              <a:buClr>
-                <a:schemeClr val="accent1">
-                  <a:lumMod val="50000"/>
-                </a:schemeClr>
-              </a:buClr>
-              <a:buSzPct val="95000"/>
-              <a:buNone/>
-              <a:defRPr/>
-            </a:pPr>
-            <a:r>
-              <a:rPr lang="en-US" altLang="en-US" sz="3200" b="1" dirty="0"/>
-              <a:t>With which they can encrypt messages and decrypt encrypted messages or authenticate messages</a:t>
-            </a:r>
-            <a:endParaRPr lang="he-IL" altLang="en-US" sz="3200" b="1" dirty="0"/>
-          </a:p>
-        </p:txBody>
-      </p:sp>
-      <p:pic>
-        <p:nvPicPr>
-          <p:cNvPr id="2052" name="Picture 2" descr="תוצאת תמונה עבור מצגת אונ אריאל לוגו"/>
-          <p:cNvPicPr>
-            <a:picLocks noChangeAspect="1" noChangeArrowheads="1"/>
-          </p:cNvPicPr>
-          <p:nvPr/>
-        </p:nvPicPr>
-        <p:blipFill>
-          <a:blip r:embed="rId2">
-            <a:extLst>
-              <a:ext uri="{28A0092B-C50C-407E-A947-70E740481C1C}">
-                <a14:useLocalDpi xmlns:a14="http://schemas.microsoft.com/office/drawing/2010/main" val="0"/>
-              </a:ext>
-            </a:extLst>
-          </a:blip>
-          <a:srcRect/>
-          <a:stretch>
-            <a:fillRect/>
-          </a:stretch>
-        </p:blipFill>
-        <p:spPr bwMode="auto">
-          <a:xfrm>
-            <a:off x="10417175" y="-33338"/>
-            <a:ext cx="1800225" cy="1012826"/>
-          </a:xfrm>
-          <a:prstGeom prst="rect">
-            <a:avLst/>
-          </a:prstGeom>
-          <a:noFill/>
-          <a:ln>
-            <a:noFill/>
-          </a:ln>
-          <a:extLst>
-            <a:ext uri="{909E8E84-426E-40DD-AFC4-6F175D3DCCD1}">
-              <a14:hiddenFill xmlns:a14="http://schemas.microsoft.com/office/drawing/2010/main">
-                <a:solidFill>
-                  <a:srgbClr val="FFFFFF"/>
-                </a:solidFill>
-              </a14:hiddenFill>
-            </a:ext>
-            <a:ext uri="{91240B29-F687-4F45-9708-019B960494DF}">
-              <a14:hiddenLine xmlns:a14="http://schemas.microsoft.com/office/drawing/2010/main" w="9525">
-                <a:solidFill>
-                  <a:srgbClr val="000000"/>
-                </a:solidFill>
-                <a:miter lim="800000"/>
-                <a:headEnd/>
-                <a:tailEnd/>
-              </a14:hiddenLine>
-            </a:ext>
-          </a:extLst>
-        </p:spPr>
-      </p:pic>
-      <p:pic>
-        <p:nvPicPr>
-          <p:cNvPr id="2053" name="תמונה 4"/>
-          <p:cNvPicPr>
-            <a:picLocks noChangeAspect="1"/>
-          </p:cNvPicPr>
-          <p:nvPr/>
-        </p:nvPicPr>
-        <p:blipFill>
-          <a:blip r:embed="rId3">
-            <a:extLst>
-              <a:ext uri="{28A0092B-C50C-407E-A947-70E740481C1C}">
-                <a14:useLocalDpi xmlns:a14="http://schemas.microsoft.com/office/drawing/2010/main" val="0"/>
-              </a:ext>
-            </a:extLst>
-          </a:blip>
-          <a:srcRect/>
-          <a:stretch>
-            <a:fillRect/>
-          </a:stretch>
-        </p:blipFill>
-        <p:spPr bwMode="auto">
-          <a:xfrm>
-            <a:off x="0" y="5565775"/>
-            <a:ext cx="1054100" cy="1292225"/>
-          </a:xfrm>
-          <a:prstGeom prst="rect">
-            <a:avLst/>
-          </a:prstGeom>
-          <a:noFill/>
-          <a:ln>
-            <a:noFill/>
-          </a:ln>
-          <a:extLst>
-            <a:ext uri="{909E8E84-426E-40DD-AFC4-6F175D3DCCD1}">
-              <a14:hiddenFill xmlns:a14="http://schemas.microsoft.com/office/drawing/2010/main">
-                <a:solidFill>
-                  <a:srgbClr val="FFFFFF"/>
-                </a:solidFill>
-              </a14:hiddenFill>
-            </a:ext>
-            <a:ext uri="{91240B29-F687-4F45-9708-019B960494DF}">
-              <a14:hiddenLine xmlns:a14="http://schemas.microsoft.com/office/drawing/2010/main" w="9525">
-                <a:solidFill>
-                  <a:srgbClr val="000000"/>
-                </a:solidFill>
-                <a:miter lim="800000"/>
-                <a:headEnd/>
-                <a:tailEnd/>
-              </a14:hiddenLine>
-            </a:ext>
-          </a:extLst>
-        </p:spPr>
-      </p:pic>
-      <p:sp>
-        <p:nvSpPr>
-          <p:cNvPr id="6" name="מציין מיקום של מספר שקופית 5"/>
-          <p:cNvSpPr>
-            <a:spLocks noGrp="1"/>
-          </p:cNvSpPr>
-          <p:nvPr>
-            <p:ph type="sldNum" sz="quarter" idx="12"/>
-          </p:nvPr>
-        </p:nvSpPr>
-        <p:spPr/>
-        <p:txBody>
-          <a:bodyPr/>
-          <a:lstStyle/>
-          <a:p>
-            <a:pPr>
-              <a:defRPr/>
-            </a:pPr>
-            <a:fld id="{EB0A1C18-2E97-4B45-832C-DE832CBD48BD}" type="slidenum">
-              <a:rPr lang="he-IL" smtClean="0"/>
-              <a:pPr>
-                <a:defRPr/>
-              </a:pPr>
-              <a:t>6</a:t>
-            </a:fld>
-            <a:endParaRPr lang="he-IL" dirty="0"/>
-          </a:p>
-        </p:txBody>
-      </p:sp>
-      <p:sp>
-        <p:nvSpPr>
-          <p:cNvPr id="12" name="כותרת 3">
-            <a:extLst>
-              <a:ext uri="{FF2B5EF4-FFF2-40B4-BE49-F238E27FC236}">
-                <a16:creationId xmlns:a16="http://schemas.microsoft.com/office/drawing/2014/main" id="{EE1273D8-C430-4980-BE5D-4D7A08741269}"/>
-              </a:ext>
-            </a:extLst>
-          </p:cNvPr>
-          <p:cNvSpPr txBox="1">
-            <a:spLocks/>
-          </p:cNvSpPr>
-          <p:nvPr/>
-        </p:nvSpPr>
-        <p:spPr bwMode="auto">
-          <a:xfrm>
-            <a:off x="3379788" y="1275558"/>
-            <a:ext cx="5638800" cy="585788"/>
-          </a:xfrm>
-          <a:prstGeom prst="rect">
-            <a:avLst/>
-          </a:prstGeom>
-          <a:noFill/>
-          <a:ln>
-            <a:noFill/>
-          </a:ln>
-          <a:extLst>
-            <a:ext uri="{909E8E84-426E-40DD-AFC4-6F175D3DCCD1}">
-              <a14:hiddenFill xmlns:a14="http://schemas.microsoft.com/office/drawing/2010/main">
-                <a:solidFill>
-                  <a:srgbClr val="FFFFFF"/>
-                </a:solidFill>
-              </a14:hiddenFill>
-            </a:ext>
-            <a:ext uri="{91240B29-F687-4F45-9708-019B960494DF}">
-              <a14:hiddenLine xmlns:a14="http://schemas.microsoft.com/office/drawing/2010/main" w="9525">
-                <a:solidFill>
-                  <a:srgbClr val="000000"/>
-                </a:solidFill>
-                <a:miter lim="800000"/>
-                <a:headEnd/>
-                <a:tailEnd/>
-              </a14:hiddenLine>
-            </a:ext>
-          </a:extLst>
-        </p:spPr>
-        <p:txBody>
-          <a:bodyPr vert="horz" wrap="square" lIns="91440" tIns="45720" rIns="91440" bIns="45720" numCol="1" anchor="ctr" anchorCtr="0" compatLnSpc="1">
-            <a:prstTxWarp prst="textNoShape">
-              <a:avLst/>
-            </a:prstTxWarp>
-          </a:bodyPr>
-          <a:lstStyle>
-            <a:lvl1pPr algn="r" rtl="1" eaLnBrk="1" fontAlgn="base" hangingPunct="1">
-              <a:lnSpc>
-                <a:spcPct val="90000"/>
-              </a:lnSpc>
-              <a:spcBef>
-                <a:spcPct val="0"/>
-              </a:spcBef>
-              <a:spcAft>
-                <a:spcPct val="0"/>
-              </a:spcAft>
-              <a:defRPr sz="4400" kern="1200">
-                <a:solidFill>
-                  <a:schemeClr val="tx1"/>
-                </a:solidFill>
-                <a:latin typeface="+mj-lt"/>
-                <a:ea typeface="+mj-ea"/>
-                <a:cs typeface="+mj-cs"/>
-              </a:defRPr>
-            </a:lvl1pPr>
-            <a:lvl2pPr algn="r" rtl="1" eaLnBrk="1" fontAlgn="base" hangingPunct="1">
-              <a:lnSpc>
-                <a:spcPct val="90000"/>
-              </a:lnSpc>
-              <a:spcBef>
-                <a:spcPct val="0"/>
-              </a:spcBef>
-              <a:spcAft>
-                <a:spcPct val="0"/>
-              </a:spcAft>
-              <a:defRPr sz="4400">
-                <a:solidFill>
-                  <a:schemeClr val="tx1"/>
-                </a:solidFill>
-                <a:latin typeface="Calibri Light" panose="020F0302020204030204" pitchFamily="34" charset="0"/>
-                <a:cs typeface="Times New Roman" panose="02020603050405020304" pitchFamily="18" charset="0"/>
-              </a:defRPr>
-            </a:lvl2pPr>
-            <a:lvl3pPr algn="r" rtl="1" eaLnBrk="1" fontAlgn="base" hangingPunct="1">
-              <a:lnSpc>
-                <a:spcPct val="90000"/>
-              </a:lnSpc>
-              <a:spcBef>
-                <a:spcPct val="0"/>
-              </a:spcBef>
-              <a:spcAft>
-                <a:spcPct val="0"/>
-              </a:spcAft>
-              <a:defRPr sz="4400">
-                <a:solidFill>
-                  <a:schemeClr val="tx1"/>
-                </a:solidFill>
-                <a:latin typeface="Calibri Light" panose="020F0302020204030204" pitchFamily="34" charset="0"/>
-                <a:cs typeface="Times New Roman" panose="02020603050405020304" pitchFamily="18" charset="0"/>
-              </a:defRPr>
-            </a:lvl3pPr>
-            <a:lvl4pPr algn="r" rtl="1" eaLnBrk="1" fontAlgn="base" hangingPunct="1">
-              <a:lnSpc>
-                <a:spcPct val="90000"/>
-              </a:lnSpc>
-              <a:spcBef>
-                <a:spcPct val="0"/>
-              </a:spcBef>
-              <a:spcAft>
-                <a:spcPct val="0"/>
-              </a:spcAft>
-              <a:defRPr sz="4400">
-                <a:solidFill>
-                  <a:schemeClr val="tx1"/>
-                </a:solidFill>
-                <a:latin typeface="Calibri Light" panose="020F0302020204030204" pitchFamily="34" charset="0"/>
-                <a:cs typeface="Times New Roman" panose="02020603050405020304" pitchFamily="18" charset="0"/>
-              </a:defRPr>
-            </a:lvl4pPr>
-            <a:lvl5pPr algn="r" rtl="1" eaLnBrk="1" fontAlgn="base" hangingPunct="1">
-              <a:lnSpc>
-                <a:spcPct val="90000"/>
-              </a:lnSpc>
-              <a:spcBef>
-                <a:spcPct val="0"/>
-              </a:spcBef>
-              <a:spcAft>
-                <a:spcPct val="0"/>
-              </a:spcAft>
-              <a:defRPr sz="4400">
-                <a:solidFill>
-                  <a:schemeClr val="tx1"/>
-                </a:solidFill>
-                <a:latin typeface="Calibri Light" panose="020F0302020204030204" pitchFamily="34" charset="0"/>
-                <a:cs typeface="Times New Roman" panose="02020603050405020304" pitchFamily="18" charset="0"/>
-              </a:defRPr>
-            </a:lvl5pPr>
-            <a:lvl6pPr marL="457200" algn="r" rtl="1" eaLnBrk="1" fontAlgn="base" hangingPunct="1">
-              <a:lnSpc>
-                <a:spcPct val="90000"/>
-              </a:lnSpc>
-              <a:spcBef>
-                <a:spcPct val="0"/>
-              </a:spcBef>
-              <a:spcAft>
-                <a:spcPct val="0"/>
-              </a:spcAft>
-              <a:defRPr sz="4400">
-                <a:solidFill>
-                  <a:schemeClr val="tx1"/>
-                </a:solidFill>
-                <a:latin typeface="Calibri Light" panose="020F0302020204030204" pitchFamily="34" charset="0"/>
-                <a:cs typeface="Times New Roman" panose="02020603050405020304" pitchFamily="18" charset="0"/>
-              </a:defRPr>
-            </a:lvl6pPr>
-            <a:lvl7pPr marL="914400" algn="r" rtl="1" eaLnBrk="1" fontAlgn="base" hangingPunct="1">
-              <a:lnSpc>
-                <a:spcPct val="90000"/>
-              </a:lnSpc>
-              <a:spcBef>
-                <a:spcPct val="0"/>
-              </a:spcBef>
-              <a:spcAft>
-                <a:spcPct val="0"/>
-              </a:spcAft>
-              <a:defRPr sz="4400">
-                <a:solidFill>
-                  <a:schemeClr val="tx1"/>
-                </a:solidFill>
-                <a:latin typeface="Calibri Light" panose="020F0302020204030204" pitchFamily="34" charset="0"/>
-                <a:cs typeface="Times New Roman" panose="02020603050405020304" pitchFamily="18" charset="0"/>
-              </a:defRPr>
-            </a:lvl7pPr>
-            <a:lvl8pPr marL="1371600" algn="r" rtl="1" eaLnBrk="1" fontAlgn="base" hangingPunct="1">
-              <a:lnSpc>
-                <a:spcPct val="90000"/>
-              </a:lnSpc>
-              <a:spcBef>
-                <a:spcPct val="0"/>
-              </a:spcBef>
-              <a:spcAft>
-                <a:spcPct val="0"/>
-              </a:spcAft>
-              <a:defRPr sz="4400">
-                <a:solidFill>
-                  <a:schemeClr val="tx1"/>
-                </a:solidFill>
-                <a:latin typeface="Calibri Light" panose="020F0302020204030204" pitchFamily="34" charset="0"/>
-                <a:cs typeface="Times New Roman" panose="02020603050405020304" pitchFamily="18" charset="0"/>
-              </a:defRPr>
-            </a:lvl8pPr>
-            <a:lvl9pPr marL="1828800" algn="r" rtl="1" eaLnBrk="1" fontAlgn="base" hangingPunct="1">
-              <a:lnSpc>
-                <a:spcPct val="90000"/>
-              </a:lnSpc>
-              <a:spcBef>
-                <a:spcPct val="0"/>
-              </a:spcBef>
-              <a:spcAft>
-                <a:spcPct val="0"/>
-              </a:spcAft>
-              <a:defRPr sz="4400">
-                <a:solidFill>
-                  <a:schemeClr val="tx1"/>
-                </a:solidFill>
-                <a:latin typeface="Calibri Light" panose="020F0302020204030204" pitchFamily="34" charset="0"/>
-                <a:cs typeface="Times New Roman" panose="02020603050405020304" pitchFamily="18" charset="0"/>
-              </a:defRPr>
-            </a:lvl9pPr>
-          </a:lstStyle>
-          <a:p>
-            <a:pPr algn="ctr"/>
-            <a:r>
-              <a:rPr lang="en-GB" sz="2800" b="1" dirty="0">
-                <a:solidFill>
-                  <a:srgbClr val="002060"/>
-                </a:solidFill>
-                <a:effectLst>
-                  <a:outerShdw blurRad="38100" dist="38100" dir="2700000" algn="tl">
-                    <a:srgbClr val="000000">
-                      <a:alpha val="43137"/>
-                    </a:srgbClr>
-                  </a:outerShdw>
-                </a:effectLst>
-                <a:cs typeface="+mn-cs"/>
-              </a:rPr>
-              <a:t>Symmetrical </a:t>
-            </a:r>
-            <a:r>
-              <a:rPr lang="en-GB" sz="3200" b="1" dirty="0">
-                <a:solidFill>
-                  <a:srgbClr val="002060"/>
-                </a:solidFill>
-                <a:effectLst>
-                  <a:outerShdw blurRad="38100" dist="38100" dir="2700000" algn="tl">
-                    <a:srgbClr val="000000">
-                      <a:alpha val="43137"/>
-                    </a:srgbClr>
-                  </a:outerShdw>
-                </a:effectLst>
-                <a:cs typeface="+mn-cs"/>
-              </a:rPr>
-              <a:t>encryption</a:t>
-            </a:r>
-            <a:r>
-              <a:rPr lang="en-GB" sz="2800" b="1" dirty="0">
-                <a:solidFill>
-                  <a:srgbClr val="002060"/>
-                </a:solidFill>
-                <a:effectLst>
-                  <a:outerShdw blurRad="38100" dist="38100" dir="2700000" algn="tl">
-                    <a:srgbClr val="000000">
-                      <a:alpha val="43137"/>
-                    </a:srgbClr>
-                  </a:outerShdw>
-                </a:effectLst>
-                <a:cs typeface="+mn-cs"/>
-              </a:rPr>
-              <a:t>:</a:t>
-            </a:r>
-            <a:endParaRPr lang="he-IL" sz="2800" b="1" dirty="0">
-              <a:solidFill>
-                <a:srgbClr val="002060"/>
-              </a:solidFill>
-              <a:effectLst>
-                <a:outerShdw blurRad="38100" dist="38100" dir="2700000" algn="tl">
-                  <a:srgbClr val="000000">
-                    <a:alpha val="43137"/>
-                  </a:srgbClr>
-                </a:outerShdw>
-              </a:effectLst>
-              <a:cs typeface="+mn-cs"/>
-            </a:endParaRPr>
-          </a:p>
-        </p:txBody>
-      </p:sp>
-      <p:pic>
-        <p:nvPicPr>
-          <p:cNvPr id="13" name="תמונה 12">
-            <a:extLst>
-              <a:ext uri="{FF2B5EF4-FFF2-40B4-BE49-F238E27FC236}">
-                <a16:creationId xmlns:a16="http://schemas.microsoft.com/office/drawing/2014/main" id="{387D9CA9-58D4-47F6-8874-4476852F0E63}"/>
-              </a:ext>
-            </a:extLst>
-          </p:cNvPr>
-          <p:cNvPicPr/>
-          <p:nvPr/>
-        </p:nvPicPr>
-        <p:blipFill>
-          <a:blip r:embed="rId4"/>
-          <a:stretch>
-            <a:fillRect/>
-          </a:stretch>
-        </p:blipFill>
-        <p:spPr>
-          <a:xfrm>
-            <a:off x="3379788" y="4212272"/>
-            <a:ext cx="5943600" cy="1881505"/>
-          </a:xfrm>
-          <a:prstGeom prst="rect">
-            <a:avLst/>
-          </a:prstGeom>
-        </p:spPr>
-      </p:pic>
-    </p:spTree>
-    <p:extLst>
-      <p:ext uri="{BB962C8B-B14F-4D97-AF65-F5344CB8AC3E}">
-        <p14:creationId xmlns:p14="http://schemas.microsoft.com/office/powerpoint/2010/main" val="3649576641"/>
       </p:ext>
     </p:extLst>
   </p:cSld>
@@ -12887,7 +17065,23 @@
             </a:pPr>
             <a:r>
               <a:rPr lang="en-US" altLang="en-US" sz="3200" b="1" dirty="0"/>
-              <a:t> It is a type of substitution cipher in which each letter in the plaintext is replaced by a letter some fixed number of positions down the alphabet. For example, with a left shift of 3, D would be replaced by A, E would become B, and so on. </a:t>
+              <a:t>In the world of symmetric encryption the assumption is that two people who want to communicate encrypted have a key</a:t>
+            </a:r>
+          </a:p>
+          <a:p>
+            <a:pPr marL="0" indent="0" algn="l">
+              <a:buClr>
+                <a:schemeClr val="accent1">
+                  <a:lumMod val="50000"/>
+                </a:schemeClr>
+              </a:buClr>
+              <a:buSzPct val="95000"/>
+              <a:buNone/>
+              <a:defRPr/>
+            </a:pPr>
+            <a:r>
+              <a:rPr lang="en-US" altLang="en-US" sz="3200" b="1" dirty="0"/>
+              <a:t>With which they can encrypt messages and decrypt encrypted messages or authenticate messages</a:t>
             </a:r>
             <a:endParaRPr lang="he-IL" altLang="en-US" sz="3200" b="1" dirty="0"/>
           </a:p>
@@ -13025,6 +17219,838 @@
                 <a:defRPr/>
               </a:pPr>
               <a:t>7</a:t>
+            </a:fld>
+            <a:endParaRPr lang="he-IL" dirty="0"/>
+          </a:p>
+        </p:txBody>
+      </p:sp>
+      <p:sp>
+        <p:nvSpPr>
+          <p:cNvPr id="12" name="כותרת 3">
+            <a:extLst>
+              <a:ext uri="{FF2B5EF4-FFF2-40B4-BE49-F238E27FC236}">
+                <a16:creationId xmlns:a16="http://schemas.microsoft.com/office/drawing/2014/main" id="{EE1273D8-C430-4980-BE5D-4D7A08741269}"/>
+              </a:ext>
+            </a:extLst>
+          </p:cNvPr>
+          <p:cNvSpPr txBox="1">
+            <a:spLocks/>
+          </p:cNvSpPr>
+          <p:nvPr/>
+        </p:nvSpPr>
+        <p:spPr bwMode="auto">
+          <a:xfrm>
+            <a:off x="3379788" y="1275558"/>
+            <a:ext cx="5638800" cy="585788"/>
+          </a:xfrm>
+          <a:prstGeom prst="rect">
+            <a:avLst/>
+          </a:prstGeom>
+          <a:noFill/>
+          <a:ln>
+            <a:noFill/>
+          </a:ln>
+          <a:extLst>
+            <a:ext uri="{909E8E84-426E-40DD-AFC4-6F175D3DCCD1}">
+              <a14:hiddenFill xmlns:a14="http://schemas.microsoft.com/office/drawing/2010/main">
+                <a:solidFill>
+                  <a:srgbClr val="FFFFFF"/>
+                </a:solidFill>
+              </a14:hiddenFill>
+            </a:ext>
+            <a:ext uri="{91240B29-F687-4F45-9708-019B960494DF}">
+              <a14:hiddenLine xmlns:a14="http://schemas.microsoft.com/office/drawing/2010/main" w="9525">
+                <a:solidFill>
+                  <a:srgbClr val="000000"/>
+                </a:solidFill>
+                <a:miter lim="800000"/>
+                <a:headEnd/>
+                <a:tailEnd/>
+              </a14:hiddenLine>
+            </a:ext>
+          </a:extLst>
+        </p:spPr>
+        <p:txBody>
+          <a:bodyPr vert="horz" wrap="square" lIns="91440" tIns="45720" rIns="91440" bIns="45720" numCol="1" anchor="ctr" anchorCtr="0" compatLnSpc="1">
+            <a:prstTxWarp prst="textNoShape">
+              <a:avLst/>
+            </a:prstTxWarp>
+          </a:bodyPr>
+          <a:lstStyle>
+            <a:lvl1pPr algn="r" rtl="1" eaLnBrk="1" fontAlgn="base" hangingPunct="1">
+              <a:lnSpc>
+                <a:spcPct val="90000"/>
+              </a:lnSpc>
+              <a:spcBef>
+                <a:spcPct val="0"/>
+              </a:spcBef>
+              <a:spcAft>
+                <a:spcPct val="0"/>
+              </a:spcAft>
+              <a:defRPr sz="4400" kern="1200">
+                <a:solidFill>
+                  <a:schemeClr val="tx1"/>
+                </a:solidFill>
+                <a:latin typeface="+mj-lt"/>
+                <a:ea typeface="+mj-ea"/>
+                <a:cs typeface="+mj-cs"/>
+              </a:defRPr>
+            </a:lvl1pPr>
+            <a:lvl2pPr algn="r" rtl="1" eaLnBrk="1" fontAlgn="base" hangingPunct="1">
+              <a:lnSpc>
+                <a:spcPct val="90000"/>
+              </a:lnSpc>
+              <a:spcBef>
+                <a:spcPct val="0"/>
+              </a:spcBef>
+              <a:spcAft>
+                <a:spcPct val="0"/>
+              </a:spcAft>
+              <a:defRPr sz="4400">
+                <a:solidFill>
+                  <a:schemeClr val="tx1"/>
+                </a:solidFill>
+                <a:latin typeface="Calibri Light" panose="020F0302020204030204" pitchFamily="34" charset="0"/>
+                <a:cs typeface="Times New Roman" panose="02020603050405020304" pitchFamily="18" charset="0"/>
+              </a:defRPr>
+            </a:lvl2pPr>
+            <a:lvl3pPr algn="r" rtl="1" eaLnBrk="1" fontAlgn="base" hangingPunct="1">
+              <a:lnSpc>
+                <a:spcPct val="90000"/>
+              </a:lnSpc>
+              <a:spcBef>
+                <a:spcPct val="0"/>
+              </a:spcBef>
+              <a:spcAft>
+                <a:spcPct val="0"/>
+              </a:spcAft>
+              <a:defRPr sz="4400">
+                <a:solidFill>
+                  <a:schemeClr val="tx1"/>
+                </a:solidFill>
+                <a:latin typeface="Calibri Light" panose="020F0302020204030204" pitchFamily="34" charset="0"/>
+                <a:cs typeface="Times New Roman" panose="02020603050405020304" pitchFamily="18" charset="0"/>
+              </a:defRPr>
+            </a:lvl3pPr>
+            <a:lvl4pPr algn="r" rtl="1" eaLnBrk="1" fontAlgn="base" hangingPunct="1">
+              <a:lnSpc>
+                <a:spcPct val="90000"/>
+              </a:lnSpc>
+              <a:spcBef>
+                <a:spcPct val="0"/>
+              </a:spcBef>
+              <a:spcAft>
+                <a:spcPct val="0"/>
+              </a:spcAft>
+              <a:defRPr sz="4400">
+                <a:solidFill>
+                  <a:schemeClr val="tx1"/>
+                </a:solidFill>
+                <a:latin typeface="Calibri Light" panose="020F0302020204030204" pitchFamily="34" charset="0"/>
+                <a:cs typeface="Times New Roman" panose="02020603050405020304" pitchFamily="18" charset="0"/>
+              </a:defRPr>
+            </a:lvl4pPr>
+            <a:lvl5pPr algn="r" rtl="1" eaLnBrk="1" fontAlgn="base" hangingPunct="1">
+              <a:lnSpc>
+                <a:spcPct val="90000"/>
+              </a:lnSpc>
+              <a:spcBef>
+                <a:spcPct val="0"/>
+              </a:spcBef>
+              <a:spcAft>
+                <a:spcPct val="0"/>
+              </a:spcAft>
+              <a:defRPr sz="4400">
+                <a:solidFill>
+                  <a:schemeClr val="tx1"/>
+                </a:solidFill>
+                <a:latin typeface="Calibri Light" panose="020F0302020204030204" pitchFamily="34" charset="0"/>
+                <a:cs typeface="Times New Roman" panose="02020603050405020304" pitchFamily="18" charset="0"/>
+              </a:defRPr>
+            </a:lvl5pPr>
+            <a:lvl6pPr marL="457200" algn="r" rtl="1" eaLnBrk="1" fontAlgn="base" hangingPunct="1">
+              <a:lnSpc>
+                <a:spcPct val="90000"/>
+              </a:lnSpc>
+              <a:spcBef>
+                <a:spcPct val="0"/>
+              </a:spcBef>
+              <a:spcAft>
+                <a:spcPct val="0"/>
+              </a:spcAft>
+              <a:defRPr sz="4400">
+                <a:solidFill>
+                  <a:schemeClr val="tx1"/>
+                </a:solidFill>
+                <a:latin typeface="Calibri Light" panose="020F0302020204030204" pitchFamily="34" charset="0"/>
+                <a:cs typeface="Times New Roman" panose="02020603050405020304" pitchFamily="18" charset="0"/>
+              </a:defRPr>
+            </a:lvl6pPr>
+            <a:lvl7pPr marL="914400" algn="r" rtl="1" eaLnBrk="1" fontAlgn="base" hangingPunct="1">
+              <a:lnSpc>
+                <a:spcPct val="90000"/>
+              </a:lnSpc>
+              <a:spcBef>
+                <a:spcPct val="0"/>
+              </a:spcBef>
+              <a:spcAft>
+                <a:spcPct val="0"/>
+              </a:spcAft>
+              <a:defRPr sz="4400">
+                <a:solidFill>
+                  <a:schemeClr val="tx1"/>
+                </a:solidFill>
+                <a:latin typeface="Calibri Light" panose="020F0302020204030204" pitchFamily="34" charset="0"/>
+                <a:cs typeface="Times New Roman" panose="02020603050405020304" pitchFamily="18" charset="0"/>
+              </a:defRPr>
+            </a:lvl7pPr>
+            <a:lvl8pPr marL="1371600" algn="r" rtl="1" eaLnBrk="1" fontAlgn="base" hangingPunct="1">
+              <a:lnSpc>
+                <a:spcPct val="90000"/>
+              </a:lnSpc>
+              <a:spcBef>
+                <a:spcPct val="0"/>
+              </a:spcBef>
+              <a:spcAft>
+                <a:spcPct val="0"/>
+              </a:spcAft>
+              <a:defRPr sz="4400">
+                <a:solidFill>
+                  <a:schemeClr val="tx1"/>
+                </a:solidFill>
+                <a:latin typeface="Calibri Light" panose="020F0302020204030204" pitchFamily="34" charset="0"/>
+                <a:cs typeface="Times New Roman" panose="02020603050405020304" pitchFamily="18" charset="0"/>
+              </a:defRPr>
+            </a:lvl8pPr>
+            <a:lvl9pPr marL="1828800" algn="r" rtl="1" eaLnBrk="1" fontAlgn="base" hangingPunct="1">
+              <a:lnSpc>
+                <a:spcPct val="90000"/>
+              </a:lnSpc>
+              <a:spcBef>
+                <a:spcPct val="0"/>
+              </a:spcBef>
+              <a:spcAft>
+                <a:spcPct val="0"/>
+              </a:spcAft>
+              <a:defRPr sz="4400">
+                <a:solidFill>
+                  <a:schemeClr val="tx1"/>
+                </a:solidFill>
+                <a:latin typeface="Calibri Light" panose="020F0302020204030204" pitchFamily="34" charset="0"/>
+                <a:cs typeface="Times New Roman" panose="02020603050405020304" pitchFamily="18" charset="0"/>
+              </a:defRPr>
+            </a:lvl9pPr>
+          </a:lstStyle>
+          <a:p>
+            <a:pPr algn="ctr"/>
+            <a:r>
+              <a:rPr lang="en-GB" sz="2800" b="1" dirty="0">
+                <a:solidFill>
+                  <a:srgbClr val="002060"/>
+                </a:solidFill>
+                <a:effectLst>
+                  <a:outerShdw blurRad="38100" dist="38100" dir="2700000" algn="tl">
+                    <a:srgbClr val="000000">
+                      <a:alpha val="43137"/>
+                    </a:srgbClr>
+                  </a:outerShdw>
+                </a:effectLst>
+                <a:cs typeface="+mn-cs"/>
+              </a:rPr>
+              <a:t>Symmetrical </a:t>
+            </a:r>
+            <a:r>
+              <a:rPr lang="en-GB" sz="3200" b="1" dirty="0">
+                <a:solidFill>
+                  <a:srgbClr val="002060"/>
+                </a:solidFill>
+                <a:effectLst>
+                  <a:outerShdw blurRad="38100" dist="38100" dir="2700000" algn="tl">
+                    <a:srgbClr val="000000">
+                      <a:alpha val="43137"/>
+                    </a:srgbClr>
+                  </a:outerShdw>
+                </a:effectLst>
+                <a:cs typeface="+mn-cs"/>
+              </a:rPr>
+              <a:t>encryption</a:t>
+            </a:r>
+            <a:r>
+              <a:rPr lang="en-GB" sz="2800" b="1" dirty="0">
+                <a:solidFill>
+                  <a:srgbClr val="002060"/>
+                </a:solidFill>
+                <a:effectLst>
+                  <a:outerShdw blurRad="38100" dist="38100" dir="2700000" algn="tl">
+                    <a:srgbClr val="000000">
+                      <a:alpha val="43137"/>
+                    </a:srgbClr>
+                  </a:outerShdw>
+                </a:effectLst>
+                <a:cs typeface="+mn-cs"/>
+              </a:rPr>
+              <a:t>:</a:t>
+            </a:r>
+            <a:endParaRPr lang="he-IL" sz="2800" b="1" dirty="0">
+              <a:solidFill>
+                <a:srgbClr val="002060"/>
+              </a:solidFill>
+              <a:effectLst>
+                <a:outerShdw blurRad="38100" dist="38100" dir="2700000" algn="tl">
+                  <a:srgbClr val="000000">
+                    <a:alpha val="43137"/>
+                  </a:srgbClr>
+                </a:outerShdw>
+              </a:effectLst>
+              <a:cs typeface="+mn-cs"/>
+            </a:endParaRPr>
+          </a:p>
+        </p:txBody>
+      </p:sp>
+      <p:pic>
+        <p:nvPicPr>
+          <p:cNvPr id="13" name="תמונה 12">
+            <a:extLst>
+              <a:ext uri="{FF2B5EF4-FFF2-40B4-BE49-F238E27FC236}">
+                <a16:creationId xmlns:a16="http://schemas.microsoft.com/office/drawing/2014/main" id="{387D9CA9-58D4-47F6-8874-4476852F0E63}"/>
+              </a:ext>
+            </a:extLst>
+          </p:cNvPr>
+          <p:cNvPicPr/>
+          <p:nvPr/>
+        </p:nvPicPr>
+        <p:blipFill>
+          <a:blip r:embed="rId4"/>
+          <a:stretch>
+            <a:fillRect/>
+          </a:stretch>
+        </p:blipFill>
+        <p:spPr>
+          <a:xfrm>
+            <a:off x="3379788" y="4212272"/>
+            <a:ext cx="5943600" cy="1881505"/>
+          </a:xfrm>
+          <a:prstGeom prst="rect">
+            <a:avLst/>
+          </a:prstGeom>
+        </p:spPr>
+      </p:pic>
+    </p:spTree>
+    <p:extLst>
+      <p:ext uri="{BB962C8B-B14F-4D97-AF65-F5344CB8AC3E}">
+        <p14:creationId xmlns:p14="http://schemas.microsoft.com/office/powerpoint/2010/main" val="3649576641"/>
+      </p:ext>
+    </p:extLst>
+  </p:cSld>
+  <p:clrMapOvr>
+    <a:masterClrMapping/>
+  </p:clrMapOvr>
+  <p:timing>
+    <p:tnLst>
+      <p:par>
+        <p:cTn id="1" dur="indefinite" restart="never" nodeType="tmRoot">
+          <p:childTnLst>
+            <p:seq concurrent="1" nextAc="seek">
+              <p:cTn id="2" dur="indefinite" nodeType="mainSeq">
+                <p:childTnLst>
+                  <p:par>
+                    <p:cTn id="3" fill="hold">
+                      <p:stCondLst>
+                        <p:cond delay="indefinite"/>
+                      </p:stCondLst>
+                      <p:childTnLst>
+                        <p:par>
+                          <p:cTn id="4" fill="hold">
+                            <p:stCondLst>
+                              <p:cond delay="0"/>
+                            </p:stCondLst>
+                            <p:childTnLst>
+                              <p:par>
+                                <p:cTn id="5" presetID="42" presetClass="entr" presetSubtype="0" fill="hold" grpId="0" nodeType="clickEffect">
+                                  <p:stCondLst>
+                                    <p:cond delay="0"/>
+                                  </p:stCondLst>
+                                  <p:childTnLst>
+                                    <p:set>
+                                      <p:cBhvr>
+                                        <p:cTn id="6" dur="1" fill="hold">
+                                          <p:stCondLst>
+                                            <p:cond delay="0"/>
+                                          </p:stCondLst>
+                                        </p:cTn>
+                                        <p:tgtEl>
+                                          <p:spTgt spid="5">
+                                            <p:txEl>
+                                              <p:pRg st="0" end="0"/>
+                                            </p:txEl>
+                                          </p:spTgt>
+                                        </p:tgtEl>
+                                        <p:attrNameLst>
+                                          <p:attrName>style.visibility</p:attrName>
+                                        </p:attrNameLst>
+                                      </p:cBhvr>
+                                      <p:to>
+                                        <p:strVal val="visible"/>
+                                      </p:to>
+                                    </p:set>
+                                    <p:animEffect transition="in" filter="fade">
+                                      <p:cBhvr>
+                                        <p:cTn id="7" dur="1000"/>
+                                        <p:tgtEl>
+                                          <p:spTgt spid="5">
+                                            <p:txEl>
+                                              <p:pRg st="0" end="0"/>
+                                            </p:txEl>
+                                          </p:spTgt>
+                                        </p:tgtEl>
+                                      </p:cBhvr>
+                                    </p:animEffect>
+                                    <p:anim calcmode="lin" valueType="num">
+                                      <p:cBhvr>
+                                        <p:cTn id="8" dur="1000" fill="hold"/>
+                                        <p:tgtEl>
+                                          <p:spTgt spid="5">
+                                            <p:txEl>
+                                              <p:pRg st="0" end="0"/>
+                                            </p:txEl>
+                                          </p:spTgt>
+                                        </p:tgtEl>
+                                        <p:attrNameLst>
+                                          <p:attrName>ppt_x</p:attrName>
+                                        </p:attrNameLst>
+                                      </p:cBhvr>
+                                      <p:tavLst>
+                                        <p:tav tm="0">
+                                          <p:val>
+                                            <p:strVal val="#ppt_x"/>
+                                          </p:val>
+                                        </p:tav>
+                                        <p:tav tm="100000">
+                                          <p:val>
+                                            <p:strVal val="#ppt_x"/>
+                                          </p:val>
+                                        </p:tav>
+                                      </p:tavLst>
+                                    </p:anim>
+                                    <p:anim calcmode="lin" valueType="num">
+                                      <p:cBhvr>
+                                        <p:cTn id="9" dur="1000" fill="hold"/>
+                                        <p:tgtEl>
+                                          <p:spTgt spid="5">
+                                            <p:txEl>
+                                              <p:pRg st="0" end="0"/>
+                                            </p:txEl>
+                                          </p:spTgt>
+                                        </p:tgtEl>
+                                        <p:attrNameLst>
+                                          <p:attrName>ppt_y</p:attrName>
+                                        </p:attrNameLst>
+                                      </p:cBhvr>
+                                      <p:tavLst>
+                                        <p:tav tm="0">
+                                          <p:val>
+                                            <p:strVal val="#ppt_y+.1"/>
+                                          </p:val>
+                                        </p:tav>
+                                        <p:tav tm="100000">
+                                          <p:val>
+                                            <p:strVal val="#ppt_y"/>
+                                          </p:val>
+                                        </p:tav>
+                                      </p:tavLst>
+                                    </p:anim>
+                                  </p:childTnLst>
+                                </p:cTn>
+                              </p:par>
+                            </p:childTnLst>
+                          </p:cTn>
+                        </p:par>
+                      </p:childTnLst>
+                    </p:cTn>
+                  </p:par>
+                  <p:par>
+                    <p:cTn id="10" fill="hold">
+                      <p:stCondLst>
+                        <p:cond delay="indefinite"/>
+                      </p:stCondLst>
+                      <p:childTnLst>
+                        <p:par>
+                          <p:cTn id="11" fill="hold">
+                            <p:stCondLst>
+                              <p:cond delay="0"/>
+                            </p:stCondLst>
+                            <p:childTnLst>
+                              <p:par>
+                                <p:cTn id="12" presetID="42" presetClass="entr" presetSubtype="0" fill="hold" grpId="0" nodeType="clickEffect">
+                                  <p:stCondLst>
+                                    <p:cond delay="0"/>
+                                  </p:stCondLst>
+                                  <p:childTnLst>
+                                    <p:set>
+                                      <p:cBhvr>
+                                        <p:cTn id="13" dur="1" fill="hold">
+                                          <p:stCondLst>
+                                            <p:cond delay="0"/>
+                                          </p:stCondLst>
+                                        </p:cTn>
+                                        <p:tgtEl>
+                                          <p:spTgt spid="5">
+                                            <p:txEl>
+                                              <p:pRg st="1" end="1"/>
+                                            </p:txEl>
+                                          </p:spTgt>
+                                        </p:tgtEl>
+                                        <p:attrNameLst>
+                                          <p:attrName>style.visibility</p:attrName>
+                                        </p:attrNameLst>
+                                      </p:cBhvr>
+                                      <p:to>
+                                        <p:strVal val="visible"/>
+                                      </p:to>
+                                    </p:set>
+                                    <p:animEffect transition="in" filter="fade">
+                                      <p:cBhvr>
+                                        <p:cTn id="14" dur="1000"/>
+                                        <p:tgtEl>
+                                          <p:spTgt spid="5">
+                                            <p:txEl>
+                                              <p:pRg st="1" end="1"/>
+                                            </p:txEl>
+                                          </p:spTgt>
+                                        </p:tgtEl>
+                                      </p:cBhvr>
+                                    </p:animEffect>
+                                    <p:anim calcmode="lin" valueType="num">
+                                      <p:cBhvr>
+                                        <p:cTn id="15" dur="1000" fill="hold"/>
+                                        <p:tgtEl>
+                                          <p:spTgt spid="5">
+                                            <p:txEl>
+                                              <p:pRg st="1" end="1"/>
+                                            </p:txEl>
+                                          </p:spTgt>
+                                        </p:tgtEl>
+                                        <p:attrNameLst>
+                                          <p:attrName>ppt_x</p:attrName>
+                                        </p:attrNameLst>
+                                      </p:cBhvr>
+                                      <p:tavLst>
+                                        <p:tav tm="0">
+                                          <p:val>
+                                            <p:strVal val="#ppt_x"/>
+                                          </p:val>
+                                        </p:tav>
+                                        <p:tav tm="100000">
+                                          <p:val>
+                                            <p:strVal val="#ppt_x"/>
+                                          </p:val>
+                                        </p:tav>
+                                      </p:tavLst>
+                                    </p:anim>
+                                    <p:anim calcmode="lin" valueType="num">
+                                      <p:cBhvr>
+                                        <p:cTn id="16" dur="1000" fill="hold"/>
+                                        <p:tgtEl>
+                                          <p:spTgt spid="5">
+                                            <p:txEl>
+                                              <p:pRg st="1" end="1"/>
+                                            </p:txEl>
+                                          </p:spTgt>
+                                        </p:tgtEl>
+                                        <p:attrNameLst>
+                                          <p:attrName>ppt_y</p:attrName>
+                                        </p:attrNameLst>
+                                      </p:cBhvr>
+                                      <p:tavLst>
+                                        <p:tav tm="0">
+                                          <p:val>
+                                            <p:strVal val="#ppt_y+.1"/>
+                                          </p:val>
+                                        </p:tav>
+                                        <p:tav tm="100000">
+                                          <p:val>
+                                            <p:strVal val="#ppt_y"/>
+                                          </p:val>
+                                        </p:tav>
+                                      </p:tavLst>
+                                    </p:anim>
+                                  </p:childTnLst>
+                                </p:cTn>
+                              </p:par>
+                            </p:childTnLst>
+                          </p:cTn>
+                        </p:par>
+                      </p:childTnLst>
+                    </p:cTn>
+                  </p:par>
+                </p:childTnLst>
+              </p:cTn>
+              <p:prevCondLst>
+                <p:cond evt="onPrev" delay="0">
+                  <p:tgtEl>
+                    <p:sldTgt/>
+                  </p:tgtEl>
+                </p:cond>
+              </p:prevCondLst>
+              <p:nextCondLst>
+                <p:cond evt="onNext" delay="0">
+                  <p:tgtEl>
+                    <p:sldTgt/>
+                  </p:tgtEl>
+                </p:cond>
+              </p:nextCondLst>
+            </p:seq>
+          </p:childTnLst>
+        </p:cTn>
+      </p:par>
+    </p:tnLst>
+    <p:bldLst>
+      <p:bldP spid="5" grpId="0" build="p"/>
+    </p:bldLst>
+  </p:timing>
+</p:sld>
+</file>
+
+<file path=ppt/slides/slide8.xml><?xml version="1.0" encoding="utf-8"?>
+<p:sld xmlns:a="http://schemas.openxmlformats.org/drawingml/2006/main" xmlns:r="http://schemas.openxmlformats.org/officeDocument/2006/relationships" xmlns:p="http://schemas.openxmlformats.org/presentationml/2006/main">
+  <p:cSld>
+    <p:spTree>
+      <p:nvGrpSpPr>
+        <p:cNvPr id="1" name=""/>
+        <p:cNvGrpSpPr/>
+        <p:nvPr/>
+      </p:nvGrpSpPr>
+      <p:grpSpPr>
+        <a:xfrm>
+          <a:off x="0" y="0"/>
+          <a:ext cx="0" cy="0"/>
+          <a:chOff x="0" y="0"/>
+          <a:chExt cx="0" cy="0"/>
+        </a:xfrm>
+      </p:grpSpPr>
+      <p:sp>
+        <p:nvSpPr>
+          <p:cNvPr id="4" name="כותרת 3"/>
+          <p:cNvSpPr>
+            <a:spLocks noGrp="1"/>
+          </p:cNvSpPr>
+          <p:nvPr>
+            <p:ph type="title"/>
+          </p:nvPr>
+        </p:nvSpPr>
+        <p:spPr>
+          <a:xfrm>
+            <a:off x="942975" y="316706"/>
+            <a:ext cx="10515600" cy="1325563"/>
+          </a:xfrm>
+        </p:spPr>
+        <p:txBody>
+          <a:bodyPr/>
+          <a:lstStyle/>
+          <a:p>
+            <a:pPr algn="ctr"/>
+            <a:r>
+              <a:rPr lang="en-GB" b="1" dirty="0">
+                <a:solidFill>
+                  <a:srgbClr val="002060"/>
+                </a:solidFill>
+                <a:effectLst>
+                  <a:outerShdw blurRad="38100" dist="38100" dir="2700000" algn="tl">
+                    <a:srgbClr val="000000">
+                      <a:alpha val="43137"/>
+                    </a:srgbClr>
+                  </a:outerShdw>
+                </a:effectLst>
+                <a:cs typeface="+mn-cs"/>
+              </a:rPr>
+              <a:t>Cryptography</a:t>
+            </a:r>
+            <a:endParaRPr lang="he-IL" b="1" dirty="0">
+              <a:solidFill>
+                <a:srgbClr val="002060"/>
+              </a:solidFill>
+              <a:effectLst>
+                <a:outerShdw blurRad="38100" dist="38100" dir="2700000" algn="tl">
+                  <a:srgbClr val="000000">
+                    <a:alpha val="43137"/>
+                  </a:srgbClr>
+                </a:outerShdw>
+              </a:effectLst>
+              <a:cs typeface="+mn-cs"/>
+            </a:endParaRPr>
+          </a:p>
+        </p:txBody>
+      </p:sp>
+      <p:sp>
+        <p:nvSpPr>
+          <p:cNvPr id="5" name="מציין מיקום תוכן 4"/>
+          <p:cNvSpPr>
+            <a:spLocks noGrp="1"/>
+          </p:cNvSpPr>
+          <p:nvPr>
+            <p:ph idx="1"/>
+          </p:nvPr>
+        </p:nvSpPr>
+        <p:spPr>
+          <a:xfrm>
+            <a:off x="838200" y="1986758"/>
+            <a:ext cx="10515600" cy="5079205"/>
+          </a:xfrm>
+        </p:spPr>
+        <p:txBody>
+          <a:bodyPr/>
+          <a:lstStyle/>
+          <a:p>
+            <a:pPr marL="0" indent="0" algn="l">
+              <a:buClr>
+                <a:schemeClr val="accent1">
+                  <a:lumMod val="50000"/>
+                </a:schemeClr>
+              </a:buClr>
+              <a:buSzPct val="95000"/>
+              <a:buNone/>
+              <a:defRPr/>
+            </a:pPr>
+            <a:r>
+              <a:rPr lang="en-US" altLang="en-US" sz="3200" b="1" dirty="0"/>
+              <a:t> It is a type of substitution cipher in which each letter in the plaintext is replaced by a letter some fixed number of positions down the alphabet. For example, with a left shift of 3, D would be replaced by A, E would become B, and so on. </a:t>
+            </a:r>
+            <a:endParaRPr lang="he-IL" altLang="en-US" sz="3200" b="1" dirty="0"/>
+          </a:p>
+        </p:txBody>
+      </p:sp>
+      <p:pic>
+        <p:nvPicPr>
+          <p:cNvPr id="2052" name="Picture 2" descr="תוצאת תמונה עבור מצגת אונ אריאל לוגו"/>
+          <p:cNvPicPr>
+            <a:picLocks noChangeAspect="1" noChangeArrowheads="1"/>
+          </p:cNvPicPr>
+          <p:nvPr/>
+        </p:nvPicPr>
+        <p:blipFill>
+          <a:blip r:embed="rId2">
+            <a:extLst>
+              <a:ext uri="{28A0092B-C50C-407E-A947-70E740481C1C}">
+                <a14:useLocalDpi xmlns:a14="http://schemas.microsoft.com/office/drawing/2010/main" val="0"/>
+              </a:ext>
+            </a:extLst>
+          </a:blip>
+          <a:srcRect/>
+          <a:stretch>
+            <a:fillRect/>
+          </a:stretch>
+        </p:blipFill>
+        <p:spPr bwMode="auto">
+          <a:xfrm>
+            <a:off x="10417175" y="-33338"/>
+            <a:ext cx="1800225" cy="1012826"/>
+          </a:xfrm>
+          <a:prstGeom prst="rect">
+            <a:avLst/>
+          </a:prstGeom>
+          <a:noFill/>
+          <a:ln>
+            <a:noFill/>
+          </a:ln>
+          <a:extLst>
+            <a:ext uri="{909E8E84-426E-40DD-AFC4-6F175D3DCCD1}">
+              <a14:hiddenFill xmlns:a14="http://schemas.microsoft.com/office/drawing/2010/main">
+                <a:solidFill>
+                  <a:srgbClr val="FFFFFF"/>
+                </a:solidFill>
+              </a14:hiddenFill>
+            </a:ext>
+            <a:ext uri="{91240B29-F687-4F45-9708-019B960494DF}">
+              <a14:hiddenLine xmlns:a14="http://schemas.microsoft.com/office/drawing/2010/main" w="9525">
+                <a:solidFill>
+                  <a:srgbClr val="000000"/>
+                </a:solidFill>
+                <a:miter lim="800000"/>
+                <a:headEnd/>
+                <a:tailEnd/>
+              </a14:hiddenLine>
+            </a:ext>
+          </a:extLst>
+        </p:spPr>
+      </p:pic>
+      <p:pic>
+        <p:nvPicPr>
+          <p:cNvPr id="2053" name="תמונה 4"/>
+          <p:cNvPicPr>
+            <a:picLocks noChangeAspect="1"/>
+          </p:cNvPicPr>
+          <p:nvPr/>
+        </p:nvPicPr>
+        <p:blipFill>
+          <a:blip r:embed="rId3">
+            <a:extLst>
+              <a:ext uri="{28A0092B-C50C-407E-A947-70E740481C1C}">
+                <a14:useLocalDpi xmlns:a14="http://schemas.microsoft.com/office/drawing/2010/main" val="0"/>
+              </a:ext>
+            </a:extLst>
+          </a:blip>
+          <a:srcRect/>
+          <a:stretch>
+            <a:fillRect/>
+          </a:stretch>
+        </p:blipFill>
+        <p:spPr bwMode="auto">
+          <a:xfrm>
+            <a:off x="0" y="5565775"/>
+            <a:ext cx="1054100" cy="1292225"/>
+          </a:xfrm>
+          <a:prstGeom prst="rect">
+            <a:avLst/>
+          </a:prstGeom>
+          <a:noFill/>
+          <a:ln>
+            <a:noFill/>
+          </a:ln>
+          <a:extLst>
+            <a:ext uri="{909E8E84-426E-40DD-AFC4-6F175D3DCCD1}">
+              <a14:hiddenFill xmlns:a14="http://schemas.microsoft.com/office/drawing/2010/main">
+                <a:solidFill>
+                  <a:srgbClr val="FFFFFF"/>
+                </a:solidFill>
+              </a14:hiddenFill>
+            </a:ext>
+            <a:ext uri="{91240B29-F687-4F45-9708-019B960494DF}">
+              <a14:hiddenLine xmlns:a14="http://schemas.microsoft.com/office/drawing/2010/main" w="9525">
+                <a:solidFill>
+                  <a:srgbClr val="000000"/>
+                </a:solidFill>
+                <a:miter lim="800000"/>
+                <a:headEnd/>
+                <a:tailEnd/>
+              </a14:hiddenLine>
+            </a:ext>
+          </a:extLst>
+        </p:spPr>
+      </p:pic>
+      <p:sp>
+        <p:nvSpPr>
+          <p:cNvPr id="6" name="מציין מיקום של מספר שקופית 5"/>
+          <p:cNvSpPr>
+            <a:spLocks noGrp="1"/>
+          </p:cNvSpPr>
+          <p:nvPr>
+            <p:ph type="sldNum" sz="quarter" idx="12"/>
+          </p:nvPr>
+        </p:nvSpPr>
+        <p:spPr/>
+        <p:txBody>
+          <a:bodyPr/>
+          <a:lstStyle/>
+          <a:p>
+            <a:pPr>
+              <a:defRPr/>
+            </a:pPr>
+            <a:fld id="{EB0A1C18-2E97-4B45-832C-DE832CBD48BD}" type="slidenum">
+              <a:rPr lang="he-IL" smtClean="0"/>
+              <a:pPr>
+                <a:defRPr/>
+              </a:pPr>
+              <a:t>8</a:t>
             </a:fld>
             <a:endParaRPr lang="he-IL" dirty="0"/>
           </a:p>
@@ -13755,7 +18781,7 @@
 </p:sld>
 </file>
 
-<file path=ppt/slides/slide8.xml><?xml version="1.0" encoding="utf-8"?>
+<file path=ppt/slides/slide9.xml><?xml version="1.0" encoding="utf-8"?>
 <p:sld xmlns:a="http://schemas.openxmlformats.org/drawingml/2006/main" xmlns:r="http://schemas.openxmlformats.org/officeDocument/2006/relationships" xmlns:p="http://schemas.openxmlformats.org/presentationml/2006/main">
   <p:cSld>
     <p:spTree>
@@ -14026,7 +19052,7 @@
               <a:pPr>
                 <a:defRPr/>
               </a:pPr>
-              <a:t>8</a:t>
+              <a:t>9</a:t>
             </a:fld>
             <a:endParaRPr lang="he-IL" dirty="0"/>
           </a:p>
@@ -14645,960 +19671,6 @@
                                           <p:spTgt spid="5">
                                             <p:txEl>
                                               <p:pRg st="2" end="2"/>
-                                            </p:txEl>
-                                          </p:spTgt>
-                                        </p:tgtEl>
-                                        <p:attrNameLst>
-                                          <p:attrName>ppt_y</p:attrName>
-                                        </p:attrNameLst>
-                                      </p:cBhvr>
-                                      <p:tavLst>
-                                        <p:tav tm="0">
-                                          <p:val>
-                                            <p:strVal val="#ppt_y+.1"/>
-                                          </p:val>
-                                        </p:tav>
-                                        <p:tav tm="100000">
-                                          <p:val>
-                                            <p:strVal val="#ppt_y"/>
-                                          </p:val>
-                                        </p:tav>
-                                      </p:tavLst>
-                                    </p:anim>
-                                  </p:childTnLst>
-                                </p:cTn>
-                              </p:par>
-                            </p:childTnLst>
-                          </p:cTn>
-                        </p:par>
-                      </p:childTnLst>
-                    </p:cTn>
-                  </p:par>
-                </p:childTnLst>
-              </p:cTn>
-              <p:prevCondLst>
-                <p:cond evt="onPrev" delay="0">
-                  <p:tgtEl>
-                    <p:sldTgt/>
-                  </p:tgtEl>
-                </p:cond>
-              </p:prevCondLst>
-              <p:nextCondLst>
-                <p:cond evt="onNext" delay="0">
-                  <p:tgtEl>
-                    <p:sldTgt/>
-                  </p:tgtEl>
-                </p:cond>
-              </p:nextCondLst>
-            </p:seq>
-          </p:childTnLst>
-        </p:cTn>
-      </p:par>
-    </p:tnLst>
-    <p:bldLst>
-      <p:bldP spid="5" grpId="0" build="p"/>
-    </p:bldLst>
-  </p:timing>
-</p:sld>
-</file>
-
-<file path=ppt/slides/slide9.xml><?xml version="1.0" encoding="utf-8"?>
-<p:sld xmlns:a="http://schemas.openxmlformats.org/drawingml/2006/main" xmlns:r="http://schemas.openxmlformats.org/officeDocument/2006/relationships" xmlns:p="http://schemas.openxmlformats.org/presentationml/2006/main">
-  <p:cSld>
-    <p:spTree>
-      <p:nvGrpSpPr>
-        <p:cNvPr id="1" name=""/>
-        <p:cNvGrpSpPr/>
-        <p:nvPr/>
-      </p:nvGrpSpPr>
-      <p:grpSpPr>
-        <a:xfrm>
-          <a:off x="0" y="0"/>
-          <a:ext cx="0" cy="0"/>
-          <a:chOff x="0" y="0"/>
-          <a:chExt cx="0" cy="0"/>
-        </a:xfrm>
-      </p:grpSpPr>
-      <p:sp>
-        <p:nvSpPr>
-          <p:cNvPr id="4" name="כותרת 3"/>
-          <p:cNvSpPr>
-            <a:spLocks noGrp="1"/>
-          </p:cNvSpPr>
-          <p:nvPr>
-            <p:ph type="title"/>
-          </p:nvPr>
-        </p:nvSpPr>
-        <p:spPr>
-          <a:xfrm>
-            <a:off x="704850" y="269874"/>
-            <a:ext cx="10515600" cy="1325563"/>
-          </a:xfrm>
-        </p:spPr>
-        <p:txBody>
-          <a:bodyPr/>
-          <a:lstStyle/>
-          <a:p>
-            <a:pPr algn="ctr"/>
-            <a:r>
-              <a:rPr lang="en-GB" b="1" dirty="0">
-                <a:solidFill>
-                  <a:srgbClr val="002060"/>
-                </a:solidFill>
-                <a:effectLst>
-                  <a:outerShdw blurRad="38100" dist="38100" dir="2700000" algn="tl">
-                    <a:srgbClr val="000000">
-                      <a:alpha val="43137"/>
-                    </a:srgbClr>
-                  </a:outerShdw>
-                </a:effectLst>
-                <a:cs typeface="+mn-cs"/>
-              </a:rPr>
-              <a:t>Cryptography</a:t>
-            </a:r>
-            <a:endParaRPr lang="he-IL" b="1" dirty="0">
-              <a:solidFill>
-                <a:srgbClr val="002060"/>
-              </a:solidFill>
-              <a:effectLst>
-                <a:outerShdw blurRad="38100" dist="38100" dir="2700000" algn="tl">
-                  <a:srgbClr val="000000">
-                    <a:alpha val="43137"/>
-                  </a:srgbClr>
-                </a:outerShdw>
-              </a:effectLst>
-              <a:cs typeface="+mn-cs"/>
-            </a:endParaRPr>
-          </a:p>
-        </p:txBody>
-      </p:sp>
-      <p:sp>
-        <p:nvSpPr>
-          <p:cNvPr id="5" name="מציין מיקום תוכן 4"/>
-          <p:cNvSpPr>
-            <a:spLocks noGrp="1"/>
-          </p:cNvSpPr>
-          <p:nvPr>
-            <p:ph idx="1"/>
-          </p:nvPr>
-        </p:nvSpPr>
-        <p:spPr>
-          <a:xfrm>
-            <a:off x="838200" y="1818402"/>
-            <a:ext cx="10515600" cy="5079205"/>
-          </a:xfrm>
-        </p:spPr>
-        <p:txBody>
-          <a:bodyPr/>
-          <a:lstStyle/>
-          <a:p>
-            <a:pPr marL="0" indent="0" algn="l">
-              <a:buClr>
-                <a:schemeClr val="accent1">
-                  <a:lumMod val="50000"/>
-                </a:schemeClr>
-              </a:buClr>
-              <a:buSzPct val="95000"/>
-              <a:buNone/>
-              <a:defRPr/>
-            </a:pPr>
-            <a:r>
-              <a:rPr lang="en-US" altLang="en-US" sz="3200" b="1" dirty="0"/>
-              <a:t>An RSA user creates and publishes a public key based on two large prime numbers, along with an auxiliary value. The prime numbers are kept secret. Messages can be encrypted by anyone, via the public key, but can only be decoded by someone who knows the prime numbers</a:t>
-            </a:r>
-            <a:endParaRPr lang="he-IL" altLang="en-US" sz="3200" b="1" dirty="0"/>
-          </a:p>
-        </p:txBody>
-      </p:sp>
-      <p:pic>
-        <p:nvPicPr>
-          <p:cNvPr id="2052" name="Picture 2" descr="תוצאת תמונה עבור מצגת אונ אריאל לוגו"/>
-          <p:cNvPicPr>
-            <a:picLocks noChangeAspect="1" noChangeArrowheads="1"/>
-          </p:cNvPicPr>
-          <p:nvPr/>
-        </p:nvPicPr>
-        <p:blipFill>
-          <a:blip r:embed="rId2">
-            <a:extLst>
-              <a:ext uri="{28A0092B-C50C-407E-A947-70E740481C1C}">
-                <a14:useLocalDpi xmlns:a14="http://schemas.microsoft.com/office/drawing/2010/main" val="0"/>
-              </a:ext>
-            </a:extLst>
-          </a:blip>
-          <a:srcRect/>
-          <a:stretch>
-            <a:fillRect/>
-          </a:stretch>
-        </p:blipFill>
-        <p:spPr bwMode="auto">
-          <a:xfrm>
-            <a:off x="10417175" y="-33338"/>
-            <a:ext cx="1800225" cy="1012826"/>
-          </a:xfrm>
-          <a:prstGeom prst="rect">
-            <a:avLst/>
-          </a:prstGeom>
-          <a:noFill/>
-          <a:ln>
-            <a:noFill/>
-          </a:ln>
-          <a:extLst>
-            <a:ext uri="{909E8E84-426E-40DD-AFC4-6F175D3DCCD1}">
-              <a14:hiddenFill xmlns:a14="http://schemas.microsoft.com/office/drawing/2010/main">
-                <a:solidFill>
-                  <a:srgbClr val="FFFFFF"/>
-                </a:solidFill>
-              </a14:hiddenFill>
-            </a:ext>
-            <a:ext uri="{91240B29-F687-4F45-9708-019B960494DF}">
-              <a14:hiddenLine xmlns:a14="http://schemas.microsoft.com/office/drawing/2010/main" w="9525">
-                <a:solidFill>
-                  <a:srgbClr val="000000"/>
-                </a:solidFill>
-                <a:miter lim="800000"/>
-                <a:headEnd/>
-                <a:tailEnd/>
-              </a14:hiddenLine>
-            </a:ext>
-          </a:extLst>
-        </p:spPr>
-      </p:pic>
-      <p:pic>
-        <p:nvPicPr>
-          <p:cNvPr id="2053" name="תמונה 4"/>
-          <p:cNvPicPr>
-            <a:picLocks noChangeAspect="1"/>
-          </p:cNvPicPr>
-          <p:nvPr/>
-        </p:nvPicPr>
-        <p:blipFill>
-          <a:blip r:embed="rId3">
-            <a:extLst>
-              <a:ext uri="{28A0092B-C50C-407E-A947-70E740481C1C}">
-                <a14:useLocalDpi xmlns:a14="http://schemas.microsoft.com/office/drawing/2010/main" val="0"/>
-              </a:ext>
-            </a:extLst>
-          </a:blip>
-          <a:srcRect/>
-          <a:stretch>
-            <a:fillRect/>
-          </a:stretch>
-        </p:blipFill>
-        <p:spPr bwMode="auto">
-          <a:xfrm>
-            <a:off x="0" y="5565775"/>
-            <a:ext cx="1054100" cy="1292225"/>
-          </a:xfrm>
-          <a:prstGeom prst="rect">
-            <a:avLst/>
-          </a:prstGeom>
-          <a:noFill/>
-          <a:ln>
-            <a:noFill/>
-          </a:ln>
-          <a:extLst>
-            <a:ext uri="{909E8E84-426E-40DD-AFC4-6F175D3DCCD1}">
-              <a14:hiddenFill xmlns:a14="http://schemas.microsoft.com/office/drawing/2010/main">
-                <a:solidFill>
-                  <a:srgbClr val="FFFFFF"/>
-                </a:solidFill>
-              </a14:hiddenFill>
-            </a:ext>
-            <a:ext uri="{91240B29-F687-4F45-9708-019B960494DF}">
-              <a14:hiddenLine xmlns:a14="http://schemas.microsoft.com/office/drawing/2010/main" w="9525">
-                <a:solidFill>
-                  <a:srgbClr val="000000"/>
-                </a:solidFill>
-                <a:miter lim="800000"/>
-                <a:headEnd/>
-                <a:tailEnd/>
-              </a14:hiddenLine>
-            </a:ext>
-          </a:extLst>
-        </p:spPr>
-      </p:pic>
-      <p:sp>
-        <p:nvSpPr>
-          <p:cNvPr id="6" name="מציין מיקום של מספר שקופית 5"/>
-          <p:cNvSpPr>
-            <a:spLocks noGrp="1"/>
-          </p:cNvSpPr>
-          <p:nvPr>
-            <p:ph type="sldNum" sz="quarter" idx="12"/>
-          </p:nvPr>
-        </p:nvSpPr>
-        <p:spPr/>
-        <p:txBody>
-          <a:bodyPr/>
-          <a:lstStyle/>
-          <a:p>
-            <a:pPr>
-              <a:defRPr/>
-            </a:pPr>
-            <a:fld id="{EB0A1C18-2E97-4B45-832C-DE832CBD48BD}" type="slidenum">
-              <a:rPr lang="he-IL" smtClean="0"/>
-              <a:pPr>
-                <a:defRPr/>
-              </a:pPr>
-              <a:t>9</a:t>
-            </a:fld>
-            <a:endParaRPr lang="he-IL" dirty="0"/>
-          </a:p>
-        </p:txBody>
-      </p:sp>
-      <p:sp>
-        <p:nvSpPr>
-          <p:cNvPr id="7" name="כותרת 3">
-            <a:extLst>
-              <a:ext uri="{FF2B5EF4-FFF2-40B4-BE49-F238E27FC236}">
-                <a16:creationId xmlns:a16="http://schemas.microsoft.com/office/drawing/2014/main" id="{497820FA-4F55-49C3-938A-7751501C52A1}"/>
-              </a:ext>
-            </a:extLst>
-          </p:cNvPr>
-          <p:cNvSpPr txBox="1">
-            <a:spLocks/>
-          </p:cNvSpPr>
-          <p:nvPr/>
-        </p:nvSpPr>
-        <p:spPr bwMode="auto">
-          <a:xfrm>
-            <a:off x="3381375" y="1264445"/>
-            <a:ext cx="5638800" cy="585788"/>
-          </a:xfrm>
-          <a:prstGeom prst="rect">
-            <a:avLst/>
-          </a:prstGeom>
-          <a:noFill/>
-          <a:ln>
-            <a:noFill/>
-          </a:ln>
-          <a:extLst>
-            <a:ext uri="{909E8E84-426E-40DD-AFC4-6F175D3DCCD1}">
-              <a14:hiddenFill xmlns:a14="http://schemas.microsoft.com/office/drawing/2010/main">
-                <a:solidFill>
-                  <a:srgbClr val="FFFFFF"/>
-                </a:solidFill>
-              </a14:hiddenFill>
-            </a:ext>
-            <a:ext uri="{91240B29-F687-4F45-9708-019B960494DF}">
-              <a14:hiddenLine xmlns:a14="http://schemas.microsoft.com/office/drawing/2010/main" w="9525">
-                <a:solidFill>
-                  <a:srgbClr val="000000"/>
-                </a:solidFill>
-                <a:miter lim="800000"/>
-                <a:headEnd/>
-                <a:tailEnd/>
-              </a14:hiddenLine>
-            </a:ext>
-          </a:extLst>
-        </p:spPr>
-        <p:txBody>
-          <a:bodyPr vert="horz" wrap="square" lIns="91440" tIns="45720" rIns="91440" bIns="45720" numCol="1" anchor="ctr" anchorCtr="0" compatLnSpc="1">
-            <a:prstTxWarp prst="textNoShape">
-              <a:avLst/>
-            </a:prstTxWarp>
-          </a:bodyPr>
-          <a:lstStyle>
-            <a:lvl1pPr algn="r" rtl="1" eaLnBrk="1" fontAlgn="base" hangingPunct="1">
-              <a:lnSpc>
-                <a:spcPct val="90000"/>
-              </a:lnSpc>
-              <a:spcBef>
-                <a:spcPct val="0"/>
-              </a:spcBef>
-              <a:spcAft>
-                <a:spcPct val="0"/>
-              </a:spcAft>
-              <a:defRPr sz="4400" kern="1200">
-                <a:solidFill>
-                  <a:schemeClr val="tx1"/>
-                </a:solidFill>
-                <a:latin typeface="+mj-lt"/>
-                <a:ea typeface="+mj-ea"/>
-                <a:cs typeface="+mj-cs"/>
-              </a:defRPr>
-            </a:lvl1pPr>
-            <a:lvl2pPr algn="r" rtl="1" eaLnBrk="1" fontAlgn="base" hangingPunct="1">
-              <a:lnSpc>
-                <a:spcPct val="90000"/>
-              </a:lnSpc>
-              <a:spcBef>
-                <a:spcPct val="0"/>
-              </a:spcBef>
-              <a:spcAft>
-                <a:spcPct val="0"/>
-              </a:spcAft>
-              <a:defRPr sz="4400">
-                <a:solidFill>
-                  <a:schemeClr val="tx1"/>
-                </a:solidFill>
-                <a:latin typeface="Calibri Light" panose="020F0302020204030204" pitchFamily="34" charset="0"/>
-                <a:cs typeface="Times New Roman" panose="02020603050405020304" pitchFamily="18" charset="0"/>
-              </a:defRPr>
-            </a:lvl2pPr>
-            <a:lvl3pPr algn="r" rtl="1" eaLnBrk="1" fontAlgn="base" hangingPunct="1">
-              <a:lnSpc>
-                <a:spcPct val="90000"/>
-              </a:lnSpc>
-              <a:spcBef>
-                <a:spcPct val="0"/>
-              </a:spcBef>
-              <a:spcAft>
-                <a:spcPct val="0"/>
-              </a:spcAft>
-              <a:defRPr sz="4400">
-                <a:solidFill>
-                  <a:schemeClr val="tx1"/>
-                </a:solidFill>
-                <a:latin typeface="Calibri Light" panose="020F0302020204030204" pitchFamily="34" charset="0"/>
-                <a:cs typeface="Times New Roman" panose="02020603050405020304" pitchFamily="18" charset="0"/>
-              </a:defRPr>
-            </a:lvl3pPr>
-            <a:lvl4pPr algn="r" rtl="1" eaLnBrk="1" fontAlgn="base" hangingPunct="1">
-              <a:lnSpc>
-                <a:spcPct val="90000"/>
-              </a:lnSpc>
-              <a:spcBef>
-                <a:spcPct val="0"/>
-              </a:spcBef>
-              <a:spcAft>
-                <a:spcPct val="0"/>
-              </a:spcAft>
-              <a:defRPr sz="4400">
-                <a:solidFill>
-                  <a:schemeClr val="tx1"/>
-                </a:solidFill>
-                <a:latin typeface="Calibri Light" panose="020F0302020204030204" pitchFamily="34" charset="0"/>
-                <a:cs typeface="Times New Roman" panose="02020603050405020304" pitchFamily="18" charset="0"/>
-              </a:defRPr>
-            </a:lvl4pPr>
-            <a:lvl5pPr algn="r" rtl="1" eaLnBrk="1" fontAlgn="base" hangingPunct="1">
-              <a:lnSpc>
-                <a:spcPct val="90000"/>
-              </a:lnSpc>
-              <a:spcBef>
-                <a:spcPct val="0"/>
-              </a:spcBef>
-              <a:spcAft>
-                <a:spcPct val="0"/>
-              </a:spcAft>
-              <a:defRPr sz="4400">
-                <a:solidFill>
-                  <a:schemeClr val="tx1"/>
-                </a:solidFill>
-                <a:latin typeface="Calibri Light" panose="020F0302020204030204" pitchFamily="34" charset="0"/>
-                <a:cs typeface="Times New Roman" panose="02020603050405020304" pitchFamily="18" charset="0"/>
-              </a:defRPr>
-            </a:lvl5pPr>
-            <a:lvl6pPr marL="457200" algn="r" rtl="1" eaLnBrk="1" fontAlgn="base" hangingPunct="1">
-              <a:lnSpc>
-                <a:spcPct val="90000"/>
-              </a:lnSpc>
-              <a:spcBef>
-                <a:spcPct val="0"/>
-              </a:spcBef>
-              <a:spcAft>
-                <a:spcPct val="0"/>
-              </a:spcAft>
-              <a:defRPr sz="4400">
-                <a:solidFill>
-                  <a:schemeClr val="tx1"/>
-                </a:solidFill>
-                <a:latin typeface="Calibri Light" panose="020F0302020204030204" pitchFamily="34" charset="0"/>
-                <a:cs typeface="Times New Roman" panose="02020603050405020304" pitchFamily="18" charset="0"/>
-              </a:defRPr>
-            </a:lvl6pPr>
-            <a:lvl7pPr marL="914400" algn="r" rtl="1" eaLnBrk="1" fontAlgn="base" hangingPunct="1">
-              <a:lnSpc>
-                <a:spcPct val="90000"/>
-              </a:lnSpc>
-              <a:spcBef>
-                <a:spcPct val="0"/>
-              </a:spcBef>
-              <a:spcAft>
-                <a:spcPct val="0"/>
-              </a:spcAft>
-              <a:defRPr sz="4400">
-                <a:solidFill>
-                  <a:schemeClr val="tx1"/>
-                </a:solidFill>
-                <a:latin typeface="Calibri Light" panose="020F0302020204030204" pitchFamily="34" charset="0"/>
-                <a:cs typeface="Times New Roman" panose="02020603050405020304" pitchFamily="18" charset="0"/>
-              </a:defRPr>
-            </a:lvl7pPr>
-            <a:lvl8pPr marL="1371600" algn="r" rtl="1" eaLnBrk="1" fontAlgn="base" hangingPunct="1">
-              <a:lnSpc>
-                <a:spcPct val="90000"/>
-              </a:lnSpc>
-              <a:spcBef>
-                <a:spcPct val="0"/>
-              </a:spcBef>
-              <a:spcAft>
-                <a:spcPct val="0"/>
-              </a:spcAft>
-              <a:defRPr sz="4400">
-                <a:solidFill>
-                  <a:schemeClr val="tx1"/>
-                </a:solidFill>
-                <a:latin typeface="Calibri Light" panose="020F0302020204030204" pitchFamily="34" charset="0"/>
-                <a:cs typeface="Times New Roman" panose="02020603050405020304" pitchFamily="18" charset="0"/>
-              </a:defRPr>
-            </a:lvl8pPr>
-            <a:lvl9pPr marL="1828800" algn="r" rtl="1" eaLnBrk="1" fontAlgn="base" hangingPunct="1">
-              <a:lnSpc>
-                <a:spcPct val="90000"/>
-              </a:lnSpc>
-              <a:spcBef>
-                <a:spcPct val="0"/>
-              </a:spcBef>
-              <a:spcAft>
-                <a:spcPct val="0"/>
-              </a:spcAft>
-              <a:defRPr sz="4400">
-                <a:solidFill>
-                  <a:schemeClr val="tx1"/>
-                </a:solidFill>
-                <a:latin typeface="Calibri Light" panose="020F0302020204030204" pitchFamily="34" charset="0"/>
-                <a:cs typeface="Times New Roman" panose="02020603050405020304" pitchFamily="18" charset="0"/>
-              </a:defRPr>
-            </a:lvl9pPr>
-          </a:lstStyle>
-          <a:p>
-            <a:pPr algn="ctr"/>
-            <a:r>
-              <a:rPr lang="en-GB" sz="2800" b="1" dirty="0">
-                <a:solidFill>
-                  <a:srgbClr val="002060"/>
-                </a:solidFill>
-                <a:effectLst>
-                  <a:outerShdw blurRad="38100" dist="38100" dir="2700000" algn="tl">
-                    <a:srgbClr val="000000">
-                      <a:alpha val="43137"/>
-                    </a:srgbClr>
-                  </a:outerShdw>
-                </a:effectLst>
-                <a:cs typeface="+mn-cs"/>
-              </a:rPr>
-              <a:t>Asymmetric encryption:</a:t>
-            </a:r>
-            <a:endParaRPr lang="he-IL" sz="2800" b="1" dirty="0">
-              <a:solidFill>
-                <a:srgbClr val="002060"/>
-              </a:solidFill>
-              <a:effectLst>
-                <a:outerShdw blurRad="38100" dist="38100" dir="2700000" algn="tl">
-                  <a:srgbClr val="000000">
-                    <a:alpha val="43137"/>
-                  </a:srgbClr>
-                </a:outerShdw>
-              </a:effectLst>
-              <a:cs typeface="+mn-cs"/>
-            </a:endParaRPr>
-          </a:p>
-        </p:txBody>
-      </p:sp>
-      <p:pic>
-        <p:nvPicPr>
-          <p:cNvPr id="2" name="תמונה 1">
-            <a:extLst>
-              <a:ext uri="{FF2B5EF4-FFF2-40B4-BE49-F238E27FC236}">
-                <a16:creationId xmlns:a16="http://schemas.microsoft.com/office/drawing/2014/main" id="{F971F5A5-0EE7-4A54-8FD9-0847264AD7B8}"/>
-              </a:ext>
-            </a:extLst>
-          </p:cNvPr>
-          <p:cNvPicPr>
-            <a:picLocks noChangeAspect="1"/>
-          </p:cNvPicPr>
-          <p:nvPr/>
-        </p:nvPicPr>
-        <p:blipFill>
-          <a:blip r:embed="rId4"/>
-          <a:stretch>
-            <a:fillRect/>
-          </a:stretch>
-        </p:blipFill>
-        <p:spPr>
-          <a:xfrm>
-            <a:off x="3867152" y="4436735"/>
-            <a:ext cx="4743450" cy="1919615"/>
-          </a:xfrm>
-          <a:prstGeom prst="rect">
-            <a:avLst/>
-          </a:prstGeom>
-        </p:spPr>
-      </p:pic>
-      <p:sp>
-        <p:nvSpPr>
-          <p:cNvPr id="11" name="כותרת 3">
-            <a:extLst>
-              <a:ext uri="{FF2B5EF4-FFF2-40B4-BE49-F238E27FC236}">
-                <a16:creationId xmlns:a16="http://schemas.microsoft.com/office/drawing/2014/main" id="{29733F16-094D-4C62-9736-BF15FCEACF3C}"/>
-              </a:ext>
-            </a:extLst>
-          </p:cNvPr>
-          <p:cNvSpPr txBox="1">
-            <a:spLocks/>
-          </p:cNvSpPr>
-          <p:nvPr/>
-        </p:nvSpPr>
-        <p:spPr bwMode="auto">
-          <a:xfrm>
-            <a:off x="-733425" y="5024437"/>
-            <a:ext cx="5638800" cy="585788"/>
-          </a:xfrm>
-          <a:prstGeom prst="rect">
-            <a:avLst/>
-          </a:prstGeom>
-          <a:noFill/>
-          <a:ln>
-            <a:noFill/>
-          </a:ln>
-          <a:extLst>
-            <a:ext uri="{909E8E84-426E-40DD-AFC4-6F175D3DCCD1}">
-              <a14:hiddenFill xmlns:a14="http://schemas.microsoft.com/office/drawing/2010/main">
-                <a:solidFill>
-                  <a:srgbClr val="FFFFFF"/>
-                </a:solidFill>
-              </a14:hiddenFill>
-            </a:ext>
-            <a:ext uri="{91240B29-F687-4F45-9708-019B960494DF}">
-              <a14:hiddenLine xmlns:a14="http://schemas.microsoft.com/office/drawing/2010/main" w="9525">
-                <a:solidFill>
-                  <a:srgbClr val="000000"/>
-                </a:solidFill>
-                <a:miter lim="800000"/>
-                <a:headEnd/>
-                <a:tailEnd/>
-              </a14:hiddenLine>
-            </a:ext>
-          </a:extLst>
-        </p:spPr>
-        <p:txBody>
-          <a:bodyPr vert="horz" wrap="square" lIns="91440" tIns="45720" rIns="91440" bIns="45720" numCol="1" anchor="ctr" anchorCtr="0" compatLnSpc="1">
-            <a:prstTxWarp prst="textNoShape">
-              <a:avLst/>
-            </a:prstTxWarp>
-          </a:bodyPr>
-          <a:lstStyle>
-            <a:lvl1pPr algn="r" rtl="1" eaLnBrk="1" fontAlgn="base" hangingPunct="1">
-              <a:lnSpc>
-                <a:spcPct val="90000"/>
-              </a:lnSpc>
-              <a:spcBef>
-                <a:spcPct val="0"/>
-              </a:spcBef>
-              <a:spcAft>
-                <a:spcPct val="0"/>
-              </a:spcAft>
-              <a:defRPr sz="4400" kern="1200">
-                <a:solidFill>
-                  <a:schemeClr val="tx1"/>
-                </a:solidFill>
-                <a:latin typeface="+mj-lt"/>
-                <a:ea typeface="+mj-ea"/>
-                <a:cs typeface="+mj-cs"/>
-              </a:defRPr>
-            </a:lvl1pPr>
-            <a:lvl2pPr algn="r" rtl="1" eaLnBrk="1" fontAlgn="base" hangingPunct="1">
-              <a:lnSpc>
-                <a:spcPct val="90000"/>
-              </a:lnSpc>
-              <a:spcBef>
-                <a:spcPct val="0"/>
-              </a:spcBef>
-              <a:spcAft>
-                <a:spcPct val="0"/>
-              </a:spcAft>
-              <a:defRPr sz="4400">
-                <a:solidFill>
-                  <a:schemeClr val="tx1"/>
-                </a:solidFill>
-                <a:latin typeface="Calibri Light" panose="020F0302020204030204" pitchFamily="34" charset="0"/>
-                <a:cs typeface="Times New Roman" panose="02020603050405020304" pitchFamily="18" charset="0"/>
-              </a:defRPr>
-            </a:lvl2pPr>
-            <a:lvl3pPr algn="r" rtl="1" eaLnBrk="1" fontAlgn="base" hangingPunct="1">
-              <a:lnSpc>
-                <a:spcPct val="90000"/>
-              </a:lnSpc>
-              <a:spcBef>
-                <a:spcPct val="0"/>
-              </a:spcBef>
-              <a:spcAft>
-                <a:spcPct val="0"/>
-              </a:spcAft>
-              <a:defRPr sz="4400">
-                <a:solidFill>
-                  <a:schemeClr val="tx1"/>
-                </a:solidFill>
-                <a:latin typeface="Calibri Light" panose="020F0302020204030204" pitchFamily="34" charset="0"/>
-                <a:cs typeface="Times New Roman" panose="02020603050405020304" pitchFamily="18" charset="0"/>
-              </a:defRPr>
-            </a:lvl3pPr>
-            <a:lvl4pPr algn="r" rtl="1" eaLnBrk="1" fontAlgn="base" hangingPunct="1">
-              <a:lnSpc>
-                <a:spcPct val="90000"/>
-              </a:lnSpc>
-              <a:spcBef>
-                <a:spcPct val="0"/>
-              </a:spcBef>
-              <a:spcAft>
-                <a:spcPct val="0"/>
-              </a:spcAft>
-              <a:defRPr sz="4400">
-                <a:solidFill>
-                  <a:schemeClr val="tx1"/>
-                </a:solidFill>
-                <a:latin typeface="Calibri Light" panose="020F0302020204030204" pitchFamily="34" charset="0"/>
-                <a:cs typeface="Times New Roman" panose="02020603050405020304" pitchFamily="18" charset="0"/>
-              </a:defRPr>
-            </a:lvl4pPr>
-            <a:lvl5pPr algn="r" rtl="1" eaLnBrk="1" fontAlgn="base" hangingPunct="1">
-              <a:lnSpc>
-                <a:spcPct val="90000"/>
-              </a:lnSpc>
-              <a:spcBef>
-                <a:spcPct val="0"/>
-              </a:spcBef>
-              <a:spcAft>
-                <a:spcPct val="0"/>
-              </a:spcAft>
-              <a:defRPr sz="4400">
-                <a:solidFill>
-                  <a:schemeClr val="tx1"/>
-                </a:solidFill>
-                <a:latin typeface="Calibri Light" panose="020F0302020204030204" pitchFamily="34" charset="0"/>
-                <a:cs typeface="Times New Roman" panose="02020603050405020304" pitchFamily="18" charset="0"/>
-              </a:defRPr>
-            </a:lvl5pPr>
-            <a:lvl6pPr marL="457200" algn="r" rtl="1" eaLnBrk="1" fontAlgn="base" hangingPunct="1">
-              <a:lnSpc>
-                <a:spcPct val="90000"/>
-              </a:lnSpc>
-              <a:spcBef>
-                <a:spcPct val="0"/>
-              </a:spcBef>
-              <a:spcAft>
-                <a:spcPct val="0"/>
-              </a:spcAft>
-              <a:defRPr sz="4400">
-                <a:solidFill>
-                  <a:schemeClr val="tx1"/>
-                </a:solidFill>
-                <a:latin typeface="Calibri Light" panose="020F0302020204030204" pitchFamily="34" charset="0"/>
-                <a:cs typeface="Times New Roman" panose="02020603050405020304" pitchFamily="18" charset="0"/>
-              </a:defRPr>
-            </a:lvl6pPr>
-            <a:lvl7pPr marL="914400" algn="r" rtl="1" eaLnBrk="1" fontAlgn="base" hangingPunct="1">
-              <a:lnSpc>
-                <a:spcPct val="90000"/>
-              </a:lnSpc>
-              <a:spcBef>
-                <a:spcPct val="0"/>
-              </a:spcBef>
-              <a:spcAft>
-                <a:spcPct val="0"/>
-              </a:spcAft>
-              <a:defRPr sz="4400">
-                <a:solidFill>
-                  <a:schemeClr val="tx1"/>
-                </a:solidFill>
-                <a:latin typeface="Calibri Light" panose="020F0302020204030204" pitchFamily="34" charset="0"/>
-                <a:cs typeface="Times New Roman" panose="02020603050405020304" pitchFamily="18" charset="0"/>
-              </a:defRPr>
-            </a:lvl7pPr>
-            <a:lvl8pPr marL="1371600" algn="r" rtl="1" eaLnBrk="1" fontAlgn="base" hangingPunct="1">
-              <a:lnSpc>
-                <a:spcPct val="90000"/>
-              </a:lnSpc>
-              <a:spcBef>
-                <a:spcPct val="0"/>
-              </a:spcBef>
-              <a:spcAft>
-                <a:spcPct val="0"/>
-              </a:spcAft>
-              <a:defRPr sz="4400">
-                <a:solidFill>
-                  <a:schemeClr val="tx1"/>
-                </a:solidFill>
-                <a:latin typeface="Calibri Light" panose="020F0302020204030204" pitchFamily="34" charset="0"/>
-                <a:cs typeface="Times New Roman" panose="02020603050405020304" pitchFamily="18" charset="0"/>
-              </a:defRPr>
-            </a:lvl8pPr>
-            <a:lvl9pPr marL="1828800" algn="r" rtl="1" eaLnBrk="1" fontAlgn="base" hangingPunct="1">
-              <a:lnSpc>
-                <a:spcPct val="90000"/>
-              </a:lnSpc>
-              <a:spcBef>
-                <a:spcPct val="0"/>
-              </a:spcBef>
-              <a:spcAft>
-                <a:spcPct val="0"/>
-              </a:spcAft>
-              <a:defRPr sz="4400">
-                <a:solidFill>
-                  <a:schemeClr val="tx1"/>
-                </a:solidFill>
-                <a:latin typeface="Calibri Light" panose="020F0302020204030204" pitchFamily="34" charset="0"/>
-                <a:cs typeface="Times New Roman" panose="02020603050405020304" pitchFamily="18" charset="0"/>
-              </a:defRPr>
-            </a:lvl9pPr>
-          </a:lstStyle>
-          <a:p>
-            <a:pPr algn="ctr"/>
-            <a:r>
-              <a:rPr lang="en-GB" sz="2800" b="1" dirty="0">
-                <a:solidFill>
-                  <a:srgbClr val="002060"/>
-                </a:solidFill>
-                <a:effectLst>
-                  <a:outerShdw blurRad="38100" dist="38100" dir="2700000" algn="tl">
-                    <a:srgbClr val="000000">
-                      <a:alpha val="43137"/>
-                    </a:srgbClr>
-                  </a:outerShdw>
-                </a:effectLst>
-                <a:cs typeface="+mn-cs"/>
-              </a:rPr>
-              <a:t>RSA </a:t>
-            </a:r>
-            <a:r>
-              <a:rPr lang="en-US" sz="2800" b="1" dirty="0">
-                <a:solidFill>
-                  <a:srgbClr val="002060"/>
-                </a:solidFill>
-                <a:effectLst>
-                  <a:outerShdw blurRad="38100" dist="38100" dir="2700000" algn="tl">
-                    <a:srgbClr val="000000">
-                      <a:alpha val="43137"/>
-                    </a:srgbClr>
-                  </a:outerShdw>
-                </a:effectLst>
-                <a:cs typeface="+mn-cs"/>
-              </a:rPr>
-              <a:t>cipher</a:t>
-            </a:r>
-            <a:endParaRPr lang="he-IL" sz="2800" b="1" dirty="0">
-              <a:solidFill>
-                <a:srgbClr val="002060"/>
-              </a:solidFill>
-              <a:effectLst>
-                <a:outerShdw blurRad="38100" dist="38100" dir="2700000" algn="tl">
-                  <a:srgbClr val="000000">
-                    <a:alpha val="43137"/>
-                  </a:srgbClr>
-                </a:outerShdw>
-              </a:effectLst>
-              <a:cs typeface="+mn-cs"/>
-            </a:endParaRPr>
-          </a:p>
-        </p:txBody>
-      </p:sp>
-    </p:spTree>
-    <p:extLst>
-      <p:ext uri="{BB962C8B-B14F-4D97-AF65-F5344CB8AC3E}">
-        <p14:creationId xmlns:p14="http://schemas.microsoft.com/office/powerpoint/2010/main" val="129202316"/>
-      </p:ext>
-    </p:extLst>
-  </p:cSld>
-  <p:clrMapOvr>
-    <a:masterClrMapping/>
-  </p:clrMapOvr>
-  <p:timing>
-    <p:tnLst>
-      <p:par>
-        <p:cTn id="1" dur="indefinite" restart="never" nodeType="tmRoot">
-          <p:childTnLst>
-            <p:seq concurrent="1" nextAc="seek">
-              <p:cTn id="2" dur="indefinite" nodeType="mainSeq">
-                <p:childTnLst>
-                  <p:par>
-                    <p:cTn id="3" fill="hold">
-                      <p:stCondLst>
-                        <p:cond delay="indefinite"/>
-                      </p:stCondLst>
-                      <p:childTnLst>
-                        <p:par>
-                          <p:cTn id="4" fill="hold">
-                            <p:stCondLst>
-                              <p:cond delay="0"/>
-                            </p:stCondLst>
-                            <p:childTnLst>
-                              <p:par>
-                                <p:cTn id="5" presetID="42" presetClass="entr" presetSubtype="0" fill="hold" grpId="0" nodeType="clickEffect">
-                                  <p:stCondLst>
-                                    <p:cond delay="0"/>
-                                  </p:stCondLst>
-                                  <p:childTnLst>
-                                    <p:set>
-                                      <p:cBhvr>
-                                        <p:cTn id="6" dur="1" fill="hold">
-                                          <p:stCondLst>
-                                            <p:cond delay="0"/>
-                                          </p:stCondLst>
-                                        </p:cTn>
-                                        <p:tgtEl>
-                                          <p:spTgt spid="5">
-                                            <p:txEl>
-                                              <p:pRg st="0" end="0"/>
-                                            </p:txEl>
-                                          </p:spTgt>
-                                        </p:tgtEl>
-                                        <p:attrNameLst>
-                                          <p:attrName>style.visibility</p:attrName>
-                                        </p:attrNameLst>
-                                      </p:cBhvr>
-                                      <p:to>
-                                        <p:strVal val="visible"/>
-                                      </p:to>
-                                    </p:set>
-                                    <p:animEffect transition="in" filter="fade">
-                                      <p:cBhvr>
-                                        <p:cTn id="7" dur="1000"/>
-                                        <p:tgtEl>
-                                          <p:spTgt spid="5">
-                                            <p:txEl>
-                                              <p:pRg st="0" end="0"/>
-                                            </p:txEl>
-                                          </p:spTgt>
-                                        </p:tgtEl>
-                                      </p:cBhvr>
-                                    </p:animEffect>
-                                    <p:anim calcmode="lin" valueType="num">
-                                      <p:cBhvr>
-                                        <p:cTn id="8" dur="1000" fill="hold"/>
-                                        <p:tgtEl>
-                                          <p:spTgt spid="5">
-                                            <p:txEl>
-                                              <p:pRg st="0" end="0"/>
-                                            </p:txEl>
-                                          </p:spTgt>
-                                        </p:tgtEl>
-                                        <p:attrNameLst>
-                                          <p:attrName>ppt_x</p:attrName>
-                                        </p:attrNameLst>
-                                      </p:cBhvr>
-                                      <p:tavLst>
-                                        <p:tav tm="0">
-                                          <p:val>
-                                            <p:strVal val="#ppt_x"/>
-                                          </p:val>
-                                        </p:tav>
-                                        <p:tav tm="100000">
-                                          <p:val>
-                                            <p:strVal val="#ppt_x"/>
-                                          </p:val>
-                                        </p:tav>
-                                      </p:tavLst>
-                                    </p:anim>
-                                    <p:anim calcmode="lin" valueType="num">
-                                      <p:cBhvr>
-                                        <p:cTn id="9" dur="1000" fill="hold"/>
-                                        <p:tgtEl>
-                                          <p:spTgt spid="5">
-                                            <p:txEl>
-                                              <p:pRg st="0" end="0"/>
                                             </p:txEl>
                                           </p:spTgt>
                                         </p:tgtEl>

--- a/Presentation.pptx
+++ b/Presentation.pptx
@@ -5,7 +5,7 @@
     <p:sldMasterId id="2147483648" r:id="rId1"/>
   </p:sldMasterIdLst>
   <p:notesMasterIdLst>
-    <p:notesMasterId r:id="rId27"/>
+    <p:notesMasterId r:id="rId30"/>
   </p:notesMasterIdLst>
   <p:sldIdLst>
     <p:sldId id="256" r:id="rId2"/>
@@ -27,12 +27,15 @@
     <p:sldId id="358" r:id="rId18"/>
     <p:sldId id="359" r:id="rId19"/>
     <p:sldId id="360" r:id="rId20"/>
-    <p:sldId id="361" r:id="rId21"/>
-    <p:sldId id="366" r:id="rId22"/>
-    <p:sldId id="367" r:id="rId23"/>
-    <p:sldId id="369" r:id="rId24"/>
-    <p:sldId id="334" r:id="rId25"/>
-    <p:sldId id="368" r:id="rId26"/>
+    <p:sldId id="371" r:id="rId21"/>
+    <p:sldId id="361" r:id="rId22"/>
+    <p:sldId id="372" r:id="rId23"/>
+    <p:sldId id="366" r:id="rId24"/>
+    <p:sldId id="367" r:id="rId25"/>
+    <p:sldId id="369" r:id="rId26"/>
+    <p:sldId id="334" r:id="rId27"/>
+    <p:sldId id="368" r:id="rId28"/>
+    <p:sldId id="370" r:id="rId29"/>
   </p:sldIdLst>
   <p:sldSz cx="12192000" cy="6858000"/>
   <p:notesSz cx="6858000" cy="9144000"/>
@@ -263,7 +266,7 @@
           <a:p>
             <a:fld id="{649BBD9C-D497-449B-8A45-CEFABABC0F14}" type="datetimeFigureOut">
               <a:rPr lang="he-IL" smtClean="0"/>
-              <a:t>י"ד/כסלו/תשפ"א</a:t>
+              <a:t>ט"ו/כסלו/תשפ"א</a:t>
             </a:fld>
             <a:endParaRPr lang="he-IL"/>
           </a:p>
@@ -750,7 +753,7 @@
             </a:pPr>
             <a:fld id="{11F60F8F-5620-4AC4-968B-8E708B0EB044}" type="datetime8">
               <a:rPr lang="he-IL" smtClean="0"/>
-              <a:t>30 נובמבר 20</a:t>
+              <a:t>01 דצמבר 20</a:t>
             </a:fld>
             <a:endParaRPr lang="he-IL"/>
           </a:p>
@@ -945,7 +948,7 @@
             </a:pPr>
             <a:fld id="{BC5AA7AD-4D67-4DA3-8B76-37A3860C5796}" type="datetime8">
               <a:rPr lang="he-IL" smtClean="0"/>
-              <a:t>30 נובמבר 20</a:t>
+              <a:t>01 דצמבר 20</a:t>
             </a:fld>
             <a:endParaRPr lang="he-IL"/>
           </a:p>
@@ -1150,7 +1153,7 @@
             </a:pPr>
             <a:fld id="{8065C4D4-8AC6-4D06-87EA-123022CBEBAD}" type="datetime8">
               <a:rPr lang="he-IL" smtClean="0"/>
-              <a:t>30 נובמבר 20</a:t>
+              <a:t>01 דצמבר 20</a:t>
             </a:fld>
             <a:endParaRPr lang="he-IL"/>
           </a:p>
@@ -1345,7 +1348,7 @@
             </a:pPr>
             <a:fld id="{41103980-B822-4F57-839F-0A2504DEFA24}" type="datetime8">
               <a:rPr lang="he-IL" smtClean="0"/>
-              <a:t>30 נובמבר 20</a:t>
+              <a:t>01 דצמבר 20</a:t>
             </a:fld>
             <a:endParaRPr lang="he-IL"/>
           </a:p>
@@ -1617,7 +1620,7 @@
             </a:pPr>
             <a:fld id="{728E8B2A-623B-48D9-8A9C-570D386DBBB5}" type="datetime8">
               <a:rPr lang="he-IL" smtClean="0"/>
-              <a:t>30 נובמבר 20</a:t>
+              <a:t>01 דצמבר 20</a:t>
             </a:fld>
             <a:endParaRPr lang="he-IL"/>
           </a:p>
@@ -1873,7 +1876,7 @@
             </a:pPr>
             <a:fld id="{87E72010-2B49-4FBA-A71F-1C903234F8ED}" type="datetime8">
               <a:rPr lang="he-IL" smtClean="0"/>
-              <a:t>30 נובמבר 20</a:t>
+              <a:t>01 דצמבר 20</a:t>
             </a:fld>
             <a:endParaRPr lang="he-IL"/>
           </a:p>
@@ -2264,7 +2267,7 @@
             </a:pPr>
             <a:fld id="{ADEFFD37-6D3A-44CD-BAB7-31EB6031CE41}" type="datetime8">
               <a:rPr lang="he-IL" smtClean="0"/>
-              <a:t>30 נובמבר 20</a:t>
+              <a:t>01 דצמבר 20</a:t>
             </a:fld>
             <a:endParaRPr lang="he-IL"/>
           </a:p>
@@ -2408,7 +2411,7 @@
             </a:pPr>
             <a:fld id="{46D0C1C9-37E6-49FD-B084-18925D31F7E5}" type="datetime8">
               <a:rPr lang="he-IL" smtClean="0"/>
-              <a:t>30 נובמבר 20</a:t>
+              <a:t>01 דצמבר 20</a:t>
             </a:fld>
             <a:endParaRPr lang="he-IL"/>
           </a:p>
@@ -2530,7 +2533,7 @@
             </a:pPr>
             <a:fld id="{3D54F978-44C7-44E2-BD13-5AE6873239E3}" type="datetime8">
               <a:rPr lang="he-IL" smtClean="0"/>
-              <a:t>30 נובמבר 20</a:t>
+              <a:t>01 דצמבר 20</a:t>
             </a:fld>
             <a:endParaRPr lang="he-IL"/>
           </a:p>
@@ -2832,7 +2835,7 @@
             </a:pPr>
             <a:fld id="{BCD9B4E6-04A8-47CC-BF34-E1B559BE5A34}" type="datetime8">
               <a:rPr lang="he-IL" smtClean="0"/>
-              <a:t>30 נובמבר 20</a:t>
+              <a:t>01 דצמבר 20</a:t>
             </a:fld>
             <a:endParaRPr lang="he-IL"/>
           </a:p>
@@ -3117,7 +3120,7 @@
             </a:pPr>
             <a:fld id="{2D87A75D-ABFD-4273-A5DF-0717472152BE}" type="datetime8">
               <a:rPr lang="he-IL" smtClean="0"/>
-              <a:t>30 נובמבר 20</a:t>
+              <a:t>01 דצמבר 20</a:t>
             </a:fld>
             <a:endParaRPr lang="he-IL"/>
           </a:p>
@@ -3413,7 +3416,7 @@
             </a:pPr>
             <a:fld id="{28EB3CBB-E95C-46A3-8650-BE56A767054C}" type="datetime8">
               <a:rPr lang="he-IL" smtClean="0"/>
-              <a:t>30 נובמבר 20</a:t>
+              <a:t>01 דצמבר 20</a:t>
             </a:fld>
             <a:endParaRPr lang="he-IL"/>
           </a:p>
@@ -4068,39 +4071,7 @@
                   <a:prstClr val="black"/>
                 </a:solidFill>
               </a:rPr>
-              <a:t> Dr. Amit </a:t>
-            </a:r>
-            <a:r>
-              <a:rPr lang="en-US" b="1" dirty="0" err="1">
-                <a:solidFill>
-                  <a:prstClr val="black"/>
-                </a:solidFill>
-              </a:rPr>
-              <a:t>Dvir</a:t>
-            </a:r>
-            <a:r>
-              <a:rPr lang="en-US" b="1" dirty="0">
-                <a:solidFill>
-                  <a:prstClr val="black"/>
-                </a:solidFill>
-              </a:rPr>
-              <a:t>, </a:t>
-            </a:r>
-            <a:r>
-              <a:rPr lang="en-US" b="1" dirty="0" err="1">
-                <a:solidFill>
-                  <a:prstClr val="black"/>
-                </a:solidFill>
-              </a:rPr>
-              <a:t>Harel</a:t>
-            </a:r>
-            <a:r>
-              <a:rPr lang="en-US" b="1" dirty="0">
-                <a:solidFill>
-                  <a:prstClr val="black"/>
-                </a:solidFill>
-              </a:rPr>
-              <a:t> Berger </a:t>
+              <a:t> Dr. Amit Dvir, Harel Berger </a:t>
             </a:r>
           </a:p>
           <a:p>
@@ -4566,6 +4537,125 @@
                 </a:outerShdw>
               </a:effectLst>
               <a:cs typeface="+mn-cs"/>
+            </a:endParaRPr>
+          </a:p>
+        </p:txBody>
+      </p:sp>
+      <p:pic>
+        <p:nvPicPr>
+          <p:cNvPr id="3" name="תמונה 2">
+            <a:extLst>
+              <a:ext uri="{FF2B5EF4-FFF2-40B4-BE49-F238E27FC236}">
+                <a16:creationId xmlns:a16="http://schemas.microsoft.com/office/drawing/2014/main" id="{084CC039-5B79-46E4-9683-AE093795B99C}"/>
+              </a:ext>
+            </a:extLst>
+          </p:cNvPr>
+          <p:cNvPicPr>
+            <a:picLocks noChangeAspect="1"/>
+          </p:cNvPicPr>
+          <p:nvPr/>
+        </p:nvPicPr>
+        <p:blipFill>
+          <a:blip r:embed="rId5" cstate="print">
+            <a:extLst>
+              <a:ext uri="{28A0092B-C50C-407E-A947-70E740481C1C}">
+                <a14:useLocalDpi xmlns:a14="http://schemas.microsoft.com/office/drawing/2010/main" val="0"/>
+              </a:ext>
+            </a:extLst>
+          </a:blip>
+          <a:stretch>
+            <a:fillRect/>
+          </a:stretch>
+        </p:blipFill>
+        <p:spPr>
+          <a:xfrm>
+            <a:off x="5324945" y="103674"/>
+            <a:ext cx="2170762" cy="1543050"/>
+          </a:xfrm>
+          <a:prstGeom prst="rect">
+            <a:avLst/>
+          </a:prstGeom>
+        </p:spPr>
+      </p:pic>
+      <p:pic>
+        <p:nvPicPr>
+          <p:cNvPr id="9" name="תמונה 8" descr="תמונה שמכילה שחור, ציור&#10;&#10;התיאור נוצר באופן אוטומטי">
+            <a:extLst>
+              <a:ext uri="{FF2B5EF4-FFF2-40B4-BE49-F238E27FC236}">
+                <a16:creationId xmlns:a16="http://schemas.microsoft.com/office/drawing/2014/main" id="{F71C3D94-09B2-403B-92AB-4706146697BB}"/>
+              </a:ext>
+            </a:extLst>
+          </p:cNvPr>
+          <p:cNvPicPr>
+            <a:picLocks noChangeAspect="1"/>
+          </p:cNvPicPr>
+          <p:nvPr/>
+        </p:nvPicPr>
+        <p:blipFill>
+          <a:blip r:embed="rId6">
+            <a:extLst>
+              <a:ext uri="{28A0092B-C50C-407E-A947-70E740481C1C}">
+                <a14:useLocalDpi xmlns:a14="http://schemas.microsoft.com/office/drawing/2010/main" val="0"/>
+              </a:ext>
+            </a:extLst>
+          </a:blip>
+          <a:stretch>
+            <a:fillRect/>
+          </a:stretch>
+        </p:blipFill>
+        <p:spPr>
+          <a:xfrm>
+            <a:off x="511453" y="311147"/>
+            <a:ext cx="1085291" cy="1085291"/>
+          </a:xfrm>
+          <a:prstGeom prst="rect">
+            <a:avLst/>
+          </a:prstGeom>
+        </p:spPr>
+      </p:pic>
+      <p:sp>
+        <p:nvSpPr>
+          <p:cNvPr id="10" name="TextBox 12">
+            <a:extLst>
+              <a:ext uri="{FF2B5EF4-FFF2-40B4-BE49-F238E27FC236}">
+                <a16:creationId xmlns:a16="http://schemas.microsoft.com/office/drawing/2014/main" id="{1B843420-39F0-47BA-AC85-47B792E35B9D}"/>
+              </a:ext>
+            </a:extLst>
+          </p:cNvPr>
+          <p:cNvSpPr txBox="1"/>
+          <p:nvPr/>
+        </p:nvSpPr>
+        <p:spPr>
+          <a:xfrm>
+            <a:off x="678770" y="91223"/>
+            <a:ext cx="750659" cy="209609"/>
+          </a:xfrm>
+          <a:prstGeom prst="rect">
+            <a:avLst/>
+          </a:prstGeom>
+          <a:solidFill>
+            <a:srgbClr val="FFFFFF">
+              <a:alpha val="50196"/>
+            </a:srgbClr>
+          </a:solidFill>
+        </p:spPr>
+        <p:txBody>
+          <a:bodyPr wrap="square" rtlCol="1">
+            <a:spAutoFit/>
+          </a:bodyPr>
+          <a:lstStyle/>
+          <a:p>
+            <a:pPr algn="ctr"/>
+            <a:r>
+              <a:rPr lang="en-US" sz="762" dirty="0">
+                <a:latin typeface="Arial" pitchFamily="34" charset="0"/>
+                <a:cs typeface="Arial" pitchFamily="34" charset="0"/>
+              </a:rPr>
+              <a:t>Visit Us</a:t>
+            </a:r>
+            <a:endParaRPr lang="he-IL" sz="762" dirty="0">
+              <a:latin typeface="Arial" pitchFamily="34" charset="0"/>
+              <a:cs typeface="Arial" pitchFamily="34" charset="0"/>
             </a:endParaRPr>
           </a:p>
         </p:txBody>
@@ -6184,7 +6274,12 @@
             <p:ph type="title"/>
           </p:nvPr>
         </p:nvSpPr>
-        <p:spPr/>
+        <p:spPr>
+          <a:xfrm>
+            <a:off x="838200" y="-19050"/>
+            <a:ext cx="10515600" cy="1325563"/>
+          </a:xfrm>
+        </p:spPr>
         <p:txBody>
           <a:bodyPr/>
           <a:lstStyle/>
@@ -6234,7 +6329,7 @@
         </p:nvSpPr>
         <p:spPr>
           <a:xfrm>
-            <a:off x="527050" y="1487488"/>
+            <a:off x="527050" y="979488"/>
             <a:ext cx="10515600" cy="5375275"/>
           </a:xfrm>
         </p:spPr>
@@ -6247,7 +6342,14 @@
             </a:pPr>
             <a:r>
               <a:rPr lang="en-US" sz="4400" dirty="0"/>
-              <a:t>I have 18000 text file that divide to 26 folder. </a:t>
+              <a:t>I have a few group of DATASET.</a:t>
+            </a:r>
+            <a:br>
+              <a:rPr lang="en-US" sz="4400" dirty="0"/>
+            </a:br>
+            <a:r>
+              <a:rPr lang="en-US" sz="4400" dirty="0"/>
+              <a:t>One of them have 18000 text file that divide to 26 folder. </a:t>
             </a:r>
             <a:br>
               <a:rPr lang="en-US" sz="4400" dirty="0"/>
@@ -6411,36 +6513,6 @@
       </p:sp>
       <p:pic>
         <p:nvPicPr>
-          <p:cNvPr id="3" name="תמונה 2">
-            <a:extLst>
-              <a:ext uri="{FF2B5EF4-FFF2-40B4-BE49-F238E27FC236}">
-                <a16:creationId xmlns:a16="http://schemas.microsoft.com/office/drawing/2014/main" id="{237C8748-5D8E-4742-BDB4-78EB8E96BD5B}"/>
-              </a:ext>
-            </a:extLst>
-          </p:cNvPr>
-          <p:cNvPicPr>
-            <a:picLocks noChangeAspect="1"/>
-          </p:cNvPicPr>
-          <p:nvPr/>
-        </p:nvPicPr>
-        <p:blipFill>
-          <a:blip r:embed="rId4"/>
-          <a:stretch>
-            <a:fillRect/>
-          </a:stretch>
-        </p:blipFill>
-        <p:spPr>
-          <a:xfrm>
-            <a:off x="6502400" y="4440237"/>
-            <a:ext cx="2342207" cy="2098675"/>
-          </a:xfrm>
-          <a:prstGeom prst="rect">
-            <a:avLst/>
-          </a:prstGeom>
-        </p:spPr>
-      </p:pic>
-      <p:pic>
-        <p:nvPicPr>
           <p:cNvPr id="7" name="תמונה 6">
             <a:extLst>
               <a:ext uri="{FF2B5EF4-FFF2-40B4-BE49-F238E27FC236}">
@@ -6454,14 +6526,43 @@
           <p:nvPr/>
         </p:nvPicPr>
         <p:blipFill rotWithShape="1">
-          <a:blip r:embed="rId5"/>
+          <a:blip r:embed="rId4"/>
           <a:srcRect l="4204" r="13949"/>
           <a:stretch/>
         </p:blipFill>
         <p:spPr>
           <a:xfrm>
-            <a:off x="9029700" y="4479925"/>
+            <a:off x="8788400" y="4708525"/>
             <a:ext cx="3092450" cy="2012950"/>
+          </a:xfrm>
+          <a:prstGeom prst="rect">
+            <a:avLst/>
+          </a:prstGeom>
+        </p:spPr>
+      </p:pic>
+      <p:pic>
+        <p:nvPicPr>
+          <p:cNvPr id="2" name="תמונה 1">
+            <a:extLst>
+              <a:ext uri="{FF2B5EF4-FFF2-40B4-BE49-F238E27FC236}">
+                <a16:creationId xmlns:a16="http://schemas.microsoft.com/office/drawing/2014/main" id="{DF326445-80CC-4BED-8848-1F2ADD72E317}"/>
+              </a:ext>
+            </a:extLst>
+          </p:cNvPr>
+          <p:cNvPicPr>
+            <a:picLocks noChangeAspect="1"/>
+          </p:cNvPicPr>
+          <p:nvPr/>
+        </p:nvPicPr>
+        <p:blipFill rotWithShape="1">
+          <a:blip r:embed="rId5"/>
+          <a:srcRect r="38622" b="17833"/>
+          <a:stretch/>
+        </p:blipFill>
+        <p:spPr>
+          <a:xfrm>
+            <a:off x="6515250" y="4576760"/>
+            <a:ext cx="1765598" cy="2161930"/>
           </a:xfrm>
           <a:prstGeom prst="rect">
             <a:avLst/>
@@ -6656,7 +6757,12 @@
             <p:ph type="title"/>
           </p:nvPr>
         </p:nvSpPr>
-        <p:spPr/>
+        <p:spPr>
+          <a:xfrm>
+            <a:off x="801687" y="-53975"/>
+            <a:ext cx="10515600" cy="1325563"/>
+          </a:xfrm>
+        </p:spPr>
         <p:txBody>
           <a:bodyPr/>
           <a:lstStyle/>
@@ -6706,7 +6812,7 @@
         </p:nvSpPr>
         <p:spPr>
           <a:xfrm>
-            <a:off x="1054100" y="1268413"/>
+            <a:off x="1054100" y="849313"/>
             <a:ext cx="10515600" cy="5375275"/>
           </a:xfrm>
         </p:spPr>
@@ -6719,26 +6825,21 @@
             </a:pPr>
             <a:r>
               <a:rPr lang="en-US" sz="4000" dirty="0"/>
-              <a:t>Every type of text files have 3K text file that </a:t>
-            </a:r>
-            <a:r>
-              <a:rPr lang="en-US" sz="4000" dirty="0" err="1"/>
-              <a:t>uncrypted</a:t>
-            </a:r>
-            <a:r>
-              <a:rPr lang="en-US" sz="4000" dirty="0"/>
-              <a:t> and 6 type of encrypted file with 500 files each.</a:t>
+              <a:t>Every type of text files have 50% text file that Unencrypted and 50% text file that encrypted by  6 type of encrypted.</a:t>
             </a:r>
             <a:br>
               <a:rPr lang="en-US" sz="4000" dirty="0"/>
             </a:br>
             <a:r>
-              <a:rPr lang="en-US" sz="4000" dirty="0" err="1"/>
-              <a:t>Uncrypted</a:t>
+              <a:rPr lang="en-US" sz="4000" dirty="0"/>
+              <a:t>My Unencrypted took from :</a:t>
             </a:r>
+            <a:br>
+              <a:rPr lang="en-US" sz="4000" dirty="0"/>
+            </a:br>
             <a:r>
               <a:rPr lang="en-US" sz="4000" dirty="0"/>
-              <a:t> -&gt; took from the site </a:t>
+              <a:t>1. download from this site: </a:t>
             </a:r>
             <a:r>
               <a:rPr lang="en-US" sz="4000" dirty="0">
@@ -6750,6 +6851,21 @@
               <a:rPr lang="en-US" sz="4000" dirty="0"/>
               <a:t> .</a:t>
             </a:r>
+            <a:br>
+              <a:rPr lang="en-US" sz="4000" dirty="0"/>
+            </a:br>
+            <a:r>
+              <a:rPr lang="en-US" sz="4000" dirty="0"/>
+              <a:t>2. divide few big text files to a lot </a:t>
+            </a:r>
+            <a:br>
+              <a:rPr lang="en-US" sz="4000" dirty="0"/>
+            </a:br>
+            <a:r>
+              <a:rPr lang="en-US" sz="4000" dirty="0"/>
+              <a:t>of small text file (200-2200 rows)</a:t>
+            </a:r>
+            <a:endParaRPr lang="en-US" sz="3600" dirty="0"/>
           </a:p>
           <a:p>
             <a:pPr marL="0" indent="0" algn="l" rtl="0">
@@ -6929,35 +7045,6 @@
           <a:xfrm>
             <a:off x="8262937" y="3747384"/>
             <a:ext cx="3090863" cy="2745491"/>
-          </a:xfrm>
-          <a:prstGeom prst="rect">
-            <a:avLst/>
-          </a:prstGeom>
-        </p:spPr>
-      </p:pic>
-      <p:pic>
-        <p:nvPicPr>
-          <p:cNvPr id="3" name="תמונה 2">
-            <a:extLst>
-              <a:ext uri="{FF2B5EF4-FFF2-40B4-BE49-F238E27FC236}">
-                <a16:creationId xmlns:a16="http://schemas.microsoft.com/office/drawing/2014/main" id="{95180ADE-1EDA-4BDC-9F17-28D408DCD236}"/>
-              </a:ext>
-            </a:extLst>
-          </p:cNvPr>
-          <p:cNvPicPr>
-            <a:picLocks noChangeAspect="1"/>
-          </p:cNvPicPr>
-          <p:nvPr/>
-        </p:nvPicPr>
-        <p:blipFill rotWithShape="1">
-          <a:blip r:embed="rId6"/>
-          <a:srcRect b="16251"/>
-          <a:stretch/>
-        </p:blipFill>
-        <p:spPr>
-          <a:xfrm>
-            <a:off x="3929064" y="4164808"/>
-            <a:ext cx="2619375" cy="2478880"/>
           </a:xfrm>
           <a:prstGeom prst="rect">
             <a:avLst/>
@@ -7856,7 +7943,21 @@
             </a:br>
             <a:r>
               <a:rPr lang="en-US" sz="4000" dirty="0"/>
-              <a:t>I am happy to explain you my features in next slides</a:t>
+              <a:t>I am happy to explain </a:t>
+            </a:r>
+            <a:br>
+              <a:rPr lang="en-US" sz="4000" dirty="0"/>
+            </a:br>
+            <a:r>
+              <a:rPr lang="en-US" sz="4000" dirty="0"/>
+              <a:t>you my features in</a:t>
+            </a:r>
+            <a:br>
+              <a:rPr lang="en-US" sz="4000" dirty="0"/>
+            </a:br>
+            <a:r>
+              <a:rPr lang="en-US" sz="4000" dirty="0"/>
+              <a:t>next slides</a:t>
             </a:r>
           </a:p>
           <a:p>
@@ -8004,6 +8105,42 @@
           </a:p>
         </p:txBody>
       </p:sp>
+      <p:pic>
+        <p:nvPicPr>
+          <p:cNvPr id="3" name="תמונה 2" descr="תמונה שמכילה טקסט&#10;&#10;התיאור נוצר באופן אוטומטי">
+            <a:extLst>
+              <a:ext uri="{FF2B5EF4-FFF2-40B4-BE49-F238E27FC236}">
+                <a16:creationId xmlns:a16="http://schemas.microsoft.com/office/drawing/2014/main" id="{99BD64A4-C540-4AF9-AC5C-0119F2497A30}"/>
+              </a:ext>
+            </a:extLst>
+          </p:cNvPr>
+          <p:cNvPicPr>
+            <a:picLocks noChangeAspect="1"/>
+          </p:cNvPicPr>
+          <p:nvPr/>
+        </p:nvPicPr>
+        <p:blipFill>
+          <a:blip r:embed="rId4" cstate="print">
+            <a:extLst>
+              <a:ext uri="{28A0092B-C50C-407E-A947-70E740481C1C}">
+                <a14:useLocalDpi xmlns:a14="http://schemas.microsoft.com/office/drawing/2010/main" val="0"/>
+              </a:ext>
+            </a:extLst>
+          </a:blip>
+          <a:stretch>
+            <a:fillRect/>
+          </a:stretch>
+        </p:blipFill>
+        <p:spPr>
+          <a:xfrm>
+            <a:off x="6408248" y="3656806"/>
+            <a:ext cx="5586047" cy="3025775"/>
+          </a:xfrm>
+          <a:prstGeom prst="rect">
+            <a:avLst/>
+          </a:prstGeom>
+        </p:spPr>
+      </p:pic>
     </p:spTree>
     <p:extLst>
       <p:ext uri="{BB962C8B-B14F-4D97-AF65-F5344CB8AC3E}">
@@ -9890,22 +10027,15 @@
             </a:br>
             <a:r>
               <a:rPr lang="en-US" sz="4000" dirty="0"/>
-              <a:t>And count how much popular word in text </a:t>
-            </a:r>
-            <a:r>
-              <a:rPr lang="en-US" sz="4000"/>
-              <a:t>. </a:t>
+              <a:t>And count how much popular word in text . </a:t>
             </a:r>
             <a:br>
               <a:rPr lang="en-US" sz="4000" dirty="0"/>
             </a:br>
-            <a:endParaRPr lang="en-US" sz="4000" dirty="0"/>
-          </a:p>
-          <a:p>
-            <a:pPr marL="0" indent="0" algn="l" rtl="0">
-              <a:buNone/>
-            </a:pPr>
-            <a:endParaRPr lang="en-GB" sz="4400" dirty="0"/>
+            <a:r>
+              <a:rPr lang="en-US" sz="4000" dirty="0"/>
+              <a:t>(this feature based on feature 5 what we will explain next slide)</a:t>
+            </a:r>
           </a:p>
         </p:txBody>
       </p:sp>
@@ -10379,7 +10509,12 @@
             <p:ph type="title"/>
           </p:nvPr>
         </p:nvSpPr>
-        <p:spPr/>
+        <p:spPr>
+          <a:xfrm>
+            <a:off x="801687" y="-33338"/>
+            <a:ext cx="10515600" cy="1325563"/>
+          </a:xfrm>
+        </p:spPr>
         <p:txBody>
           <a:bodyPr/>
           <a:lstStyle/>
@@ -10429,7 +10564,7 @@
         </p:nvSpPr>
         <p:spPr>
           <a:xfrm>
-            <a:off x="1054100" y="1554163"/>
+            <a:off x="874713" y="1052513"/>
             <a:ext cx="10963275" cy="5167312"/>
           </a:xfrm>
         </p:spPr>
@@ -10442,7 +10577,28 @@
             </a:pPr>
             <a:r>
               <a:rPr lang="en-US" sz="4400" dirty="0"/>
-              <a:t>Ransomware is one of most prevalent malicious software in 2020 that encrypts the files in a victim’s machine and demands money. The global damage cost and financial losses of individuals and organizations due to ransomware is increasing year by year.</a:t>
+              <a:t>Ransomware is one of most prevalent malicious software in 2020 that encrypts the files in a victim’s machine and demands money. The global damage cost and financial losses of individuals and </a:t>
+            </a:r>
+            <a:br>
+              <a:rPr lang="en-US" sz="4400" dirty="0"/>
+            </a:br>
+            <a:r>
+              <a:rPr lang="en-US" sz="4400" dirty="0"/>
+              <a:t>organizations due to</a:t>
+            </a:r>
+            <a:br>
+              <a:rPr lang="en-US" sz="4400" dirty="0"/>
+            </a:br>
+            <a:r>
+              <a:rPr lang="en-US" sz="4400" dirty="0"/>
+              <a:t> ransomware is increasing</a:t>
+            </a:r>
+            <a:br>
+              <a:rPr lang="en-US" sz="4400" dirty="0"/>
+            </a:br>
+            <a:r>
+              <a:rPr lang="en-US" sz="4400" dirty="0"/>
+              <a:t> year by year.</a:t>
             </a:r>
             <a:endParaRPr lang="en-GB" sz="4400" dirty="0"/>
           </a:p>
@@ -10585,6 +10741,42 @@
           </a:p>
         </p:txBody>
       </p:sp>
+      <p:pic>
+        <p:nvPicPr>
+          <p:cNvPr id="3" name="תמונה 2" descr="תמונה שמכילה טקסט&#10;&#10;התיאור נוצר באופן אוטומטי">
+            <a:extLst>
+              <a:ext uri="{FF2B5EF4-FFF2-40B4-BE49-F238E27FC236}">
+                <a16:creationId xmlns:a16="http://schemas.microsoft.com/office/drawing/2014/main" id="{540FA217-33D7-4C9E-B971-C1AFB7753F5D}"/>
+              </a:ext>
+            </a:extLst>
+          </p:cNvPr>
+          <p:cNvPicPr>
+            <a:picLocks noChangeAspect="1"/>
+          </p:cNvPicPr>
+          <p:nvPr/>
+        </p:nvPicPr>
+        <p:blipFill>
+          <a:blip r:embed="rId4">
+            <a:extLst>
+              <a:ext uri="{28A0092B-C50C-407E-A947-70E740481C1C}">
+                <a14:useLocalDpi xmlns:a14="http://schemas.microsoft.com/office/drawing/2010/main" val="0"/>
+              </a:ext>
+            </a:extLst>
+          </a:blip>
+          <a:stretch>
+            <a:fillRect/>
+          </a:stretch>
+        </p:blipFill>
+        <p:spPr>
+          <a:xfrm>
+            <a:off x="7330876" y="3429000"/>
+            <a:ext cx="4726892" cy="3429000"/>
+          </a:xfrm>
+          <a:prstGeom prst="rect">
+            <a:avLst/>
+          </a:prstGeom>
+        </p:spPr>
+      </p:pic>
     </p:spTree>
     <p:extLst>
       <p:ext uri="{BB962C8B-B14F-4D97-AF65-F5344CB8AC3E}">
@@ -10874,17 +11066,6 @@
             <a:br>
               <a:rPr lang="en-US" sz="4000" dirty="0"/>
             </a:br>
-            <a:r>
-              <a:rPr lang="en-US" sz="4000" dirty="0"/>
-              <a:t>3. Count If we have a least 1 word</a:t>
-            </a:r>
-            <a:br>
-              <a:rPr lang="en-US" sz="4000" dirty="0"/>
-            </a:br>
-            <a:r>
-              <a:rPr lang="en-US" sz="4000" dirty="0"/>
-              <a:t>     from 3 in English </a:t>
-            </a:r>
             <a:br>
               <a:rPr lang="en-US" sz="4000" dirty="0"/>
             </a:br>
@@ -11068,7 +11249,7 @@
     </p:spTree>
     <p:extLst>
       <p:ext uri="{BB962C8B-B14F-4D97-AF65-F5344CB8AC3E}">
-        <p14:creationId xmlns:p14="http://schemas.microsoft.com/office/powerpoint/2010/main" val="3293300182"/>
+        <p14:creationId xmlns:p14="http://schemas.microsoft.com/office/powerpoint/2010/main" val="3942291279"/>
       </p:ext>
     </p:extLst>
   </p:cSld>
@@ -11503,7 +11684,7 @@
                 </a:effectLst>
                 <a:cs typeface="+mn-cs"/>
               </a:rPr>
-              <a:t>My Machine Learning</a:t>
+              <a:t>Fifth feature</a:t>
             </a:r>
             <a:endParaRPr lang="he-IL" b="1" dirty="0">
               <a:solidFill>
@@ -11541,37 +11722,13 @@
           <a:bodyPr/>
           <a:lstStyle/>
           <a:p>
-            <a:pPr marL="0" indent="0" algn="l" rtl="0">
+            <a:pPr marL="0" indent="0" algn="ctr" rtl="0">
               <a:buNone/>
             </a:pPr>
             <a:r>
-              <a:rPr lang="en-US" sz="4000" dirty="0"/>
-              <a:t>I have 2 type of ML :KNN , SVM</a:t>
+              <a:rPr lang="en-GB" sz="4400" dirty="0"/>
+              <a:t>Running time to check 1 word on line VS all word!</a:t>
             </a:r>
-            <a:br>
-              <a:rPr lang="en-US" sz="4000" dirty="0"/>
-            </a:br>
-            <a:r>
-              <a:rPr lang="en-US" sz="4000" dirty="0"/>
-              <a:t>my data is divided 50%-50% (Encrypted /Unencrypted) </a:t>
-            </a:r>
-            <a:br>
-              <a:rPr lang="en-US" sz="4000" dirty="0"/>
-            </a:br>
-            <a:r>
-              <a:rPr lang="en-US" sz="4000" dirty="0"/>
-              <a:t>and to 80% Train 20% test.</a:t>
-            </a:r>
-            <a:br>
-              <a:rPr lang="en-US" sz="4000" dirty="0"/>
-            </a:br>
-            <a:endParaRPr lang="en-US" sz="4000" dirty="0"/>
-          </a:p>
-          <a:p>
-            <a:pPr marL="0" indent="0" algn="l" rtl="0">
-              <a:buNone/>
-            </a:pPr>
-            <a:endParaRPr lang="en-GB" sz="4400" dirty="0"/>
           </a:p>
         </p:txBody>
       </p:sp>
@@ -11707,6 +11864,1006 @@
                 <a:defRPr/>
               </a:pPr>
               <a:t>21</a:t>
+            </a:fld>
+            <a:endParaRPr lang="he-IL" dirty="0"/>
+          </a:p>
+        </p:txBody>
+      </p:sp>
+      <p:pic>
+        <p:nvPicPr>
+          <p:cNvPr id="3" name="תמונה 2" descr="תמונה שמכילה טקסט, אלקטרוניקה&#10;&#10;התיאור נוצר באופן אוטומטי">
+            <a:extLst>
+              <a:ext uri="{FF2B5EF4-FFF2-40B4-BE49-F238E27FC236}">
+                <a16:creationId xmlns:a16="http://schemas.microsoft.com/office/drawing/2014/main" id="{A132AD9A-A28A-45CE-941B-AA28B6B675A9}"/>
+              </a:ext>
+            </a:extLst>
+          </p:cNvPr>
+          <p:cNvPicPr>
+            <a:picLocks noChangeAspect="1"/>
+          </p:cNvPicPr>
+          <p:nvPr/>
+        </p:nvPicPr>
+        <p:blipFill rotWithShape="1">
+          <a:blip r:embed="rId4">
+            <a:extLst>
+              <a:ext uri="{28A0092B-C50C-407E-A947-70E740481C1C}">
+                <a14:useLocalDpi xmlns:a14="http://schemas.microsoft.com/office/drawing/2010/main" val="0"/>
+              </a:ext>
+            </a:extLst>
+          </a:blip>
+          <a:srcRect r="5091" b="8434"/>
+          <a:stretch/>
+        </p:blipFill>
+        <p:spPr>
+          <a:xfrm>
+            <a:off x="838200" y="2688659"/>
+            <a:ext cx="11172825" cy="3542278"/>
+          </a:xfrm>
+          <a:prstGeom prst="rect">
+            <a:avLst/>
+          </a:prstGeom>
+        </p:spPr>
+      </p:pic>
+    </p:spTree>
+    <p:extLst>
+      <p:ext uri="{BB962C8B-B14F-4D97-AF65-F5344CB8AC3E}">
+        <p14:creationId xmlns:p14="http://schemas.microsoft.com/office/powerpoint/2010/main" val="3293300182"/>
+      </p:ext>
+    </p:extLst>
+  </p:cSld>
+  <p:clrMapOvr>
+    <a:masterClrMapping/>
+  </p:clrMapOvr>
+  <p:timing>
+    <p:tnLst>
+      <p:par>
+        <p:cTn id="1" dur="indefinite" restart="never" nodeType="tmRoot">
+          <p:childTnLst>
+            <p:seq concurrent="1" nextAc="seek">
+              <p:cTn id="2" dur="indefinite" nodeType="mainSeq">
+                <p:childTnLst>
+                  <p:par>
+                    <p:cTn id="3" fill="hold">
+                      <p:stCondLst>
+                        <p:cond delay="indefinite"/>
+                      </p:stCondLst>
+                      <p:childTnLst>
+                        <p:par>
+                          <p:cTn id="4" fill="hold">
+                            <p:stCondLst>
+                              <p:cond delay="0"/>
+                            </p:stCondLst>
+                            <p:childTnLst>
+                              <p:par>
+                                <p:cTn id="5" presetID="42" presetClass="entr" presetSubtype="0" fill="hold" grpId="0" nodeType="clickEffect">
+                                  <p:stCondLst>
+                                    <p:cond delay="0"/>
+                                  </p:stCondLst>
+                                  <p:childTnLst>
+                                    <p:set>
+                                      <p:cBhvr>
+                                        <p:cTn id="6" dur="1" fill="hold">
+                                          <p:stCondLst>
+                                            <p:cond delay="0"/>
+                                          </p:stCondLst>
+                                        </p:cTn>
+                                        <p:tgtEl>
+                                          <p:spTgt spid="5">
+                                            <p:txEl>
+                                              <p:pRg st="0" end="0"/>
+                                            </p:txEl>
+                                          </p:spTgt>
+                                        </p:tgtEl>
+                                        <p:attrNameLst>
+                                          <p:attrName>style.visibility</p:attrName>
+                                        </p:attrNameLst>
+                                      </p:cBhvr>
+                                      <p:to>
+                                        <p:strVal val="visible"/>
+                                      </p:to>
+                                    </p:set>
+                                    <p:animEffect transition="in" filter="fade">
+                                      <p:cBhvr>
+                                        <p:cTn id="7" dur="1000"/>
+                                        <p:tgtEl>
+                                          <p:spTgt spid="5">
+                                            <p:txEl>
+                                              <p:pRg st="0" end="0"/>
+                                            </p:txEl>
+                                          </p:spTgt>
+                                        </p:tgtEl>
+                                      </p:cBhvr>
+                                    </p:animEffect>
+                                    <p:anim calcmode="lin" valueType="num">
+                                      <p:cBhvr>
+                                        <p:cTn id="8" dur="1000" fill="hold"/>
+                                        <p:tgtEl>
+                                          <p:spTgt spid="5">
+                                            <p:txEl>
+                                              <p:pRg st="0" end="0"/>
+                                            </p:txEl>
+                                          </p:spTgt>
+                                        </p:tgtEl>
+                                        <p:attrNameLst>
+                                          <p:attrName>ppt_x</p:attrName>
+                                        </p:attrNameLst>
+                                      </p:cBhvr>
+                                      <p:tavLst>
+                                        <p:tav tm="0">
+                                          <p:val>
+                                            <p:strVal val="#ppt_x"/>
+                                          </p:val>
+                                        </p:tav>
+                                        <p:tav tm="100000">
+                                          <p:val>
+                                            <p:strVal val="#ppt_x"/>
+                                          </p:val>
+                                        </p:tav>
+                                      </p:tavLst>
+                                    </p:anim>
+                                    <p:anim calcmode="lin" valueType="num">
+                                      <p:cBhvr>
+                                        <p:cTn id="9" dur="1000" fill="hold"/>
+                                        <p:tgtEl>
+                                          <p:spTgt spid="5">
+                                            <p:txEl>
+                                              <p:pRg st="0" end="0"/>
+                                            </p:txEl>
+                                          </p:spTgt>
+                                        </p:tgtEl>
+                                        <p:attrNameLst>
+                                          <p:attrName>ppt_y</p:attrName>
+                                        </p:attrNameLst>
+                                      </p:cBhvr>
+                                      <p:tavLst>
+                                        <p:tav tm="0">
+                                          <p:val>
+                                            <p:strVal val="#ppt_y+.1"/>
+                                          </p:val>
+                                        </p:tav>
+                                        <p:tav tm="100000">
+                                          <p:val>
+                                            <p:strVal val="#ppt_y"/>
+                                          </p:val>
+                                        </p:tav>
+                                      </p:tavLst>
+                                    </p:anim>
+                                  </p:childTnLst>
+                                </p:cTn>
+                              </p:par>
+                            </p:childTnLst>
+                          </p:cTn>
+                        </p:par>
+                      </p:childTnLst>
+                    </p:cTn>
+                  </p:par>
+                </p:childTnLst>
+              </p:cTn>
+              <p:prevCondLst>
+                <p:cond evt="onPrev" delay="0">
+                  <p:tgtEl>
+                    <p:sldTgt/>
+                  </p:tgtEl>
+                </p:cond>
+              </p:prevCondLst>
+              <p:nextCondLst>
+                <p:cond evt="onNext" delay="0">
+                  <p:tgtEl>
+                    <p:sldTgt/>
+                  </p:tgtEl>
+                </p:cond>
+              </p:nextCondLst>
+            </p:seq>
+          </p:childTnLst>
+        </p:cTn>
+      </p:par>
+    </p:tnLst>
+    <p:bldLst>
+      <p:bldP spid="5" grpId="0" build="p"/>
+    </p:bldLst>
+  </p:timing>
+</p:sld>
+</file>
+
+<file path=ppt/slides/slide22.xml><?xml version="1.0" encoding="utf-8"?>
+<p:sld xmlns:a="http://schemas.openxmlformats.org/drawingml/2006/main" xmlns:r="http://schemas.openxmlformats.org/officeDocument/2006/relationships" xmlns:p="http://schemas.openxmlformats.org/presentationml/2006/main">
+  <p:cSld>
+    <p:spTree>
+      <p:nvGrpSpPr>
+        <p:cNvPr id="1" name=""/>
+        <p:cNvGrpSpPr/>
+        <p:nvPr/>
+      </p:nvGrpSpPr>
+      <p:grpSpPr>
+        <a:xfrm>
+          <a:off x="0" y="0"/>
+          <a:ext cx="0" cy="0"/>
+          <a:chOff x="0" y="0"/>
+          <a:chExt cx="0" cy="0"/>
+        </a:xfrm>
+      </p:grpSpPr>
+      <p:sp>
+        <p:nvSpPr>
+          <p:cNvPr id="4" name="כותרת 3"/>
+          <p:cNvSpPr>
+            <a:spLocks noGrp="1"/>
+          </p:cNvSpPr>
+          <p:nvPr>
+            <p:ph type="title"/>
+          </p:nvPr>
+        </p:nvSpPr>
+        <p:spPr/>
+        <p:txBody>
+          <a:bodyPr/>
+          <a:lstStyle/>
+          <a:p>
+            <a:pPr algn="ctr" rtl="0"/>
+            <a:r>
+              <a:rPr lang="en-US" b="1" dirty="0">
+                <a:solidFill>
+                  <a:srgbClr val="002060"/>
+                </a:solidFill>
+                <a:effectLst>
+                  <a:outerShdw blurRad="38100" dist="38100" dir="2700000" algn="tl">
+                    <a:srgbClr val="000000">
+                      <a:alpha val="43137"/>
+                    </a:srgbClr>
+                  </a:outerShdw>
+                </a:effectLst>
+                <a:cs typeface="+mn-cs"/>
+              </a:rPr>
+              <a:t>sixth feature</a:t>
+            </a:r>
+            <a:endParaRPr lang="he-IL" b="1" dirty="0">
+              <a:solidFill>
+                <a:srgbClr val="002060"/>
+              </a:solidFill>
+              <a:effectLst>
+                <a:outerShdw blurRad="38100" dist="38100" dir="2700000" algn="tl">
+                  <a:srgbClr val="000000">
+                    <a:alpha val="43137"/>
+                  </a:srgbClr>
+                </a:outerShdw>
+              </a:effectLst>
+              <a:cs typeface="+mn-cs"/>
+            </a:endParaRPr>
+          </a:p>
+        </p:txBody>
+      </p:sp>
+      <p:sp>
+        <p:nvSpPr>
+          <p:cNvPr id="5" name="מציין מיקום תוכן 4"/>
+          <p:cNvSpPr>
+            <a:spLocks noGrp="1"/>
+          </p:cNvSpPr>
+          <p:nvPr>
+            <p:ph idx="1"/>
+          </p:nvPr>
+        </p:nvSpPr>
+        <p:spPr>
+          <a:xfrm>
+            <a:off x="1054100" y="1268413"/>
+            <a:ext cx="10515600" cy="5375275"/>
+          </a:xfrm>
+        </p:spPr>
+        <p:txBody>
+          <a:bodyPr/>
+          <a:lstStyle/>
+          <a:p>
+            <a:pPr marL="0" indent="0" algn="l" rtl="0">
+              <a:buNone/>
+            </a:pPr>
+            <a:r>
+              <a:rPr lang="en-US" sz="4000" dirty="0"/>
+              <a:t>Count how much line on text :</a:t>
+            </a:r>
+          </a:p>
+          <a:p>
+            <a:pPr marL="0" indent="0" algn="l" rtl="0">
+              <a:buNone/>
+            </a:pPr>
+            <a:r>
+              <a:rPr lang="en-US" sz="4000" dirty="0"/>
+              <a:t>This feature work only when feature 5 is on.</a:t>
+            </a:r>
+            <a:br>
+              <a:rPr lang="en-US" sz="4000" dirty="0"/>
+            </a:br>
+            <a:r>
+              <a:rPr lang="en-US" sz="4000" dirty="0"/>
+              <a:t>This feature is to check how much line in the text</a:t>
+            </a:r>
+            <a:br>
+              <a:rPr lang="en-US" sz="4000" dirty="0"/>
+            </a:br>
+            <a:r>
+              <a:rPr lang="en-US" sz="4000" dirty="0"/>
+              <a:t>and because we check only 1/3 word in line .</a:t>
+            </a:r>
+            <a:br>
+              <a:rPr lang="en-US" sz="4000" dirty="0"/>
+            </a:br>
+            <a:r>
+              <a:rPr lang="en-US" sz="4000" dirty="0"/>
+              <a:t>This data can help to ML used in max on with feature 5</a:t>
+            </a:r>
+            <a:br>
+              <a:rPr lang="en-US" sz="4000" dirty="0"/>
+            </a:br>
+            <a:endParaRPr lang="en-US" sz="4000" dirty="0"/>
+          </a:p>
+          <a:p>
+            <a:pPr marL="0" indent="0" algn="l" rtl="0">
+              <a:buNone/>
+            </a:pPr>
+            <a:endParaRPr lang="en-GB" sz="4400" dirty="0"/>
+          </a:p>
+        </p:txBody>
+      </p:sp>
+      <p:pic>
+        <p:nvPicPr>
+          <p:cNvPr id="2052" name="Picture 2" descr="תוצאת תמונה עבור מצגת אונ אריאל לוגו"/>
+          <p:cNvPicPr>
+            <a:picLocks noChangeAspect="1" noChangeArrowheads="1"/>
+          </p:cNvPicPr>
+          <p:nvPr/>
+        </p:nvPicPr>
+        <p:blipFill>
+          <a:blip r:embed="rId2">
+            <a:extLst>
+              <a:ext uri="{28A0092B-C50C-407E-A947-70E740481C1C}">
+                <a14:useLocalDpi xmlns:a14="http://schemas.microsoft.com/office/drawing/2010/main" val="0"/>
+              </a:ext>
+            </a:extLst>
+          </a:blip>
+          <a:srcRect/>
+          <a:stretch>
+            <a:fillRect/>
+          </a:stretch>
+        </p:blipFill>
+        <p:spPr bwMode="auto">
+          <a:xfrm>
+            <a:off x="10417175" y="-33338"/>
+            <a:ext cx="1800225" cy="1012826"/>
+          </a:xfrm>
+          <a:prstGeom prst="rect">
+            <a:avLst/>
+          </a:prstGeom>
+          <a:noFill/>
+          <a:ln>
+            <a:noFill/>
+          </a:ln>
+          <a:extLst>
+            <a:ext uri="{909E8E84-426E-40DD-AFC4-6F175D3DCCD1}">
+              <a14:hiddenFill xmlns:a14="http://schemas.microsoft.com/office/drawing/2010/main">
+                <a:solidFill>
+                  <a:srgbClr val="FFFFFF"/>
+                </a:solidFill>
+              </a14:hiddenFill>
+            </a:ext>
+            <a:ext uri="{91240B29-F687-4F45-9708-019B960494DF}">
+              <a14:hiddenLine xmlns:a14="http://schemas.microsoft.com/office/drawing/2010/main" w="9525">
+                <a:solidFill>
+                  <a:srgbClr val="000000"/>
+                </a:solidFill>
+                <a:miter lim="800000"/>
+                <a:headEnd/>
+                <a:tailEnd/>
+              </a14:hiddenLine>
+            </a:ext>
+          </a:extLst>
+        </p:spPr>
+      </p:pic>
+      <p:pic>
+        <p:nvPicPr>
+          <p:cNvPr id="2053" name="תמונה 4"/>
+          <p:cNvPicPr>
+            <a:picLocks noChangeAspect="1"/>
+          </p:cNvPicPr>
+          <p:nvPr/>
+        </p:nvPicPr>
+        <p:blipFill>
+          <a:blip r:embed="rId3">
+            <a:extLst>
+              <a:ext uri="{28A0092B-C50C-407E-A947-70E740481C1C}">
+                <a14:useLocalDpi xmlns:a14="http://schemas.microsoft.com/office/drawing/2010/main" val="0"/>
+              </a:ext>
+            </a:extLst>
+          </a:blip>
+          <a:srcRect/>
+          <a:stretch>
+            <a:fillRect/>
+          </a:stretch>
+        </p:blipFill>
+        <p:spPr bwMode="auto">
+          <a:xfrm>
+            <a:off x="0" y="5565775"/>
+            <a:ext cx="1054100" cy="1292225"/>
+          </a:xfrm>
+          <a:prstGeom prst="rect">
+            <a:avLst/>
+          </a:prstGeom>
+          <a:noFill/>
+          <a:ln>
+            <a:noFill/>
+          </a:ln>
+          <a:extLst>
+            <a:ext uri="{909E8E84-426E-40DD-AFC4-6F175D3DCCD1}">
+              <a14:hiddenFill xmlns:a14="http://schemas.microsoft.com/office/drawing/2010/main">
+                <a:solidFill>
+                  <a:srgbClr val="FFFFFF"/>
+                </a:solidFill>
+              </a14:hiddenFill>
+            </a:ext>
+            <a:ext uri="{91240B29-F687-4F45-9708-019B960494DF}">
+              <a14:hiddenLine xmlns:a14="http://schemas.microsoft.com/office/drawing/2010/main" w="9525">
+                <a:solidFill>
+                  <a:srgbClr val="000000"/>
+                </a:solidFill>
+                <a:miter lim="800000"/>
+                <a:headEnd/>
+                <a:tailEnd/>
+              </a14:hiddenLine>
+            </a:ext>
+          </a:extLst>
+        </p:spPr>
+      </p:pic>
+      <p:sp>
+        <p:nvSpPr>
+          <p:cNvPr id="6" name="מציין מיקום של מספר שקופית 5"/>
+          <p:cNvSpPr>
+            <a:spLocks noGrp="1"/>
+          </p:cNvSpPr>
+          <p:nvPr>
+            <p:ph type="sldNum" sz="quarter" idx="12"/>
+          </p:nvPr>
+        </p:nvSpPr>
+        <p:spPr/>
+        <p:txBody>
+          <a:bodyPr/>
+          <a:lstStyle/>
+          <a:p>
+            <a:pPr>
+              <a:defRPr/>
+            </a:pPr>
+            <a:fld id="{EB0A1C18-2E97-4B45-832C-DE832CBD48BD}" type="slidenum">
+              <a:rPr lang="he-IL" smtClean="0"/>
+              <a:pPr>
+                <a:defRPr/>
+              </a:pPr>
+              <a:t>22</a:t>
+            </a:fld>
+            <a:endParaRPr lang="he-IL" dirty="0"/>
+          </a:p>
+        </p:txBody>
+      </p:sp>
+    </p:spTree>
+    <p:extLst>
+      <p:ext uri="{BB962C8B-B14F-4D97-AF65-F5344CB8AC3E}">
+        <p14:creationId xmlns:p14="http://schemas.microsoft.com/office/powerpoint/2010/main" val="3223664486"/>
+      </p:ext>
+    </p:extLst>
+  </p:cSld>
+  <p:clrMapOvr>
+    <a:masterClrMapping/>
+  </p:clrMapOvr>
+  <p:timing>
+    <p:tnLst>
+      <p:par>
+        <p:cTn id="1" dur="indefinite" restart="never" nodeType="tmRoot">
+          <p:childTnLst>
+            <p:seq concurrent="1" nextAc="seek">
+              <p:cTn id="2" dur="indefinite" nodeType="mainSeq">
+                <p:childTnLst>
+                  <p:par>
+                    <p:cTn id="3" fill="hold">
+                      <p:stCondLst>
+                        <p:cond delay="indefinite"/>
+                      </p:stCondLst>
+                      <p:childTnLst>
+                        <p:par>
+                          <p:cTn id="4" fill="hold">
+                            <p:stCondLst>
+                              <p:cond delay="0"/>
+                            </p:stCondLst>
+                            <p:childTnLst>
+                              <p:par>
+                                <p:cTn id="5" presetID="42" presetClass="entr" presetSubtype="0" fill="hold" grpId="0" nodeType="clickEffect">
+                                  <p:stCondLst>
+                                    <p:cond delay="0"/>
+                                  </p:stCondLst>
+                                  <p:childTnLst>
+                                    <p:set>
+                                      <p:cBhvr>
+                                        <p:cTn id="6" dur="1" fill="hold">
+                                          <p:stCondLst>
+                                            <p:cond delay="0"/>
+                                          </p:stCondLst>
+                                        </p:cTn>
+                                        <p:tgtEl>
+                                          <p:spTgt spid="5">
+                                            <p:txEl>
+                                              <p:pRg st="0" end="0"/>
+                                            </p:txEl>
+                                          </p:spTgt>
+                                        </p:tgtEl>
+                                        <p:attrNameLst>
+                                          <p:attrName>style.visibility</p:attrName>
+                                        </p:attrNameLst>
+                                      </p:cBhvr>
+                                      <p:to>
+                                        <p:strVal val="visible"/>
+                                      </p:to>
+                                    </p:set>
+                                    <p:animEffect transition="in" filter="fade">
+                                      <p:cBhvr>
+                                        <p:cTn id="7" dur="1000"/>
+                                        <p:tgtEl>
+                                          <p:spTgt spid="5">
+                                            <p:txEl>
+                                              <p:pRg st="0" end="0"/>
+                                            </p:txEl>
+                                          </p:spTgt>
+                                        </p:tgtEl>
+                                      </p:cBhvr>
+                                    </p:animEffect>
+                                    <p:anim calcmode="lin" valueType="num">
+                                      <p:cBhvr>
+                                        <p:cTn id="8" dur="1000" fill="hold"/>
+                                        <p:tgtEl>
+                                          <p:spTgt spid="5">
+                                            <p:txEl>
+                                              <p:pRg st="0" end="0"/>
+                                            </p:txEl>
+                                          </p:spTgt>
+                                        </p:tgtEl>
+                                        <p:attrNameLst>
+                                          <p:attrName>ppt_x</p:attrName>
+                                        </p:attrNameLst>
+                                      </p:cBhvr>
+                                      <p:tavLst>
+                                        <p:tav tm="0">
+                                          <p:val>
+                                            <p:strVal val="#ppt_x"/>
+                                          </p:val>
+                                        </p:tav>
+                                        <p:tav tm="100000">
+                                          <p:val>
+                                            <p:strVal val="#ppt_x"/>
+                                          </p:val>
+                                        </p:tav>
+                                      </p:tavLst>
+                                    </p:anim>
+                                    <p:anim calcmode="lin" valueType="num">
+                                      <p:cBhvr>
+                                        <p:cTn id="9" dur="1000" fill="hold"/>
+                                        <p:tgtEl>
+                                          <p:spTgt spid="5">
+                                            <p:txEl>
+                                              <p:pRg st="0" end="0"/>
+                                            </p:txEl>
+                                          </p:spTgt>
+                                        </p:tgtEl>
+                                        <p:attrNameLst>
+                                          <p:attrName>ppt_y</p:attrName>
+                                        </p:attrNameLst>
+                                      </p:cBhvr>
+                                      <p:tavLst>
+                                        <p:tav tm="0">
+                                          <p:val>
+                                            <p:strVal val="#ppt_y+.1"/>
+                                          </p:val>
+                                        </p:tav>
+                                        <p:tav tm="100000">
+                                          <p:val>
+                                            <p:strVal val="#ppt_y"/>
+                                          </p:val>
+                                        </p:tav>
+                                      </p:tavLst>
+                                    </p:anim>
+                                  </p:childTnLst>
+                                </p:cTn>
+                              </p:par>
+                            </p:childTnLst>
+                          </p:cTn>
+                        </p:par>
+                      </p:childTnLst>
+                    </p:cTn>
+                  </p:par>
+                  <p:par>
+                    <p:cTn id="10" fill="hold">
+                      <p:stCondLst>
+                        <p:cond delay="indefinite"/>
+                      </p:stCondLst>
+                      <p:childTnLst>
+                        <p:par>
+                          <p:cTn id="11" fill="hold">
+                            <p:stCondLst>
+                              <p:cond delay="0"/>
+                            </p:stCondLst>
+                            <p:childTnLst>
+                              <p:par>
+                                <p:cTn id="12" presetID="42" presetClass="entr" presetSubtype="0" fill="hold" grpId="0" nodeType="clickEffect">
+                                  <p:stCondLst>
+                                    <p:cond delay="0"/>
+                                  </p:stCondLst>
+                                  <p:childTnLst>
+                                    <p:set>
+                                      <p:cBhvr>
+                                        <p:cTn id="13" dur="1" fill="hold">
+                                          <p:stCondLst>
+                                            <p:cond delay="0"/>
+                                          </p:stCondLst>
+                                        </p:cTn>
+                                        <p:tgtEl>
+                                          <p:spTgt spid="5">
+                                            <p:txEl>
+                                              <p:pRg st="1" end="1"/>
+                                            </p:txEl>
+                                          </p:spTgt>
+                                        </p:tgtEl>
+                                        <p:attrNameLst>
+                                          <p:attrName>style.visibility</p:attrName>
+                                        </p:attrNameLst>
+                                      </p:cBhvr>
+                                      <p:to>
+                                        <p:strVal val="visible"/>
+                                      </p:to>
+                                    </p:set>
+                                    <p:animEffect transition="in" filter="fade">
+                                      <p:cBhvr>
+                                        <p:cTn id="14" dur="1000"/>
+                                        <p:tgtEl>
+                                          <p:spTgt spid="5">
+                                            <p:txEl>
+                                              <p:pRg st="1" end="1"/>
+                                            </p:txEl>
+                                          </p:spTgt>
+                                        </p:tgtEl>
+                                      </p:cBhvr>
+                                    </p:animEffect>
+                                    <p:anim calcmode="lin" valueType="num">
+                                      <p:cBhvr>
+                                        <p:cTn id="15" dur="1000" fill="hold"/>
+                                        <p:tgtEl>
+                                          <p:spTgt spid="5">
+                                            <p:txEl>
+                                              <p:pRg st="1" end="1"/>
+                                            </p:txEl>
+                                          </p:spTgt>
+                                        </p:tgtEl>
+                                        <p:attrNameLst>
+                                          <p:attrName>ppt_x</p:attrName>
+                                        </p:attrNameLst>
+                                      </p:cBhvr>
+                                      <p:tavLst>
+                                        <p:tav tm="0">
+                                          <p:val>
+                                            <p:strVal val="#ppt_x"/>
+                                          </p:val>
+                                        </p:tav>
+                                        <p:tav tm="100000">
+                                          <p:val>
+                                            <p:strVal val="#ppt_x"/>
+                                          </p:val>
+                                        </p:tav>
+                                      </p:tavLst>
+                                    </p:anim>
+                                    <p:anim calcmode="lin" valueType="num">
+                                      <p:cBhvr>
+                                        <p:cTn id="16" dur="1000" fill="hold"/>
+                                        <p:tgtEl>
+                                          <p:spTgt spid="5">
+                                            <p:txEl>
+                                              <p:pRg st="1" end="1"/>
+                                            </p:txEl>
+                                          </p:spTgt>
+                                        </p:tgtEl>
+                                        <p:attrNameLst>
+                                          <p:attrName>ppt_y</p:attrName>
+                                        </p:attrNameLst>
+                                      </p:cBhvr>
+                                      <p:tavLst>
+                                        <p:tav tm="0">
+                                          <p:val>
+                                            <p:strVal val="#ppt_y+.1"/>
+                                          </p:val>
+                                        </p:tav>
+                                        <p:tav tm="100000">
+                                          <p:val>
+                                            <p:strVal val="#ppt_y"/>
+                                          </p:val>
+                                        </p:tav>
+                                      </p:tavLst>
+                                    </p:anim>
+                                  </p:childTnLst>
+                                </p:cTn>
+                              </p:par>
+                            </p:childTnLst>
+                          </p:cTn>
+                        </p:par>
+                      </p:childTnLst>
+                    </p:cTn>
+                  </p:par>
+                </p:childTnLst>
+              </p:cTn>
+              <p:prevCondLst>
+                <p:cond evt="onPrev" delay="0">
+                  <p:tgtEl>
+                    <p:sldTgt/>
+                  </p:tgtEl>
+                </p:cond>
+              </p:prevCondLst>
+              <p:nextCondLst>
+                <p:cond evt="onNext" delay="0">
+                  <p:tgtEl>
+                    <p:sldTgt/>
+                  </p:tgtEl>
+                </p:cond>
+              </p:nextCondLst>
+            </p:seq>
+          </p:childTnLst>
+        </p:cTn>
+      </p:par>
+    </p:tnLst>
+    <p:bldLst>
+      <p:bldP spid="5" grpId="0" build="p"/>
+    </p:bldLst>
+  </p:timing>
+</p:sld>
+</file>
+
+<file path=ppt/slides/slide23.xml><?xml version="1.0" encoding="utf-8"?>
+<p:sld xmlns:a="http://schemas.openxmlformats.org/drawingml/2006/main" xmlns:r="http://schemas.openxmlformats.org/officeDocument/2006/relationships" xmlns:p="http://schemas.openxmlformats.org/presentationml/2006/main">
+  <p:cSld>
+    <p:spTree>
+      <p:nvGrpSpPr>
+        <p:cNvPr id="1" name=""/>
+        <p:cNvGrpSpPr/>
+        <p:nvPr/>
+      </p:nvGrpSpPr>
+      <p:grpSpPr>
+        <a:xfrm>
+          <a:off x="0" y="0"/>
+          <a:ext cx="0" cy="0"/>
+          <a:chOff x="0" y="0"/>
+          <a:chExt cx="0" cy="0"/>
+        </a:xfrm>
+      </p:grpSpPr>
+      <p:sp>
+        <p:nvSpPr>
+          <p:cNvPr id="4" name="כותרת 3"/>
+          <p:cNvSpPr>
+            <a:spLocks noGrp="1"/>
+          </p:cNvSpPr>
+          <p:nvPr>
+            <p:ph type="title"/>
+          </p:nvPr>
+        </p:nvSpPr>
+        <p:spPr/>
+        <p:txBody>
+          <a:bodyPr/>
+          <a:lstStyle/>
+          <a:p>
+            <a:pPr algn="ctr" rtl="0"/>
+            <a:r>
+              <a:rPr lang="en-US" b="1" dirty="0">
+                <a:solidFill>
+                  <a:srgbClr val="002060"/>
+                </a:solidFill>
+                <a:effectLst>
+                  <a:outerShdw blurRad="38100" dist="38100" dir="2700000" algn="tl">
+                    <a:srgbClr val="000000">
+                      <a:alpha val="43137"/>
+                    </a:srgbClr>
+                  </a:outerShdw>
+                </a:effectLst>
+                <a:cs typeface="+mn-cs"/>
+              </a:rPr>
+              <a:t>My Machine Learning</a:t>
+            </a:r>
+            <a:endParaRPr lang="he-IL" b="1" dirty="0">
+              <a:solidFill>
+                <a:srgbClr val="002060"/>
+              </a:solidFill>
+              <a:effectLst>
+                <a:outerShdw blurRad="38100" dist="38100" dir="2700000" algn="tl">
+                  <a:srgbClr val="000000">
+                    <a:alpha val="43137"/>
+                  </a:srgbClr>
+                </a:outerShdw>
+              </a:effectLst>
+              <a:cs typeface="+mn-cs"/>
+            </a:endParaRPr>
+          </a:p>
+        </p:txBody>
+      </p:sp>
+      <p:sp>
+        <p:nvSpPr>
+          <p:cNvPr id="5" name="מציין מיקום תוכן 4"/>
+          <p:cNvSpPr>
+            <a:spLocks noGrp="1"/>
+          </p:cNvSpPr>
+          <p:nvPr>
+            <p:ph idx="1"/>
+          </p:nvPr>
+        </p:nvSpPr>
+        <p:spPr>
+          <a:xfrm>
+            <a:off x="1054100" y="1268413"/>
+            <a:ext cx="10515600" cy="5375275"/>
+          </a:xfrm>
+        </p:spPr>
+        <p:txBody>
+          <a:bodyPr/>
+          <a:lstStyle/>
+          <a:p>
+            <a:pPr marL="0" indent="0" algn="l" rtl="0">
+              <a:buNone/>
+            </a:pPr>
+            <a:r>
+              <a:rPr lang="en-US" sz="4000" dirty="0"/>
+              <a:t>I have 2 type of ML :KNN , SVM</a:t>
+            </a:r>
+            <a:br>
+              <a:rPr lang="en-US" sz="4000" dirty="0"/>
+            </a:br>
+            <a:r>
+              <a:rPr lang="en-US" sz="4000" dirty="0"/>
+              <a:t>my data is divided 50%-50% (Encrypted /Unencrypted) </a:t>
+            </a:r>
+            <a:br>
+              <a:rPr lang="en-US" sz="4000" dirty="0"/>
+            </a:br>
+            <a:r>
+              <a:rPr lang="en-US" sz="4000" dirty="0"/>
+              <a:t>and to 80% Train 20% test.</a:t>
+            </a:r>
+            <a:br>
+              <a:rPr lang="en-US" sz="4000" dirty="0"/>
+            </a:br>
+            <a:endParaRPr lang="en-US" sz="4000" dirty="0"/>
+          </a:p>
+          <a:p>
+            <a:pPr marL="0" indent="0" algn="l" rtl="0">
+              <a:buNone/>
+            </a:pPr>
+            <a:endParaRPr lang="en-GB" sz="4400" dirty="0"/>
+          </a:p>
+        </p:txBody>
+      </p:sp>
+      <p:pic>
+        <p:nvPicPr>
+          <p:cNvPr id="2052" name="Picture 2" descr="תוצאת תמונה עבור מצגת אונ אריאל לוגו"/>
+          <p:cNvPicPr>
+            <a:picLocks noChangeAspect="1" noChangeArrowheads="1"/>
+          </p:cNvPicPr>
+          <p:nvPr/>
+        </p:nvPicPr>
+        <p:blipFill>
+          <a:blip r:embed="rId2">
+            <a:extLst>
+              <a:ext uri="{28A0092B-C50C-407E-A947-70E740481C1C}">
+                <a14:useLocalDpi xmlns:a14="http://schemas.microsoft.com/office/drawing/2010/main" val="0"/>
+              </a:ext>
+            </a:extLst>
+          </a:blip>
+          <a:srcRect/>
+          <a:stretch>
+            <a:fillRect/>
+          </a:stretch>
+        </p:blipFill>
+        <p:spPr bwMode="auto">
+          <a:xfrm>
+            <a:off x="10417175" y="-33338"/>
+            <a:ext cx="1800225" cy="1012826"/>
+          </a:xfrm>
+          <a:prstGeom prst="rect">
+            <a:avLst/>
+          </a:prstGeom>
+          <a:noFill/>
+          <a:ln>
+            <a:noFill/>
+          </a:ln>
+          <a:extLst>
+            <a:ext uri="{909E8E84-426E-40DD-AFC4-6F175D3DCCD1}">
+              <a14:hiddenFill xmlns:a14="http://schemas.microsoft.com/office/drawing/2010/main">
+                <a:solidFill>
+                  <a:srgbClr val="FFFFFF"/>
+                </a:solidFill>
+              </a14:hiddenFill>
+            </a:ext>
+            <a:ext uri="{91240B29-F687-4F45-9708-019B960494DF}">
+              <a14:hiddenLine xmlns:a14="http://schemas.microsoft.com/office/drawing/2010/main" w="9525">
+                <a:solidFill>
+                  <a:srgbClr val="000000"/>
+                </a:solidFill>
+                <a:miter lim="800000"/>
+                <a:headEnd/>
+                <a:tailEnd/>
+              </a14:hiddenLine>
+            </a:ext>
+          </a:extLst>
+        </p:spPr>
+      </p:pic>
+      <p:pic>
+        <p:nvPicPr>
+          <p:cNvPr id="2053" name="תמונה 4"/>
+          <p:cNvPicPr>
+            <a:picLocks noChangeAspect="1"/>
+          </p:cNvPicPr>
+          <p:nvPr/>
+        </p:nvPicPr>
+        <p:blipFill>
+          <a:blip r:embed="rId3">
+            <a:extLst>
+              <a:ext uri="{28A0092B-C50C-407E-A947-70E740481C1C}">
+                <a14:useLocalDpi xmlns:a14="http://schemas.microsoft.com/office/drawing/2010/main" val="0"/>
+              </a:ext>
+            </a:extLst>
+          </a:blip>
+          <a:srcRect/>
+          <a:stretch>
+            <a:fillRect/>
+          </a:stretch>
+        </p:blipFill>
+        <p:spPr bwMode="auto">
+          <a:xfrm>
+            <a:off x="0" y="5565775"/>
+            <a:ext cx="1054100" cy="1292225"/>
+          </a:xfrm>
+          <a:prstGeom prst="rect">
+            <a:avLst/>
+          </a:prstGeom>
+          <a:noFill/>
+          <a:ln>
+            <a:noFill/>
+          </a:ln>
+          <a:extLst>
+            <a:ext uri="{909E8E84-426E-40DD-AFC4-6F175D3DCCD1}">
+              <a14:hiddenFill xmlns:a14="http://schemas.microsoft.com/office/drawing/2010/main">
+                <a:solidFill>
+                  <a:srgbClr val="FFFFFF"/>
+                </a:solidFill>
+              </a14:hiddenFill>
+            </a:ext>
+            <a:ext uri="{91240B29-F687-4F45-9708-019B960494DF}">
+              <a14:hiddenLine xmlns:a14="http://schemas.microsoft.com/office/drawing/2010/main" w="9525">
+                <a:solidFill>
+                  <a:srgbClr val="000000"/>
+                </a:solidFill>
+                <a:miter lim="800000"/>
+                <a:headEnd/>
+                <a:tailEnd/>
+              </a14:hiddenLine>
+            </a:ext>
+          </a:extLst>
+        </p:spPr>
+      </p:pic>
+      <p:sp>
+        <p:nvSpPr>
+          <p:cNvPr id="6" name="מציין מיקום של מספר שקופית 5"/>
+          <p:cNvSpPr>
+            <a:spLocks noGrp="1"/>
+          </p:cNvSpPr>
+          <p:nvPr>
+            <p:ph type="sldNum" sz="quarter" idx="12"/>
+          </p:nvPr>
+        </p:nvSpPr>
+        <p:spPr/>
+        <p:txBody>
+          <a:bodyPr/>
+          <a:lstStyle/>
+          <a:p>
+            <a:pPr>
+              <a:defRPr/>
+            </a:pPr>
+            <a:fld id="{EB0A1C18-2E97-4B45-832C-DE832CBD48BD}" type="slidenum">
+              <a:rPr lang="he-IL" smtClean="0"/>
+              <a:pPr>
+                <a:defRPr/>
+              </a:pPr>
+              <a:t>23</a:t>
             </a:fld>
             <a:endParaRPr lang="he-IL" dirty="0"/>
           </a:p>
@@ -11931,7 +13088,7 @@
 </p:sld>
 </file>
 
-<file path=ppt/slides/slide22.xml><?xml version="1.0" encoding="utf-8"?>
+<file path=ppt/slides/slide24.xml><?xml version="1.0" encoding="utf-8"?>
 <p:sld xmlns:a="http://schemas.openxmlformats.org/drawingml/2006/main" xmlns:r="http://schemas.openxmlformats.org/officeDocument/2006/relationships" xmlns:p="http://schemas.openxmlformats.org/presentationml/2006/main">
   <p:cSld>
     <p:spTree>
@@ -12178,7 +13335,7 @@
               <a:pPr>
                 <a:defRPr/>
               </a:pPr>
-              <a:t>22</a:t>
+              <a:t>24</a:t>
             </a:fld>
             <a:endParaRPr lang="he-IL"/>
           </a:p>
@@ -12257,7 +13414,7 @@
 </p:sld>
 </file>
 
-<file path=ppt/slides/slide23.xml><?xml version="1.0" encoding="utf-8"?>
+<file path=ppt/slides/slide25.xml><?xml version="1.0" encoding="utf-8"?>
 <p:sld xmlns:a="http://schemas.openxmlformats.org/drawingml/2006/main" xmlns:r="http://schemas.openxmlformats.org/officeDocument/2006/relationships" xmlns:p="http://schemas.openxmlformats.org/presentationml/2006/main">
   <p:cSld>
     <p:spTree>
@@ -12542,7 +13699,7 @@
               <a:pPr>
                 <a:defRPr/>
               </a:pPr>
-              <a:t>23</a:t>
+              <a:t>25</a:t>
             </a:fld>
             <a:endParaRPr lang="he-IL"/>
           </a:p>
@@ -13152,7 +14309,7 @@
 </p:sld>
 </file>
 
-<file path=ppt/slides/slide24.xml><?xml version="1.0" encoding="utf-8"?>
+<file path=ppt/slides/slide26.xml><?xml version="1.0" encoding="utf-8"?>
 <p:sld xmlns:a="http://schemas.openxmlformats.org/drawingml/2006/main" xmlns:r="http://schemas.openxmlformats.org/officeDocument/2006/relationships" xmlns:p="http://schemas.openxmlformats.org/presentationml/2006/main">
   <p:cSld>
     <p:spTree>
@@ -13411,7 +14568,7 @@
               <a:pPr>
                 <a:defRPr/>
               </a:pPr>
-              <a:t>24</a:t>
+              <a:t>26</a:t>
             </a:fld>
             <a:endParaRPr lang="he-IL"/>
           </a:p>
@@ -14112,7 +15269,7 @@
 </p:sld>
 </file>
 
-<file path=ppt/slides/slide25.xml><?xml version="1.0" encoding="utf-8"?>
+<file path=ppt/slides/slide27.xml><?xml version="1.0" encoding="utf-8"?>
 <p:sld xmlns:a="http://schemas.openxmlformats.org/drawingml/2006/main" xmlns:r="http://schemas.openxmlformats.org/officeDocument/2006/relationships" xmlns:p="http://schemas.openxmlformats.org/presentationml/2006/main">
   <p:cSld>
     <p:spTree>
@@ -14359,7 +15516,7 @@
               <a:pPr>
                 <a:defRPr/>
               </a:pPr>
-              <a:t>25</a:t>
+              <a:t>27</a:t>
             </a:fld>
             <a:endParaRPr lang="he-IL"/>
           </a:p>
@@ -15073,7 +16230,7 @@
 </p:sld>
 </file>
 
-<file path=ppt/slides/slide3.xml><?xml version="1.0" encoding="utf-8"?>
+<file path=ppt/slides/slide28.xml><?xml version="1.0" encoding="utf-8"?>
 <p:sld xmlns:a="http://schemas.openxmlformats.org/drawingml/2006/main" xmlns:r="http://schemas.openxmlformats.org/officeDocument/2006/relationships" xmlns:p="http://schemas.openxmlformats.org/presentationml/2006/main">
   <p:cSld>
     <p:spTree>
@@ -15100,14 +16257,19 @@
             <p:ph type="title"/>
           </p:nvPr>
         </p:nvSpPr>
-        <p:spPr/>
+        <p:spPr>
+          <a:xfrm>
+            <a:off x="838200" y="59531"/>
+            <a:ext cx="10515600" cy="1325563"/>
+          </a:xfrm>
+        </p:spPr>
         <p:txBody>
           <a:bodyPr/>
           <a:lstStyle/>
           <a:p>
             <a:pPr algn="ctr"/>
             <a:r>
-              <a:rPr lang="en-GB" b="1">
+              <a:rPr lang="en-US" b="1" dirty="0">
                 <a:solidFill>
                   <a:srgbClr val="002060"/>
                 </a:solidFill>
@@ -15120,7 +16282,7 @@
                 </a:effectLst>
                 <a:cs typeface="+mn-cs"/>
               </a:rPr>
-              <a:t>INTRODUCTION</a:t>
+              <a:t>My Machine Learning results </a:t>
             </a:r>
             <a:endParaRPr lang="he-IL" b="1" dirty="0">
               <a:solidFill>
@@ -15135,79 +16297,6 @@
               </a:effectLst>
               <a:cs typeface="+mn-cs"/>
             </a:endParaRPr>
-          </a:p>
-        </p:txBody>
-      </p:sp>
-      <p:sp>
-        <p:nvSpPr>
-          <p:cNvPr id="5" name="מציין מיקום תוכן 4"/>
-          <p:cNvSpPr>
-            <a:spLocks noGrp="1"/>
-          </p:cNvSpPr>
-          <p:nvPr>
-            <p:ph idx="1"/>
-          </p:nvPr>
-        </p:nvSpPr>
-        <p:spPr>
-          <a:xfrm>
-            <a:off x="1054100" y="1554163"/>
-            <a:ext cx="10963275" cy="5167312"/>
-          </a:xfrm>
-        </p:spPr>
-        <p:txBody>
-          <a:bodyPr/>
-          <a:lstStyle/>
-          <a:p>
-            <a:pPr marL="0" indent="0" algn="l">
-              <a:buNone/>
-            </a:pPr>
-            <a:r>
-              <a:rPr lang="en-GB" sz="4400" dirty="0"/>
-              <a:t>Ransomware is a type of malware that prevents users from accessing their system or personal files. It demands a ransom payment to regain access.</a:t>
-            </a:r>
-            <a:br>
-              <a:rPr lang="en-GB" sz="4400" dirty="0"/>
-            </a:br>
-            <a:r>
-              <a:rPr lang="en-US" sz="4400" dirty="0"/>
-              <a:t>There are 2 type of ransomware:</a:t>
-            </a:r>
-          </a:p>
-          <a:p>
-            <a:pPr marL="742950" indent="-742950" algn="l" rtl="0">
-              <a:buAutoNum type="arabicPeriod"/>
-            </a:pPr>
-            <a:r>
-              <a:rPr lang="en-US" sz="4400" dirty="0"/>
-              <a:t>Lock the file</a:t>
-            </a:r>
-          </a:p>
-          <a:p>
-            <a:pPr marL="742950" indent="-742950" algn="l" rtl="0">
-              <a:buAutoNum type="arabicPeriod"/>
-            </a:pPr>
-            <a:r>
-              <a:rPr lang="en-US" sz="4400" dirty="0"/>
-              <a:t>Encrypted file</a:t>
-            </a:r>
-          </a:p>
-          <a:p>
-            <a:pPr marL="742950" indent="-742950" algn="l">
-              <a:buAutoNum type="arabicPeriod"/>
-            </a:pPr>
-            <a:endParaRPr lang="he-IL" sz="4400" dirty="0"/>
-          </a:p>
-          <a:p>
-            <a:pPr marL="0" indent="0" algn="l">
-              <a:buNone/>
-            </a:pPr>
-            <a:endParaRPr lang="en-GB" sz="4400" dirty="0"/>
-          </a:p>
-          <a:p>
-            <a:pPr marL="0" indent="0" algn="l">
-              <a:buNone/>
-            </a:pPr>
-            <a:endParaRPr lang="en-GB" sz="4400" dirty="0"/>
           </a:p>
         </p:txBody>
       </p:sp>
@@ -15342,12 +16431,376 @@
               <a:pPr>
                 <a:defRPr/>
               </a:pPr>
+              <a:t>28</a:t>
+            </a:fld>
+            <a:endParaRPr lang="he-IL"/>
+          </a:p>
+        </p:txBody>
+      </p:sp>
+      <p:pic>
+        <p:nvPicPr>
+          <p:cNvPr id="9" name="תמונה 8">
+            <a:extLst>
+              <a:ext uri="{FF2B5EF4-FFF2-40B4-BE49-F238E27FC236}">
+                <a16:creationId xmlns:a16="http://schemas.microsoft.com/office/drawing/2014/main" id="{8D745AA5-1A0E-4E4A-BE1D-4BD7B6EB2C01}"/>
+              </a:ext>
+            </a:extLst>
+          </p:cNvPr>
+          <p:cNvPicPr>
+            <a:picLocks noChangeAspect="1"/>
+          </p:cNvPicPr>
+          <p:nvPr/>
+        </p:nvPicPr>
+        <p:blipFill>
+          <a:blip r:embed="rId4">
+            <a:extLst>
+              <a:ext uri="{28A0092B-C50C-407E-A947-70E740481C1C}">
+                <a14:useLocalDpi xmlns:a14="http://schemas.microsoft.com/office/drawing/2010/main" val="0"/>
+              </a:ext>
+            </a:extLst>
+          </a:blip>
+          <a:stretch>
+            <a:fillRect/>
+          </a:stretch>
+        </p:blipFill>
+        <p:spPr>
+          <a:xfrm>
+            <a:off x="1622478" y="1477963"/>
+            <a:ext cx="8264472" cy="4522920"/>
+          </a:xfrm>
+          <a:prstGeom prst="rect">
+            <a:avLst/>
+          </a:prstGeom>
+        </p:spPr>
+      </p:pic>
+    </p:spTree>
+    <p:extLst>
+      <p:ext uri="{BB962C8B-B14F-4D97-AF65-F5344CB8AC3E}">
+        <p14:creationId xmlns:p14="http://schemas.microsoft.com/office/powerpoint/2010/main" val="2901077488"/>
+      </p:ext>
+    </p:extLst>
+  </p:cSld>
+  <p:clrMapOvr>
+    <a:masterClrMapping/>
+  </p:clrMapOvr>
+</p:sld>
+</file>
+
+<file path=ppt/slides/slide3.xml><?xml version="1.0" encoding="utf-8"?>
+<p:sld xmlns:a="http://schemas.openxmlformats.org/drawingml/2006/main" xmlns:r="http://schemas.openxmlformats.org/officeDocument/2006/relationships" xmlns:p="http://schemas.openxmlformats.org/presentationml/2006/main">
+  <p:cSld>
+    <p:spTree>
+      <p:nvGrpSpPr>
+        <p:cNvPr id="1" name=""/>
+        <p:cNvGrpSpPr/>
+        <p:nvPr/>
+      </p:nvGrpSpPr>
+      <p:grpSpPr>
+        <a:xfrm>
+          <a:off x="0" y="0"/>
+          <a:ext cx="0" cy="0"/>
+          <a:chOff x="0" y="0"/>
+          <a:chExt cx="0" cy="0"/>
+        </a:xfrm>
+      </p:grpSpPr>
+      <p:sp>
+        <p:nvSpPr>
+          <p:cNvPr id="4" name="כותרת 3"/>
+          <p:cNvSpPr>
+            <a:spLocks noGrp="1"/>
+          </p:cNvSpPr>
+          <p:nvPr>
+            <p:ph type="title"/>
+          </p:nvPr>
+        </p:nvSpPr>
+        <p:spPr>
+          <a:xfrm>
+            <a:off x="527050" y="0"/>
+            <a:ext cx="10515600" cy="1325563"/>
+          </a:xfrm>
+        </p:spPr>
+        <p:txBody>
+          <a:bodyPr/>
+          <a:lstStyle/>
+          <a:p>
+            <a:pPr algn="ctr"/>
+            <a:r>
+              <a:rPr lang="en-GB" b="1" dirty="0">
+                <a:solidFill>
+                  <a:srgbClr val="002060"/>
+                </a:solidFill>
+                <a:effectLst>
+                  <a:outerShdw blurRad="38100" dist="38100" dir="2700000" algn="tl">
+                    <a:srgbClr val="000000">
+                      <a:alpha val="43137"/>
+                    </a:srgbClr>
+                  </a:outerShdw>
+                </a:effectLst>
+                <a:cs typeface="+mn-cs"/>
+              </a:rPr>
+              <a:t>INTRODUCTION</a:t>
+            </a:r>
+            <a:endParaRPr lang="he-IL" b="1" dirty="0">
+              <a:solidFill>
+                <a:srgbClr val="002060"/>
+              </a:solidFill>
+              <a:effectLst>
+                <a:outerShdw blurRad="38100" dist="38100" dir="2700000" algn="tl">
+                  <a:srgbClr val="000000">
+                    <a:alpha val="43137"/>
+                  </a:srgbClr>
+                </a:outerShdw>
+              </a:effectLst>
+              <a:cs typeface="+mn-cs"/>
+            </a:endParaRPr>
+          </a:p>
+        </p:txBody>
+      </p:sp>
+      <p:sp>
+        <p:nvSpPr>
+          <p:cNvPr id="5" name="מציין מיקום תוכן 4"/>
+          <p:cNvSpPr>
+            <a:spLocks noGrp="1"/>
+          </p:cNvSpPr>
+          <p:nvPr>
+            <p:ph idx="1"/>
+          </p:nvPr>
+        </p:nvSpPr>
+        <p:spPr>
+          <a:xfrm>
+            <a:off x="701675" y="1052513"/>
+            <a:ext cx="10963275" cy="5167312"/>
+          </a:xfrm>
+        </p:spPr>
+        <p:txBody>
+          <a:bodyPr/>
+          <a:lstStyle/>
+          <a:p>
+            <a:pPr marL="0" indent="0" algn="l">
+              <a:buNone/>
+            </a:pPr>
+            <a:r>
+              <a:rPr lang="en-GB" sz="4400" dirty="0"/>
+              <a:t>Ransomware is a type of malware that prevents users from accessing their system or personal files. It demands a ransom payment to regain access.</a:t>
+            </a:r>
+            <a:br>
+              <a:rPr lang="en-GB" sz="4400" dirty="0"/>
+            </a:br>
+            <a:r>
+              <a:rPr lang="en-US" sz="4400" dirty="0"/>
+              <a:t>There are 2 type of ransomware</a:t>
+            </a:r>
+          </a:p>
+          <a:p>
+            <a:pPr marL="742950" indent="-742950" algn="l" rtl="0">
+              <a:buAutoNum type="arabicPeriod"/>
+            </a:pPr>
+            <a:r>
+              <a:rPr lang="en-US" sz="4400" dirty="0"/>
+              <a:t>Lock the file</a:t>
+            </a:r>
+          </a:p>
+          <a:p>
+            <a:pPr marL="742950" indent="-742950" algn="l" rtl="0">
+              <a:buAutoNum type="arabicPeriod"/>
+            </a:pPr>
+            <a:r>
+              <a:rPr lang="en-US" sz="4400" dirty="0"/>
+              <a:t>Encrypted file</a:t>
+            </a:r>
+          </a:p>
+          <a:p>
+            <a:pPr marL="742950" indent="-742950" algn="l">
+              <a:buAutoNum type="arabicPeriod"/>
+            </a:pPr>
+            <a:endParaRPr lang="he-IL" sz="4400" dirty="0"/>
+          </a:p>
+          <a:p>
+            <a:pPr marL="0" indent="0" algn="l">
+              <a:buNone/>
+            </a:pPr>
+            <a:endParaRPr lang="en-GB" sz="4400" dirty="0"/>
+          </a:p>
+          <a:p>
+            <a:pPr marL="0" indent="0" algn="l">
+              <a:buNone/>
+            </a:pPr>
+            <a:endParaRPr lang="en-GB" sz="4400" dirty="0"/>
+          </a:p>
+        </p:txBody>
+      </p:sp>
+      <p:pic>
+        <p:nvPicPr>
+          <p:cNvPr id="2052" name="Picture 2" descr="תוצאת תמונה עבור מצגת אונ אריאל לוגו"/>
+          <p:cNvPicPr>
+            <a:picLocks noChangeAspect="1" noChangeArrowheads="1"/>
+          </p:cNvPicPr>
+          <p:nvPr/>
+        </p:nvPicPr>
+        <p:blipFill>
+          <a:blip r:embed="rId2">
+            <a:extLst>
+              <a:ext uri="{28A0092B-C50C-407E-A947-70E740481C1C}">
+                <a14:useLocalDpi xmlns:a14="http://schemas.microsoft.com/office/drawing/2010/main" val="0"/>
+              </a:ext>
+            </a:extLst>
+          </a:blip>
+          <a:srcRect/>
+          <a:stretch>
+            <a:fillRect/>
+          </a:stretch>
+        </p:blipFill>
+        <p:spPr bwMode="auto">
+          <a:xfrm>
+            <a:off x="10417175" y="-33338"/>
+            <a:ext cx="1800225" cy="1012826"/>
+          </a:xfrm>
+          <a:prstGeom prst="rect">
+            <a:avLst/>
+          </a:prstGeom>
+          <a:noFill/>
+          <a:ln>
+            <a:noFill/>
+          </a:ln>
+          <a:extLst>
+            <a:ext uri="{909E8E84-426E-40DD-AFC4-6F175D3DCCD1}">
+              <a14:hiddenFill xmlns:a14="http://schemas.microsoft.com/office/drawing/2010/main">
+                <a:solidFill>
+                  <a:srgbClr val="FFFFFF"/>
+                </a:solidFill>
+              </a14:hiddenFill>
+            </a:ext>
+            <a:ext uri="{91240B29-F687-4F45-9708-019B960494DF}">
+              <a14:hiddenLine xmlns:a14="http://schemas.microsoft.com/office/drawing/2010/main" w="9525">
+                <a:solidFill>
+                  <a:srgbClr val="000000"/>
+                </a:solidFill>
+                <a:miter lim="800000"/>
+                <a:headEnd/>
+                <a:tailEnd/>
+              </a14:hiddenLine>
+            </a:ext>
+          </a:extLst>
+        </p:spPr>
+      </p:pic>
+      <p:pic>
+        <p:nvPicPr>
+          <p:cNvPr id="2053" name="תמונה 4"/>
+          <p:cNvPicPr>
+            <a:picLocks noChangeAspect="1"/>
+          </p:cNvPicPr>
+          <p:nvPr/>
+        </p:nvPicPr>
+        <p:blipFill>
+          <a:blip r:embed="rId3">
+            <a:extLst>
+              <a:ext uri="{28A0092B-C50C-407E-A947-70E740481C1C}">
+                <a14:useLocalDpi xmlns:a14="http://schemas.microsoft.com/office/drawing/2010/main" val="0"/>
+              </a:ext>
+            </a:extLst>
+          </a:blip>
+          <a:srcRect/>
+          <a:stretch>
+            <a:fillRect/>
+          </a:stretch>
+        </p:blipFill>
+        <p:spPr bwMode="auto">
+          <a:xfrm>
+            <a:off x="0" y="5565775"/>
+            <a:ext cx="1054100" cy="1292225"/>
+          </a:xfrm>
+          <a:prstGeom prst="rect">
+            <a:avLst/>
+          </a:prstGeom>
+          <a:noFill/>
+          <a:ln>
+            <a:noFill/>
+          </a:ln>
+          <a:extLst>
+            <a:ext uri="{909E8E84-426E-40DD-AFC4-6F175D3DCCD1}">
+              <a14:hiddenFill xmlns:a14="http://schemas.microsoft.com/office/drawing/2010/main">
+                <a:solidFill>
+                  <a:srgbClr val="FFFFFF"/>
+                </a:solidFill>
+              </a14:hiddenFill>
+            </a:ext>
+            <a:ext uri="{91240B29-F687-4F45-9708-019B960494DF}">
+              <a14:hiddenLine xmlns:a14="http://schemas.microsoft.com/office/drawing/2010/main" w="9525">
+                <a:solidFill>
+                  <a:srgbClr val="000000"/>
+                </a:solidFill>
+                <a:miter lim="800000"/>
+                <a:headEnd/>
+                <a:tailEnd/>
+              </a14:hiddenLine>
+            </a:ext>
+          </a:extLst>
+        </p:spPr>
+      </p:pic>
+      <p:sp>
+        <p:nvSpPr>
+          <p:cNvPr id="6" name="מציין מיקום של מספר שקופית 5"/>
+          <p:cNvSpPr>
+            <a:spLocks noGrp="1"/>
+          </p:cNvSpPr>
+          <p:nvPr>
+            <p:ph type="sldNum" sz="quarter" idx="12"/>
+          </p:nvPr>
+        </p:nvSpPr>
+        <p:spPr/>
+        <p:txBody>
+          <a:bodyPr/>
+          <a:lstStyle/>
+          <a:p>
+            <a:pPr>
+              <a:defRPr/>
+            </a:pPr>
+            <a:fld id="{EB0A1C18-2E97-4B45-832C-DE832CBD48BD}" type="slidenum">
+              <a:rPr lang="he-IL" smtClean="0"/>
+              <a:pPr>
+                <a:defRPr/>
+              </a:pPr>
               <a:t>3</a:t>
             </a:fld>
             <a:endParaRPr lang="he-IL" dirty="0"/>
           </a:p>
         </p:txBody>
       </p:sp>
+      <p:pic>
+        <p:nvPicPr>
+          <p:cNvPr id="8" name="תמונה 7">
+            <a:extLst>
+              <a:ext uri="{FF2B5EF4-FFF2-40B4-BE49-F238E27FC236}">
+                <a16:creationId xmlns:a16="http://schemas.microsoft.com/office/drawing/2014/main" id="{088D704B-79F4-4810-A654-33323B0B36C0}"/>
+              </a:ext>
+            </a:extLst>
+          </p:cNvPr>
+          <p:cNvPicPr>
+            <a:picLocks noChangeAspect="1"/>
+          </p:cNvPicPr>
+          <p:nvPr/>
+        </p:nvPicPr>
+        <p:blipFill rotWithShape="1">
+          <a:blip r:embed="rId4">
+            <a:extLst>
+              <a:ext uri="{28A0092B-C50C-407E-A947-70E740481C1C}">
+                <a14:useLocalDpi xmlns:a14="http://schemas.microsoft.com/office/drawing/2010/main" val="0"/>
+              </a:ext>
+            </a:extLst>
+          </a:blip>
+          <a:srcRect l="8335" t="5433" r="7371" b="39358"/>
+          <a:stretch/>
+        </p:blipFill>
+        <p:spPr>
+          <a:xfrm>
+            <a:off x="7394575" y="4288051"/>
+            <a:ext cx="4445000" cy="1841286"/>
+          </a:xfrm>
+          <a:prstGeom prst="rect">
+            <a:avLst/>
+          </a:prstGeom>
+        </p:spPr>
+      </p:pic>
     </p:spTree>
     <p:extLst>
       <p:ext uri="{BB962C8B-B14F-4D97-AF65-F5344CB8AC3E}">
@@ -15786,7 +17239,7 @@
                 </a:effectLst>
                 <a:cs typeface="+mn-cs"/>
               </a:rPr>
-              <a:t>INTRODUCTION</a:t>
+              <a:t>Ransomware Protector software's</a:t>
             </a:r>
             <a:endParaRPr lang="he-IL" b="1" dirty="0">
               <a:solidFill>
@@ -16008,8 +17461,44 @@
         </p:blipFill>
         <p:spPr>
           <a:xfrm>
-            <a:off x="3498850" y="1822450"/>
-            <a:ext cx="5677130" cy="4402137"/>
+            <a:off x="774700" y="1825627"/>
+            <a:ext cx="5333184" cy="4135436"/>
+          </a:xfrm>
+          <a:prstGeom prst="rect">
+            <a:avLst/>
+          </a:prstGeom>
+        </p:spPr>
+      </p:pic>
+      <p:pic>
+        <p:nvPicPr>
+          <p:cNvPr id="7" name="תמונה 6">
+            <a:extLst>
+              <a:ext uri="{FF2B5EF4-FFF2-40B4-BE49-F238E27FC236}">
+                <a16:creationId xmlns:a16="http://schemas.microsoft.com/office/drawing/2014/main" id="{AB0A7031-42AE-49F4-B44C-45DC64835229}"/>
+              </a:ext>
+            </a:extLst>
+          </p:cNvPr>
+          <p:cNvPicPr>
+            <a:picLocks noChangeAspect="1"/>
+          </p:cNvPicPr>
+          <p:nvPr/>
+        </p:nvPicPr>
+        <p:blipFill>
+          <a:blip r:embed="rId5">
+            <a:extLst>
+              <a:ext uri="{28A0092B-C50C-407E-A947-70E740481C1C}">
+                <a14:useLocalDpi xmlns:a14="http://schemas.microsoft.com/office/drawing/2010/main" val="0"/>
+              </a:ext>
+            </a:extLst>
+          </a:blip>
+          <a:stretch>
+            <a:fillRect/>
+          </a:stretch>
+        </p:blipFill>
+        <p:spPr>
+          <a:xfrm>
+            <a:off x="6266603" y="2592388"/>
+            <a:ext cx="5487201" cy="2711449"/>
           </a:xfrm>
           <a:prstGeom prst="rect">
             <a:avLst/>
@@ -16125,8 +17614,12 @@
               <a:defRPr/>
             </a:pPr>
             <a:r>
+              <a:rPr lang="en-US" altLang="en-US" sz="4400" b="1"/>
+              <a:t>My </a:t>
+            </a:r>
+            <a:r>
               <a:rPr lang="en-US" altLang="en-US" sz="4400" b="1" dirty="0"/>
-              <a:t>My goal is detection ransomware by using machine learning.</a:t>
+              <a:t>goal is to detect by machine learning whether an attack using ransomware has occurred</a:t>
             </a:r>
             <a:endParaRPr lang="he-IL" altLang="en-US" sz="4400" b="1" dirty="0"/>
           </a:p>

--- a/Presentation.pptx
+++ b/Presentation.pptx
@@ -266,7 +266,7 @@
           <a:p>
             <a:fld id="{649BBD9C-D497-449B-8A45-CEFABABC0F14}" type="datetimeFigureOut">
               <a:rPr lang="he-IL" smtClean="0"/>
-              <a:t>ט"ו/כסלו/תשפ"א</a:t>
+              <a:t>כ"ב/אלול/תשפ"א</a:t>
             </a:fld>
             <a:endParaRPr lang="he-IL"/>
           </a:p>
@@ -753,7 +753,7 @@
             </a:pPr>
             <a:fld id="{11F60F8F-5620-4AC4-968B-8E708B0EB044}" type="datetime8">
               <a:rPr lang="he-IL" smtClean="0"/>
-              <a:t>01 דצמבר 20</a:t>
+              <a:t>30 אוגוסט 21</a:t>
             </a:fld>
             <a:endParaRPr lang="he-IL"/>
           </a:p>
@@ -948,7 +948,7 @@
             </a:pPr>
             <a:fld id="{BC5AA7AD-4D67-4DA3-8B76-37A3860C5796}" type="datetime8">
               <a:rPr lang="he-IL" smtClean="0"/>
-              <a:t>01 דצמבר 20</a:t>
+              <a:t>30 אוגוסט 21</a:t>
             </a:fld>
             <a:endParaRPr lang="he-IL"/>
           </a:p>
@@ -1153,7 +1153,7 @@
             </a:pPr>
             <a:fld id="{8065C4D4-8AC6-4D06-87EA-123022CBEBAD}" type="datetime8">
               <a:rPr lang="he-IL" smtClean="0"/>
-              <a:t>01 דצמבר 20</a:t>
+              <a:t>30 אוגוסט 21</a:t>
             </a:fld>
             <a:endParaRPr lang="he-IL"/>
           </a:p>
@@ -1348,7 +1348,7 @@
             </a:pPr>
             <a:fld id="{41103980-B822-4F57-839F-0A2504DEFA24}" type="datetime8">
               <a:rPr lang="he-IL" smtClean="0"/>
-              <a:t>01 דצמבר 20</a:t>
+              <a:t>30 אוגוסט 21</a:t>
             </a:fld>
             <a:endParaRPr lang="he-IL"/>
           </a:p>
@@ -1620,7 +1620,7 @@
             </a:pPr>
             <a:fld id="{728E8B2A-623B-48D9-8A9C-570D386DBBB5}" type="datetime8">
               <a:rPr lang="he-IL" smtClean="0"/>
-              <a:t>01 דצמבר 20</a:t>
+              <a:t>30 אוגוסט 21</a:t>
             </a:fld>
             <a:endParaRPr lang="he-IL"/>
           </a:p>
@@ -1876,7 +1876,7 @@
             </a:pPr>
             <a:fld id="{87E72010-2B49-4FBA-A71F-1C903234F8ED}" type="datetime8">
               <a:rPr lang="he-IL" smtClean="0"/>
-              <a:t>01 דצמבר 20</a:t>
+              <a:t>30 אוגוסט 21</a:t>
             </a:fld>
             <a:endParaRPr lang="he-IL"/>
           </a:p>
@@ -2267,7 +2267,7 @@
             </a:pPr>
             <a:fld id="{ADEFFD37-6D3A-44CD-BAB7-31EB6031CE41}" type="datetime8">
               <a:rPr lang="he-IL" smtClean="0"/>
-              <a:t>01 דצמבר 20</a:t>
+              <a:t>30 אוגוסט 21</a:t>
             </a:fld>
             <a:endParaRPr lang="he-IL"/>
           </a:p>
@@ -2411,7 +2411,7 @@
             </a:pPr>
             <a:fld id="{46D0C1C9-37E6-49FD-B084-18925D31F7E5}" type="datetime8">
               <a:rPr lang="he-IL" smtClean="0"/>
-              <a:t>01 דצמבר 20</a:t>
+              <a:t>30 אוגוסט 21</a:t>
             </a:fld>
             <a:endParaRPr lang="he-IL"/>
           </a:p>
@@ -2533,7 +2533,7 @@
             </a:pPr>
             <a:fld id="{3D54F978-44C7-44E2-BD13-5AE6873239E3}" type="datetime8">
               <a:rPr lang="he-IL" smtClean="0"/>
-              <a:t>01 דצמבר 20</a:t>
+              <a:t>30 אוגוסט 21</a:t>
             </a:fld>
             <a:endParaRPr lang="he-IL"/>
           </a:p>
@@ -2835,7 +2835,7 @@
             </a:pPr>
             <a:fld id="{BCD9B4E6-04A8-47CC-BF34-E1B559BE5A34}" type="datetime8">
               <a:rPr lang="he-IL" smtClean="0"/>
-              <a:t>01 דצמבר 20</a:t>
+              <a:t>30 אוגוסט 21</a:t>
             </a:fld>
             <a:endParaRPr lang="he-IL"/>
           </a:p>
@@ -3120,7 +3120,7 @@
             </a:pPr>
             <a:fld id="{2D87A75D-ABFD-4273-A5DF-0717472152BE}" type="datetime8">
               <a:rPr lang="he-IL" smtClean="0"/>
-              <a:t>01 דצמבר 20</a:t>
+              <a:t>30 אוגוסט 21</a:t>
             </a:fld>
             <a:endParaRPr lang="he-IL"/>
           </a:p>
@@ -3416,7 +3416,7 @@
             </a:pPr>
             <a:fld id="{28EB3CBB-E95C-46A3-8650-BE56A767054C}" type="datetime8">
               <a:rPr lang="he-IL" smtClean="0"/>
-              <a:t>01 דצמבר 20</a:t>
+              <a:t>30 אוגוסט 21</a:t>
             </a:fld>
             <a:endParaRPr lang="he-IL"/>
           </a:p>
@@ -4027,20 +4027,12 @@
           <a:lstStyle/>
           <a:p>
             <a:r>
-              <a:rPr lang="en-US" altLang="en-US" b="1" dirty="0">
+              <a:rPr lang="en-US" altLang="en-US" b="1">
                 <a:solidFill>
                   <a:prstClr val="black"/>
                 </a:solidFill>
               </a:rPr>
-              <a:t>Orel Rahum </a:t>
-            </a:r>
-            <a:r>
-              <a:rPr lang="en-GB" altLang="en-US" b="1" dirty="0">
-                <a:solidFill>
-                  <a:prstClr val="black"/>
-                </a:solidFill>
-              </a:rPr>
-              <a:t>316423615</a:t>
+              <a:t>Orel Rahum</a:t>
             </a:r>
             <a:br>
               <a:rPr lang="en-GB" altLang="en-US" b="1" dirty="0">
